--- a/homeworks/hw_flowcharts.pptx
+++ b/homeworks/hw_flowcharts.pptx
@@ -242,7 +242,7 @@
           <a:p>
             <a:fld id="{E9F6782C-D12C-4EA6-9B4F-9C632223BD77}" type="datetimeFigureOut">
               <a:rPr lang="en-US" smtClean="0"/>
-              <a:t>9/11/2024</a:t>
+              <a:t>10/4/2024</a:t>
             </a:fld>
             <a:endParaRPr lang="en-US"/>
           </a:p>
@@ -656,7 +656,7 @@
           <a:p>
             <a:fld id="{F82C2A86-BDE9-42CD-8EB6-8266679404CE}" type="datetimeFigureOut">
               <a:rPr lang="en-US" smtClean="0"/>
-              <a:t>9/11/2024</a:t>
+              <a:t>10/4/2024</a:t>
             </a:fld>
             <a:endParaRPr lang="en-US"/>
           </a:p>
@@ -854,7 +854,7 @@
           <a:p>
             <a:fld id="{F82C2A86-BDE9-42CD-8EB6-8266679404CE}" type="datetimeFigureOut">
               <a:rPr lang="en-US" smtClean="0"/>
-              <a:t>9/11/2024</a:t>
+              <a:t>10/4/2024</a:t>
             </a:fld>
             <a:endParaRPr lang="en-US"/>
           </a:p>
@@ -1062,7 +1062,7 @@
           <a:p>
             <a:fld id="{F82C2A86-BDE9-42CD-8EB6-8266679404CE}" type="datetimeFigureOut">
               <a:rPr lang="en-US" smtClean="0"/>
-              <a:t>9/11/2024</a:t>
+              <a:t>10/4/2024</a:t>
             </a:fld>
             <a:endParaRPr lang="en-US"/>
           </a:p>
@@ -1260,7 +1260,7 @@
           <a:p>
             <a:fld id="{F82C2A86-BDE9-42CD-8EB6-8266679404CE}" type="datetimeFigureOut">
               <a:rPr lang="en-US" smtClean="0"/>
-              <a:t>9/11/2024</a:t>
+              <a:t>10/4/2024</a:t>
             </a:fld>
             <a:endParaRPr lang="en-US"/>
           </a:p>
@@ -1535,7 +1535,7 @@
           <a:p>
             <a:fld id="{F82C2A86-BDE9-42CD-8EB6-8266679404CE}" type="datetimeFigureOut">
               <a:rPr lang="en-US" smtClean="0"/>
-              <a:t>9/11/2024</a:t>
+              <a:t>10/4/2024</a:t>
             </a:fld>
             <a:endParaRPr lang="en-US"/>
           </a:p>
@@ -1800,7 +1800,7 @@
           <a:p>
             <a:fld id="{F82C2A86-BDE9-42CD-8EB6-8266679404CE}" type="datetimeFigureOut">
               <a:rPr lang="en-US" smtClean="0"/>
-              <a:t>9/11/2024</a:t>
+              <a:t>10/4/2024</a:t>
             </a:fld>
             <a:endParaRPr lang="en-US"/>
           </a:p>
@@ -2212,7 +2212,7 @@
           <a:p>
             <a:fld id="{F82C2A86-BDE9-42CD-8EB6-8266679404CE}" type="datetimeFigureOut">
               <a:rPr lang="en-US" smtClean="0"/>
-              <a:t>9/11/2024</a:t>
+              <a:t>10/4/2024</a:t>
             </a:fld>
             <a:endParaRPr lang="en-US"/>
           </a:p>
@@ -2353,7 +2353,7 @@
           <a:p>
             <a:fld id="{F82C2A86-BDE9-42CD-8EB6-8266679404CE}" type="datetimeFigureOut">
               <a:rPr lang="en-US" smtClean="0"/>
-              <a:t>9/11/2024</a:t>
+              <a:t>10/4/2024</a:t>
             </a:fld>
             <a:endParaRPr lang="en-US"/>
           </a:p>
@@ -2466,7 +2466,7 @@
           <a:p>
             <a:fld id="{F82C2A86-BDE9-42CD-8EB6-8266679404CE}" type="datetimeFigureOut">
               <a:rPr lang="en-US" smtClean="0"/>
-              <a:t>9/11/2024</a:t>
+              <a:t>10/4/2024</a:t>
             </a:fld>
             <a:endParaRPr lang="en-US"/>
           </a:p>
@@ -2777,7 +2777,7 @@
           <a:p>
             <a:fld id="{F82C2A86-BDE9-42CD-8EB6-8266679404CE}" type="datetimeFigureOut">
               <a:rPr lang="en-US" smtClean="0"/>
-              <a:t>9/11/2024</a:t>
+              <a:t>10/4/2024</a:t>
             </a:fld>
             <a:endParaRPr lang="en-US"/>
           </a:p>
@@ -3065,7 +3065,7 @@
           <a:p>
             <a:fld id="{F82C2A86-BDE9-42CD-8EB6-8266679404CE}" type="datetimeFigureOut">
               <a:rPr lang="en-US" smtClean="0"/>
-              <a:t>9/11/2024</a:t>
+              <a:t>10/4/2024</a:t>
             </a:fld>
             <a:endParaRPr lang="en-US"/>
           </a:p>
@@ -3306,7 +3306,7 @@
           <a:p>
             <a:fld id="{F82C2A86-BDE9-42CD-8EB6-8266679404CE}" type="datetimeFigureOut">
               <a:rPr lang="en-US" smtClean="0"/>
-              <a:t>9/11/2024</a:t>
+              <a:t>10/4/2024</a:t>
             </a:fld>
             <a:endParaRPr lang="en-US"/>
           </a:p>
@@ -6541,8 +6541,8 @@
           <a:chExt cx="0" cy="0"/>
         </a:xfrm>
       </p:grpSpPr>
-      <mc:AlternateContent xmlns:mc="http://schemas.openxmlformats.org/markup-compatibility/2006">
-        <mc:Choice xmlns:a14="http://schemas.microsoft.com/office/drawing/2010/main" Requires="a14">
+      <mc:AlternateContent xmlns:mc="http://schemas.openxmlformats.org/markup-compatibility/2006" xmlns:a14="http://schemas.microsoft.com/office/drawing/2010/main">
+        <mc:Choice Requires="a14">
           <p:sp>
             <p:nvSpPr>
               <p:cNvPr id="21" name="Rectangle: Rounded Corners 20">
@@ -6772,7 +6772,7 @@
             </p:txBody>
           </p:sp>
         </mc:Choice>
-        <mc:Fallback>
+        <mc:Fallback xmlns="">
           <p:sp>
             <p:nvSpPr>
               <p:cNvPr id="21" name="Rectangle: Rounded Corners 20">
@@ -7393,8 +7393,8 @@
           </a:fontRef>
         </p:style>
       </p:cxnSp>
-      <mc:AlternateContent xmlns:mc="http://schemas.openxmlformats.org/markup-compatibility/2006">
-        <mc:Choice xmlns:a14="http://schemas.microsoft.com/office/drawing/2010/main" Requires="a14">
+      <mc:AlternateContent xmlns:mc="http://schemas.openxmlformats.org/markup-compatibility/2006" xmlns:a14="http://schemas.microsoft.com/office/drawing/2010/main">
+        <mc:Choice Requires="a14">
           <p:sp>
             <p:nvSpPr>
               <p:cNvPr id="64" name="Rectangle: Rounded Corners 63">
@@ -7732,7 +7732,7 @@
             </p:txBody>
           </p:sp>
         </mc:Choice>
-        <mc:Fallback>
+        <mc:Fallback xmlns="">
           <p:sp>
             <p:nvSpPr>
               <p:cNvPr id="64" name="Rectangle: Rounded Corners 63">
@@ -7879,8 +7879,8 @@
           </a:fontRef>
         </p:style>
       </p:cxnSp>
-      <mc:AlternateContent xmlns:mc="http://schemas.openxmlformats.org/markup-compatibility/2006">
-        <mc:Choice xmlns:a14="http://schemas.microsoft.com/office/drawing/2010/main" Requires="a14">
+      <mc:AlternateContent xmlns:mc="http://schemas.openxmlformats.org/markup-compatibility/2006" xmlns:a14="http://schemas.microsoft.com/office/drawing/2010/main">
+        <mc:Choice Requires="a14">
           <p:sp>
             <p:nvSpPr>
               <p:cNvPr id="74" name="Rectangle 73">
@@ -7962,7 +7962,7 @@
             </p:txBody>
           </p:sp>
         </mc:Choice>
-        <mc:Fallback>
+        <mc:Fallback xmlns="">
           <p:sp>
             <p:nvSpPr>
               <p:cNvPr id="74" name="Rectangle 73">
@@ -8013,8 +8013,8 @@
           </p:sp>
         </mc:Fallback>
       </mc:AlternateContent>
-      <mc:AlternateContent xmlns:mc="http://schemas.openxmlformats.org/markup-compatibility/2006">
-        <mc:Choice xmlns:a14="http://schemas.microsoft.com/office/drawing/2010/main" Requires="a14">
+      <mc:AlternateContent xmlns:mc="http://schemas.openxmlformats.org/markup-compatibility/2006" xmlns:a14="http://schemas.microsoft.com/office/drawing/2010/main">
+        <mc:Choice Requires="a14">
           <p:sp>
             <p:nvSpPr>
               <p:cNvPr id="77" name="Rectangle 76">
@@ -8096,7 +8096,7 @@
             </p:txBody>
           </p:sp>
         </mc:Choice>
-        <mc:Fallback>
+        <mc:Fallback xmlns="">
           <p:sp>
             <p:nvSpPr>
               <p:cNvPr id="77" name="Rectangle 76">
@@ -8147,8 +8147,8 @@
           </p:sp>
         </mc:Fallback>
       </mc:AlternateContent>
-      <mc:AlternateContent xmlns:mc="http://schemas.openxmlformats.org/markup-compatibility/2006">
-        <mc:Choice xmlns:a14="http://schemas.microsoft.com/office/drawing/2010/main" Requires="a14">
+      <mc:AlternateContent xmlns:mc="http://schemas.openxmlformats.org/markup-compatibility/2006" xmlns:a14="http://schemas.microsoft.com/office/drawing/2010/main">
+        <mc:Choice Requires="a14">
           <p:sp>
             <p:nvSpPr>
               <p:cNvPr id="86" name="Rectangle 85">
@@ -8227,7 +8227,7 @@
             </p:txBody>
           </p:sp>
         </mc:Choice>
-        <mc:Fallback>
+        <mc:Fallback xmlns="">
           <p:sp>
             <p:nvSpPr>
               <p:cNvPr id="86" name="Rectangle 85">
@@ -8539,8 +8539,8 @@
           </a:fontRef>
         </p:style>
       </p:cxnSp>
-      <mc:AlternateContent xmlns:mc="http://schemas.openxmlformats.org/markup-compatibility/2006">
-        <mc:Choice xmlns:a14="http://schemas.microsoft.com/office/drawing/2010/main" Requires="a14">
+      <mc:AlternateContent xmlns:mc="http://schemas.openxmlformats.org/markup-compatibility/2006" xmlns:a14="http://schemas.microsoft.com/office/drawing/2010/main">
+        <mc:Choice Requires="a14">
           <p:sp>
             <p:nvSpPr>
               <p:cNvPr id="173" name="Rectangle 172">
@@ -8625,7 +8625,7 @@
             </p:txBody>
           </p:sp>
         </mc:Choice>
-        <mc:Fallback>
+        <mc:Fallback xmlns="">
           <p:sp>
             <p:nvSpPr>
               <p:cNvPr id="173" name="Rectangle 172">
@@ -9188,8 +9188,8 @@
           </a:p>
         </p:txBody>
       </p:sp>
-      <mc:AlternateContent xmlns:mc="http://schemas.openxmlformats.org/markup-compatibility/2006">
-        <mc:Choice xmlns:a14="http://schemas.microsoft.com/office/drawing/2010/main" Requires="a14">
+      <mc:AlternateContent xmlns:mc="http://schemas.openxmlformats.org/markup-compatibility/2006" xmlns:a14="http://schemas.microsoft.com/office/drawing/2010/main">
+        <mc:Choice Requires="a14">
           <p:sp>
             <p:nvSpPr>
               <p:cNvPr id="64" name="Rectangle: Rounded Corners 63">
@@ -9527,7 +9527,7 @@
             </p:txBody>
           </p:sp>
         </mc:Choice>
-        <mc:Fallback>
+        <mc:Fallback xmlns="">
           <p:sp>
             <p:nvSpPr>
               <p:cNvPr id="64" name="Rectangle: Rounded Corners 63">
@@ -9854,8 +9854,8 @@
           </a:p>
         </p:txBody>
       </p:sp>
-      <mc:AlternateContent xmlns:mc="http://schemas.openxmlformats.org/markup-compatibility/2006">
-        <mc:Choice xmlns:a14="http://schemas.microsoft.com/office/drawing/2010/main" Requires="a14">
+      <mc:AlternateContent xmlns:mc="http://schemas.openxmlformats.org/markup-compatibility/2006" xmlns:a14="http://schemas.microsoft.com/office/drawing/2010/main">
+        <mc:Choice Requires="a14">
           <p:sp>
             <p:nvSpPr>
               <p:cNvPr id="19" name="Rectangle 18">
@@ -9937,7 +9937,7 @@
             </p:txBody>
           </p:sp>
         </mc:Choice>
-        <mc:Fallback>
+        <mc:Fallback xmlns="">
           <p:sp>
             <p:nvSpPr>
               <p:cNvPr id="19" name="Rectangle 18">
@@ -9988,8 +9988,8 @@
           </p:sp>
         </mc:Fallback>
       </mc:AlternateContent>
-      <mc:AlternateContent xmlns:mc="http://schemas.openxmlformats.org/markup-compatibility/2006">
-        <mc:Choice xmlns:a14="http://schemas.microsoft.com/office/drawing/2010/main" Requires="a14">
+      <mc:AlternateContent xmlns:mc="http://schemas.openxmlformats.org/markup-compatibility/2006" xmlns:a14="http://schemas.microsoft.com/office/drawing/2010/main">
+        <mc:Choice Requires="a14">
           <p:sp>
             <p:nvSpPr>
               <p:cNvPr id="32" name="Rectangle: Rounded Corners 31">
@@ -10327,7 +10327,7 @@
             </p:txBody>
           </p:sp>
         </mc:Choice>
-        <mc:Fallback>
+        <mc:Fallback xmlns="">
           <p:sp>
             <p:nvSpPr>
               <p:cNvPr id="32" name="Rectangle: Rounded Corners 31">
@@ -10910,8 +10910,8 @@
           </a:fontRef>
         </p:style>
       </p:cxnSp>
-      <mc:AlternateContent xmlns:mc="http://schemas.openxmlformats.org/markup-compatibility/2006">
-        <mc:Choice xmlns:a14="http://schemas.microsoft.com/office/drawing/2010/main" Requires="a14">
+      <mc:AlternateContent xmlns:mc="http://schemas.openxmlformats.org/markup-compatibility/2006" xmlns:a14="http://schemas.microsoft.com/office/drawing/2010/main">
+        <mc:Choice Requires="a14">
           <p:sp>
             <p:nvSpPr>
               <p:cNvPr id="92" name="Rectangle 91">
@@ -10993,7 +10993,7 @@
             </p:txBody>
           </p:sp>
         </mc:Choice>
-        <mc:Fallback>
+        <mc:Fallback xmlns="">
           <p:sp>
             <p:nvSpPr>
               <p:cNvPr id="92" name="Rectangle 91">
@@ -11090,8 +11090,8 @@
           </a:fontRef>
         </p:style>
       </p:cxnSp>
-      <mc:AlternateContent xmlns:mc="http://schemas.openxmlformats.org/markup-compatibility/2006">
-        <mc:Choice xmlns:a14="http://schemas.microsoft.com/office/drawing/2010/main" Requires="a14">
+      <mc:AlternateContent xmlns:mc="http://schemas.openxmlformats.org/markup-compatibility/2006" xmlns:a14="http://schemas.microsoft.com/office/drawing/2010/main">
+        <mc:Choice Requires="a14">
           <p:sp>
             <p:nvSpPr>
               <p:cNvPr id="101" name="Rectangle 100">
@@ -11176,7 +11176,7 @@
             </p:txBody>
           </p:sp>
         </mc:Choice>
-        <mc:Fallback>
+        <mc:Fallback xmlns="">
           <p:sp>
             <p:nvSpPr>
               <p:cNvPr id="101" name="Rectangle 100">
@@ -11492,8 +11492,8 @@
           <a:chExt cx="0" cy="0"/>
         </a:xfrm>
       </p:grpSpPr>
-      <mc:AlternateContent xmlns:mc="http://schemas.openxmlformats.org/markup-compatibility/2006">
-        <mc:Choice xmlns:a14="http://schemas.microsoft.com/office/drawing/2010/main" Requires="a14">
+      <mc:AlternateContent xmlns:mc="http://schemas.openxmlformats.org/markup-compatibility/2006" xmlns:a14="http://schemas.microsoft.com/office/drawing/2010/main">
+        <mc:Choice Requires="a14">
           <p:sp>
             <p:nvSpPr>
               <p:cNvPr id="258" name="Rectangle: Rounded Corners 257">
@@ -11581,6 +11581,7 @@
                 </a:r>
               </a:p>
               <a:p>
+                <a:pPr/>
                 <a14:m>
                   <m:oMathPara xmlns:m="http://schemas.openxmlformats.org/officeDocument/2006/math">
                     <m:oMathParaPr>
@@ -11819,7 +11820,7 @@
             </p:txBody>
           </p:sp>
         </mc:Choice>
-        <mc:Fallback>
+        <mc:Fallback xmlns="">
           <p:sp>
             <p:nvSpPr>
               <p:cNvPr id="258" name="Rectangle: Rounded Corners 257">
@@ -11871,8 +11872,8 @@
           </p:sp>
         </mc:Fallback>
       </mc:AlternateContent>
-      <mc:AlternateContent xmlns:mc="http://schemas.openxmlformats.org/markup-compatibility/2006">
-        <mc:Choice xmlns:a14="http://schemas.microsoft.com/office/drawing/2010/main" Requires="a14">
+      <mc:AlternateContent xmlns:mc="http://schemas.openxmlformats.org/markup-compatibility/2006" xmlns:a14="http://schemas.microsoft.com/office/drawing/2010/main">
+        <mc:Choice Requires="a14">
           <p:sp>
             <p:nvSpPr>
               <p:cNvPr id="288" name="Rectangle: Rounded Corners 287">
@@ -11960,6 +11961,7 @@
                 </a:r>
               </a:p>
               <a:p>
+                <a:pPr/>
                 <a14:m>
                   <m:oMathPara xmlns:m="http://schemas.openxmlformats.org/officeDocument/2006/math">
                     <m:oMathParaPr>
@@ -12166,7 +12168,7 @@
             </p:txBody>
           </p:sp>
         </mc:Choice>
-        <mc:Fallback>
+        <mc:Fallback xmlns="">
           <p:sp>
             <p:nvSpPr>
               <p:cNvPr id="288" name="Rectangle: Rounded Corners 287">
@@ -12449,8 +12451,8 @@
           </a:p>
         </p:txBody>
       </p:sp>
-      <mc:AlternateContent xmlns:mc="http://schemas.openxmlformats.org/markup-compatibility/2006">
-        <mc:Choice xmlns:a14="http://schemas.microsoft.com/office/drawing/2010/main" Requires="a14">
+      <mc:AlternateContent xmlns:mc="http://schemas.openxmlformats.org/markup-compatibility/2006" xmlns:a14="http://schemas.microsoft.com/office/drawing/2010/main">
+        <mc:Choice Requires="a14">
           <p:sp>
             <p:nvSpPr>
               <p:cNvPr id="5" name="Rectangle: Rounded Corners 4">
@@ -12716,7 +12718,7 @@
             </p:txBody>
           </p:sp>
         </mc:Choice>
-        <mc:Fallback>
+        <mc:Fallback xmlns="">
           <p:sp>
             <p:nvSpPr>
               <p:cNvPr id="5" name="Rectangle: Rounded Corners 4">
@@ -12768,8 +12770,8 @@
           </p:sp>
         </mc:Fallback>
       </mc:AlternateContent>
-      <mc:AlternateContent xmlns:mc="http://schemas.openxmlformats.org/markup-compatibility/2006">
-        <mc:Choice xmlns:a14="http://schemas.microsoft.com/office/drawing/2010/main" Requires="a14">
+      <mc:AlternateContent xmlns:mc="http://schemas.openxmlformats.org/markup-compatibility/2006" xmlns:a14="http://schemas.microsoft.com/office/drawing/2010/main">
+        <mc:Choice Requires="a14">
           <p:sp>
             <p:nvSpPr>
               <p:cNvPr id="6" name="Rectangle: Rounded Corners 5">
@@ -12983,7 +12985,7 @@
             </p:txBody>
           </p:sp>
         </mc:Choice>
-        <mc:Fallback>
+        <mc:Fallback xmlns="">
           <p:sp>
             <p:nvSpPr>
               <p:cNvPr id="6" name="Rectangle: Rounded Corners 5">
@@ -13035,8 +13037,8 @@
           </p:sp>
         </mc:Fallback>
       </mc:AlternateContent>
-      <mc:AlternateContent xmlns:mc="http://schemas.openxmlformats.org/markup-compatibility/2006">
-        <mc:Choice xmlns:a14="http://schemas.microsoft.com/office/drawing/2010/main" Requires="a14">
+      <mc:AlternateContent xmlns:mc="http://schemas.openxmlformats.org/markup-compatibility/2006" xmlns:a14="http://schemas.microsoft.com/office/drawing/2010/main">
+        <mc:Choice Requires="a14">
           <p:sp>
             <p:nvSpPr>
               <p:cNvPr id="7" name="Rectangle: Rounded Corners 6">
@@ -13153,6 +13155,7 @@
                 </a:r>
               </a:p>
               <a:p>
+                <a:pPr/>
                 <a14:m>
                   <m:oMathPara xmlns:m="http://schemas.openxmlformats.org/officeDocument/2006/math">
                     <m:oMathParaPr>
@@ -13508,7 +13511,7 @@
             </p:txBody>
           </p:sp>
         </mc:Choice>
-        <mc:Fallback>
+        <mc:Fallback xmlns="">
           <p:sp>
             <p:nvSpPr>
               <p:cNvPr id="7" name="Rectangle: Rounded Corners 6">
@@ -13726,8 +13729,8 @@
           </a:fontRef>
         </p:style>
       </p:cxnSp>
-      <mc:AlternateContent xmlns:mc="http://schemas.openxmlformats.org/markup-compatibility/2006">
-        <mc:Choice xmlns:a14="http://schemas.microsoft.com/office/drawing/2010/main" Requires="a14">
+      <mc:AlternateContent xmlns:mc="http://schemas.openxmlformats.org/markup-compatibility/2006" xmlns:a14="http://schemas.microsoft.com/office/drawing/2010/main">
+        <mc:Choice Requires="a14">
           <p:sp>
             <p:nvSpPr>
               <p:cNvPr id="10" name="Rectangle 9">
@@ -13809,7 +13812,7 @@
             </p:txBody>
           </p:sp>
         </mc:Choice>
-        <mc:Fallback>
+        <mc:Fallback xmlns="">
           <p:sp>
             <p:nvSpPr>
               <p:cNvPr id="10" name="Rectangle 9">
@@ -13908,8 +13911,8 @@
           </a:fontRef>
         </p:style>
       </p:cxnSp>
-      <mc:AlternateContent xmlns:mc="http://schemas.openxmlformats.org/markup-compatibility/2006">
-        <mc:Choice xmlns:a14="http://schemas.microsoft.com/office/drawing/2010/main" Requires="a14">
+      <mc:AlternateContent xmlns:mc="http://schemas.openxmlformats.org/markup-compatibility/2006" xmlns:a14="http://schemas.microsoft.com/office/drawing/2010/main">
+        <mc:Choice Requires="a14">
           <p:sp>
             <p:nvSpPr>
               <p:cNvPr id="23" name="Rectangle 22">
@@ -14022,7 +14025,7 @@
             </p:txBody>
           </p:sp>
         </mc:Choice>
-        <mc:Fallback>
+        <mc:Fallback xmlns="">
           <p:sp>
             <p:nvSpPr>
               <p:cNvPr id="23" name="Rectangle 22">
@@ -14215,8 +14218,8 @@
           </a:fontRef>
         </p:style>
       </p:cxnSp>
-      <mc:AlternateContent xmlns:mc="http://schemas.openxmlformats.org/markup-compatibility/2006">
-        <mc:Choice xmlns:a14="http://schemas.microsoft.com/office/drawing/2010/main" Requires="a14">
+      <mc:AlternateContent xmlns:mc="http://schemas.openxmlformats.org/markup-compatibility/2006" xmlns:a14="http://schemas.microsoft.com/office/drawing/2010/main">
+        <mc:Choice Requires="a14">
           <p:sp>
             <p:nvSpPr>
               <p:cNvPr id="40" name="Rectangle 39">
@@ -14295,7 +14298,7 @@
             </p:txBody>
           </p:sp>
         </mc:Choice>
-        <mc:Fallback>
+        <mc:Fallback xmlns="">
           <p:sp>
             <p:nvSpPr>
               <p:cNvPr id="40" name="Rectangle 39">
@@ -14346,8 +14349,8 @@
           </p:sp>
         </mc:Fallback>
       </mc:AlternateContent>
-      <mc:AlternateContent xmlns:mc="http://schemas.openxmlformats.org/markup-compatibility/2006">
-        <mc:Choice xmlns:a14="http://schemas.microsoft.com/office/drawing/2010/main" Requires="a14">
+      <mc:AlternateContent xmlns:mc="http://schemas.openxmlformats.org/markup-compatibility/2006" xmlns:a14="http://schemas.microsoft.com/office/drawing/2010/main">
+        <mc:Choice Requires="a14">
           <p:sp>
             <p:nvSpPr>
               <p:cNvPr id="61" name="Rectangle: Rounded Corners 60">
@@ -14543,7 +14546,7 @@
             </p:txBody>
           </p:sp>
         </mc:Choice>
-        <mc:Fallback>
+        <mc:Fallback xmlns="">
           <p:sp>
             <p:nvSpPr>
               <p:cNvPr id="61" name="Rectangle: Rounded Corners 60">
@@ -14595,8 +14598,8 @@
           </p:sp>
         </mc:Fallback>
       </mc:AlternateContent>
-      <mc:AlternateContent xmlns:mc="http://schemas.openxmlformats.org/markup-compatibility/2006">
-        <mc:Choice xmlns:a14="http://schemas.microsoft.com/office/drawing/2010/main" Requires="a14">
+      <mc:AlternateContent xmlns:mc="http://schemas.openxmlformats.org/markup-compatibility/2006" xmlns:a14="http://schemas.microsoft.com/office/drawing/2010/main">
+        <mc:Choice Requires="a14">
           <p:sp>
             <p:nvSpPr>
               <p:cNvPr id="62" name="Rectangle: Rounded Corners 61">
@@ -14792,7 +14795,7 @@
             </p:txBody>
           </p:sp>
         </mc:Choice>
-        <mc:Fallback>
+        <mc:Fallback xmlns="">
           <p:sp>
             <p:nvSpPr>
               <p:cNvPr id="62" name="Rectangle: Rounded Corners 61">
@@ -14844,8 +14847,8 @@
           </p:sp>
         </mc:Fallback>
       </mc:AlternateContent>
-      <mc:AlternateContent xmlns:mc="http://schemas.openxmlformats.org/markup-compatibility/2006">
-        <mc:Choice xmlns:a14="http://schemas.microsoft.com/office/drawing/2010/main" Requires="a14">
+      <mc:AlternateContent xmlns:mc="http://schemas.openxmlformats.org/markup-compatibility/2006" xmlns:a14="http://schemas.microsoft.com/office/drawing/2010/main">
+        <mc:Choice Requires="a14">
           <p:sp>
             <p:nvSpPr>
               <p:cNvPr id="108" name="Oval 107">
@@ -14926,7 +14929,7 @@
             </p:txBody>
           </p:sp>
         </mc:Choice>
-        <mc:Fallback>
+        <mc:Fallback xmlns="">
           <p:sp>
             <p:nvSpPr>
               <p:cNvPr id="108" name="Oval 107">
@@ -15185,8 +15188,8 @@
           </a:p>
         </p:txBody>
       </p:sp>
-      <mc:AlternateContent xmlns:mc="http://schemas.openxmlformats.org/markup-compatibility/2006">
-        <mc:Choice xmlns:a14="http://schemas.microsoft.com/office/drawing/2010/main" Requires="a14">
+      <mc:AlternateContent xmlns:mc="http://schemas.openxmlformats.org/markup-compatibility/2006" xmlns:a14="http://schemas.microsoft.com/office/drawing/2010/main">
+        <mc:Choice Requires="a14">
           <p:sp>
             <p:nvSpPr>
               <p:cNvPr id="141" name="Rectangle 140">
@@ -15265,7 +15268,7 @@
             </p:txBody>
           </p:sp>
         </mc:Choice>
-        <mc:Fallback>
+        <mc:Fallback xmlns="">
           <p:sp>
             <p:nvSpPr>
               <p:cNvPr id="141" name="Rectangle 140">
@@ -15354,8 +15357,8 @@
           </a:p>
         </p:txBody>
       </p:sp>
-      <mc:AlternateContent xmlns:mc="http://schemas.openxmlformats.org/markup-compatibility/2006">
-        <mc:Choice xmlns:a14="http://schemas.microsoft.com/office/drawing/2010/main" Requires="a14">
+      <mc:AlternateContent xmlns:mc="http://schemas.openxmlformats.org/markup-compatibility/2006" xmlns:a14="http://schemas.microsoft.com/office/drawing/2010/main">
+        <mc:Choice Requires="a14">
           <p:sp>
             <p:nvSpPr>
               <p:cNvPr id="175" name="Rectangle 174">
@@ -15434,7 +15437,7 @@
             </p:txBody>
           </p:sp>
         </mc:Choice>
-        <mc:Fallback>
+        <mc:Fallback xmlns="">
           <p:sp>
             <p:nvSpPr>
               <p:cNvPr id="175" name="Rectangle 174">
@@ -15533,8 +15536,8 @@
           </a:fontRef>
         </p:style>
       </p:cxnSp>
-      <mc:AlternateContent xmlns:mc="http://schemas.openxmlformats.org/markup-compatibility/2006">
-        <mc:Choice xmlns:a14="http://schemas.microsoft.com/office/drawing/2010/main" Requires="a14">
+      <mc:AlternateContent xmlns:mc="http://schemas.openxmlformats.org/markup-compatibility/2006" xmlns:a14="http://schemas.microsoft.com/office/drawing/2010/main">
+        <mc:Choice Requires="a14">
           <p:sp>
             <p:nvSpPr>
               <p:cNvPr id="188" name="Rectangle 187">
@@ -15613,7 +15616,7 @@
             </p:txBody>
           </p:sp>
         </mc:Choice>
-        <mc:Fallback>
+        <mc:Fallback xmlns="">
           <p:sp>
             <p:nvSpPr>
               <p:cNvPr id="188" name="Rectangle 187">
@@ -15884,8 +15887,8 @@
           </a:p>
         </p:txBody>
       </p:sp>
-      <mc:AlternateContent xmlns:mc="http://schemas.openxmlformats.org/markup-compatibility/2006">
-        <mc:Choice xmlns:a14="http://schemas.microsoft.com/office/drawing/2010/main" Requires="a14">
+      <mc:AlternateContent xmlns:mc="http://schemas.openxmlformats.org/markup-compatibility/2006" xmlns:a14="http://schemas.microsoft.com/office/drawing/2010/main">
+        <mc:Choice Requires="a14">
           <p:sp>
             <p:nvSpPr>
               <p:cNvPr id="238" name="Rectangle 237">
@@ -15979,7 +15982,7 @@
             </p:txBody>
           </p:sp>
         </mc:Choice>
-        <mc:Fallback>
+        <mc:Fallback xmlns="">
           <p:sp>
             <p:nvSpPr>
               <p:cNvPr id="238" name="Rectangle 237">
@@ -16201,8 +16204,8 @@
           <a:chExt cx="0" cy="0"/>
         </a:xfrm>
       </p:grpSpPr>
-      <mc:AlternateContent xmlns:mc="http://schemas.openxmlformats.org/markup-compatibility/2006">
-        <mc:Choice xmlns:a14="http://schemas.microsoft.com/office/drawing/2010/main" Requires="a14">
+      <mc:AlternateContent xmlns:mc="http://schemas.openxmlformats.org/markup-compatibility/2006" xmlns:a14="http://schemas.microsoft.com/office/drawing/2010/main">
+        <mc:Choice Requires="a14">
           <p:sp>
             <p:nvSpPr>
               <p:cNvPr id="44" name="Rectangle: Rounded Corners 43">
@@ -16401,7 +16404,7 @@
             </p:txBody>
           </p:sp>
         </mc:Choice>
-        <mc:Fallback>
+        <mc:Fallback xmlns="">
           <p:sp>
             <p:nvSpPr>
               <p:cNvPr id="44" name="Rectangle: Rounded Corners 43">
@@ -16588,8 +16591,8 @@
           </a:p>
         </p:txBody>
       </p:sp>
-      <mc:AlternateContent xmlns:mc="http://schemas.openxmlformats.org/markup-compatibility/2006">
-        <mc:Choice xmlns:a14="http://schemas.microsoft.com/office/drawing/2010/main" Requires="a14">
+      <mc:AlternateContent xmlns:mc="http://schemas.openxmlformats.org/markup-compatibility/2006" xmlns:a14="http://schemas.microsoft.com/office/drawing/2010/main">
+        <mc:Choice Requires="a14">
           <p:sp>
             <p:nvSpPr>
               <p:cNvPr id="35" name="Rectangle: Rounded Corners 34">
@@ -16822,7 +16825,7 @@
             </p:txBody>
           </p:sp>
         </mc:Choice>
-        <mc:Fallback>
+        <mc:Fallback xmlns="">
           <p:sp>
             <p:nvSpPr>
               <p:cNvPr id="35" name="Rectangle: Rounded Corners 34">
@@ -16874,8 +16877,8 @@
           </p:sp>
         </mc:Fallback>
       </mc:AlternateContent>
-      <mc:AlternateContent xmlns:mc="http://schemas.openxmlformats.org/markup-compatibility/2006">
-        <mc:Choice xmlns:a14="http://schemas.microsoft.com/office/drawing/2010/main" Requires="a14">
+      <mc:AlternateContent xmlns:mc="http://schemas.openxmlformats.org/markup-compatibility/2006" xmlns:a14="http://schemas.microsoft.com/office/drawing/2010/main">
+        <mc:Choice Requires="a14">
           <p:sp>
             <p:nvSpPr>
               <p:cNvPr id="36" name="Rectangle: Rounded Corners 35">
@@ -17074,7 +17077,7 @@
             </p:txBody>
           </p:sp>
         </mc:Choice>
-        <mc:Fallback>
+        <mc:Fallback xmlns="">
           <p:sp>
             <p:nvSpPr>
               <p:cNvPr id="36" name="Rectangle: Rounded Corners 35">
@@ -17126,8 +17129,8 @@
           </p:sp>
         </mc:Fallback>
       </mc:AlternateContent>
-      <mc:AlternateContent xmlns:mc="http://schemas.openxmlformats.org/markup-compatibility/2006">
-        <mc:Choice xmlns:a14="http://schemas.microsoft.com/office/drawing/2010/main" Requires="a14">
+      <mc:AlternateContent xmlns:mc="http://schemas.openxmlformats.org/markup-compatibility/2006" xmlns:a14="http://schemas.microsoft.com/office/drawing/2010/main">
+        <mc:Choice Requires="a14">
           <p:sp>
             <p:nvSpPr>
               <p:cNvPr id="37" name="Rectangle: Rounded Corners 36">
@@ -17326,7 +17329,7 @@
             </p:txBody>
           </p:sp>
         </mc:Choice>
-        <mc:Fallback>
+        <mc:Fallback xmlns="">
           <p:sp>
             <p:nvSpPr>
               <p:cNvPr id="37" name="Rectangle: Rounded Corners 36">
@@ -17474,8 +17477,8 @@
           </a:fontRef>
         </p:style>
       </p:cxnSp>
-      <mc:AlternateContent xmlns:mc="http://schemas.openxmlformats.org/markup-compatibility/2006">
-        <mc:Choice xmlns:a14="http://schemas.microsoft.com/office/drawing/2010/main" Requires="a14">
+      <mc:AlternateContent xmlns:mc="http://schemas.openxmlformats.org/markup-compatibility/2006" xmlns:a14="http://schemas.microsoft.com/office/drawing/2010/main">
+        <mc:Choice Requires="a14">
           <p:sp>
             <p:nvSpPr>
               <p:cNvPr id="69" name="Rectangle: Rounded Corners 68">
@@ -17738,7 +17741,7 @@
             </p:txBody>
           </p:sp>
         </mc:Choice>
-        <mc:Fallback>
+        <mc:Fallback xmlns="">
           <p:sp>
             <p:nvSpPr>
               <p:cNvPr id="69" name="Rectangle: Rounded Corners 68">
@@ -17838,8 +17841,8 @@
           </a:fontRef>
         </p:style>
       </p:cxnSp>
-      <mc:AlternateContent xmlns:mc="http://schemas.openxmlformats.org/markup-compatibility/2006">
-        <mc:Choice xmlns:a14="http://schemas.microsoft.com/office/drawing/2010/main" Requires="a14">
+      <mc:AlternateContent xmlns:mc="http://schemas.openxmlformats.org/markup-compatibility/2006" xmlns:a14="http://schemas.microsoft.com/office/drawing/2010/main">
+        <mc:Choice Requires="a14">
           <p:sp>
             <p:nvSpPr>
               <p:cNvPr id="45" name="Rectangle: Rounded Corners 44">
@@ -18035,7 +18038,7 @@
             </p:txBody>
           </p:sp>
         </mc:Choice>
-        <mc:Fallback>
+        <mc:Fallback xmlns="">
           <p:sp>
             <p:nvSpPr>
               <p:cNvPr id="45" name="Rectangle: Rounded Corners 44">
@@ -18087,8 +18090,8 @@
           </p:sp>
         </mc:Fallback>
       </mc:AlternateContent>
-      <mc:AlternateContent xmlns:mc="http://schemas.openxmlformats.org/markup-compatibility/2006">
-        <mc:Choice xmlns:a14="http://schemas.microsoft.com/office/drawing/2010/main" Requires="a14">
+      <mc:AlternateContent xmlns:mc="http://schemas.openxmlformats.org/markup-compatibility/2006" xmlns:a14="http://schemas.microsoft.com/office/drawing/2010/main">
+        <mc:Choice Requires="a14">
           <p:sp>
             <p:nvSpPr>
               <p:cNvPr id="46" name="Rectangle: Rounded Corners 45">
@@ -18284,7 +18287,7 @@
             </p:txBody>
           </p:sp>
         </mc:Choice>
-        <mc:Fallback>
+        <mc:Fallback xmlns="">
           <p:sp>
             <p:nvSpPr>
               <p:cNvPr id="46" name="Rectangle: Rounded Corners 45">
@@ -18384,8 +18387,8 @@
           </a:fontRef>
         </p:style>
       </p:cxnSp>
-      <mc:AlternateContent xmlns:mc="http://schemas.openxmlformats.org/markup-compatibility/2006">
-        <mc:Choice xmlns:a14="http://schemas.microsoft.com/office/drawing/2010/main" Requires="a14">
+      <mc:AlternateContent xmlns:mc="http://schemas.openxmlformats.org/markup-compatibility/2006" xmlns:a14="http://schemas.microsoft.com/office/drawing/2010/main">
+        <mc:Choice Requires="a14">
           <p:sp>
             <p:nvSpPr>
               <p:cNvPr id="48" name="Rectangle 47">
@@ -18464,7 +18467,7 @@
             </p:txBody>
           </p:sp>
         </mc:Choice>
-        <mc:Fallback>
+        <mc:Fallback xmlns="">
           <p:sp>
             <p:nvSpPr>
               <p:cNvPr id="48" name="Rectangle 47">
@@ -18607,8 +18610,8 @@
           </a:fontRef>
         </p:style>
       </p:cxnSp>
-      <mc:AlternateContent xmlns:mc="http://schemas.openxmlformats.org/markup-compatibility/2006">
-        <mc:Choice xmlns:a14="http://schemas.microsoft.com/office/drawing/2010/main" Requires="a14">
+      <mc:AlternateContent xmlns:mc="http://schemas.openxmlformats.org/markup-compatibility/2006" xmlns:a14="http://schemas.microsoft.com/office/drawing/2010/main">
+        <mc:Choice Requires="a14">
           <p:sp>
             <p:nvSpPr>
               <p:cNvPr id="52" name="Rectangle 51">
@@ -18702,7 +18705,7 @@
             </p:txBody>
           </p:sp>
         </mc:Choice>
-        <mc:Fallback>
+        <mc:Fallback xmlns="">
           <p:sp>
             <p:nvSpPr>
               <p:cNvPr id="52" name="Rectangle 51">
@@ -19145,8 +19148,8 @@
           <a:chExt cx="0" cy="0"/>
         </a:xfrm>
       </p:grpSpPr>
-      <mc:AlternateContent xmlns:mc="http://schemas.openxmlformats.org/markup-compatibility/2006">
-        <mc:Choice xmlns:a14="http://schemas.microsoft.com/office/drawing/2010/main" Requires="a14">
+      <mc:AlternateContent xmlns:mc="http://schemas.openxmlformats.org/markup-compatibility/2006" xmlns:a14="http://schemas.microsoft.com/office/drawing/2010/main">
+        <mc:Choice Requires="a14">
           <p:sp>
             <p:nvSpPr>
               <p:cNvPr id="5" name="Rectangle: Rounded Corners 4">
@@ -19229,6 +19232,7 @@
                 </a:r>
               </a:p>
               <a:p>
+                <a:pPr/>
                 <a14:m>
                   <m:oMathPara xmlns:m="http://schemas.openxmlformats.org/officeDocument/2006/math">
                     <m:oMathParaPr>
@@ -19485,7 +19489,7 @@
             </p:txBody>
           </p:sp>
         </mc:Choice>
-        <mc:Fallback>
+        <mc:Fallback xmlns="">
           <p:sp>
             <p:nvSpPr>
               <p:cNvPr id="5" name="Rectangle: Rounded Corners 4">
@@ -19537,8 +19541,8 @@
           </p:sp>
         </mc:Fallback>
       </mc:AlternateContent>
-      <mc:AlternateContent xmlns:mc="http://schemas.openxmlformats.org/markup-compatibility/2006">
-        <mc:Choice xmlns:a14="http://schemas.microsoft.com/office/drawing/2010/main" Requires="a14">
+      <mc:AlternateContent xmlns:mc="http://schemas.openxmlformats.org/markup-compatibility/2006" xmlns:a14="http://schemas.microsoft.com/office/drawing/2010/main">
+        <mc:Choice Requires="a14">
           <p:sp>
             <p:nvSpPr>
               <p:cNvPr id="6" name="Rectangle: Rounded Corners 5">
@@ -19717,6 +19721,7 @@
                 </a:r>
               </a:p>
               <a:p>
+                <a:pPr/>
                 <a14:m>
                   <m:oMathPara xmlns:m="http://schemas.openxmlformats.org/officeDocument/2006/math">
                     <m:oMathParaPr>
@@ -20401,7 +20406,7 @@
             </p:txBody>
           </p:sp>
         </mc:Choice>
-        <mc:Fallback>
+        <mc:Fallback xmlns="">
           <p:sp>
             <p:nvSpPr>
               <p:cNvPr id="6" name="Rectangle: Rounded Corners 5">
@@ -20453,8 +20458,8 @@
           </p:sp>
         </mc:Fallback>
       </mc:AlternateContent>
-      <mc:AlternateContent xmlns:mc="http://schemas.openxmlformats.org/markup-compatibility/2006">
-        <mc:Choice xmlns:a14="http://schemas.microsoft.com/office/drawing/2010/main" Requires="a14">
+      <mc:AlternateContent xmlns:mc="http://schemas.openxmlformats.org/markup-compatibility/2006" xmlns:a14="http://schemas.microsoft.com/office/drawing/2010/main">
+        <mc:Choice Requires="a14">
           <p:sp>
             <p:nvSpPr>
               <p:cNvPr id="7" name="Rectangle 6">
@@ -20558,7 +20563,7 @@
             </p:txBody>
           </p:sp>
         </mc:Choice>
-        <mc:Fallback>
+        <mc:Fallback xmlns="">
           <p:sp>
             <p:nvSpPr>
               <p:cNvPr id="7" name="Rectangle 6">
@@ -20701,8 +20706,8 @@
           </a:fontRef>
         </p:style>
       </p:cxnSp>
-      <mc:AlternateContent xmlns:mc="http://schemas.openxmlformats.org/markup-compatibility/2006">
-        <mc:Choice xmlns:a14="http://schemas.microsoft.com/office/drawing/2010/main" Requires="a14">
+      <mc:AlternateContent xmlns:mc="http://schemas.openxmlformats.org/markup-compatibility/2006" xmlns:a14="http://schemas.microsoft.com/office/drawing/2010/main">
+        <mc:Choice Requires="a14">
           <p:sp>
             <p:nvSpPr>
               <p:cNvPr id="18" name="Rectangle 17">
@@ -20831,7 +20836,7 @@
             </p:txBody>
           </p:sp>
         </mc:Choice>
-        <mc:Fallback>
+        <mc:Fallback xmlns="">
           <p:sp>
             <p:nvSpPr>
               <p:cNvPr id="18" name="Rectangle 17">
@@ -21037,8 +21042,8 @@
           </a:fontRef>
         </p:style>
       </p:cxnSp>
-      <mc:AlternateContent xmlns:mc="http://schemas.openxmlformats.org/markup-compatibility/2006">
-        <mc:Choice xmlns:a14="http://schemas.microsoft.com/office/drawing/2010/main" Requires="a14">
+      <mc:AlternateContent xmlns:mc="http://schemas.openxmlformats.org/markup-compatibility/2006" xmlns:a14="http://schemas.microsoft.com/office/drawing/2010/main">
+        <mc:Choice Requires="a14">
           <p:sp>
             <p:nvSpPr>
               <p:cNvPr id="34" name="Rectangle: Rounded Corners 33">
@@ -21256,7 +21261,7 @@
             </p:txBody>
           </p:sp>
         </mc:Choice>
-        <mc:Fallback>
+        <mc:Fallback xmlns="">
           <p:sp>
             <p:nvSpPr>
               <p:cNvPr id="34" name="Rectangle: Rounded Corners 33">
@@ -21356,8 +21361,8 @@
           </a:fontRef>
         </p:style>
       </p:cxnSp>
-      <mc:AlternateContent xmlns:mc="http://schemas.openxmlformats.org/markup-compatibility/2006">
-        <mc:Choice xmlns:a14="http://schemas.microsoft.com/office/drawing/2010/main" Requires="a14">
+      <mc:AlternateContent xmlns:mc="http://schemas.openxmlformats.org/markup-compatibility/2006" xmlns:a14="http://schemas.microsoft.com/office/drawing/2010/main">
+        <mc:Choice Requires="a14">
           <p:sp>
             <p:nvSpPr>
               <p:cNvPr id="61" name="Rectangle: Rounded Corners 60">
@@ -21571,7 +21576,7 @@
             </p:txBody>
           </p:sp>
         </mc:Choice>
-        <mc:Fallback>
+        <mc:Fallback xmlns="">
           <p:sp>
             <p:nvSpPr>
               <p:cNvPr id="61" name="Rectangle: Rounded Corners 60">
@@ -22023,8 +22028,8 @@
           </a:fontRef>
         </p:style>
       </p:cxnSp>
-      <mc:AlternateContent xmlns:mc="http://schemas.openxmlformats.org/markup-compatibility/2006">
-        <mc:Choice xmlns:a14="http://schemas.microsoft.com/office/drawing/2010/main" Requires="a14">
+      <mc:AlternateContent xmlns:mc="http://schemas.openxmlformats.org/markup-compatibility/2006" xmlns:a14="http://schemas.microsoft.com/office/drawing/2010/main">
+        <mc:Choice Requires="a14">
           <p:sp>
             <p:nvSpPr>
               <p:cNvPr id="108" name="Rectangle 107">
@@ -22178,7 +22183,7 @@
             </p:txBody>
           </p:sp>
         </mc:Choice>
-        <mc:Fallback>
+        <mc:Fallback xmlns="">
           <p:sp>
             <p:nvSpPr>
               <p:cNvPr id="108" name="Rectangle 107">
@@ -22346,8 +22351,8 @@
           </a:fontRef>
         </p:style>
       </p:cxnSp>
-      <mc:AlternateContent xmlns:mc="http://schemas.openxmlformats.org/markup-compatibility/2006">
-        <mc:Choice xmlns:a14="http://schemas.microsoft.com/office/drawing/2010/main" Requires="a14">
+      <mc:AlternateContent xmlns:mc="http://schemas.openxmlformats.org/markup-compatibility/2006" xmlns:a14="http://schemas.microsoft.com/office/drawing/2010/main">
+        <mc:Choice Requires="a14">
           <p:sp>
             <p:nvSpPr>
               <p:cNvPr id="134" name="Rectangle 133">
@@ -22401,6 +22406,7 @@
               <a:bodyPr rtlCol="0" anchor="ctr"/>
               <a:lstStyle/>
               <a:p>
+                <a:pPr/>
                 <a14:m>
                   <m:oMathPara xmlns:m="http://schemas.openxmlformats.org/officeDocument/2006/math">
                     <m:oMathParaPr>
@@ -22428,7 +22434,7 @@
             </p:txBody>
           </p:sp>
         </mc:Choice>
-        <mc:Fallback>
+        <mc:Fallback xmlns="">
           <p:sp>
             <p:nvSpPr>
               <p:cNvPr id="134" name="Rectangle 133">
@@ -22479,8 +22485,8 @@
           </p:sp>
         </mc:Fallback>
       </mc:AlternateContent>
-      <mc:AlternateContent xmlns:mc="http://schemas.openxmlformats.org/markup-compatibility/2006">
-        <mc:Choice xmlns:a14="http://schemas.microsoft.com/office/drawing/2010/main" Requires="a14">
+      <mc:AlternateContent xmlns:mc="http://schemas.openxmlformats.org/markup-compatibility/2006" xmlns:a14="http://schemas.microsoft.com/office/drawing/2010/main">
+        <mc:Choice Requires="a14">
           <p:sp>
             <p:nvSpPr>
               <p:cNvPr id="140" name="Rectangle 139">
@@ -22534,6 +22540,7 @@
               <a:bodyPr rtlCol="0" anchor="ctr"/>
               <a:lstStyle/>
               <a:p>
+                <a:pPr/>
                 <a14:m>
                   <m:oMathPara xmlns:m="http://schemas.openxmlformats.org/officeDocument/2006/math">
                     <m:oMathParaPr>
@@ -22561,7 +22568,7 @@
             </p:txBody>
           </p:sp>
         </mc:Choice>
-        <mc:Fallback>
+        <mc:Fallback xmlns="">
           <p:sp>
             <p:nvSpPr>
               <p:cNvPr id="140" name="Rectangle 139">
@@ -22642,6 +22649,4674 @@
           <a:chExt cx="0" cy="0"/>
         </a:xfrm>
       </p:grpSpPr>
+      <p:cxnSp>
+        <p:nvCxnSpPr>
+          <p:cNvPr id="79" name="Connector: Curved 78">
+            <a:extLst>
+              <a:ext uri="{FF2B5EF4-FFF2-40B4-BE49-F238E27FC236}">
+                <a16:creationId xmlns:a16="http://schemas.microsoft.com/office/drawing/2014/main" id="{D72F6443-EC27-9C4C-3E89-0722C8D6887C}"/>
+              </a:ext>
+            </a:extLst>
+          </p:cNvPr>
+          <p:cNvCxnSpPr>
+            <a:cxnSpLocks/>
+            <a:stCxn id="27" idx="2"/>
+            <a:endCxn id="28" idx="0"/>
+          </p:cNvCxnSpPr>
+          <p:nvPr/>
+        </p:nvCxnSpPr>
+        <p:spPr>
+          <a:xfrm rot="5400000">
+            <a:off x="9620354" y="3307365"/>
+            <a:ext cx="1053274" cy="1491774"/>
+          </a:xfrm>
+          <a:prstGeom prst="curvedConnector3">
+            <a:avLst>
+              <a:gd name="adj1" fmla="val 50000"/>
+            </a:avLst>
+          </a:prstGeom>
+          <a:ln>
+            <a:solidFill>
+              <a:schemeClr val="tx1"/>
+            </a:solidFill>
+            <a:tailEnd type="triangle"/>
+          </a:ln>
+        </p:spPr>
+        <p:style>
+          <a:lnRef idx="2">
+            <a:schemeClr val="accent1"/>
+          </a:lnRef>
+          <a:fillRef idx="0">
+            <a:schemeClr val="accent1"/>
+          </a:fillRef>
+          <a:effectRef idx="1">
+            <a:schemeClr val="accent1"/>
+          </a:effectRef>
+          <a:fontRef idx="minor">
+            <a:schemeClr val="tx1"/>
+          </a:fontRef>
+        </p:style>
+      </p:cxnSp>
+      <p:cxnSp>
+        <p:nvCxnSpPr>
+          <p:cNvPr id="56" name="Connector: Curved 55">
+            <a:extLst>
+              <a:ext uri="{FF2B5EF4-FFF2-40B4-BE49-F238E27FC236}">
+                <a16:creationId xmlns:a16="http://schemas.microsoft.com/office/drawing/2014/main" id="{13E24E08-DF0B-7BF3-1266-524B598FF487}"/>
+              </a:ext>
+            </a:extLst>
+          </p:cNvPr>
+          <p:cNvCxnSpPr>
+            <a:cxnSpLocks/>
+            <a:stCxn id="30" idx="3"/>
+            <a:endCxn id="26" idx="1"/>
+          </p:cNvCxnSpPr>
+          <p:nvPr/>
+        </p:nvCxnSpPr>
+        <p:spPr>
+          <a:xfrm flipV="1">
+            <a:off x="4594396" y="1298626"/>
+            <a:ext cx="2131618" cy="1129994"/>
+          </a:xfrm>
+          <a:prstGeom prst="curvedConnector3">
+            <a:avLst>
+              <a:gd name="adj1" fmla="val 50000"/>
+            </a:avLst>
+          </a:prstGeom>
+          <a:ln>
+            <a:solidFill>
+              <a:schemeClr val="tx1"/>
+            </a:solidFill>
+            <a:tailEnd type="triangle"/>
+          </a:ln>
+        </p:spPr>
+        <p:style>
+          <a:lnRef idx="2">
+            <a:schemeClr val="accent1"/>
+          </a:lnRef>
+          <a:fillRef idx="0">
+            <a:schemeClr val="accent1"/>
+          </a:fillRef>
+          <a:effectRef idx="1">
+            <a:schemeClr val="accent1"/>
+          </a:effectRef>
+          <a:fontRef idx="minor">
+            <a:schemeClr val="tx1"/>
+          </a:fontRef>
+        </p:style>
+      </p:cxnSp>
+      <mc:AlternateContent xmlns:mc="http://schemas.openxmlformats.org/markup-compatibility/2006">
+        <mc:Choice xmlns:a14="http://schemas.microsoft.com/office/drawing/2010/main" Requires="a14">
+          <p:sp>
+            <p:nvSpPr>
+              <p:cNvPr id="26" name="Rectangle: Rounded Corners 25">
+                <a:extLst>
+                  <a:ext uri="{FF2B5EF4-FFF2-40B4-BE49-F238E27FC236}">
+                    <a16:creationId xmlns:a16="http://schemas.microsoft.com/office/drawing/2014/main" id="{F4341CDA-317E-BC52-EF38-FF225318C9BA}"/>
+                  </a:ext>
+                </a:extLst>
+              </p:cNvPr>
+              <p:cNvSpPr/>
+              <p:nvPr/>
+            </p:nvSpPr>
+            <p:spPr>
+              <a:xfrm>
+                <a:off x="6726014" y="473812"/>
+                <a:ext cx="2604466" cy="1649627"/>
+              </a:xfrm>
+              <a:prstGeom prst="roundRect">
+                <a:avLst>
+                  <a:gd name="adj" fmla="val 1821"/>
+                </a:avLst>
+              </a:prstGeom>
+              <a:solidFill>
+                <a:schemeClr val="bg1">
+                  <a:lumMod val="95000"/>
+                </a:schemeClr>
+              </a:solidFill>
+              <a:ln w="6350">
+                <a:solidFill>
+                  <a:schemeClr val="tx1"/>
+                </a:solidFill>
+              </a:ln>
+            </p:spPr>
+            <p:style>
+              <a:lnRef idx="2">
+                <a:schemeClr val="accent1">
+                  <a:shade val="15000"/>
+                </a:schemeClr>
+              </a:lnRef>
+              <a:fillRef idx="1">
+                <a:schemeClr val="accent1"/>
+              </a:fillRef>
+              <a:effectRef idx="0">
+                <a:schemeClr val="accent1"/>
+              </a:effectRef>
+              <a:fontRef idx="minor">
+                <a:schemeClr val="lt1"/>
+              </a:fontRef>
+            </p:style>
+            <p:txBody>
+              <a:bodyPr rtlCol="0" anchor="ctr"/>
+              <a:lstStyle/>
+              <a:p>
+                <a:pPr algn="ctr"/>
+                <a:r>
+                  <a:rPr lang="en-US" sz="1000" b="1" dirty="0">
+                    <a:solidFill>
+                      <a:schemeClr val="tx1"/>
+                    </a:solidFill>
+                  </a:rPr>
+                  <a:t>compute</a:t>
+                </a:r>
+                <a:r>
+                  <a:rPr lang="en-US" sz="1000" b="1" dirty="0" err="1">
+                    <a:solidFill>
+                      <a:schemeClr val="tx1"/>
+                    </a:solidFill>
+                  </a:rPr>
+                  <a:t>_N</a:t>
+                </a:r>
+                <a:endParaRPr lang="en-US" sz="1000" b="1" dirty="0">
+                  <a:solidFill>
+                    <a:schemeClr val="tx1"/>
+                  </a:solidFill>
+                </a:endParaRPr>
+              </a:p>
+              <a:p>
+                <a:pPr algn="ctr"/>
+                <a:endParaRPr lang="en-US" sz="1000" dirty="0">
+                  <a:solidFill>
+                    <a:schemeClr val="tx1"/>
+                  </a:solidFill>
+                </a:endParaRPr>
+              </a:p>
+              <a:p>
+                <a:r>
+                  <a:rPr lang="en-US" sz="1000" dirty="0">
+                    <a:solidFill>
+                      <a:schemeClr val="tx1"/>
+                    </a:solidFill>
+                  </a:rPr>
+                  <a:t>Compute the shape function matrix </a:t>
+                </a:r>
+                <a14:m>
+                  <m:oMath xmlns:m="http://schemas.openxmlformats.org/officeDocument/2006/math">
+                    <m:r>
+                      <a:rPr lang="en-US" sz="1000" b="1" i="1" smtClean="0">
+                        <a:solidFill>
+                          <a:schemeClr val="tx1"/>
+                        </a:solidFill>
+                        <a:latin typeface="Cambria Math" panose="02040503050406030204" pitchFamily="18" charset="0"/>
+                      </a:rPr>
+                      <m:t>𝑵</m:t>
+                    </m:r>
+                    <m:r>
+                      <a:rPr lang="en-US" sz="1000" b="1" i="1" smtClean="0">
+                        <a:solidFill>
+                          <a:schemeClr val="tx1"/>
+                        </a:solidFill>
+                        <a:latin typeface="Cambria Math" panose="02040503050406030204" pitchFamily="18" charset="0"/>
+                      </a:rPr>
+                      <m:t> </m:t>
+                    </m:r>
+                  </m:oMath>
+                </a14:m>
+                <a:r>
+                  <a:rPr lang="en-US" sz="1000" dirty="0">
+                    <a:solidFill>
+                      <a:schemeClr val="tx1"/>
+                    </a:solidFill>
+                  </a:rPr>
+                  <a:t>for a 2D element, one for each point in the input grid of natural coordinates</a:t>
+                </a:r>
+              </a:p>
+              <a:p>
+                <a:endParaRPr lang="en-US" sz="1000" dirty="0">
+                  <a:solidFill>
+                    <a:schemeClr val="tx1"/>
+                  </a:solidFill>
+                </a:endParaRPr>
+              </a:p>
+              <a:p>
+                <a:r>
+                  <a:rPr lang="en-US" sz="1000" b="1" dirty="0">
+                    <a:solidFill>
+                      <a:schemeClr val="tx1"/>
+                    </a:solidFill>
+                  </a:rPr>
+                  <a:t>Input</a:t>
+                </a:r>
+              </a:p>
+              <a:p>
+                <a:pPr marL="171450" indent="-171450">
+                  <a:buFont typeface="Arial" panose="020B0604020202020204" pitchFamily="34" charset="0"/>
+                  <a:buChar char="•"/>
+                </a:pPr>
+                <a:r>
+                  <a:rPr lang="en-US" sz="1000" dirty="0" err="1">
+                    <a:solidFill>
+                      <a:schemeClr val="tx1"/>
+                    </a:solidFill>
+                  </a:rPr>
+                  <a:t>natural_grid</a:t>
+                </a:r>
+                <a:r>
+                  <a:rPr lang="en-US" sz="1000" dirty="0">
+                    <a:solidFill>
+                      <a:schemeClr val="tx1"/>
+                    </a:solidFill>
+                  </a:rPr>
+                  <a:t>: </a:t>
+                </a:r>
+                <a:r>
+                  <a:rPr lang="en-US" sz="1000" dirty="0" err="1">
+                    <a:solidFill>
+                      <a:schemeClr val="tx1"/>
+                    </a:solidFill>
+                  </a:rPr>
+                  <a:t>ndarray</a:t>
+                </a:r>
+                <a:r>
+                  <a:rPr lang="en-US" sz="1000" dirty="0">
+                    <a:solidFill>
+                      <a:schemeClr val="tx1"/>
+                    </a:solidFill>
+                  </a:rPr>
+                  <a:t> (n x m x 2 x 1)</a:t>
+                </a:r>
+              </a:p>
+              <a:p>
+                <a:r>
+                  <a:rPr lang="en-US" sz="1000" b="1" dirty="0">
+                    <a:solidFill>
+                      <a:schemeClr val="tx1"/>
+                    </a:solidFill>
+                  </a:rPr>
+                  <a:t>Output</a:t>
+                </a:r>
+              </a:p>
+              <a:p>
+                <a:pPr marL="171450" indent="-171450">
+                  <a:buFont typeface="Arial" panose="020B0604020202020204" pitchFamily="34" charset="0"/>
+                  <a:buChar char="•"/>
+                </a:pPr>
+                <a:r>
+                  <a:rPr lang="en-US" sz="1000" dirty="0" err="1">
+                    <a:solidFill>
+                      <a:schemeClr val="tx1"/>
+                    </a:solidFill>
+                  </a:rPr>
+                  <a:t>ndarray</a:t>
+                </a:r>
+                <a:r>
+                  <a:rPr lang="en-US" sz="1000" dirty="0">
+                    <a:solidFill>
+                      <a:schemeClr val="tx1"/>
+                    </a:solidFill>
+                  </a:rPr>
+                  <a:t> (n x m x 2 x </a:t>
+                </a:r>
+                <a:r>
+                  <a:rPr lang="en-US" sz="1000" dirty="0" err="1">
+                    <a:solidFill>
+                      <a:schemeClr val="tx1"/>
+                    </a:solidFill>
+                  </a:rPr>
+                  <a:t>nnodes</a:t>
+                </a:r>
+                <a:r>
+                  <a:rPr lang="en-US" sz="1000" dirty="0">
+                    <a:solidFill>
+                      <a:schemeClr val="tx1"/>
+                    </a:solidFill>
+                  </a:rPr>
+                  <a:t>*2)</a:t>
+                </a:r>
+              </a:p>
+            </p:txBody>
+          </p:sp>
+        </mc:Choice>
+        <mc:Fallback>
+          <p:sp>
+            <p:nvSpPr>
+              <p:cNvPr id="26" name="Rectangle: Rounded Corners 25">
+                <a:extLst>
+                  <a:ext uri="{FF2B5EF4-FFF2-40B4-BE49-F238E27FC236}">
+                    <a16:creationId xmlns:a16="http://schemas.microsoft.com/office/drawing/2014/main" id="{F4341CDA-317E-BC52-EF38-FF225318C9BA}"/>
+                  </a:ext>
+                </a:extLst>
+              </p:cNvPr>
+              <p:cNvSpPr>
+                <a:spLocks noRot="1" noChangeAspect="1" noMove="1" noResize="1" noEditPoints="1" noAdjustHandles="1" noChangeArrowheads="1" noChangeShapeType="1" noTextEdit="1"/>
+              </p:cNvSpPr>
+              <p:nvPr/>
+            </p:nvSpPr>
+            <p:spPr>
+              <a:xfrm>
+                <a:off x="6726014" y="473812"/>
+                <a:ext cx="2604466" cy="1649627"/>
+              </a:xfrm>
+              <a:prstGeom prst="roundRect">
+                <a:avLst>
+                  <a:gd name="adj" fmla="val 1821"/>
+                </a:avLst>
+              </a:prstGeom>
+              <a:blipFill>
+                <a:blip r:embed="rId2"/>
+                <a:stretch>
+                  <a:fillRect b="-738"/>
+                </a:stretch>
+              </a:blipFill>
+              <a:ln w="6350">
+                <a:solidFill>
+                  <a:schemeClr val="tx1"/>
+                </a:solidFill>
+              </a:ln>
+            </p:spPr>
+            <p:txBody>
+              <a:bodyPr/>
+              <a:lstStyle/>
+              <a:p>
+                <a:r>
+                  <a:rPr lang="en-US">
+                    <a:noFill/>
+                  </a:rPr>
+                  <a:t> </a:t>
+                </a:r>
+              </a:p>
+            </p:txBody>
+          </p:sp>
+        </mc:Fallback>
+      </mc:AlternateContent>
+      <mc:AlternateContent xmlns:mc="http://schemas.openxmlformats.org/markup-compatibility/2006">
+        <mc:Choice xmlns:a14="http://schemas.microsoft.com/office/drawing/2010/main" Requires="a14">
+          <p:sp>
+            <p:nvSpPr>
+              <p:cNvPr id="27" name="Rectangle: Rounded Corners 26">
+                <a:extLst>
+                  <a:ext uri="{FF2B5EF4-FFF2-40B4-BE49-F238E27FC236}">
+                    <a16:creationId xmlns:a16="http://schemas.microsoft.com/office/drawing/2014/main" id="{33409580-05FE-9B4C-0655-84E5428E2063}"/>
+                  </a:ext>
+                </a:extLst>
+              </p:cNvPr>
+              <p:cNvSpPr/>
+              <p:nvPr/>
+            </p:nvSpPr>
+            <p:spPr>
+              <a:xfrm>
+                <a:off x="9580605" y="1951103"/>
+                <a:ext cx="2624546" cy="1575512"/>
+              </a:xfrm>
+              <a:prstGeom prst="roundRect">
+                <a:avLst>
+                  <a:gd name="adj" fmla="val 1821"/>
+                </a:avLst>
+              </a:prstGeom>
+              <a:solidFill>
+                <a:schemeClr val="bg1">
+                  <a:lumMod val="95000"/>
+                </a:schemeClr>
+              </a:solidFill>
+              <a:ln w="6350">
+                <a:solidFill>
+                  <a:schemeClr val="tx1"/>
+                </a:solidFill>
+              </a:ln>
+            </p:spPr>
+            <p:style>
+              <a:lnRef idx="2">
+                <a:schemeClr val="accent1">
+                  <a:shade val="15000"/>
+                </a:schemeClr>
+              </a:lnRef>
+              <a:fillRef idx="1">
+                <a:schemeClr val="accent1"/>
+              </a:fillRef>
+              <a:effectRef idx="0">
+                <a:schemeClr val="accent1"/>
+              </a:effectRef>
+              <a:fontRef idx="minor">
+                <a:schemeClr val="lt1"/>
+              </a:fontRef>
+            </p:style>
+            <p:txBody>
+              <a:bodyPr rtlCol="0" anchor="ctr"/>
+              <a:lstStyle/>
+              <a:p>
+                <a:pPr algn="ctr"/>
+                <a:r>
+                  <a:rPr lang="en-US" sz="1000" b="1" dirty="0">
+                    <a:solidFill>
+                      <a:schemeClr val="tx1"/>
+                    </a:solidFill>
+                  </a:rPr>
+                  <a:t>interpolate</a:t>
+                </a:r>
+              </a:p>
+              <a:p>
+                <a:endParaRPr lang="en-US" sz="1000" b="1" dirty="0">
+                  <a:solidFill>
+                    <a:schemeClr val="tx1"/>
+                  </a:solidFill>
+                </a:endParaRPr>
+              </a:p>
+              <a:p>
+                <a:r>
+                  <a:rPr lang="en-US" sz="1000" dirty="0">
+                    <a:solidFill>
+                      <a:schemeClr val="tx1"/>
+                    </a:solidFill>
+                  </a:rPr>
+                  <a:t>Solve</a:t>
+                </a:r>
+                <a:r>
+                  <a:rPr lang="en-US" sz="1000" b="1" dirty="0">
+                    <a:solidFill>
+                      <a:schemeClr val="tx1"/>
+                    </a:solidFill>
+                  </a:rPr>
+                  <a:t> </a:t>
+                </a:r>
+                <a14:m>
+                  <m:oMath xmlns:m="http://schemas.openxmlformats.org/officeDocument/2006/math">
+                    <m:r>
+                      <a:rPr lang="en-US" sz="1000" b="1">
+                        <a:solidFill>
+                          <a:schemeClr val="tx1"/>
+                        </a:solidFill>
+                      </a:rPr>
+                      <m:t>[</m:t>
+                    </m:r>
+                    <m:r>
+                      <a:rPr lang="en-US" sz="1000" b="1">
+                        <a:solidFill>
+                          <a:schemeClr val="tx1"/>
+                        </a:solidFill>
+                      </a:rPr>
+                      <m:t>𝝓</m:t>
+                    </m:r>
+                    <m:r>
+                      <a:rPr lang="en-US" sz="1000" b="1">
+                        <a:solidFill>
+                          <a:schemeClr val="tx1"/>
+                        </a:solidFill>
+                      </a:rPr>
+                      <m:t>]=</m:t>
+                    </m:r>
+                    <m:d>
+                      <m:dPr>
+                        <m:begChr m:val="["/>
+                        <m:endChr m:val="]"/>
+                        <m:ctrlPr>
+                          <a:rPr lang="en-US" sz="1000" b="1">
+                            <a:solidFill>
+                              <a:schemeClr val="tx1"/>
+                            </a:solidFill>
+                          </a:rPr>
+                        </m:ctrlPr>
+                      </m:dPr>
+                      <m:e>
+                        <m:r>
+                          <a:rPr lang="en-US" sz="1000" b="1">
+                            <a:solidFill>
+                              <a:schemeClr val="tx1"/>
+                            </a:solidFill>
+                          </a:rPr>
+                          <m:t>𝑵</m:t>
+                        </m:r>
+                      </m:e>
+                    </m:d>
+                    <m:r>
+                      <a:rPr lang="en-US" sz="1000" b="1">
+                        <a:solidFill>
+                          <a:schemeClr val="tx1"/>
+                        </a:solidFill>
+                      </a:rPr>
+                      <m:t>[</m:t>
+                    </m:r>
+                    <m:r>
+                      <a:rPr lang="en-US" sz="1000" b="1">
+                        <a:solidFill>
+                          <a:schemeClr val="tx1"/>
+                        </a:solidFill>
+                      </a:rPr>
+                      <m:t>𝒒</m:t>
+                    </m:r>
+                    <m:r>
+                      <a:rPr lang="en-US" sz="1000" b="1">
+                        <a:solidFill>
+                          <a:schemeClr val="tx1"/>
+                        </a:solidFill>
+                      </a:rPr>
+                      <m:t>]</m:t>
+                    </m:r>
+                  </m:oMath>
+                </a14:m>
+                <a:endParaRPr lang="en-US" sz="1000" b="1" dirty="0">
+                  <a:solidFill>
+                    <a:schemeClr val="tx1"/>
+                  </a:solidFill>
+                </a:endParaRPr>
+              </a:p>
+              <a:p>
+                <a:endParaRPr lang="en-US" sz="1000" b="1" dirty="0">
+                  <a:solidFill>
+                    <a:schemeClr val="tx1"/>
+                  </a:solidFill>
+                </a:endParaRPr>
+              </a:p>
+              <a:p>
+                <a:r>
+                  <a:rPr lang="en-US" sz="1000" b="1" dirty="0">
+                    <a:solidFill>
+                      <a:schemeClr val="tx1"/>
+                    </a:solidFill>
+                  </a:rPr>
+                  <a:t>Input</a:t>
+                </a:r>
+              </a:p>
+              <a:p>
+                <a:pPr marL="171450" indent="-171450">
+                  <a:buFont typeface="Arial" panose="020B0604020202020204" pitchFamily="34" charset="0"/>
+                  <a:buChar char="•"/>
+                </a:pPr>
+                <a:r>
+                  <a:rPr lang="en-US" sz="1000" dirty="0" err="1">
+                    <a:solidFill>
+                      <a:schemeClr val="tx1"/>
+                    </a:solidFill>
+                  </a:rPr>
+                  <a:t>nodal_vec</a:t>
+                </a:r>
+                <a:r>
+                  <a:rPr lang="en-US" sz="1000" dirty="0">
+                    <a:solidFill>
+                      <a:schemeClr val="tx1"/>
+                    </a:solidFill>
+                  </a:rPr>
+                  <a:t>: </a:t>
+                </a:r>
+                <a:r>
+                  <a:rPr lang="en-US" sz="1000" dirty="0" err="1">
+                    <a:solidFill>
+                      <a:schemeClr val="tx1"/>
+                    </a:solidFill>
+                  </a:rPr>
+                  <a:t>ndarray</a:t>
+                </a:r>
+                <a:r>
+                  <a:rPr lang="en-US" sz="1000" dirty="0">
+                    <a:solidFill>
+                      <a:schemeClr val="tx1"/>
+                    </a:solidFill>
+                  </a:rPr>
+                  <a:t> (</a:t>
+                </a:r>
+                <a:r>
+                  <a:rPr lang="en-US" sz="1000" dirty="0" err="1">
+                    <a:solidFill>
+                      <a:schemeClr val="tx1"/>
+                    </a:solidFill>
+                  </a:rPr>
+                  <a:t>nnodes</a:t>
+                </a:r>
+                <a:r>
+                  <a:rPr lang="en-US" sz="1000" dirty="0">
+                    <a:solidFill>
+                      <a:schemeClr val="tx1"/>
+                    </a:solidFill>
+                  </a:rPr>
+                  <a:t>*2 x 1)</a:t>
+                </a:r>
+              </a:p>
+              <a:p>
+                <a:pPr marL="171450" indent="-171450">
+                  <a:buFont typeface="Arial" panose="020B0604020202020204" pitchFamily="34" charset="0"/>
+                  <a:buChar char="•"/>
+                </a:pPr>
+                <a:r>
+                  <a:rPr lang="en-US" sz="1000" dirty="0" err="1">
+                    <a:solidFill>
+                      <a:schemeClr val="tx1"/>
+                    </a:solidFill>
+                  </a:rPr>
+                  <a:t>natural_grid</a:t>
+                </a:r>
+                <a:r>
+                  <a:rPr lang="en-US" sz="1000" dirty="0">
+                    <a:solidFill>
+                      <a:schemeClr val="tx1"/>
+                    </a:solidFill>
+                  </a:rPr>
+                  <a:t>: </a:t>
+                </a:r>
+                <a:r>
+                  <a:rPr lang="en-US" sz="1000" dirty="0" err="1">
+                    <a:solidFill>
+                      <a:schemeClr val="tx1"/>
+                    </a:solidFill>
+                  </a:rPr>
+                  <a:t>ndarray</a:t>
+                </a:r>
+                <a:r>
+                  <a:rPr lang="en-US" sz="1000" dirty="0">
+                    <a:solidFill>
+                      <a:schemeClr val="tx1"/>
+                    </a:solidFill>
+                  </a:rPr>
+                  <a:t> (n x m x 2 x 1)</a:t>
+                </a:r>
+              </a:p>
+              <a:p>
+                <a:r>
+                  <a:rPr lang="en-US" sz="1000" b="1" dirty="0">
+                    <a:solidFill>
+                      <a:schemeClr val="tx1"/>
+                    </a:solidFill>
+                  </a:rPr>
+                  <a:t>Output</a:t>
+                </a:r>
+              </a:p>
+              <a:p>
+                <a:pPr marL="171450" indent="-171450">
+                  <a:buFont typeface="Arial" panose="020B0604020202020204" pitchFamily="34" charset="0"/>
+                  <a:buChar char="•"/>
+                </a:pPr>
+                <a:r>
+                  <a:rPr lang="en-US" sz="1000" dirty="0" err="1">
+                    <a:solidFill>
+                      <a:schemeClr val="tx1"/>
+                    </a:solidFill>
+                  </a:rPr>
+                  <a:t>ndarray</a:t>
+                </a:r>
+                <a:r>
+                  <a:rPr lang="en-US" sz="1000" dirty="0">
+                    <a:solidFill>
+                      <a:schemeClr val="tx1"/>
+                    </a:solidFill>
+                  </a:rPr>
+                  <a:t> (n x m x </a:t>
+                </a:r>
+                <a:r>
+                  <a:rPr lang="en-US" sz="1000" dirty="0" err="1">
+                    <a:solidFill>
+                      <a:schemeClr val="tx1"/>
+                    </a:solidFill>
+                  </a:rPr>
+                  <a:t>nnodes</a:t>
+                </a:r>
+                <a:r>
+                  <a:rPr lang="en-US" sz="1000" dirty="0">
+                    <a:solidFill>
+                      <a:schemeClr val="tx1"/>
+                    </a:solidFill>
+                  </a:rPr>
+                  <a:t>*2 x 1)</a:t>
+                </a:r>
+              </a:p>
+            </p:txBody>
+          </p:sp>
+        </mc:Choice>
+        <mc:Fallback>
+          <p:sp>
+            <p:nvSpPr>
+              <p:cNvPr id="27" name="Rectangle: Rounded Corners 26">
+                <a:extLst>
+                  <a:ext uri="{FF2B5EF4-FFF2-40B4-BE49-F238E27FC236}">
+                    <a16:creationId xmlns:a16="http://schemas.microsoft.com/office/drawing/2014/main" id="{33409580-05FE-9B4C-0655-84E5428E2063}"/>
+                  </a:ext>
+                </a:extLst>
+              </p:cNvPr>
+              <p:cNvSpPr>
+                <a:spLocks noRot="1" noChangeAspect="1" noMove="1" noResize="1" noEditPoints="1" noAdjustHandles="1" noChangeArrowheads="1" noChangeShapeType="1" noTextEdit="1"/>
+              </p:cNvSpPr>
+              <p:nvPr/>
+            </p:nvSpPr>
+            <p:spPr>
+              <a:xfrm>
+                <a:off x="9580605" y="1951103"/>
+                <a:ext cx="2624546" cy="1575512"/>
+              </a:xfrm>
+              <a:prstGeom prst="roundRect">
+                <a:avLst>
+                  <a:gd name="adj" fmla="val 1821"/>
+                </a:avLst>
+              </a:prstGeom>
+              <a:blipFill>
+                <a:blip r:embed="rId3"/>
+                <a:stretch>
+                  <a:fillRect/>
+                </a:stretch>
+              </a:blipFill>
+              <a:ln w="6350">
+                <a:solidFill>
+                  <a:schemeClr val="tx1"/>
+                </a:solidFill>
+              </a:ln>
+            </p:spPr>
+            <p:txBody>
+              <a:bodyPr/>
+              <a:lstStyle/>
+              <a:p>
+                <a:r>
+                  <a:rPr lang="en-US">
+                    <a:noFill/>
+                  </a:rPr>
+                  <a:t> </a:t>
+                </a:r>
+              </a:p>
+            </p:txBody>
+          </p:sp>
+        </mc:Fallback>
+      </mc:AlternateContent>
+      <mc:AlternateContent xmlns:mc="http://schemas.openxmlformats.org/markup-compatibility/2006">
+        <mc:Choice xmlns:a14="http://schemas.microsoft.com/office/drawing/2010/main" Requires="a14">
+          <p:sp>
+            <p:nvSpPr>
+              <p:cNvPr id="28" name="Rectangle: Rounded Corners 27">
+                <a:extLst>
+                  <a:ext uri="{FF2B5EF4-FFF2-40B4-BE49-F238E27FC236}">
+                    <a16:creationId xmlns:a16="http://schemas.microsoft.com/office/drawing/2014/main" id="{7758EFAA-018C-EC15-38D5-808A6A2C16D4}"/>
+                  </a:ext>
+                </a:extLst>
+              </p:cNvPr>
+              <p:cNvSpPr/>
+              <p:nvPr/>
+            </p:nvSpPr>
+            <p:spPr>
+              <a:xfrm>
+                <a:off x="8004738" y="4579889"/>
+                <a:ext cx="2792731" cy="2066987"/>
+              </a:xfrm>
+              <a:prstGeom prst="roundRect">
+                <a:avLst>
+                  <a:gd name="adj" fmla="val 1821"/>
+                </a:avLst>
+              </a:prstGeom>
+              <a:solidFill>
+                <a:schemeClr val="bg1">
+                  <a:lumMod val="95000"/>
+                </a:schemeClr>
+              </a:solidFill>
+              <a:ln w="6350">
+                <a:solidFill>
+                  <a:schemeClr val="tx1"/>
+                </a:solidFill>
+              </a:ln>
+            </p:spPr>
+            <p:style>
+              <a:lnRef idx="2">
+                <a:schemeClr val="accent1">
+                  <a:shade val="15000"/>
+                </a:schemeClr>
+              </a:lnRef>
+              <a:fillRef idx="1">
+                <a:schemeClr val="accent1"/>
+              </a:fillRef>
+              <a:effectRef idx="0">
+                <a:schemeClr val="accent1"/>
+              </a:effectRef>
+              <a:fontRef idx="minor">
+                <a:schemeClr val="lt1"/>
+              </a:fontRef>
+            </p:style>
+            <p:txBody>
+              <a:bodyPr rtlCol="0" anchor="ctr"/>
+              <a:lstStyle/>
+              <a:p>
+                <a:pPr algn="ctr"/>
+                <a:r>
+                  <a:rPr lang="en-US" sz="1000" b="1" dirty="0">
+                    <a:solidFill>
+                      <a:schemeClr val="tx1"/>
+                    </a:solidFill>
+                  </a:rPr>
+                  <a:t>compute_fs</a:t>
+                </a:r>
+              </a:p>
+              <a:p>
+                <a:pPr algn="ctr"/>
+                <a:endParaRPr lang="en-US" sz="1000" b="1" dirty="0">
+                  <a:solidFill>
+                    <a:schemeClr val="tx1"/>
+                  </a:solidFill>
+                </a:endParaRPr>
+              </a:p>
+              <a:p>
+                <a:r>
+                  <a:rPr lang="en-US" sz="1000" dirty="0">
+                    <a:solidFill>
+                      <a:schemeClr val="tx1"/>
+                    </a:solidFill>
+                  </a:rPr>
+                  <a:t>Compute surface traction polynomials at all integration points on the surface in the local element coordinate system</a:t>
+                </a:r>
+              </a:p>
+              <a:p>
+                <a:endParaRPr lang="en-US" sz="1000" b="0" i="1" dirty="0">
+                  <a:solidFill>
+                    <a:schemeClr val="tx1"/>
+                  </a:solidFill>
+                  <a:latin typeface="Cambria Math" panose="02040503050406030204" pitchFamily="18" charset="0"/>
+                </a:endParaRPr>
+              </a:p>
+              <a:p>
+                <a14:m>
+                  <m:oMathPara xmlns:m="http://schemas.openxmlformats.org/officeDocument/2006/math">
+                    <m:oMathParaPr>
+                      <m:jc m:val="centerGroup"/>
+                    </m:oMathParaPr>
+                    <m:oMath xmlns:m="http://schemas.openxmlformats.org/officeDocument/2006/math">
+                      <m:d>
+                        <m:dPr>
+                          <m:begChr m:val="["/>
+                          <m:endChr m:val="]"/>
+                          <m:ctrlPr>
+                            <a:rPr lang="en-US" sz="1000" b="1" i="1" smtClean="0">
+                              <a:solidFill>
+                                <a:schemeClr val="tx1"/>
+                              </a:solidFill>
+                              <a:latin typeface="Cambria Math" panose="02040503050406030204" pitchFamily="18" charset="0"/>
+                            </a:rPr>
+                          </m:ctrlPr>
+                        </m:dPr>
+                        <m:e>
+                          <m:sSup>
+                            <m:sSupPr>
+                              <m:ctrlPr>
+                                <a:rPr lang="en-US" sz="1000" b="1" i="1" smtClean="0">
+                                  <a:solidFill>
+                                    <a:schemeClr val="tx1"/>
+                                  </a:solidFill>
+                                  <a:latin typeface="Cambria Math" panose="02040503050406030204" pitchFamily="18" charset="0"/>
+                                </a:rPr>
+                              </m:ctrlPr>
+                            </m:sSupPr>
+                            <m:e>
+                              <m:r>
+                                <a:rPr lang="en-US" sz="1000" b="1" i="1" smtClean="0">
+                                  <a:solidFill>
+                                    <a:schemeClr val="tx1"/>
+                                  </a:solidFill>
+                                  <a:latin typeface="Cambria Math" panose="02040503050406030204" pitchFamily="18" charset="0"/>
+                                </a:rPr>
+                                <m:t>𝒇</m:t>
+                              </m:r>
+                            </m:e>
+                            <m:sup>
+                              <m:r>
+                                <a:rPr lang="en-US" sz="1000" b="1" i="0" smtClean="0">
+                                  <a:solidFill>
+                                    <a:schemeClr val="tx1"/>
+                                  </a:solidFill>
+                                  <a:latin typeface="Cambria Math" panose="02040503050406030204" pitchFamily="18" charset="0"/>
+                                </a:rPr>
+                                <m:t>𝐬</m:t>
+                              </m:r>
+                            </m:sup>
+                          </m:sSup>
+                        </m:e>
+                      </m:d>
+                      <m:r>
+                        <a:rPr lang="en-US" sz="1000" b="1" i="1" smtClean="0">
+                          <a:solidFill>
+                            <a:schemeClr val="tx1"/>
+                          </a:solidFill>
+                          <a:latin typeface="Cambria Math" panose="02040503050406030204" pitchFamily="18" charset="0"/>
+                        </a:rPr>
+                        <m:t>=[</m:t>
+                      </m:r>
+                      <m:sSub>
+                        <m:sSubPr>
+                          <m:ctrlPr>
+                            <a:rPr lang="en-US" sz="1000" b="1" i="1" smtClean="0">
+                              <a:solidFill>
+                                <a:schemeClr val="tx1"/>
+                              </a:solidFill>
+                              <a:latin typeface="Cambria Math" panose="02040503050406030204" pitchFamily="18" charset="0"/>
+                            </a:rPr>
+                          </m:ctrlPr>
+                        </m:sSubPr>
+                        <m:e>
+                          <m:r>
+                            <a:rPr lang="en-US" sz="1000" b="1" i="1" smtClean="0">
+                              <a:solidFill>
+                                <a:schemeClr val="tx1"/>
+                              </a:solidFill>
+                              <a:latin typeface="Cambria Math" panose="02040503050406030204" pitchFamily="18" charset="0"/>
+                            </a:rPr>
+                            <m:t>𝒂</m:t>
+                          </m:r>
+                        </m:e>
+                        <m:sub>
+                          <m:r>
+                            <a:rPr lang="en-US" sz="1000" b="1" i="1" smtClean="0">
+                              <a:solidFill>
+                                <a:schemeClr val="tx1"/>
+                              </a:solidFill>
+                              <a:latin typeface="Cambria Math" panose="02040503050406030204" pitchFamily="18" charset="0"/>
+                            </a:rPr>
+                            <m:t>𝟎</m:t>
+                          </m:r>
+                        </m:sub>
+                      </m:sSub>
+                      <m:sSup>
+                        <m:sSupPr>
+                          <m:ctrlPr>
+                            <a:rPr lang="en-US" sz="1000" b="1" i="1" smtClean="0">
+                              <a:solidFill>
+                                <a:schemeClr val="tx1"/>
+                              </a:solidFill>
+                              <a:latin typeface="Cambria Math" panose="02040503050406030204" pitchFamily="18" charset="0"/>
+                            </a:rPr>
+                          </m:ctrlPr>
+                        </m:sSupPr>
+                        <m:e>
+                          <m:r>
+                            <a:rPr lang="en-US" sz="1000" b="1" i="1" smtClean="0">
+                              <a:solidFill>
+                                <a:schemeClr val="tx1"/>
+                              </a:solidFill>
+                              <a:latin typeface="Cambria Math" panose="02040503050406030204" pitchFamily="18" charset="0"/>
+                            </a:rPr>
+                            <m:t>𝒙</m:t>
+                          </m:r>
+                        </m:e>
+                        <m:sup>
+                          <m:r>
+                            <a:rPr lang="en-US" sz="1000" b="1" i="1" smtClean="0">
+                              <a:solidFill>
+                                <a:schemeClr val="tx1"/>
+                              </a:solidFill>
+                              <a:latin typeface="Cambria Math" panose="02040503050406030204" pitchFamily="18" charset="0"/>
+                            </a:rPr>
+                            <m:t>𝟎</m:t>
+                          </m:r>
+                        </m:sup>
+                      </m:sSup>
+                      <m:r>
+                        <a:rPr lang="en-US" sz="1000" b="1" i="1" smtClean="0">
+                          <a:solidFill>
+                            <a:schemeClr val="tx1"/>
+                          </a:solidFill>
+                          <a:latin typeface="Cambria Math" panose="02040503050406030204" pitchFamily="18" charset="0"/>
+                        </a:rPr>
+                        <m:t>+</m:t>
+                      </m:r>
+                      <m:sSub>
+                        <m:sSubPr>
+                          <m:ctrlPr>
+                            <a:rPr lang="en-US" sz="1000" b="1" i="1" smtClean="0">
+                              <a:solidFill>
+                                <a:schemeClr val="tx1"/>
+                              </a:solidFill>
+                              <a:latin typeface="Cambria Math" panose="02040503050406030204" pitchFamily="18" charset="0"/>
+                            </a:rPr>
+                          </m:ctrlPr>
+                        </m:sSubPr>
+                        <m:e>
+                          <m:r>
+                            <a:rPr lang="en-US" sz="1000" b="1" i="1" smtClean="0">
+                              <a:solidFill>
+                                <a:schemeClr val="tx1"/>
+                              </a:solidFill>
+                              <a:latin typeface="Cambria Math" panose="02040503050406030204" pitchFamily="18" charset="0"/>
+                            </a:rPr>
+                            <m:t>𝒂</m:t>
+                          </m:r>
+                        </m:e>
+                        <m:sub>
+                          <m:r>
+                            <a:rPr lang="en-US" sz="1000" b="1" i="1" smtClean="0">
+                              <a:solidFill>
+                                <a:schemeClr val="tx1"/>
+                              </a:solidFill>
+                              <a:latin typeface="Cambria Math" panose="02040503050406030204" pitchFamily="18" charset="0"/>
+                            </a:rPr>
+                            <m:t>𝟏</m:t>
+                          </m:r>
+                        </m:sub>
+                      </m:sSub>
+                      <m:sSup>
+                        <m:sSupPr>
+                          <m:ctrlPr>
+                            <a:rPr lang="en-US" sz="1000" b="1" i="1" smtClean="0">
+                              <a:solidFill>
+                                <a:schemeClr val="tx1"/>
+                              </a:solidFill>
+                              <a:latin typeface="Cambria Math" panose="02040503050406030204" pitchFamily="18" charset="0"/>
+                            </a:rPr>
+                          </m:ctrlPr>
+                        </m:sSupPr>
+                        <m:e>
+                          <m:r>
+                            <a:rPr lang="en-US" sz="1000" b="1" i="1" smtClean="0">
+                              <a:solidFill>
+                                <a:schemeClr val="tx1"/>
+                              </a:solidFill>
+                              <a:latin typeface="Cambria Math" panose="02040503050406030204" pitchFamily="18" charset="0"/>
+                            </a:rPr>
+                            <m:t>𝒙</m:t>
+                          </m:r>
+                        </m:e>
+                        <m:sup>
+                          <m:r>
+                            <a:rPr lang="en-US" sz="1000" b="1" i="1" smtClean="0">
+                              <a:solidFill>
+                                <a:schemeClr val="tx1"/>
+                              </a:solidFill>
+                              <a:latin typeface="Cambria Math" panose="02040503050406030204" pitchFamily="18" charset="0"/>
+                            </a:rPr>
+                            <m:t>𝟏</m:t>
+                          </m:r>
+                        </m:sup>
+                      </m:sSup>
+                      <m:r>
+                        <a:rPr lang="en-US" sz="1000" b="0" i="1" smtClean="0">
+                          <a:solidFill>
+                            <a:schemeClr val="tx1"/>
+                          </a:solidFill>
+                          <a:latin typeface="Cambria Math" panose="02040503050406030204" pitchFamily="18" charset="0"/>
+                        </a:rPr>
+                        <m:t>+…+</m:t>
+                      </m:r>
+                      <m:sSub>
+                        <m:sSubPr>
+                          <m:ctrlPr>
+                            <a:rPr lang="en-US" sz="1000" b="1" i="1" smtClean="0">
+                              <a:solidFill>
+                                <a:schemeClr val="tx1"/>
+                              </a:solidFill>
+                              <a:latin typeface="Cambria Math" panose="02040503050406030204" pitchFamily="18" charset="0"/>
+                            </a:rPr>
+                          </m:ctrlPr>
+                        </m:sSubPr>
+                        <m:e>
+                          <m:r>
+                            <a:rPr lang="en-US" sz="1000" b="1" i="1" smtClean="0">
+                              <a:solidFill>
+                                <a:schemeClr val="tx1"/>
+                              </a:solidFill>
+                              <a:latin typeface="Cambria Math" panose="02040503050406030204" pitchFamily="18" charset="0"/>
+                            </a:rPr>
+                            <m:t>𝒂</m:t>
+                          </m:r>
+                        </m:e>
+                        <m:sub>
+                          <m:r>
+                            <a:rPr lang="en-US" sz="1000" b="1" i="1" smtClean="0">
+                              <a:solidFill>
+                                <a:schemeClr val="tx1"/>
+                              </a:solidFill>
+                              <a:latin typeface="Cambria Math" panose="02040503050406030204" pitchFamily="18" charset="0"/>
+                            </a:rPr>
+                            <m:t>𝒑</m:t>
+                          </m:r>
+                        </m:sub>
+                      </m:sSub>
+                      <m:sSup>
+                        <m:sSupPr>
+                          <m:ctrlPr>
+                            <a:rPr lang="en-US" sz="1000" b="1" i="1" smtClean="0">
+                              <a:solidFill>
+                                <a:schemeClr val="tx1"/>
+                              </a:solidFill>
+                              <a:latin typeface="Cambria Math" panose="02040503050406030204" pitchFamily="18" charset="0"/>
+                            </a:rPr>
+                          </m:ctrlPr>
+                        </m:sSupPr>
+                        <m:e>
+                          <m:r>
+                            <a:rPr lang="en-US" sz="1000" b="1" i="1" smtClean="0">
+                              <a:solidFill>
+                                <a:schemeClr val="tx1"/>
+                              </a:solidFill>
+                              <a:latin typeface="Cambria Math" panose="02040503050406030204" pitchFamily="18" charset="0"/>
+                            </a:rPr>
+                            <m:t>𝒙</m:t>
+                          </m:r>
+                        </m:e>
+                        <m:sup>
+                          <m:r>
+                            <a:rPr lang="en-US" sz="1000" b="1" i="1" smtClean="0">
+                              <a:solidFill>
+                                <a:schemeClr val="tx1"/>
+                              </a:solidFill>
+                              <a:latin typeface="Cambria Math" panose="02040503050406030204" pitchFamily="18" charset="0"/>
+                            </a:rPr>
+                            <m:t>𝒑</m:t>
+                          </m:r>
+                        </m:sup>
+                      </m:sSup>
+                      <m:r>
+                        <a:rPr lang="en-US" sz="1000" b="0" i="1" smtClean="0">
+                          <a:solidFill>
+                            <a:schemeClr val="tx1"/>
+                          </a:solidFill>
+                          <a:latin typeface="Cambria Math" panose="02040503050406030204" pitchFamily="18" charset="0"/>
+                        </a:rPr>
+                        <m:t>]</m:t>
+                      </m:r>
+                    </m:oMath>
+                  </m:oMathPara>
+                </a14:m>
+                <a:endParaRPr lang="en-US" sz="1000" b="1" dirty="0">
+                  <a:solidFill>
+                    <a:schemeClr val="tx1"/>
+                  </a:solidFill>
+                </a:endParaRPr>
+              </a:p>
+              <a:p>
+                <a:endParaRPr lang="en-US" sz="1000" b="1" dirty="0">
+                  <a:solidFill>
+                    <a:schemeClr val="tx1"/>
+                  </a:solidFill>
+                </a:endParaRPr>
+              </a:p>
+              <a:p>
+                <a:r>
+                  <a:rPr lang="en-US" sz="1000" b="1" dirty="0">
+                    <a:solidFill>
+                      <a:schemeClr val="tx1"/>
+                    </a:solidFill>
+                  </a:rPr>
+                  <a:t>Input</a:t>
+                </a:r>
+                <a:endParaRPr lang="en-US" sz="1000" dirty="0">
+                  <a:solidFill>
+                    <a:schemeClr val="tx1"/>
+                  </a:solidFill>
+                </a:endParaRPr>
+              </a:p>
+              <a:p>
+                <a:pPr marL="171450" indent="-171450">
+                  <a:buFont typeface="Arial" panose="020B0604020202020204" pitchFamily="34" charset="0"/>
+                  <a:buChar char="•"/>
+                </a:pPr>
+                <a:r>
+                  <a:rPr lang="en-US" sz="1000" dirty="0" err="1">
+                    <a:solidFill>
+                      <a:schemeClr val="tx1"/>
+                    </a:solidFill>
+                  </a:rPr>
+                  <a:t>elem_coords</a:t>
+                </a:r>
+                <a:r>
+                  <a:rPr lang="en-US" sz="1000" dirty="0">
+                    <a:solidFill>
+                      <a:schemeClr val="tx1"/>
+                    </a:solidFill>
+                  </a:rPr>
+                  <a:t>: </a:t>
+                </a:r>
+                <a:r>
+                  <a:rPr lang="en-US" sz="1000" dirty="0" err="1">
+                    <a:solidFill>
+                      <a:schemeClr val="tx1"/>
+                    </a:solidFill>
+                  </a:rPr>
+                  <a:t>ndarray</a:t>
+                </a:r>
+                <a:r>
+                  <a:rPr lang="en-US" sz="1000" dirty="0">
+                    <a:solidFill>
+                      <a:schemeClr val="tx1"/>
+                    </a:solidFill>
+                  </a:rPr>
+                  <a:t> (n x m x 2 x 1)</a:t>
+                </a:r>
+              </a:p>
+              <a:p>
+                <a:r>
+                  <a:rPr lang="en-US" sz="1000" b="1" dirty="0">
+                    <a:solidFill>
+                      <a:schemeClr val="tx1"/>
+                    </a:solidFill>
+                  </a:rPr>
+                  <a:t>Output</a:t>
+                </a:r>
+              </a:p>
+              <a:p>
+                <a:pPr marL="171450" indent="-171450">
+                  <a:buFont typeface="Arial" panose="020B0604020202020204" pitchFamily="34" charset="0"/>
+                  <a:buChar char="•"/>
+                </a:pPr>
+                <a:r>
+                  <a:rPr lang="en-US" sz="1000" dirty="0" err="1">
+                    <a:solidFill>
+                      <a:schemeClr val="tx1"/>
+                    </a:solidFill>
+                  </a:rPr>
+                  <a:t>ndarray</a:t>
+                </a:r>
+                <a:r>
+                  <a:rPr lang="en-US" sz="1000" dirty="0">
+                    <a:solidFill>
+                      <a:schemeClr val="tx1"/>
+                    </a:solidFill>
+                  </a:rPr>
+                  <a:t> (n x m x 2 x 1)</a:t>
+                </a:r>
+              </a:p>
+            </p:txBody>
+          </p:sp>
+        </mc:Choice>
+        <mc:Fallback>
+          <p:sp>
+            <p:nvSpPr>
+              <p:cNvPr id="28" name="Rectangle: Rounded Corners 27">
+                <a:extLst>
+                  <a:ext uri="{FF2B5EF4-FFF2-40B4-BE49-F238E27FC236}">
+                    <a16:creationId xmlns:a16="http://schemas.microsoft.com/office/drawing/2014/main" id="{7758EFAA-018C-EC15-38D5-808A6A2C16D4}"/>
+                  </a:ext>
+                </a:extLst>
+              </p:cNvPr>
+              <p:cNvSpPr>
+                <a:spLocks noRot="1" noChangeAspect="1" noMove="1" noResize="1" noEditPoints="1" noAdjustHandles="1" noChangeArrowheads="1" noChangeShapeType="1" noTextEdit="1"/>
+              </p:cNvSpPr>
+              <p:nvPr/>
+            </p:nvSpPr>
+            <p:spPr>
+              <a:xfrm>
+                <a:off x="8004738" y="4579889"/>
+                <a:ext cx="2792731" cy="2066987"/>
+              </a:xfrm>
+              <a:prstGeom prst="roundRect">
+                <a:avLst>
+                  <a:gd name="adj" fmla="val 1821"/>
+                </a:avLst>
+              </a:prstGeom>
+              <a:blipFill>
+                <a:blip r:embed="rId4"/>
+                <a:stretch>
+                  <a:fillRect/>
+                </a:stretch>
+              </a:blipFill>
+              <a:ln w="6350">
+                <a:solidFill>
+                  <a:schemeClr val="tx1"/>
+                </a:solidFill>
+              </a:ln>
+            </p:spPr>
+            <p:txBody>
+              <a:bodyPr/>
+              <a:lstStyle/>
+              <a:p>
+                <a:r>
+                  <a:rPr lang="en-US">
+                    <a:noFill/>
+                  </a:rPr>
+                  <a:t> </a:t>
+                </a:r>
+              </a:p>
+            </p:txBody>
+          </p:sp>
+        </mc:Fallback>
+      </mc:AlternateContent>
+      <mc:AlternateContent xmlns:mc="http://schemas.openxmlformats.org/markup-compatibility/2006">
+        <mc:Choice xmlns:a14="http://schemas.microsoft.com/office/drawing/2010/main" Requires="a14">
+          <p:sp>
+            <p:nvSpPr>
+              <p:cNvPr id="29" name="Rectangle: Rounded Corners 28">
+                <a:extLst>
+                  <a:ext uri="{FF2B5EF4-FFF2-40B4-BE49-F238E27FC236}">
+                    <a16:creationId xmlns:a16="http://schemas.microsoft.com/office/drawing/2014/main" id="{041BC120-DAD6-6470-231A-CFFF87FA8BDC}"/>
+                  </a:ext>
+                </a:extLst>
+              </p:cNvPr>
+              <p:cNvSpPr/>
+              <p:nvPr/>
+            </p:nvSpPr>
+            <p:spPr>
+              <a:xfrm>
+                <a:off x="3886262" y="4058185"/>
+                <a:ext cx="3149957" cy="2588691"/>
+              </a:xfrm>
+              <a:prstGeom prst="roundRect">
+                <a:avLst>
+                  <a:gd name="adj" fmla="val 1821"/>
+                </a:avLst>
+              </a:prstGeom>
+              <a:solidFill>
+                <a:schemeClr val="bg1">
+                  <a:lumMod val="95000"/>
+                </a:schemeClr>
+              </a:solidFill>
+              <a:ln w="6350">
+                <a:solidFill>
+                  <a:schemeClr val="tx1"/>
+                </a:solidFill>
+              </a:ln>
+            </p:spPr>
+            <p:style>
+              <a:lnRef idx="2">
+                <a:schemeClr val="accent1">
+                  <a:shade val="15000"/>
+                </a:schemeClr>
+              </a:lnRef>
+              <a:fillRef idx="1">
+                <a:schemeClr val="accent1"/>
+              </a:fillRef>
+              <a:effectRef idx="0">
+                <a:schemeClr val="accent1"/>
+              </a:effectRef>
+              <a:fontRef idx="minor">
+                <a:schemeClr val="lt1"/>
+              </a:fontRef>
+            </p:style>
+            <p:txBody>
+              <a:bodyPr rtlCol="0" anchor="ctr"/>
+              <a:lstStyle/>
+              <a:p>
+                <a:pPr algn="ctr"/>
+                <a:r>
+                  <a:rPr lang="en-US" sz="1000" b="1" dirty="0">
+                    <a:solidFill>
+                      <a:schemeClr val="tx1"/>
+                    </a:solidFill>
+                  </a:rPr>
+                  <a:t>compute_J_det_surf</a:t>
+                </a:r>
+              </a:p>
+              <a:p>
+                <a:pPr algn="ctr"/>
+                <a:endParaRPr lang="en-US" sz="1000" b="1" dirty="0">
+                  <a:solidFill>
+                    <a:schemeClr val="tx1"/>
+                  </a:solidFill>
+                </a:endParaRPr>
+              </a:p>
+              <a:p>
+                <a:r>
+                  <a:rPr lang="en-US" sz="1000" dirty="0">
+                    <a:solidFill>
+                      <a:schemeClr val="tx1"/>
+                    </a:solidFill>
+                  </a:rPr>
+                  <a:t>Compute the Jacobi-determinant along the traction surface </a:t>
+                </a:r>
+                <a14:m>
+                  <m:oMath xmlns:m="http://schemas.openxmlformats.org/officeDocument/2006/math">
+                    <m:r>
+                      <a:rPr lang="en-US" sz="1000" b="0" i="1" smtClean="0">
+                        <a:solidFill>
+                          <a:schemeClr val="tx1"/>
+                        </a:solidFill>
+                        <a:latin typeface="Cambria Math" panose="02040503050406030204" pitchFamily="18" charset="0"/>
+                      </a:rPr>
+                      <m:t>𝑖</m:t>
+                    </m:r>
+                  </m:oMath>
+                </a14:m>
+                <a:r>
+                  <a:rPr lang="en-US" sz="1000" dirty="0">
+                    <a:solidFill>
+                      <a:schemeClr val="tx1"/>
+                    </a:solidFill>
+                  </a:rPr>
+                  <a:t>, where </a:t>
+                </a:r>
+                <a14:m>
+                  <m:oMath xmlns:m="http://schemas.openxmlformats.org/officeDocument/2006/math">
+                    <m:r>
+                      <a:rPr lang="en-US" sz="1000" b="0" i="1" smtClean="0">
+                        <a:solidFill>
+                          <a:schemeClr val="tx1"/>
+                        </a:solidFill>
+                        <a:latin typeface="Cambria Math" panose="02040503050406030204" pitchFamily="18" charset="0"/>
+                      </a:rPr>
+                      <m:t>𝑖</m:t>
+                    </m:r>
+                    <m:r>
+                      <a:rPr lang="en-US" sz="1000" b="0" i="1" smtClean="0">
+                        <a:solidFill>
+                          <a:schemeClr val="tx1"/>
+                        </a:solidFill>
+                        <a:latin typeface="Cambria Math" panose="02040503050406030204" pitchFamily="18" charset="0"/>
+                      </a:rPr>
+                      <m:t>=1</m:t>
+                    </m:r>
+                  </m:oMath>
+                </a14:m>
+                <a:r>
+                  <a:rPr lang="en-US" sz="1000" dirty="0">
+                    <a:solidFill>
+                      <a:schemeClr val="tx1"/>
+                    </a:solidFill>
+                  </a:rPr>
+                  <a:t> if the traction is applied on a face where the </a:t>
+                </a:r>
+                <a14:m>
+                  <m:oMath xmlns:m="http://schemas.openxmlformats.org/officeDocument/2006/math">
+                    <m:sSub>
+                      <m:sSubPr>
+                        <m:ctrlPr>
+                          <a:rPr lang="en-US" sz="1000" b="0" i="1" smtClean="0">
+                            <a:solidFill>
+                              <a:schemeClr val="tx1"/>
+                            </a:solidFill>
+                            <a:latin typeface="Cambria Math" panose="02040503050406030204" pitchFamily="18" charset="0"/>
+                          </a:rPr>
+                        </m:ctrlPr>
+                      </m:sSubPr>
+                      <m:e>
+                        <m:r>
+                          <a:rPr lang="en-US" sz="1000" b="0" i="1" smtClean="0">
+                            <a:solidFill>
+                              <a:schemeClr val="tx1"/>
+                            </a:solidFill>
+                            <a:latin typeface="Cambria Math" panose="02040503050406030204" pitchFamily="18" charset="0"/>
+                          </a:rPr>
+                          <m:t>𝑛</m:t>
+                        </m:r>
+                      </m:e>
+                      <m:sub>
+                        <m:r>
+                          <a:rPr lang="en-US" sz="1000" b="0" i="1" smtClean="0">
+                            <a:solidFill>
+                              <a:schemeClr val="tx1"/>
+                            </a:solidFill>
+                            <a:latin typeface="Cambria Math" panose="02040503050406030204" pitchFamily="18" charset="0"/>
+                          </a:rPr>
+                          <m:t>1</m:t>
+                        </m:r>
+                      </m:sub>
+                    </m:sSub>
+                  </m:oMath>
+                </a14:m>
+                <a:r>
+                  <a:rPr lang="en-US" sz="1000" dirty="0">
+                    <a:solidFill>
+                      <a:schemeClr val="tx1"/>
+                    </a:solidFill>
+                  </a:rPr>
+                  <a:t> component is varied, and </a:t>
+                </a:r>
+                <a14:m>
+                  <m:oMath xmlns:m="http://schemas.openxmlformats.org/officeDocument/2006/math">
+                    <m:r>
+                      <a:rPr lang="en-US" sz="1000" b="0" i="1" smtClean="0">
+                        <a:solidFill>
+                          <a:schemeClr val="tx1"/>
+                        </a:solidFill>
+                        <a:latin typeface="Cambria Math" panose="02040503050406030204" pitchFamily="18" charset="0"/>
+                      </a:rPr>
+                      <m:t>𝑖</m:t>
+                    </m:r>
+                    <m:r>
+                      <a:rPr lang="en-US" sz="1000" b="0" i="1" smtClean="0">
+                        <a:solidFill>
+                          <a:schemeClr val="tx1"/>
+                        </a:solidFill>
+                        <a:latin typeface="Cambria Math" panose="02040503050406030204" pitchFamily="18" charset="0"/>
+                      </a:rPr>
+                      <m:t>=2</m:t>
+                    </m:r>
+                  </m:oMath>
+                </a14:m>
+                <a:r>
+                  <a:rPr lang="en-US" sz="1000" dirty="0">
+                    <a:solidFill>
+                      <a:schemeClr val="tx1"/>
+                    </a:solidFill>
+                  </a:rPr>
+                  <a:t> where the </a:t>
+                </a:r>
+                <a14:m>
+                  <m:oMath xmlns:m="http://schemas.openxmlformats.org/officeDocument/2006/math">
+                    <m:sSub>
+                      <m:sSubPr>
+                        <m:ctrlPr>
+                          <a:rPr lang="en-US" sz="1000" b="0" i="1" smtClean="0">
+                            <a:solidFill>
+                              <a:schemeClr val="tx1"/>
+                            </a:solidFill>
+                            <a:latin typeface="Cambria Math" panose="02040503050406030204" pitchFamily="18" charset="0"/>
+                          </a:rPr>
+                        </m:ctrlPr>
+                      </m:sSubPr>
+                      <m:e>
+                        <m:r>
+                          <a:rPr lang="en-US" sz="1000" b="0" i="1" smtClean="0">
+                            <a:solidFill>
+                              <a:schemeClr val="tx1"/>
+                            </a:solidFill>
+                            <a:latin typeface="Cambria Math" panose="02040503050406030204" pitchFamily="18" charset="0"/>
+                          </a:rPr>
+                          <m:t>𝑛</m:t>
+                        </m:r>
+                      </m:e>
+                      <m:sub>
+                        <m:r>
+                          <a:rPr lang="en-US" sz="1000" b="0" i="1" smtClean="0">
+                            <a:solidFill>
+                              <a:schemeClr val="tx1"/>
+                            </a:solidFill>
+                            <a:latin typeface="Cambria Math" panose="02040503050406030204" pitchFamily="18" charset="0"/>
+                          </a:rPr>
+                          <m:t>2</m:t>
+                        </m:r>
+                      </m:sub>
+                    </m:sSub>
+                  </m:oMath>
+                </a14:m>
+                <a:r>
+                  <a:rPr lang="en-US" sz="1000" dirty="0">
+                    <a:solidFill>
+                      <a:schemeClr val="tx1"/>
+                    </a:solidFill>
+                  </a:rPr>
+                  <a:t> component is varied.</a:t>
+                </a:r>
+              </a:p>
+              <a:p>
+                <a:endParaRPr lang="en-US" sz="1000" b="0" i="1" dirty="0">
+                  <a:solidFill>
+                    <a:schemeClr val="tx1"/>
+                  </a:solidFill>
+                  <a:latin typeface="Cambria Math" panose="02040503050406030204" pitchFamily="18" charset="0"/>
+                </a:endParaRPr>
+              </a:p>
+              <a:p>
+                <a14:m>
+                  <m:oMathPara xmlns:m="http://schemas.openxmlformats.org/officeDocument/2006/math">
+                    <m:oMathParaPr>
+                      <m:jc m:val="centerGroup"/>
+                    </m:oMathParaPr>
+                    <m:oMath xmlns:m="http://schemas.openxmlformats.org/officeDocument/2006/math">
+                      <m:r>
+                        <m:rPr>
+                          <m:sty m:val="p"/>
+                        </m:rPr>
+                        <a:rPr lang="en-US" sz="1000" b="0" i="0" smtClean="0">
+                          <a:solidFill>
+                            <a:schemeClr val="tx1"/>
+                          </a:solidFill>
+                          <a:latin typeface="Cambria Math" panose="02040503050406030204" pitchFamily="18" charset="0"/>
+                        </a:rPr>
+                        <m:t>det</m:t>
+                      </m:r>
+                      <m:d>
+                        <m:dPr>
+                          <m:ctrlPr>
+                            <a:rPr lang="en-US" sz="1000" i="0" smtClean="0">
+                              <a:solidFill>
+                                <a:schemeClr val="tx1"/>
+                              </a:solidFill>
+                              <a:latin typeface="Cambria Math" panose="02040503050406030204" pitchFamily="18" charset="0"/>
+                            </a:rPr>
+                          </m:ctrlPr>
+                        </m:dPr>
+                        <m:e>
+                          <m:sSup>
+                            <m:sSupPr>
+                              <m:ctrlPr>
+                                <a:rPr lang="en-US" sz="1000" i="1" smtClean="0">
+                                  <a:solidFill>
+                                    <a:schemeClr val="tx1"/>
+                                  </a:solidFill>
+                                  <a:latin typeface="Cambria Math" panose="02040503050406030204" pitchFamily="18" charset="0"/>
+                                </a:rPr>
+                              </m:ctrlPr>
+                            </m:sSupPr>
+                            <m:e>
+                              <m:r>
+                                <a:rPr lang="en-US" sz="1000" b="0" i="1" smtClean="0">
+                                  <a:solidFill>
+                                    <a:schemeClr val="tx1"/>
+                                  </a:solidFill>
+                                  <a:latin typeface="Cambria Math" panose="02040503050406030204" pitchFamily="18" charset="0"/>
+                                </a:rPr>
+                                <m:t>𝐽</m:t>
+                              </m:r>
+                            </m:e>
+                            <m:sup>
+                              <m:r>
+                                <m:rPr>
+                                  <m:sty m:val="p"/>
+                                </m:rPr>
+                                <a:rPr lang="en-US" sz="1000" b="0" i="0" smtClean="0">
+                                  <a:solidFill>
+                                    <a:schemeClr val="tx1"/>
+                                  </a:solidFill>
+                                  <a:latin typeface="Cambria Math" panose="02040503050406030204" pitchFamily="18" charset="0"/>
+                                </a:rPr>
+                                <m:t>Γ</m:t>
+                              </m:r>
+                            </m:sup>
+                          </m:sSup>
+                        </m:e>
+                      </m:d>
+                      <m:r>
+                        <a:rPr lang="en-US" sz="1000" b="1" i="1" smtClean="0">
+                          <a:solidFill>
+                            <a:schemeClr val="tx1"/>
+                          </a:solidFill>
+                          <a:latin typeface="Cambria Math" panose="02040503050406030204" pitchFamily="18" charset="0"/>
+                        </a:rPr>
+                        <m:t>=</m:t>
+                      </m:r>
+                      <m:sSup>
+                        <m:sSupPr>
+                          <m:ctrlPr>
+                            <a:rPr lang="en-US" sz="1000" i="0" smtClean="0">
+                              <a:solidFill>
+                                <a:schemeClr val="tx1"/>
+                              </a:solidFill>
+                              <a:latin typeface="Cambria Math" panose="02040503050406030204" pitchFamily="18" charset="0"/>
+                            </a:rPr>
+                          </m:ctrlPr>
+                        </m:sSupPr>
+                        <m:e>
+                          <m:d>
+                            <m:dPr>
+                              <m:ctrlPr>
+                                <a:rPr lang="en-US" sz="1000" i="1" smtClean="0">
+                                  <a:solidFill>
+                                    <a:schemeClr val="tx1"/>
+                                  </a:solidFill>
+                                  <a:latin typeface="Cambria Math" panose="02040503050406030204" pitchFamily="18" charset="0"/>
+                                </a:rPr>
+                              </m:ctrlPr>
+                            </m:dPr>
+                            <m:e>
+                              <m:sSubSup>
+                                <m:sSubSupPr>
+                                  <m:ctrlPr>
+                                    <a:rPr lang="en-US" sz="1000" i="1" smtClean="0">
+                                      <a:solidFill>
+                                        <a:schemeClr val="tx1"/>
+                                      </a:solidFill>
+                                      <a:latin typeface="Cambria Math" panose="02040503050406030204" pitchFamily="18" charset="0"/>
+                                    </a:rPr>
+                                  </m:ctrlPr>
+                                </m:sSubSupPr>
+                                <m:e>
+                                  <m:r>
+                                    <a:rPr lang="en-US" sz="1000" b="0" i="1" smtClean="0">
+                                      <a:solidFill>
+                                        <a:schemeClr val="tx1"/>
+                                      </a:solidFill>
+                                      <a:latin typeface="Cambria Math" panose="02040503050406030204" pitchFamily="18" charset="0"/>
+                                    </a:rPr>
+                                    <m:t>𝐽</m:t>
+                                  </m:r>
+                                </m:e>
+                                <m:sub>
+                                  <m:r>
+                                    <a:rPr lang="en-US" sz="1000" b="0" i="1" smtClean="0">
+                                      <a:solidFill>
+                                        <a:schemeClr val="tx1"/>
+                                      </a:solidFill>
+                                      <a:latin typeface="Cambria Math" panose="02040503050406030204" pitchFamily="18" charset="0"/>
+                                    </a:rPr>
+                                    <m:t>𝑖</m:t>
+                                  </m:r>
+                                  <m:r>
+                                    <a:rPr lang="en-US" sz="1000" b="0" i="1" smtClean="0">
+                                      <a:solidFill>
+                                        <a:schemeClr val="tx1"/>
+                                      </a:solidFill>
+                                      <a:latin typeface="Cambria Math" panose="02040503050406030204" pitchFamily="18" charset="0"/>
+                                    </a:rPr>
+                                    <m:t>1</m:t>
+                                  </m:r>
+                                </m:sub>
+                                <m:sup>
+                                  <m:r>
+                                    <a:rPr lang="en-US" sz="1000" b="0" i="1" smtClean="0">
+                                      <a:solidFill>
+                                        <a:schemeClr val="tx1"/>
+                                      </a:solidFill>
+                                      <a:latin typeface="Cambria Math" panose="02040503050406030204" pitchFamily="18" charset="0"/>
+                                    </a:rPr>
+                                    <m:t>2</m:t>
+                                  </m:r>
+                                </m:sup>
+                              </m:sSubSup>
+                              <m:r>
+                                <a:rPr lang="en-US" sz="1000" b="0" i="1" smtClean="0">
+                                  <a:solidFill>
+                                    <a:schemeClr val="tx1"/>
+                                  </a:solidFill>
+                                  <a:latin typeface="Cambria Math" panose="02040503050406030204" pitchFamily="18" charset="0"/>
+                                </a:rPr>
+                                <m:t>+</m:t>
+                              </m:r>
+                              <m:sSubSup>
+                                <m:sSubSupPr>
+                                  <m:ctrlPr>
+                                    <a:rPr lang="en-US" sz="1000" i="1" smtClean="0">
+                                      <a:solidFill>
+                                        <a:schemeClr val="tx1"/>
+                                      </a:solidFill>
+                                      <a:latin typeface="Cambria Math" panose="02040503050406030204" pitchFamily="18" charset="0"/>
+                                    </a:rPr>
+                                  </m:ctrlPr>
+                                </m:sSubSupPr>
+                                <m:e>
+                                  <m:r>
+                                    <a:rPr lang="en-US" sz="1000" b="0" i="1" smtClean="0">
+                                      <a:solidFill>
+                                        <a:schemeClr val="tx1"/>
+                                      </a:solidFill>
+                                      <a:latin typeface="Cambria Math" panose="02040503050406030204" pitchFamily="18" charset="0"/>
+                                    </a:rPr>
+                                    <m:t>𝐽</m:t>
+                                  </m:r>
+                                </m:e>
+                                <m:sub>
+                                  <m:r>
+                                    <a:rPr lang="en-US" sz="1000" b="0" i="1" smtClean="0">
+                                      <a:solidFill>
+                                        <a:schemeClr val="tx1"/>
+                                      </a:solidFill>
+                                      <a:latin typeface="Cambria Math" panose="02040503050406030204" pitchFamily="18" charset="0"/>
+                                    </a:rPr>
+                                    <m:t>𝑖</m:t>
+                                  </m:r>
+                                  <m:r>
+                                    <a:rPr lang="en-US" sz="1000" b="0" i="1" smtClean="0">
+                                      <a:solidFill>
+                                        <a:schemeClr val="tx1"/>
+                                      </a:solidFill>
+                                      <a:latin typeface="Cambria Math" panose="02040503050406030204" pitchFamily="18" charset="0"/>
+                                    </a:rPr>
+                                    <m:t>2</m:t>
+                                  </m:r>
+                                </m:sub>
+                                <m:sup>
+                                  <m:r>
+                                    <a:rPr lang="en-US" sz="1000" b="0" i="1" smtClean="0">
+                                      <a:solidFill>
+                                        <a:schemeClr val="tx1"/>
+                                      </a:solidFill>
+                                      <a:latin typeface="Cambria Math" panose="02040503050406030204" pitchFamily="18" charset="0"/>
+                                    </a:rPr>
+                                    <m:t>2</m:t>
+                                  </m:r>
+                                </m:sup>
+                              </m:sSubSup>
+                            </m:e>
+                          </m:d>
+                        </m:e>
+                        <m:sup>
+                          <m:r>
+                            <a:rPr lang="en-US" sz="1000" b="0" i="1" smtClean="0">
+                              <a:solidFill>
+                                <a:schemeClr val="tx1"/>
+                              </a:solidFill>
+                              <a:latin typeface="Cambria Math" panose="02040503050406030204" pitchFamily="18" charset="0"/>
+                            </a:rPr>
+                            <m:t>0.5</m:t>
+                          </m:r>
+                        </m:sup>
+                      </m:sSup>
+                    </m:oMath>
+                  </m:oMathPara>
+                </a14:m>
+                <a:endParaRPr lang="en-US" sz="1000" dirty="0">
+                  <a:solidFill>
+                    <a:schemeClr val="tx1"/>
+                  </a:solidFill>
+                </a:endParaRPr>
+              </a:p>
+              <a:p>
+                <a:endParaRPr lang="en-US" sz="1000" dirty="0">
+                  <a:solidFill>
+                    <a:schemeClr val="tx1"/>
+                  </a:solidFill>
+                </a:endParaRPr>
+              </a:p>
+              <a:p>
+                <a:r>
+                  <a:rPr lang="en-US" sz="1000" b="1" dirty="0">
+                    <a:solidFill>
+                      <a:schemeClr val="tx1"/>
+                    </a:solidFill>
+                  </a:rPr>
+                  <a:t>Input</a:t>
+                </a:r>
+              </a:p>
+              <a:p>
+                <a:pPr marL="171450" indent="-171450">
+                  <a:buFont typeface="Arial" panose="020B0604020202020204" pitchFamily="34" charset="0"/>
+                  <a:buChar char="•"/>
+                </a:pPr>
+                <a:r>
+                  <a:rPr lang="en-US" sz="1000" dirty="0">
+                    <a:solidFill>
+                      <a:schemeClr val="tx1"/>
+                    </a:solidFill>
+                  </a:rPr>
+                  <a:t>J: </a:t>
+                </a:r>
+                <a:r>
+                  <a:rPr lang="en-US" sz="1000" dirty="0" err="1">
+                    <a:solidFill>
+                      <a:schemeClr val="tx1"/>
+                    </a:solidFill>
+                  </a:rPr>
+                  <a:t>ndarray</a:t>
+                </a:r>
+                <a:r>
+                  <a:rPr lang="en-US" sz="1000" dirty="0">
+                    <a:solidFill>
+                      <a:schemeClr val="tx1"/>
+                    </a:solidFill>
+                  </a:rPr>
+                  <a:t> (n x m x 4 x 4)</a:t>
+                </a:r>
+              </a:p>
+              <a:p>
+                <a:pPr marL="171450" indent="-171450">
+                  <a:buFont typeface="Arial" panose="020B0604020202020204" pitchFamily="34" charset="0"/>
+                  <a:buChar char="•"/>
+                </a:pPr>
+                <a:r>
+                  <a:rPr lang="en-US" sz="1000" dirty="0" err="1">
+                    <a:solidFill>
+                      <a:schemeClr val="tx1"/>
+                    </a:solidFill>
+                  </a:rPr>
+                  <a:t>grid_shape</a:t>
+                </a:r>
+                <a:r>
+                  <a:rPr lang="en-US" sz="1000" dirty="0">
+                    <a:solidFill>
+                      <a:schemeClr val="tx1"/>
+                    </a:solidFill>
+                  </a:rPr>
+                  <a:t>: </a:t>
+                </a:r>
+                <a:r>
+                  <a:rPr lang="en-US" sz="1000" dirty="0" err="1">
+                    <a:solidFill>
+                      <a:schemeClr val="tx1"/>
+                    </a:solidFill>
+                  </a:rPr>
+                  <a:t>ndarray</a:t>
+                </a:r>
+                <a:r>
+                  <a:rPr lang="en-US" sz="1000" dirty="0">
+                    <a:solidFill>
+                      <a:schemeClr val="tx1"/>
+                    </a:solidFill>
+                  </a:rPr>
+                  <a:t> (n x m x 2 x 1)</a:t>
+                </a:r>
+              </a:p>
+              <a:p>
+                <a:pPr marL="171450" indent="-171450">
+                  <a:buFont typeface="Arial" panose="020B0604020202020204" pitchFamily="34" charset="0"/>
+                  <a:buChar char="•"/>
+                </a:pPr>
+                <a:r>
+                  <a:rPr lang="en-US" sz="1000" dirty="0">
+                    <a:solidFill>
+                      <a:schemeClr val="tx1"/>
+                    </a:solidFill>
+                  </a:rPr>
+                  <a:t>face: str (+x, -x, +y, -y)</a:t>
+                </a:r>
+              </a:p>
+              <a:p>
+                <a:r>
+                  <a:rPr lang="en-US" sz="1000" b="1" dirty="0">
+                    <a:solidFill>
+                      <a:schemeClr val="tx1"/>
+                    </a:solidFill>
+                  </a:rPr>
+                  <a:t>Output</a:t>
+                </a:r>
+              </a:p>
+              <a:p>
+                <a:pPr marL="171450" indent="-171450">
+                  <a:buFont typeface="Arial" panose="020B0604020202020204" pitchFamily="34" charset="0"/>
+                  <a:buChar char="•"/>
+                </a:pPr>
+                <a:r>
+                  <a:rPr lang="en-US" sz="1000" dirty="0" err="1">
+                    <a:solidFill>
+                      <a:schemeClr val="tx1"/>
+                    </a:solidFill>
+                  </a:rPr>
+                  <a:t>ndarray</a:t>
+                </a:r>
+                <a:r>
+                  <a:rPr lang="en-US" sz="1000" dirty="0">
+                    <a:solidFill>
+                      <a:schemeClr val="tx1"/>
+                    </a:solidFill>
+                  </a:rPr>
+                  <a:t> (n x m x 1 x 1)</a:t>
+                </a:r>
+              </a:p>
+            </p:txBody>
+          </p:sp>
+        </mc:Choice>
+        <mc:Fallback>
+          <p:sp>
+            <p:nvSpPr>
+              <p:cNvPr id="29" name="Rectangle: Rounded Corners 28">
+                <a:extLst>
+                  <a:ext uri="{FF2B5EF4-FFF2-40B4-BE49-F238E27FC236}">
+                    <a16:creationId xmlns:a16="http://schemas.microsoft.com/office/drawing/2014/main" id="{041BC120-DAD6-6470-231A-CFFF87FA8BDC}"/>
+                  </a:ext>
+                </a:extLst>
+              </p:cNvPr>
+              <p:cNvSpPr>
+                <a:spLocks noRot="1" noChangeAspect="1" noMove="1" noResize="1" noEditPoints="1" noAdjustHandles="1" noChangeArrowheads="1" noChangeShapeType="1" noTextEdit="1"/>
+              </p:cNvSpPr>
+              <p:nvPr/>
+            </p:nvSpPr>
+            <p:spPr>
+              <a:xfrm>
+                <a:off x="3886262" y="4058185"/>
+                <a:ext cx="3149957" cy="2588691"/>
+              </a:xfrm>
+              <a:prstGeom prst="roundRect">
+                <a:avLst>
+                  <a:gd name="adj" fmla="val 1821"/>
+                </a:avLst>
+              </a:prstGeom>
+              <a:blipFill>
+                <a:blip r:embed="rId5"/>
+                <a:stretch>
+                  <a:fillRect/>
+                </a:stretch>
+              </a:blipFill>
+              <a:ln w="6350">
+                <a:solidFill>
+                  <a:schemeClr val="tx1"/>
+                </a:solidFill>
+              </a:ln>
+            </p:spPr>
+            <p:txBody>
+              <a:bodyPr/>
+              <a:lstStyle/>
+              <a:p>
+                <a:r>
+                  <a:rPr lang="en-US">
+                    <a:noFill/>
+                  </a:rPr>
+                  <a:t> </a:t>
+                </a:r>
+              </a:p>
+            </p:txBody>
+          </p:sp>
+        </mc:Fallback>
+      </mc:AlternateContent>
+      <mc:AlternateContent xmlns:mc="http://schemas.openxmlformats.org/markup-compatibility/2006">
+        <mc:Choice xmlns:a14="http://schemas.microsoft.com/office/drawing/2010/main" Requires="a14">
+          <p:sp>
+            <p:nvSpPr>
+              <p:cNvPr id="30" name="Rectangle: Rounded Corners 29">
+                <a:extLst>
+                  <a:ext uri="{FF2B5EF4-FFF2-40B4-BE49-F238E27FC236}">
+                    <a16:creationId xmlns:a16="http://schemas.microsoft.com/office/drawing/2014/main" id="{8CF66D9B-9024-EFBA-4005-E8AD3936B5FA}"/>
+                  </a:ext>
+                </a:extLst>
+              </p:cNvPr>
+              <p:cNvSpPr/>
+              <p:nvPr/>
+            </p:nvSpPr>
+            <p:spPr>
+              <a:xfrm>
+                <a:off x="1242294" y="1010330"/>
+                <a:ext cx="3352102" cy="2836580"/>
+              </a:xfrm>
+              <a:prstGeom prst="roundRect">
+                <a:avLst>
+                  <a:gd name="adj" fmla="val 1821"/>
+                </a:avLst>
+              </a:prstGeom>
+              <a:solidFill>
+                <a:schemeClr val="bg1">
+                  <a:lumMod val="95000"/>
+                </a:schemeClr>
+              </a:solidFill>
+              <a:ln w="6350">
+                <a:solidFill>
+                  <a:schemeClr val="tx1"/>
+                </a:solidFill>
+              </a:ln>
+            </p:spPr>
+            <p:style>
+              <a:lnRef idx="2">
+                <a:schemeClr val="accent1">
+                  <a:shade val="15000"/>
+                </a:schemeClr>
+              </a:lnRef>
+              <a:fillRef idx="1">
+                <a:schemeClr val="accent1"/>
+              </a:fillRef>
+              <a:effectRef idx="0">
+                <a:schemeClr val="accent1"/>
+              </a:effectRef>
+              <a:fontRef idx="minor">
+                <a:schemeClr val="lt1"/>
+              </a:fontRef>
+            </p:style>
+            <p:txBody>
+              <a:bodyPr rtlCol="0" anchor="ctr"/>
+              <a:lstStyle/>
+              <a:p>
+                <a:pPr algn="ctr"/>
+                <a:r>
+                  <a:rPr lang="en-US" sz="1000" b="1" dirty="0">
+                    <a:solidFill>
+                      <a:schemeClr val="tx1"/>
+                    </a:solidFill>
+                  </a:rPr>
+                  <a:t>compute</a:t>
+                </a:r>
+                <a:r>
+                  <a:rPr lang="en-US" sz="1000" b="1" dirty="0" err="1">
+                    <a:solidFill>
+                      <a:schemeClr val="tx1"/>
+                    </a:solidFill>
+                  </a:rPr>
+                  <a:t>_force_vector</a:t>
+                </a:r>
+                <a:endParaRPr lang="en-US" sz="1000" b="1" dirty="0">
+                  <a:solidFill>
+                    <a:schemeClr val="tx1"/>
+                  </a:solidFill>
+                </a:endParaRPr>
+              </a:p>
+              <a:p>
+                <a:pPr algn="ctr"/>
+                <a:endParaRPr lang="en-US" sz="1000" dirty="0">
+                  <a:solidFill>
+                    <a:schemeClr val="tx1"/>
+                  </a:solidFill>
+                </a:endParaRPr>
+              </a:p>
+              <a:p>
+                <a:r>
+                  <a:rPr lang="en-US" sz="1000" dirty="0">
+                    <a:solidFill>
+                      <a:schemeClr val="tx1"/>
+                    </a:solidFill>
+                  </a:rPr>
+                  <a:t>Compute the force vector due to a surface traction for a 2D element using Gaussian quadrature, where </a:t>
+                </a:r>
+                <a14:m>
+                  <m:oMath xmlns:m="http://schemas.openxmlformats.org/officeDocument/2006/math">
+                    <m:func>
+                      <m:funcPr>
+                        <m:ctrlPr>
+                          <a:rPr lang="en-US" sz="1000" i="1">
+                            <a:solidFill>
+                              <a:schemeClr val="tx1"/>
+                            </a:solidFill>
+                            <a:latin typeface="Cambria Math" panose="02040503050406030204" pitchFamily="18" charset="0"/>
+                          </a:rPr>
+                        </m:ctrlPr>
+                      </m:funcPr>
+                      <m:fName>
+                        <m:r>
+                          <m:rPr>
+                            <m:sty m:val="p"/>
+                          </m:rPr>
+                          <a:rPr lang="en-US" sz="1000" b="0" i="1">
+                            <a:solidFill>
+                              <a:schemeClr val="tx1"/>
+                            </a:solidFill>
+                            <a:latin typeface="Cambria Math" panose="02040503050406030204" pitchFamily="18" charset="0"/>
+                          </a:rPr>
+                          <m:t>det</m:t>
+                        </m:r>
+                      </m:fName>
+                      <m:e>
+                        <m:d>
+                          <m:dPr>
+                            <m:ctrlPr>
+                              <a:rPr lang="en-US" sz="1000" i="1">
+                                <a:solidFill>
+                                  <a:schemeClr val="tx1"/>
+                                </a:solidFill>
+                                <a:latin typeface="Cambria Math" panose="02040503050406030204" pitchFamily="18" charset="0"/>
+                              </a:rPr>
+                            </m:ctrlPr>
+                          </m:dPr>
+                          <m:e>
+                            <m:sSup>
+                              <m:sSupPr>
+                                <m:ctrlPr>
+                                  <a:rPr lang="en-US" sz="1000" i="1">
+                                    <a:solidFill>
+                                      <a:schemeClr val="tx1"/>
+                                    </a:solidFill>
+                                    <a:latin typeface="Cambria Math" panose="02040503050406030204" pitchFamily="18" charset="0"/>
+                                  </a:rPr>
+                                </m:ctrlPr>
+                              </m:sSupPr>
+                              <m:e>
+                                <m:r>
+                                  <a:rPr lang="en-US" sz="1000" b="0" i="1">
+                                    <a:solidFill>
+                                      <a:schemeClr val="tx1"/>
+                                    </a:solidFill>
+                                    <a:latin typeface="Cambria Math" panose="02040503050406030204" pitchFamily="18" charset="0"/>
+                                  </a:rPr>
+                                  <m:t>𝐽</m:t>
+                                </m:r>
+                              </m:e>
+                              <m:sup>
+                                <m:r>
+                                  <m:rPr>
+                                    <m:sty m:val="p"/>
+                                  </m:rPr>
+                                  <a:rPr lang="en-US" sz="1000" b="0" i="1">
+                                    <a:solidFill>
+                                      <a:schemeClr val="tx1"/>
+                                    </a:solidFill>
+                                    <a:latin typeface="Cambria Math" panose="02040503050406030204" pitchFamily="18" charset="0"/>
+                                  </a:rPr>
+                                  <m:t>Γ</m:t>
+                                </m:r>
+                              </m:sup>
+                            </m:sSup>
+                          </m:e>
+                        </m:d>
+                      </m:e>
+                    </m:func>
+                  </m:oMath>
+                </a14:m>
+                <a:r>
+                  <a:rPr lang="en-US" sz="1000" dirty="0">
+                    <a:solidFill>
+                      <a:schemeClr val="tx1"/>
+                    </a:solidFill>
+                  </a:rPr>
+                  <a:t>, </a:t>
+                </a:r>
+                <a14:m>
+                  <m:oMath xmlns:m="http://schemas.openxmlformats.org/officeDocument/2006/math">
+                    <m:sSup>
+                      <m:sSupPr>
+                        <m:ctrlPr>
+                          <a:rPr lang="en-US" sz="1000" b="1" i="1" smtClean="0">
+                            <a:solidFill>
+                              <a:schemeClr val="tx1"/>
+                            </a:solidFill>
+                            <a:latin typeface="Cambria Math" panose="02040503050406030204" pitchFamily="18" charset="0"/>
+                          </a:rPr>
+                        </m:ctrlPr>
+                      </m:sSupPr>
+                      <m:e>
+                        <m:r>
+                          <a:rPr lang="en-US" sz="1000" b="1" i="1" smtClean="0">
+                            <a:solidFill>
+                              <a:schemeClr val="tx1"/>
+                            </a:solidFill>
+                            <a:latin typeface="Cambria Math" panose="02040503050406030204" pitchFamily="18" charset="0"/>
+                          </a:rPr>
+                          <m:t>[</m:t>
+                        </m:r>
+                        <m:r>
+                          <a:rPr lang="en-US" sz="1000" b="1" i="1">
+                            <a:solidFill>
+                              <a:schemeClr val="tx1"/>
+                            </a:solidFill>
+                            <a:latin typeface="Cambria Math" panose="02040503050406030204" pitchFamily="18" charset="0"/>
+                          </a:rPr>
+                          <m:t>𝑵</m:t>
+                        </m:r>
+                        <m:r>
+                          <a:rPr lang="en-US" sz="1000" b="1" i="1" smtClean="0">
+                            <a:solidFill>
+                              <a:schemeClr val="tx1"/>
+                            </a:solidFill>
+                            <a:latin typeface="Cambria Math" panose="02040503050406030204" pitchFamily="18" charset="0"/>
+                          </a:rPr>
+                          <m:t>]</m:t>
+                        </m:r>
+                      </m:e>
+                      <m:sup>
+                        <m:r>
+                          <a:rPr lang="en-US" sz="1000" b="1" i="1" smtClean="0">
+                            <a:solidFill>
+                              <a:schemeClr val="tx1"/>
+                            </a:solidFill>
+                            <a:latin typeface="Cambria Math" panose="02040503050406030204" pitchFamily="18" charset="0"/>
+                          </a:rPr>
+                          <m:t>𝑻</m:t>
+                        </m:r>
+                      </m:sup>
+                    </m:sSup>
+                  </m:oMath>
+                </a14:m>
+                <a:r>
+                  <a:rPr lang="en-US" sz="1000" dirty="0">
+                    <a:solidFill>
+                      <a:schemeClr val="tx1"/>
+                    </a:solidFill>
+                  </a:rPr>
+                  <a:t>, and </a:t>
+                </a:r>
+                <a14:m>
+                  <m:oMath xmlns:m="http://schemas.openxmlformats.org/officeDocument/2006/math">
+                    <m:r>
+                      <a:rPr lang="en-US" sz="1000" b="1" i="1" smtClean="0">
+                        <a:solidFill>
+                          <a:schemeClr val="tx1"/>
+                        </a:solidFill>
+                        <a:latin typeface="Cambria Math" panose="02040503050406030204" pitchFamily="18" charset="0"/>
+                      </a:rPr>
+                      <m:t>[</m:t>
+                    </m:r>
+                    <m:sSup>
+                      <m:sSupPr>
+                        <m:ctrlPr>
+                          <a:rPr lang="en-US" sz="1000" b="1" i="1" smtClean="0">
+                            <a:solidFill>
+                              <a:schemeClr val="tx1"/>
+                            </a:solidFill>
+                            <a:latin typeface="Cambria Math" panose="02040503050406030204" pitchFamily="18" charset="0"/>
+                          </a:rPr>
+                        </m:ctrlPr>
+                      </m:sSupPr>
+                      <m:e>
+                        <m:r>
+                          <a:rPr lang="en-US" sz="1000" b="1" i="1" smtClean="0">
+                            <a:solidFill>
+                              <a:schemeClr val="tx1"/>
+                            </a:solidFill>
+                            <a:latin typeface="Cambria Math" panose="02040503050406030204" pitchFamily="18" charset="0"/>
+                          </a:rPr>
+                          <m:t>𝒇</m:t>
+                        </m:r>
+                      </m:e>
+                      <m:sup>
+                        <m:r>
+                          <a:rPr lang="en-US" sz="1000" b="1" i="1" smtClean="0">
+                            <a:solidFill>
+                              <a:schemeClr val="tx1"/>
+                            </a:solidFill>
+                            <a:latin typeface="Cambria Math" panose="02040503050406030204" pitchFamily="18" charset="0"/>
+                          </a:rPr>
+                          <m:t>𝒔</m:t>
+                        </m:r>
+                      </m:sup>
+                    </m:sSup>
+                    <m:r>
+                      <a:rPr lang="en-US" sz="1000" b="1" i="1" smtClean="0">
+                        <a:solidFill>
+                          <a:schemeClr val="tx1"/>
+                        </a:solidFill>
+                        <a:latin typeface="Cambria Math" panose="02040503050406030204" pitchFamily="18" charset="0"/>
+                      </a:rPr>
+                      <m:t>]</m:t>
+                    </m:r>
+                    <m:r>
+                      <a:rPr lang="en-US" sz="1000" b="1" i="1">
+                        <a:solidFill>
+                          <a:schemeClr val="tx1"/>
+                        </a:solidFill>
+                        <a:latin typeface="Cambria Math" panose="02040503050406030204" pitchFamily="18" charset="0"/>
+                      </a:rPr>
+                      <m:t> </m:t>
+                    </m:r>
+                  </m:oMath>
+                </a14:m>
+                <a:r>
+                  <a:rPr lang="en-US" sz="1000" dirty="0">
+                    <a:solidFill>
+                      <a:schemeClr val="tx1"/>
+                    </a:solidFill>
+                  </a:rPr>
+                  <a:t>are evaluated at the element’s integration points </a:t>
+                </a:r>
+                <a14:m>
+                  <m:oMath xmlns:m="http://schemas.openxmlformats.org/officeDocument/2006/math">
+                    <m:sSup>
+                      <m:sSupPr>
+                        <m:ctrlPr>
+                          <a:rPr lang="en-US" sz="1000" b="0" i="1" smtClean="0">
+                            <a:solidFill>
+                              <a:schemeClr val="tx1"/>
+                            </a:solidFill>
+                            <a:latin typeface="Cambria Math" panose="02040503050406030204" pitchFamily="18" charset="0"/>
+                          </a:rPr>
+                        </m:ctrlPr>
+                      </m:sSupPr>
+                      <m:e>
+                        <m:r>
+                          <a:rPr lang="en-US" sz="1000" b="0" i="1" smtClean="0">
+                            <a:solidFill>
+                              <a:schemeClr val="tx1"/>
+                            </a:solidFill>
+                            <a:latin typeface="Cambria Math" panose="02040503050406030204" pitchFamily="18" charset="0"/>
+                          </a:rPr>
+                          <m:t>𝜂</m:t>
+                        </m:r>
+                      </m:e>
+                      <m:sup>
+                        <m:r>
+                          <a:rPr lang="en-US" sz="1000" b="0" i="1" smtClean="0">
+                            <a:solidFill>
+                              <a:schemeClr val="tx1"/>
+                            </a:solidFill>
+                            <a:latin typeface="Cambria Math" panose="02040503050406030204" pitchFamily="18" charset="0"/>
+                          </a:rPr>
+                          <m:t>𝐼𝑃</m:t>
+                        </m:r>
+                      </m:sup>
+                    </m:sSup>
+                  </m:oMath>
+                </a14:m>
+                <a:r>
+                  <a:rPr lang="en-US" sz="1000" dirty="0">
+                    <a:solidFill>
+                      <a:schemeClr val="tx1"/>
+                    </a:solidFill>
+                  </a:rPr>
+                  <a:t> along the traction surface</a:t>
+                </a:r>
+              </a:p>
+              <a:p>
+                <a:pPr/>
+                <a14:m>
+                  <m:oMathPara xmlns:m="http://schemas.openxmlformats.org/officeDocument/2006/math">
+                    <m:oMathParaPr>
+                      <m:jc m:val="centerGroup"/>
+                    </m:oMathParaPr>
+                    <m:oMath xmlns:m="http://schemas.openxmlformats.org/officeDocument/2006/math">
+                      <m:d>
+                        <m:dPr>
+                          <m:begChr m:val="["/>
+                          <m:endChr m:val="]"/>
+                          <m:ctrlPr>
+                            <a:rPr lang="en-US" sz="1000" b="1" i="1" smtClean="0">
+                              <a:solidFill>
+                                <a:schemeClr val="tx1"/>
+                              </a:solidFill>
+                              <a:latin typeface="Cambria Math" panose="02040503050406030204" pitchFamily="18" charset="0"/>
+                            </a:rPr>
+                          </m:ctrlPr>
+                        </m:dPr>
+                        <m:e>
+                          <m:r>
+                            <a:rPr lang="en-US" sz="1000" b="1" i="1" smtClean="0">
+                              <a:solidFill>
+                                <a:schemeClr val="tx1"/>
+                              </a:solidFill>
+                              <a:latin typeface="Cambria Math" panose="02040503050406030204" pitchFamily="18" charset="0"/>
+                            </a:rPr>
+                            <m:t>𝒌</m:t>
+                          </m:r>
+                        </m:e>
+                      </m:d>
+                      <m:r>
+                        <a:rPr lang="en-US" sz="1000" b="1" i="1" smtClean="0">
+                          <a:solidFill>
+                            <a:schemeClr val="tx1"/>
+                          </a:solidFill>
+                          <a:latin typeface="Cambria Math" panose="02040503050406030204" pitchFamily="18" charset="0"/>
+                        </a:rPr>
+                        <m:t>=</m:t>
+                      </m:r>
+                      <m:sSub>
+                        <m:sSubPr>
+                          <m:ctrlPr>
+                            <a:rPr lang="en-US" sz="1000" b="1" i="1" smtClean="0">
+                              <a:solidFill>
+                                <a:schemeClr val="tx1"/>
+                              </a:solidFill>
+                              <a:latin typeface="Cambria Math" panose="02040503050406030204" pitchFamily="18" charset="0"/>
+                            </a:rPr>
+                          </m:ctrlPr>
+                        </m:sSubPr>
+                        <m:e>
+                          <m:r>
+                            <a:rPr lang="en-US" sz="1000" b="1" i="1" smtClean="0">
+                              <a:solidFill>
+                                <a:schemeClr val="tx1"/>
+                              </a:solidFill>
+                              <a:latin typeface="Cambria Math" panose="02040503050406030204" pitchFamily="18" charset="0"/>
+                            </a:rPr>
+                            <m:t>𝒕</m:t>
+                          </m:r>
+                        </m:e>
+                        <m:sub>
+                          <m:r>
+                            <a:rPr lang="en-US" sz="1000" b="1" i="1" smtClean="0">
+                              <a:solidFill>
+                                <a:schemeClr val="tx1"/>
+                              </a:solidFill>
+                              <a:latin typeface="Cambria Math" panose="02040503050406030204" pitchFamily="18" charset="0"/>
+                            </a:rPr>
+                            <m:t>𝒛</m:t>
+                          </m:r>
+                        </m:sub>
+                      </m:sSub>
+                      <m:r>
+                        <a:rPr lang="en-US" sz="1000" b="1" i="1" smtClean="0">
+                          <a:solidFill>
+                            <a:schemeClr val="tx1"/>
+                          </a:solidFill>
+                          <a:latin typeface="Cambria Math" panose="02040503050406030204" pitchFamily="18" charset="0"/>
+                        </a:rPr>
+                        <m:t>∗</m:t>
+                      </m:r>
+                      <m:nary>
+                        <m:naryPr>
+                          <m:chr m:val="∑"/>
+                          <m:ctrlPr>
+                            <a:rPr lang="en-US" sz="1000" b="1" i="1" smtClean="0">
+                              <a:solidFill>
+                                <a:schemeClr val="tx1"/>
+                              </a:solidFill>
+                              <a:latin typeface="Cambria Math" panose="02040503050406030204" pitchFamily="18" charset="0"/>
+                            </a:rPr>
+                          </m:ctrlPr>
+                        </m:naryPr>
+                        <m:sub>
+                          <m:r>
+                            <m:rPr>
+                              <m:brk m:alnAt="23"/>
+                            </m:rPr>
+                            <a:rPr lang="en-US" sz="1000" b="1" i="1" smtClean="0">
+                              <a:solidFill>
+                                <a:schemeClr val="tx1"/>
+                              </a:solidFill>
+                              <a:latin typeface="Cambria Math" panose="02040503050406030204" pitchFamily="18" charset="0"/>
+                            </a:rPr>
+                            <m:t>𝟏</m:t>
+                          </m:r>
+                        </m:sub>
+                        <m:sup>
+                          <m:r>
+                            <a:rPr lang="en-US" sz="1000" b="1" i="1" smtClean="0">
+                              <a:solidFill>
+                                <a:schemeClr val="tx1"/>
+                              </a:solidFill>
+                              <a:latin typeface="Cambria Math" panose="02040503050406030204" pitchFamily="18" charset="0"/>
+                            </a:rPr>
+                            <m:t>𝒊</m:t>
+                          </m:r>
+                        </m:sup>
+                        <m:e>
+                          <m:nary>
+                            <m:naryPr>
+                              <m:chr m:val="∑"/>
+                              <m:ctrlPr>
+                                <a:rPr lang="en-US" sz="1000" b="1" i="1" smtClean="0">
+                                  <a:solidFill>
+                                    <a:schemeClr val="tx1"/>
+                                  </a:solidFill>
+                                  <a:latin typeface="Cambria Math" panose="02040503050406030204" pitchFamily="18" charset="0"/>
+                                </a:rPr>
+                              </m:ctrlPr>
+                            </m:naryPr>
+                            <m:sub>
+                              <m:r>
+                                <m:rPr>
+                                  <m:brk m:alnAt="23"/>
+                                </m:rPr>
+                                <a:rPr lang="en-US" sz="1000" b="1" i="1" smtClean="0">
+                                  <a:solidFill>
+                                    <a:schemeClr val="tx1"/>
+                                  </a:solidFill>
+                                  <a:latin typeface="Cambria Math" panose="02040503050406030204" pitchFamily="18" charset="0"/>
+                                </a:rPr>
+                                <m:t>𝟏</m:t>
+                              </m:r>
+                            </m:sub>
+                            <m:sup>
+                              <m:r>
+                                <a:rPr lang="en-US" sz="1000" b="1" i="1" smtClean="0">
+                                  <a:solidFill>
+                                    <a:schemeClr val="tx1"/>
+                                  </a:solidFill>
+                                  <a:latin typeface="Cambria Math" panose="02040503050406030204" pitchFamily="18" charset="0"/>
+                                </a:rPr>
+                                <m:t>𝒋</m:t>
+                              </m:r>
+                            </m:sup>
+                            <m:e>
+                              <m:sSubSup>
+                                <m:sSubSupPr>
+                                  <m:ctrlPr>
+                                    <a:rPr lang="en-US" sz="1000" b="1" i="1" smtClean="0">
+                                      <a:solidFill>
+                                        <a:schemeClr val="tx1"/>
+                                      </a:solidFill>
+                                      <a:latin typeface="Cambria Math" panose="02040503050406030204" pitchFamily="18" charset="0"/>
+                                    </a:rPr>
+                                  </m:ctrlPr>
+                                </m:sSubSupPr>
+                                <m:e>
+                                  <m:r>
+                                    <a:rPr lang="en-US" sz="1000" b="1" i="1" smtClean="0">
+                                      <a:solidFill>
+                                        <a:schemeClr val="tx1"/>
+                                      </a:solidFill>
+                                      <a:latin typeface="Cambria Math" panose="02040503050406030204" pitchFamily="18" charset="0"/>
+                                    </a:rPr>
+                                    <m:t>𝒘</m:t>
+                                  </m:r>
+                                </m:e>
+                                <m:sub>
+                                  <m:r>
+                                    <a:rPr lang="en-US" sz="1000" b="1" i="1" smtClean="0">
+                                      <a:solidFill>
+                                        <a:schemeClr val="tx1"/>
+                                      </a:solidFill>
+                                      <a:latin typeface="Cambria Math" panose="02040503050406030204" pitchFamily="18" charset="0"/>
+                                    </a:rPr>
+                                    <m:t>𝒊</m:t>
+                                  </m:r>
+                                </m:sub>
+                                <m:sup>
+                                  <m:r>
+                                    <a:rPr lang="en-US" sz="1000" b="1" i="1" smtClean="0">
+                                      <a:solidFill>
+                                        <a:schemeClr val="tx1"/>
+                                      </a:solidFill>
+                                      <a:latin typeface="Cambria Math" panose="02040503050406030204" pitchFamily="18" charset="0"/>
+                                    </a:rPr>
+                                    <m:t>𝑰𝑷</m:t>
+                                  </m:r>
+                                </m:sup>
+                              </m:sSubSup>
+                              <m:sSubSup>
+                                <m:sSubSupPr>
+                                  <m:ctrlPr>
+                                    <a:rPr lang="en-US" sz="1000" b="1" i="1" smtClean="0">
+                                      <a:solidFill>
+                                        <a:schemeClr val="tx1"/>
+                                      </a:solidFill>
+                                      <a:latin typeface="Cambria Math" panose="02040503050406030204" pitchFamily="18" charset="0"/>
+                                    </a:rPr>
+                                  </m:ctrlPr>
+                                </m:sSubSupPr>
+                                <m:e>
+                                  <m:r>
+                                    <a:rPr lang="en-US" sz="1000" b="1" i="1" smtClean="0">
+                                      <a:solidFill>
+                                        <a:schemeClr val="tx1"/>
+                                      </a:solidFill>
+                                      <a:latin typeface="Cambria Math" panose="02040503050406030204" pitchFamily="18" charset="0"/>
+                                    </a:rPr>
+                                    <m:t>𝒘</m:t>
+                                  </m:r>
+                                </m:e>
+                                <m:sub>
+                                  <m:r>
+                                    <a:rPr lang="en-US" sz="1000" b="1" i="1" smtClean="0">
+                                      <a:solidFill>
+                                        <a:schemeClr val="tx1"/>
+                                      </a:solidFill>
+                                      <a:latin typeface="Cambria Math" panose="02040503050406030204" pitchFamily="18" charset="0"/>
+                                    </a:rPr>
+                                    <m:t>𝒋</m:t>
+                                  </m:r>
+                                </m:sub>
+                                <m:sup>
+                                  <m:r>
+                                    <a:rPr lang="en-US" sz="1000" b="1" i="1" smtClean="0">
+                                      <a:solidFill>
+                                        <a:schemeClr val="tx1"/>
+                                      </a:solidFill>
+                                      <a:latin typeface="Cambria Math" panose="02040503050406030204" pitchFamily="18" charset="0"/>
+                                    </a:rPr>
+                                    <m:t>𝑰𝑷</m:t>
+                                  </m:r>
+                                </m:sup>
+                              </m:sSubSup>
+                              <m:sSup>
+                                <m:sSupPr>
+                                  <m:ctrlPr>
+                                    <a:rPr lang="en-US" sz="1000" b="1" i="1" smtClean="0">
+                                      <a:solidFill>
+                                        <a:schemeClr val="tx1"/>
+                                      </a:solidFill>
+                                      <a:latin typeface="Cambria Math" panose="02040503050406030204" pitchFamily="18" charset="0"/>
+                                    </a:rPr>
+                                  </m:ctrlPr>
+                                </m:sSupPr>
+                                <m:e>
+                                  <m:r>
+                                    <a:rPr lang="en-US" sz="1000" b="1" i="1" smtClean="0">
+                                      <a:solidFill>
+                                        <a:schemeClr val="tx1"/>
+                                      </a:solidFill>
+                                      <a:latin typeface="Cambria Math" panose="02040503050406030204" pitchFamily="18" charset="0"/>
+                                    </a:rPr>
+                                    <m:t>∗</m:t>
+                                  </m:r>
+                                  <m:func>
+                                    <m:funcPr>
+                                      <m:ctrlPr>
+                                        <a:rPr lang="en-US" sz="1000" i="1" smtClean="0">
+                                          <a:solidFill>
+                                            <a:schemeClr val="tx1"/>
+                                          </a:solidFill>
+                                          <a:latin typeface="Cambria Math" panose="02040503050406030204" pitchFamily="18" charset="0"/>
+                                        </a:rPr>
+                                      </m:ctrlPr>
+                                    </m:funcPr>
+                                    <m:fName>
+                                      <m:r>
+                                        <m:rPr>
+                                          <m:sty m:val="p"/>
+                                        </m:rPr>
+                                        <a:rPr lang="en-US" sz="1000" b="0" i="0" smtClean="0">
+                                          <a:solidFill>
+                                            <a:schemeClr val="tx1"/>
+                                          </a:solidFill>
+                                          <a:latin typeface="Cambria Math" panose="02040503050406030204" pitchFamily="18" charset="0"/>
+                                        </a:rPr>
+                                        <m:t>det</m:t>
+                                      </m:r>
+                                    </m:fName>
+                                    <m:e>
+                                      <m:d>
+                                        <m:dPr>
+                                          <m:ctrlPr>
+                                            <a:rPr lang="en-US" sz="1000" i="1" smtClean="0">
+                                              <a:solidFill>
+                                                <a:schemeClr val="tx1"/>
+                                              </a:solidFill>
+                                              <a:latin typeface="Cambria Math" panose="02040503050406030204" pitchFamily="18" charset="0"/>
+                                            </a:rPr>
+                                          </m:ctrlPr>
+                                        </m:dPr>
+                                        <m:e>
+                                          <m:sSup>
+                                            <m:sSupPr>
+                                              <m:ctrlPr>
+                                                <a:rPr lang="en-US" sz="1000" i="1" smtClean="0">
+                                                  <a:solidFill>
+                                                    <a:schemeClr val="tx1"/>
+                                                  </a:solidFill>
+                                                  <a:latin typeface="Cambria Math" panose="02040503050406030204" pitchFamily="18" charset="0"/>
+                                                </a:rPr>
+                                              </m:ctrlPr>
+                                            </m:sSupPr>
+                                            <m:e>
+                                              <m:r>
+                                                <a:rPr lang="en-US" sz="1000" b="0" i="1" smtClean="0">
+                                                  <a:solidFill>
+                                                    <a:schemeClr val="tx1"/>
+                                                  </a:solidFill>
+                                                  <a:latin typeface="Cambria Math" panose="02040503050406030204" pitchFamily="18" charset="0"/>
+                                                </a:rPr>
+                                                <m:t>𝐽</m:t>
+                                              </m:r>
+                                            </m:e>
+                                            <m:sup>
+                                              <m:r>
+                                                <m:rPr>
+                                                  <m:sty m:val="p"/>
+                                                </m:rPr>
+                                                <a:rPr lang="en-US" sz="1000" b="0" i="0" smtClean="0">
+                                                  <a:solidFill>
+                                                    <a:schemeClr val="tx1"/>
+                                                  </a:solidFill>
+                                                  <a:latin typeface="Cambria Math" panose="02040503050406030204" pitchFamily="18" charset="0"/>
+                                                </a:rPr>
+                                                <m:t>Γ</m:t>
+                                              </m:r>
+                                            </m:sup>
+                                          </m:sSup>
+                                        </m:e>
+                                      </m:d>
+                                    </m:e>
+                                  </m:func>
+                                  <m:r>
+                                    <a:rPr lang="en-US" sz="1000" b="0" i="1" smtClean="0">
+                                      <a:solidFill>
+                                        <a:schemeClr val="tx1"/>
+                                      </a:solidFill>
+                                      <a:latin typeface="Cambria Math" panose="02040503050406030204" pitchFamily="18" charset="0"/>
+                                    </a:rPr>
+                                    <m:t>∗</m:t>
+                                  </m:r>
+                                  <m:d>
+                                    <m:dPr>
+                                      <m:begChr m:val="["/>
+                                      <m:endChr m:val="]"/>
+                                      <m:ctrlPr>
+                                        <a:rPr lang="en-US" sz="1000" b="1" i="1" smtClean="0">
+                                          <a:solidFill>
+                                            <a:schemeClr val="tx1"/>
+                                          </a:solidFill>
+                                          <a:latin typeface="Cambria Math" panose="02040503050406030204" pitchFamily="18" charset="0"/>
+                                        </a:rPr>
+                                      </m:ctrlPr>
+                                    </m:dPr>
+                                    <m:e>
+                                      <m:r>
+                                        <a:rPr lang="en-US" sz="1000" b="1" i="1" smtClean="0">
+                                          <a:solidFill>
+                                            <a:schemeClr val="tx1"/>
+                                          </a:solidFill>
+                                          <a:latin typeface="Cambria Math" panose="02040503050406030204" pitchFamily="18" charset="0"/>
+                                        </a:rPr>
+                                        <m:t>𝑵</m:t>
+                                      </m:r>
+                                    </m:e>
+                                  </m:d>
+                                </m:e>
+                                <m:sup>
+                                  <m:r>
+                                    <a:rPr lang="en-US" sz="1000" b="1" i="1" smtClean="0">
+                                      <a:solidFill>
+                                        <a:schemeClr val="tx1"/>
+                                      </a:solidFill>
+                                      <a:latin typeface="Cambria Math" panose="02040503050406030204" pitchFamily="18" charset="0"/>
+                                    </a:rPr>
+                                    <m:t>𝑻</m:t>
+                                  </m:r>
+                                </m:sup>
+                              </m:sSup>
+                              <m:d>
+                                <m:dPr>
+                                  <m:begChr m:val="["/>
+                                  <m:endChr m:val="]"/>
+                                  <m:ctrlPr>
+                                    <a:rPr lang="en-US" sz="1000" b="1" i="1" smtClean="0">
+                                      <a:solidFill>
+                                        <a:schemeClr val="tx1"/>
+                                      </a:solidFill>
+                                      <a:latin typeface="Cambria Math" panose="02040503050406030204" pitchFamily="18" charset="0"/>
+                                    </a:rPr>
+                                  </m:ctrlPr>
+                                </m:dPr>
+                                <m:e>
+                                  <m:sSup>
+                                    <m:sSupPr>
+                                      <m:ctrlPr>
+                                        <a:rPr lang="en-US" sz="1000" b="1" i="1" smtClean="0">
+                                          <a:solidFill>
+                                            <a:schemeClr val="tx1"/>
+                                          </a:solidFill>
+                                          <a:latin typeface="Cambria Math" panose="02040503050406030204" pitchFamily="18" charset="0"/>
+                                        </a:rPr>
+                                      </m:ctrlPr>
+                                    </m:sSupPr>
+                                    <m:e>
+                                      <m:r>
+                                        <a:rPr lang="en-US" sz="1000" b="1" i="1" smtClean="0">
+                                          <a:solidFill>
+                                            <a:schemeClr val="tx1"/>
+                                          </a:solidFill>
+                                          <a:latin typeface="Cambria Math" panose="02040503050406030204" pitchFamily="18" charset="0"/>
+                                        </a:rPr>
+                                        <m:t>𝒇</m:t>
+                                      </m:r>
+                                    </m:e>
+                                    <m:sup>
+                                      <m:r>
+                                        <a:rPr lang="en-US" sz="1000" b="1" i="1" smtClean="0">
+                                          <a:solidFill>
+                                            <a:schemeClr val="tx1"/>
+                                          </a:solidFill>
+                                          <a:latin typeface="Cambria Math" panose="02040503050406030204" pitchFamily="18" charset="0"/>
+                                        </a:rPr>
+                                        <m:t>𝒔</m:t>
+                                      </m:r>
+                                    </m:sup>
+                                  </m:sSup>
+                                </m:e>
+                              </m:d>
+                            </m:e>
+                          </m:nary>
+                        </m:e>
+                      </m:nary>
+                    </m:oMath>
+                  </m:oMathPara>
+                </a14:m>
+                <a:endParaRPr lang="en-US" sz="1000" dirty="0">
+                  <a:solidFill>
+                    <a:schemeClr val="tx1"/>
+                  </a:solidFill>
+                </a:endParaRPr>
+              </a:p>
+              <a:p>
+                <a:endParaRPr lang="en-US" sz="1000" b="1" dirty="0">
+                  <a:solidFill>
+                    <a:schemeClr val="tx1"/>
+                  </a:solidFill>
+                </a:endParaRPr>
+              </a:p>
+              <a:p>
+                <a:r>
+                  <a:rPr lang="en-US" sz="1000" b="1" dirty="0">
+                    <a:solidFill>
+                      <a:schemeClr val="tx1"/>
+                    </a:solidFill>
+                  </a:rPr>
+                  <a:t>Input</a:t>
+                </a:r>
+              </a:p>
+              <a:p>
+                <a:pPr marL="171450" indent="-171450">
+                  <a:buFont typeface="Arial" panose="020B0604020202020204" pitchFamily="34" charset="0"/>
+                  <a:buChar char="•"/>
+                </a:pPr>
+                <a:r>
+                  <a:rPr lang="en-US" sz="1000" dirty="0" err="1">
+                    <a:solidFill>
+                      <a:schemeClr val="tx1"/>
+                    </a:solidFill>
+                  </a:rPr>
+                  <a:t>ip_grid</a:t>
+                </a:r>
+                <a:r>
+                  <a:rPr lang="en-US" sz="1000" dirty="0">
+                    <a:solidFill>
+                      <a:schemeClr val="tx1"/>
+                    </a:solidFill>
+                  </a:rPr>
+                  <a:t>: </a:t>
+                </a:r>
+                <a:r>
+                  <a:rPr lang="en-US" sz="1000" dirty="0" err="1">
+                    <a:solidFill>
+                      <a:schemeClr val="tx1"/>
+                    </a:solidFill>
+                  </a:rPr>
+                  <a:t>ndarray</a:t>
+                </a:r>
+                <a:r>
+                  <a:rPr lang="en-US" sz="1000" dirty="0">
+                    <a:solidFill>
+                      <a:schemeClr val="tx1"/>
+                    </a:solidFill>
+                  </a:rPr>
+                  <a:t> (</a:t>
+                </a:r>
+                <a:r>
+                  <a:rPr lang="en-US" sz="1000" dirty="0" err="1">
+                    <a:solidFill>
+                      <a:schemeClr val="tx1"/>
+                    </a:solidFill>
+                  </a:rPr>
+                  <a:t>num_pts</a:t>
+                </a:r>
+                <a:r>
+                  <a:rPr lang="en-US" sz="1000" dirty="0">
+                    <a:solidFill>
+                      <a:schemeClr val="tx1"/>
+                    </a:solidFill>
+                  </a:rPr>
+                  <a:t> x </a:t>
+                </a:r>
+                <a:r>
+                  <a:rPr lang="en-US" sz="1000" dirty="0" err="1">
+                    <a:solidFill>
+                      <a:schemeClr val="tx1"/>
+                    </a:solidFill>
+                  </a:rPr>
+                  <a:t>num_pts</a:t>
+                </a:r>
+                <a:r>
+                  <a:rPr lang="en-US" sz="1000" dirty="0">
+                    <a:solidFill>
+                      <a:schemeClr val="tx1"/>
+                    </a:solidFill>
+                  </a:rPr>
+                  <a:t> x 2 x 1)</a:t>
+                </a:r>
+              </a:p>
+              <a:p>
+                <a:pPr marL="171450" indent="-171450">
+                  <a:buFont typeface="Arial" panose="020B0604020202020204" pitchFamily="34" charset="0"/>
+                  <a:buChar char="•"/>
+                </a:pPr>
+                <a:r>
+                  <a:rPr lang="en-US" sz="1000" dirty="0" err="1">
+                    <a:solidFill>
+                      <a:schemeClr val="tx1"/>
+                    </a:solidFill>
+                  </a:rPr>
+                  <a:t>w_ij</a:t>
+                </a:r>
+                <a:r>
+                  <a:rPr lang="en-US" sz="1000" dirty="0">
+                    <a:solidFill>
+                      <a:schemeClr val="tx1"/>
+                    </a:solidFill>
+                  </a:rPr>
+                  <a:t>: </a:t>
+                </a:r>
+                <a:r>
+                  <a:rPr lang="en-US" sz="1000" dirty="0" err="1">
+                    <a:solidFill>
+                      <a:schemeClr val="tx1"/>
+                    </a:solidFill>
+                  </a:rPr>
+                  <a:t>ndarray</a:t>
+                </a:r>
+                <a:r>
+                  <a:rPr lang="en-US" sz="1000" dirty="0">
+                    <a:solidFill>
+                      <a:schemeClr val="tx1"/>
+                    </a:solidFill>
+                  </a:rPr>
+                  <a:t> (</a:t>
+                </a:r>
+                <a:r>
+                  <a:rPr lang="en-US" sz="1000" dirty="0" err="1">
+                    <a:solidFill>
+                      <a:schemeClr val="tx1"/>
+                    </a:solidFill>
+                  </a:rPr>
+                  <a:t>num_pts</a:t>
+                </a:r>
+                <a:r>
+                  <a:rPr lang="en-US" sz="1000" dirty="0">
+                    <a:solidFill>
+                      <a:schemeClr val="tx1"/>
+                    </a:solidFill>
+                  </a:rPr>
+                  <a:t> x </a:t>
+                </a:r>
+                <a:r>
+                  <a:rPr lang="en-US" sz="1000" dirty="0" err="1">
+                    <a:solidFill>
+                      <a:schemeClr val="tx1"/>
+                    </a:solidFill>
+                  </a:rPr>
+                  <a:t>num_pts</a:t>
+                </a:r>
+                <a:r>
+                  <a:rPr lang="en-US" sz="1000" dirty="0">
+                    <a:solidFill>
+                      <a:schemeClr val="tx1"/>
+                    </a:solidFill>
+                  </a:rPr>
+                  <a:t> x 1 x 1)</a:t>
+                </a:r>
+              </a:p>
+              <a:p>
+                <a:pPr marL="171450" indent="-171450">
+                  <a:buFont typeface="Arial" panose="020B0604020202020204" pitchFamily="34" charset="0"/>
+                  <a:buChar char="•"/>
+                </a:pPr>
+                <a:r>
+                  <a:rPr lang="en-US" sz="1000" dirty="0">
+                    <a:solidFill>
+                      <a:schemeClr val="tx1"/>
+                    </a:solidFill>
+                  </a:rPr>
+                  <a:t>face: str (+x, -x, +y, -y)</a:t>
+                </a:r>
+              </a:p>
+              <a:p>
+                <a:pPr marL="171450" indent="-171450">
+                  <a:buFont typeface="Arial" panose="020B0604020202020204" pitchFamily="34" charset="0"/>
+                  <a:buChar char="•"/>
+                </a:pPr>
+                <a:r>
+                  <a:rPr lang="en-US" sz="1000" dirty="0">
+                    <a:solidFill>
+                      <a:schemeClr val="tx1"/>
+                    </a:solidFill>
+                  </a:rPr>
+                  <a:t>thickness: float</a:t>
+                </a:r>
+              </a:p>
+              <a:p>
+                <a:r>
+                  <a:rPr lang="en-US" sz="1000" b="1" dirty="0">
+                    <a:solidFill>
+                      <a:schemeClr val="tx1"/>
+                    </a:solidFill>
+                  </a:rPr>
+                  <a:t>Output</a:t>
+                </a:r>
+              </a:p>
+              <a:p>
+                <a:pPr marL="171450" indent="-171450">
+                  <a:buFont typeface="Arial" panose="020B0604020202020204" pitchFamily="34" charset="0"/>
+                  <a:buChar char="•"/>
+                </a:pPr>
+                <a:r>
+                  <a:rPr lang="en-US" sz="1000" dirty="0" err="1">
+                    <a:solidFill>
+                      <a:schemeClr val="tx1"/>
+                    </a:solidFill>
+                  </a:rPr>
+                  <a:t>ndarray</a:t>
+                </a:r>
+                <a:r>
+                  <a:rPr lang="en-US" sz="1000" dirty="0">
+                    <a:solidFill>
+                      <a:schemeClr val="tx1"/>
+                    </a:solidFill>
+                  </a:rPr>
+                  <a:t> (n x m x 2*</a:t>
+                </a:r>
+                <a:r>
+                  <a:rPr lang="en-US" sz="1000" dirty="0" err="1">
+                    <a:solidFill>
+                      <a:schemeClr val="tx1"/>
+                    </a:solidFill>
+                  </a:rPr>
+                  <a:t>nnodes</a:t>
+                </a:r>
+                <a:r>
+                  <a:rPr lang="en-US" sz="1000" dirty="0">
+                    <a:solidFill>
+                      <a:schemeClr val="tx1"/>
+                    </a:solidFill>
+                  </a:rPr>
+                  <a:t> x 2*</a:t>
+                </a:r>
+                <a:r>
+                  <a:rPr lang="en-US" sz="1000" dirty="0" err="1">
+                    <a:solidFill>
+                      <a:schemeClr val="tx1"/>
+                    </a:solidFill>
+                  </a:rPr>
+                  <a:t>nnodes</a:t>
+                </a:r>
+                <a:r>
+                  <a:rPr lang="en-US" sz="1000" dirty="0">
+                    <a:solidFill>
+                      <a:schemeClr val="tx1"/>
+                    </a:solidFill>
+                  </a:rPr>
+                  <a:t>)</a:t>
+                </a:r>
+              </a:p>
+            </p:txBody>
+          </p:sp>
+        </mc:Choice>
+        <mc:Fallback>
+          <p:sp>
+            <p:nvSpPr>
+              <p:cNvPr id="30" name="Rectangle: Rounded Corners 29">
+                <a:extLst>
+                  <a:ext uri="{FF2B5EF4-FFF2-40B4-BE49-F238E27FC236}">
+                    <a16:creationId xmlns:a16="http://schemas.microsoft.com/office/drawing/2014/main" id="{8CF66D9B-9024-EFBA-4005-E8AD3936B5FA}"/>
+                  </a:ext>
+                </a:extLst>
+              </p:cNvPr>
+              <p:cNvSpPr>
+                <a:spLocks noRot="1" noChangeAspect="1" noMove="1" noResize="1" noEditPoints="1" noAdjustHandles="1" noChangeArrowheads="1" noChangeShapeType="1" noTextEdit="1"/>
+              </p:cNvSpPr>
+              <p:nvPr/>
+            </p:nvSpPr>
+            <p:spPr>
+              <a:xfrm>
+                <a:off x="1242294" y="1010330"/>
+                <a:ext cx="3352102" cy="2836580"/>
+              </a:xfrm>
+              <a:prstGeom prst="roundRect">
+                <a:avLst>
+                  <a:gd name="adj" fmla="val 1821"/>
+                </a:avLst>
+              </a:prstGeom>
+              <a:blipFill>
+                <a:blip r:embed="rId6"/>
+                <a:stretch>
+                  <a:fillRect/>
+                </a:stretch>
+              </a:blipFill>
+              <a:ln w="6350">
+                <a:solidFill>
+                  <a:schemeClr val="tx1"/>
+                </a:solidFill>
+              </a:ln>
+            </p:spPr>
+            <p:txBody>
+              <a:bodyPr/>
+              <a:lstStyle/>
+              <a:p>
+                <a:r>
+                  <a:rPr lang="en-US">
+                    <a:noFill/>
+                  </a:rPr>
+                  <a:t> </a:t>
+                </a:r>
+              </a:p>
+            </p:txBody>
+          </p:sp>
+        </mc:Fallback>
+      </mc:AlternateContent>
+      <p:cxnSp>
+        <p:nvCxnSpPr>
+          <p:cNvPr id="31" name="Connector: Curved 30">
+            <a:extLst>
+              <a:ext uri="{FF2B5EF4-FFF2-40B4-BE49-F238E27FC236}">
+                <a16:creationId xmlns:a16="http://schemas.microsoft.com/office/drawing/2014/main" id="{60E90688-4472-B0C4-A1CC-34138CEF5B6D}"/>
+              </a:ext>
+            </a:extLst>
+          </p:cNvPr>
+          <p:cNvCxnSpPr>
+            <a:cxnSpLocks/>
+            <a:stCxn id="33" idx="3"/>
+            <a:endCxn id="30" idx="0"/>
+          </p:cNvCxnSpPr>
+          <p:nvPr/>
+        </p:nvCxnSpPr>
+        <p:spPr>
+          <a:xfrm>
+            <a:off x="2545314" y="440045"/>
+            <a:ext cx="373031" cy="570285"/>
+          </a:xfrm>
+          <a:prstGeom prst="curvedConnector2">
+            <a:avLst/>
+          </a:prstGeom>
+          <a:ln>
+            <a:solidFill>
+              <a:schemeClr val="tx1"/>
+            </a:solidFill>
+            <a:tailEnd type="triangle"/>
+          </a:ln>
+        </p:spPr>
+        <p:style>
+          <a:lnRef idx="2">
+            <a:schemeClr val="accent1"/>
+          </a:lnRef>
+          <a:fillRef idx="0">
+            <a:schemeClr val="accent1"/>
+          </a:fillRef>
+          <a:effectRef idx="1">
+            <a:schemeClr val="accent1"/>
+          </a:effectRef>
+          <a:fontRef idx="minor">
+            <a:schemeClr val="tx1"/>
+          </a:fontRef>
+        </p:style>
+      </p:cxnSp>
+      <mc:AlternateContent xmlns:mc="http://schemas.openxmlformats.org/markup-compatibility/2006">
+        <mc:Choice xmlns:a14="http://schemas.microsoft.com/office/drawing/2010/main" Requires="a14">
+          <p:sp>
+            <p:nvSpPr>
+              <p:cNvPr id="32" name="Rectangle 31">
+                <a:extLst>
+                  <a:ext uri="{FF2B5EF4-FFF2-40B4-BE49-F238E27FC236}">
+                    <a16:creationId xmlns:a16="http://schemas.microsoft.com/office/drawing/2014/main" id="{422EDD0F-83E1-0779-F14E-6CC84747F2CE}"/>
+                  </a:ext>
+                </a:extLst>
+              </p:cNvPr>
+              <p:cNvSpPr/>
+              <p:nvPr/>
+            </p:nvSpPr>
+            <p:spPr>
+              <a:xfrm>
+                <a:off x="175118" y="1837949"/>
+                <a:ext cx="664602" cy="446505"/>
+              </a:xfrm>
+              <a:prstGeom prst="rect">
+                <a:avLst/>
+              </a:prstGeom>
+              <a:solidFill>
+                <a:schemeClr val="accent3">
+                  <a:lumMod val="20000"/>
+                  <a:lumOff val="80000"/>
+                </a:schemeClr>
+              </a:solidFill>
+              <a:ln w="3175">
+                <a:solidFill>
+                  <a:schemeClr val="tx1"/>
+                </a:solidFill>
+                <a:prstDash val="sysDot"/>
+              </a:ln>
+            </p:spPr>
+            <p:style>
+              <a:lnRef idx="2">
+                <a:schemeClr val="accent1">
+                  <a:shade val="15000"/>
+                </a:schemeClr>
+              </a:lnRef>
+              <a:fillRef idx="1">
+                <a:schemeClr val="accent1"/>
+              </a:fillRef>
+              <a:effectRef idx="0">
+                <a:schemeClr val="accent1"/>
+              </a:effectRef>
+              <a:fontRef idx="minor">
+                <a:schemeClr val="lt1"/>
+              </a:fontRef>
+            </p:style>
+            <p:txBody>
+              <a:bodyPr rtlCol="0" anchor="ctr"/>
+              <a:lstStyle/>
+              <a:p>
+                <a:pPr marL="171450" indent="-171450">
+                  <a:buFont typeface="Arial" panose="020B0604020202020204" pitchFamily="34" charset="0"/>
+                  <a:buChar char="•"/>
+                </a:pPr>
+                <a:r>
+                  <a:rPr lang="en-US" sz="1000" b="1" dirty="0">
+                    <a:solidFill>
+                      <a:schemeClr val="tx1"/>
+                    </a:solidFill>
+                  </a:rPr>
+                  <a:t>face</a:t>
+                </a:r>
+              </a:p>
+              <a:p>
+                <a:pPr marL="171450" indent="-171450">
+                  <a:buFont typeface="Arial" panose="020B0604020202020204" pitchFamily="34" charset="0"/>
+                  <a:buChar char="•"/>
+                </a:pPr>
+                <a14:m>
+                  <m:oMath xmlns:m="http://schemas.openxmlformats.org/officeDocument/2006/math">
+                    <m:sSub>
+                      <m:sSubPr>
+                        <m:ctrlPr>
+                          <a:rPr lang="en-US" sz="1000" b="1" i="1" smtClean="0">
+                            <a:solidFill>
+                              <a:schemeClr val="tx1"/>
+                            </a:solidFill>
+                            <a:latin typeface="Cambria Math" panose="02040503050406030204" pitchFamily="18" charset="0"/>
+                          </a:rPr>
+                        </m:ctrlPr>
+                      </m:sSubPr>
+                      <m:e>
+                        <m:r>
+                          <a:rPr lang="en-US" sz="1000" b="1" i="1" smtClean="0">
+                            <a:solidFill>
+                              <a:schemeClr val="tx1"/>
+                            </a:solidFill>
+                            <a:latin typeface="Cambria Math" panose="02040503050406030204" pitchFamily="18" charset="0"/>
+                          </a:rPr>
+                          <m:t>𝒕</m:t>
+                        </m:r>
+                      </m:e>
+                      <m:sub>
+                        <m:r>
+                          <a:rPr lang="en-US" sz="1000" b="1" i="1" smtClean="0">
+                            <a:solidFill>
+                              <a:schemeClr val="tx1"/>
+                            </a:solidFill>
+                            <a:latin typeface="Cambria Math" panose="02040503050406030204" pitchFamily="18" charset="0"/>
+                          </a:rPr>
+                          <m:t>𝒛</m:t>
+                        </m:r>
+                      </m:sub>
+                    </m:sSub>
+                  </m:oMath>
+                </a14:m>
+                <a:endParaRPr lang="en-US" sz="1000" b="1" dirty="0">
+                  <a:solidFill>
+                    <a:schemeClr val="tx1"/>
+                  </a:solidFill>
+                </a:endParaRPr>
+              </a:p>
+            </p:txBody>
+          </p:sp>
+        </mc:Choice>
+        <mc:Fallback>
+          <p:sp>
+            <p:nvSpPr>
+              <p:cNvPr id="32" name="Rectangle 31">
+                <a:extLst>
+                  <a:ext uri="{FF2B5EF4-FFF2-40B4-BE49-F238E27FC236}">
+                    <a16:creationId xmlns:a16="http://schemas.microsoft.com/office/drawing/2014/main" id="{422EDD0F-83E1-0779-F14E-6CC84747F2CE}"/>
+                  </a:ext>
+                </a:extLst>
+              </p:cNvPr>
+              <p:cNvSpPr>
+                <a:spLocks noRot="1" noChangeAspect="1" noMove="1" noResize="1" noEditPoints="1" noAdjustHandles="1" noChangeArrowheads="1" noChangeShapeType="1" noTextEdit="1"/>
+              </p:cNvSpPr>
+              <p:nvPr/>
+            </p:nvSpPr>
+            <p:spPr>
+              <a:xfrm>
+                <a:off x="175118" y="1837949"/>
+                <a:ext cx="664602" cy="446505"/>
+              </a:xfrm>
+              <a:prstGeom prst="rect">
+                <a:avLst/>
+              </a:prstGeom>
+              <a:blipFill>
+                <a:blip r:embed="rId7"/>
+                <a:stretch>
+                  <a:fillRect/>
+                </a:stretch>
+              </a:blipFill>
+              <a:ln w="3175">
+                <a:solidFill>
+                  <a:schemeClr val="tx1"/>
+                </a:solidFill>
+                <a:prstDash val="sysDot"/>
+              </a:ln>
+            </p:spPr>
+            <p:txBody>
+              <a:bodyPr/>
+              <a:lstStyle/>
+              <a:p>
+                <a:r>
+                  <a:rPr lang="en-US">
+                    <a:noFill/>
+                  </a:rPr>
+                  <a:t> </a:t>
+                </a:r>
+              </a:p>
+            </p:txBody>
+          </p:sp>
+        </mc:Fallback>
+      </mc:AlternateContent>
+      <p:sp>
+        <p:nvSpPr>
+          <p:cNvPr id="33" name="Rectangle 32">
+            <a:extLst>
+              <a:ext uri="{FF2B5EF4-FFF2-40B4-BE49-F238E27FC236}">
+                <a16:creationId xmlns:a16="http://schemas.microsoft.com/office/drawing/2014/main" id="{32148C3F-606B-0BD3-2CCE-4096697E47E7}"/>
+              </a:ext>
+            </a:extLst>
+          </p:cNvPr>
+          <p:cNvSpPr/>
+          <p:nvPr/>
+        </p:nvSpPr>
+        <p:spPr>
+          <a:xfrm>
+            <a:off x="230439" y="300486"/>
+            <a:ext cx="2314875" cy="279118"/>
+          </a:xfrm>
+          <a:prstGeom prst="rect">
+            <a:avLst/>
+          </a:prstGeom>
+          <a:solidFill>
+            <a:schemeClr val="accent3">
+              <a:lumMod val="20000"/>
+              <a:lumOff val="80000"/>
+            </a:schemeClr>
+          </a:solidFill>
+          <a:ln w="3175">
+            <a:solidFill>
+              <a:schemeClr val="tx1"/>
+            </a:solidFill>
+            <a:prstDash val="sysDot"/>
+          </a:ln>
+        </p:spPr>
+        <p:style>
+          <a:lnRef idx="2">
+            <a:schemeClr val="accent1">
+              <a:shade val="15000"/>
+            </a:schemeClr>
+          </a:lnRef>
+          <a:fillRef idx="1">
+            <a:schemeClr val="accent1"/>
+          </a:fillRef>
+          <a:effectRef idx="0">
+            <a:schemeClr val="accent1"/>
+          </a:effectRef>
+          <a:fontRef idx="minor">
+            <a:schemeClr val="lt1"/>
+          </a:fontRef>
+        </p:style>
+        <p:txBody>
+          <a:bodyPr rtlCol="0" anchor="ctr"/>
+          <a:lstStyle/>
+          <a:p>
+            <a:pPr marL="171450" indent="-171450">
+              <a:buFont typeface="Arial" panose="020B0604020202020204" pitchFamily="34" charset="0"/>
+              <a:buChar char="•"/>
+            </a:pPr>
+            <a:r>
+              <a:rPr lang="en-US" sz="1000" b="1" dirty="0">
+                <a:solidFill>
+                  <a:schemeClr val="tx1"/>
+                </a:solidFill>
+              </a:rPr>
+              <a:t>Instance: Element2D base class</a:t>
+            </a:r>
+          </a:p>
+        </p:txBody>
+      </p:sp>
+      <p:cxnSp>
+        <p:nvCxnSpPr>
+          <p:cNvPr id="46" name="Connector: Curved 45">
+            <a:extLst>
+              <a:ext uri="{FF2B5EF4-FFF2-40B4-BE49-F238E27FC236}">
+                <a16:creationId xmlns:a16="http://schemas.microsoft.com/office/drawing/2014/main" id="{082C496F-2F87-583D-BF90-1F2DC21ED23A}"/>
+              </a:ext>
+            </a:extLst>
+          </p:cNvPr>
+          <p:cNvCxnSpPr>
+            <a:cxnSpLocks/>
+            <a:stCxn id="30" idx="2"/>
+            <a:endCxn id="29" idx="1"/>
+          </p:cNvCxnSpPr>
+          <p:nvPr/>
+        </p:nvCxnSpPr>
+        <p:spPr>
+          <a:xfrm rot="16200000" flipH="1">
+            <a:off x="2649493" y="4115761"/>
+            <a:ext cx="1505621" cy="967917"/>
+          </a:xfrm>
+          <a:prstGeom prst="curvedConnector2">
+            <a:avLst/>
+          </a:prstGeom>
+          <a:ln>
+            <a:solidFill>
+              <a:schemeClr val="tx1"/>
+            </a:solidFill>
+            <a:tailEnd type="triangle"/>
+          </a:ln>
+        </p:spPr>
+        <p:style>
+          <a:lnRef idx="2">
+            <a:schemeClr val="accent1"/>
+          </a:lnRef>
+          <a:fillRef idx="0">
+            <a:schemeClr val="accent1"/>
+          </a:fillRef>
+          <a:effectRef idx="1">
+            <a:schemeClr val="accent1"/>
+          </a:effectRef>
+          <a:fontRef idx="minor">
+            <a:schemeClr val="tx1"/>
+          </a:fontRef>
+        </p:style>
+      </p:cxnSp>
+      <mc:AlternateContent xmlns:mc="http://schemas.openxmlformats.org/markup-compatibility/2006">
+        <mc:Choice xmlns:a14="http://schemas.microsoft.com/office/drawing/2010/main" Requires="a14">
+          <p:sp>
+            <p:nvSpPr>
+              <p:cNvPr id="49" name="Rectangle 48">
+                <a:extLst>
+                  <a:ext uri="{FF2B5EF4-FFF2-40B4-BE49-F238E27FC236}">
+                    <a16:creationId xmlns:a16="http://schemas.microsoft.com/office/drawing/2014/main" id="{759D62AF-B4EA-ABA4-54C2-66B7F113304B}"/>
+                  </a:ext>
+                </a:extLst>
+              </p:cNvPr>
+              <p:cNvSpPr/>
+              <p:nvPr/>
+            </p:nvSpPr>
+            <p:spPr>
+              <a:xfrm>
+                <a:off x="5471682" y="3047560"/>
+                <a:ext cx="808506" cy="419928"/>
+              </a:xfrm>
+              <a:prstGeom prst="rect">
+                <a:avLst/>
+              </a:prstGeom>
+              <a:solidFill>
+                <a:schemeClr val="accent3">
+                  <a:lumMod val="20000"/>
+                  <a:lumOff val="80000"/>
+                </a:schemeClr>
+              </a:solidFill>
+              <a:ln w="3175">
+                <a:solidFill>
+                  <a:schemeClr val="tx1"/>
+                </a:solidFill>
+                <a:prstDash val="sysDot"/>
+              </a:ln>
+            </p:spPr>
+            <p:style>
+              <a:lnRef idx="2">
+                <a:schemeClr val="accent1">
+                  <a:shade val="15000"/>
+                </a:schemeClr>
+              </a:lnRef>
+              <a:fillRef idx="1">
+                <a:schemeClr val="accent1"/>
+              </a:fillRef>
+              <a:effectRef idx="0">
+                <a:schemeClr val="accent1"/>
+              </a:effectRef>
+              <a:fontRef idx="minor">
+                <a:schemeClr val="lt1"/>
+              </a:fontRef>
+            </p:style>
+            <p:txBody>
+              <a:bodyPr rtlCol="0" anchor="ctr"/>
+              <a:lstStyle/>
+              <a:p>
+                <a:pPr marL="171450" indent="-171450">
+                  <a:buFont typeface="Arial" panose="020B0604020202020204" pitchFamily="34" charset="0"/>
+                  <a:buChar char="•"/>
+                </a:pPr>
+                <a14:m>
+                  <m:oMath xmlns:m="http://schemas.openxmlformats.org/officeDocument/2006/math">
+                    <m:func>
+                      <m:funcPr>
+                        <m:ctrlPr>
+                          <a:rPr lang="en-US" sz="1000" i="1">
+                            <a:solidFill>
+                              <a:schemeClr val="tx1"/>
+                            </a:solidFill>
+                            <a:latin typeface="Cambria Math" panose="02040503050406030204" pitchFamily="18" charset="0"/>
+                          </a:rPr>
+                        </m:ctrlPr>
+                      </m:funcPr>
+                      <m:fName>
+                        <m:r>
+                          <m:rPr>
+                            <m:sty m:val="p"/>
+                          </m:rPr>
+                          <a:rPr lang="en-US" sz="1000">
+                            <a:solidFill>
+                              <a:schemeClr val="tx1"/>
+                            </a:solidFill>
+                            <a:latin typeface="Cambria Math" panose="02040503050406030204" pitchFamily="18" charset="0"/>
+                          </a:rPr>
+                          <m:t>det</m:t>
+                        </m:r>
+                      </m:fName>
+                      <m:e>
+                        <m:d>
+                          <m:dPr>
+                            <m:ctrlPr>
+                              <a:rPr lang="en-US" sz="1000" i="1">
+                                <a:solidFill>
+                                  <a:schemeClr val="tx1"/>
+                                </a:solidFill>
+                                <a:latin typeface="Cambria Math" panose="02040503050406030204" pitchFamily="18" charset="0"/>
+                              </a:rPr>
+                            </m:ctrlPr>
+                          </m:dPr>
+                          <m:e>
+                            <m:sSup>
+                              <m:sSupPr>
+                                <m:ctrlPr>
+                                  <a:rPr lang="en-US" sz="1000" i="1">
+                                    <a:solidFill>
+                                      <a:schemeClr val="tx1"/>
+                                    </a:solidFill>
+                                    <a:latin typeface="Cambria Math" panose="02040503050406030204" pitchFamily="18" charset="0"/>
+                                  </a:rPr>
+                                </m:ctrlPr>
+                              </m:sSupPr>
+                              <m:e>
+                                <m:r>
+                                  <a:rPr lang="en-US" sz="1000" i="1">
+                                    <a:solidFill>
+                                      <a:schemeClr val="tx1"/>
+                                    </a:solidFill>
+                                    <a:latin typeface="Cambria Math" panose="02040503050406030204" pitchFamily="18" charset="0"/>
+                                  </a:rPr>
+                                  <m:t>𝐽</m:t>
+                                </m:r>
+                              </m:e>
+                              <m:sup>
+                                <m:r>
+                                  <m:rPr>
+                                    <m:sty m:val="p"/>
+                                  </m:rPr>
+                                  <a:rPr lang="en-US" sz="1000">
+                                    <a:solidFill>
+                                      <a:schemeClr val="tx1"/>
+                                    </a:solidFill>
+                                    <a:latin typeface="Cambria Math" panose="02040503050406030204" pitchFamily="18" charset="0"/>
+                                  </a:rPr>
+                                  <m:t>Γ</m:t>
+                                </m:r>
+                              </m:sup>
+                            </m:sSup>
+                          </m:e>
+                        </m:d>
+                      </m:e>
+                    </m:func>
+                  </m:oMath>
+                </a14:m>
+                <a:endParaRPr lang="en-US" sz="1000" b="1" dirty="0">
+                  <a:solidFill>
+                    <a:schemeClr val="tx1"/>
+                  </a:solidFill>
+                </a:endParaRPr>
+              </a:p>
+            </p:txBody>
+          </p:sp>
+        </mc:Choice>
+        <mc:Fallback>
+          <p:sp>
+            <p:nvSpPr>
+              <p:cNvPr id="49" name="Rectangle 48">
+                <a:extLst>
+                  <a:ext uri="{FF2B5EF4-FFF2-40B4-BE49-F238E27FC236}">
+                    <a16:creationId xmlns:a16="http://schemas.microsoft.com/office/drawing/2014/main" id="{759D62AF-B4EA-ABA4-54C2-66B7F113304B}"/>
+                  </a:ext>
+                </a:extLst>
+              </p:cNvPr>
+              <p:cNvSpPr>
+                <a:spLocks noRot="1" noChangeAspect="1" noMove="1" noResize="1" noEditPoints="1" noAdjustHandles="1" noChangeArrowheads="1" noChangeShapeType="1" noTextEdit="1"/>
+              </p:cNvSpPr>
+              <p:nvPr/>
+            </p:nvSpPr>
+            <p:spPr>
+              <a:xfrm>
+                <a:off x="5471682" y="3047560"/>
+                <a:ext cx="808506" cy="419928"/>
+              </a:xfrm>
+              <a:prstGeom prst="rect">
+                <a:avLst/>
+              </a:prstGeom>
+              <a:blipFill>
+                <a:blip r:embed="rId8"/>
+                <a:stretch>
+                  <a:fillRect/>
+                </a:stretch>
+              </a:blipFill>
+              <a:ln w="3175">
+                <a:solidFill>
+                  <a:schemeClr val="tx1"/>
+                </a:solidFill>
+                <a:prstDash val="sysDot"/>
+              </a:ln>
+            </p:spPr>
+            <p:txBody>
+              <a:bodyPr/>
+              <a:lstStyle/>
+              <a:p>
+                <a:r>
+                  <a:rPr lang="en-US">
+                    <a:noFill/>
+                  </a:rPr>
+                  <a:t> </a:t>
+                </a:r>
+              </a:p>
+            </p:txBody>
+          </p:sp>
+        </mc:Fallback>
+      </mc:AlternateContent>
+      <p:cxnSp>
+        <p:nvCxnSpPr>
+          <p:cNvPr id="50" name="Connector: Curved 49">
+            <a:extLst>
+              <a:ext uri="{FF2B5EF4-FFF2-40B4-BE49-F238E27FC236}">
+                <a16:creationId xmlns:a16="http://schemas.microsoft.com/office/drawing/2014/main" id="{ABB739C0-4C8B-06A3-48E5-EF167921FBBA}"/>
+              </a:ext>
+            </a:extLst>
+          </p:cNvPr>
+          <p:cNvCxnSpPr>
+            <a:cxnSpLocks/>
+            <a:stCxn id="29" idx="0"/>
+            <a:endCxn id="49" idx="2"/>
+          </p:cNvCxnSpPr>
+          <p:nvPr/>
+        </p:nvCxnSpPr>
+        <p:spPr>
+          <a:xfrm rot="5400000" flipH="1" flipV="1">
+            <a:off x="5373240" y="3555490"/>
+            <a:ext cx="590697" cy="414694"/>
+          </a:xfrm>
+          <a:prstGeom prst="curvedConnector3">
+            <a:avLst>
+              <a:gd name="adj1" fmla="val 50000"/>
+            </a:avLst>
+          </a:prstGeom>
+          <a:ln>
+            <a:solidFill>
+              <a:schemeClr val="tx1"/>
+            </a:solidFill>
+            <a:tailEnd type="triangle"/>
+          </a:ln>
+        </p:spPr>
+        <p:style>
+          <a:lnRef idx="2">
+            <a:schemeClr val="accent1"/>
+          </a:lnRef>
+          <a:fillRef idx="0">
+            <a:schemeClr val="accent1"/>
+          </a:fillRef>
+          <a:effectRef idx="1">
+            <a:schemeClr val="accent1"/>
+          </a:effectRef>
+          <a:fontRef idx="minor">
+            <a:schemeClr val="tx1"/>
+          </a:fontRef>
+        </p:style>
+      </p:cxnSp>
+      <mc:AlternateContent xmlns:mc="http://schemas.openxmlformats.org/markup-compatibility/2006">
+        <mc:Choice xmlns:a14="http://schemas.microsoft.com/office/drawing/2010/main" Requires="a14">
+          <p:sp>
+            <p:nvSpPr>
+              <p:cNvPr id="55" name="Rectangle 54">
+                <a:extLst>
+                  <a:ext uri="{FF2B5EF4-FFF2-40B4-BE49-F238E27FC236}">
+                    <a16:creationId xmlns:a16="http://schemas.microsoft.com/office/drawing/2014/main" id="{029AF604-9EE9-03F6-0910-2D37E9C67B7C}"/>
+                  </a:ext>
+                </a:extLst>
+              </p:cNvPr>
+              <p:cNvSpPr/>
+              <p:nvPr/>
+            </p:nvSpPr>
+            <p:spPr>
+              <a:xfrm>
+                <a:off x="5648344" y="1641274"/>
+                <a:ext cx="557458" cy="419928"/>
+              </a:xfrm>
+              <a:prstGeom prst="rect">
+                <a:avLst/>
+              </a:prstGeom>
+              <a:solidFill>
+                <a:schemeClr val="accent3">
+                  <a:lumMod val="20000"/>
+                  <a:lumOff val="80000"/>
+                </a:schemeClr>
+              </a:solidFill>
+              <a:ln w="3175">
+                <a:solidFill>
+                  <a:schemeClr val="tx1"/>
+                </a:solidFill>
+                <a:prstDash val="sysDot"/>
+              </a:ln>
+            </p:spPr>
+            <p:style>
+              <a:lnRef idx="2">
+                <a:schemeClr val="accent1">
+                  <a:shade val="15000"/>
+                </a:schemeClr>
+              </a:lnRef>
+              <a:fillRef idx="1">
+                <a:schemeClr val="accent1"/>
+              </a:fillRef>
+              <a:effectRef idx="0">
+                <a:schemeClr val="accent1"/>
+              </a:effectRef>
+              <a:fontRef idx="minor">
+                <a:schemeClr val="lt1"/>
+              </a:fontRef>
+            </p:style>
+            <p:txBody>
+              <a:bodyPr rtlCol="0" anchor="ctr"/>
+              <a:lstStyle/>
+              <a:p>
+                <a:pPr marL="171450" indent="-171450">
+                  <a:buFont typeface="Arial" panose="020B0604020202020204" pitchFamily="34" charset="0"/>
+                  <a:buChar char="•"/>
+                </a:pPr>
+                <a14:m>
+                  <m:oMath xmlns:m="http://schemas.openxmlformats.org/officeDocument/2006/math">
+                    <m:sSup>
+                      <m:sSupPr>
+                        <m:ctrlPr>
+                          <a:rPr lang="en-US" sz="1000" b="1" i="1">
+                            <a:solidFill>
+                              <a:schemeClr val="tx1"/>
+                            </a:solidFill>
+                            <a:latin typeface="Cambria Math" panose="02040503050406030204" pitchFamily="18" charset="0"/>
+                          </a:rPr>
+                        </m:ctrlPr>
+                      </m:sSupPr>
+                      <m:e>
+                        <m:r>
+                          <a:rPr lang="en-US" sz="1000" b="1" i="1">
+                            <a:solidFill>
+                              <a:schemeClr val="tx1"/>
+                            </a:solidFill>
+                            <a:latin typeface="Cambria Math" panose="02040503050406030204" pitchFamily="18" charset="0"/>
+                          </a:rPr>
+                          <m:t>𝜼</m:t>
+                        </m:r>
+                      </m:e>
+                      <m:sup>
+                        <m:r>
+                          <a:rPr lang="en-US" sz="1000" b="1" i="1">
+                            <a:solidFill>
+                              <a:schemeClr val="tx1"/>
+                            </a:solidFill>
+                            <a:latin typeface="Cambria Math" panose="02040503050406030204" pitchFamily="18" charset="0"/>
+                          </a:rPr>
+                          <m:t>𝑰𝑷</m:t>
+                        </m:r>
+                      </m:sup>
+                    </m:sSup>
+                  </m:oMath>
+                </a14:m>
+                <a:endParaRPr lang="en-US" sz="1000" b="1" dirty="0">
+                  <a:solidFill>
+                    <a:schemeClr val="tx1"/>
+                  </a:solidFill>
+                </a:endParaRPr>
+              </a:p>
+            </p:txBody>
+          </p:sp>
+        </mc:Choice>
+        <mc:Fallback>
+          <p:sp>
+            <p:nvSpPr>
+              <p:cNvPr id="55" name="Rectangle 54">
+                <a:extLst>
+                  <a:ext uri="{FF2B5EF4-FFF2-40B4-BE49-F238E27FC236}">
+                    <a16:creationId xmlns:a16="http://schemas.microsoft.com/office/drawing/2014/main" id="{029AF604-9EE9-03F6-0910-2D37E9C67B7C}"/>
+                  </a:ext>
+                </a:extLst>
+              </p:cNvPr>
+              <p:cNvSpPr>
+                <a:spLocks noRot="1" noChangeAspect="1" noMove="1" noResize="1" noEditPoints="1" noAdjustHandles="1" noChangeArrowheads="1" noChangeShapeType="1" noTextEdit="1"/>
+              </p:cNvSpPr>
+              <p:nvPr/>
+            </p:nvSpPr>
+            <p:spPr>
+              <a:xfrm>
+                <a:off x="5648344" y="1641274"/>
+                <a:ext cx="557458" cy="419928"/>
+              </a:xfrm>
+              <a:prstGeom prst="rect">
+                <a:avLst/>
+              </a:prstGeom>
+              <a:blipFill>
+                <a:blip r:embed="rId9"/>
+                <a:stretch>
+                  <a:fillRect/>
+                </a:stretch>
+              </a:blipFill>
+              <a:ln w="3175">
+                <a:solidFill>
+                  <a:schemeClr val="tx1"/>
+                </a:solidFill>
+                <a:prstDash val="sysDot"/>
+              </a:ln>
+            </p:spPr>
+            <p:txBody>
+              <a:bodyPr/>
+              <a:lstStyle/>
+              <a:p>
+                <a:r>
+                  <a:rPr lang="en-US">
+                    <a:noFill/>
+                  </a:rPr>
+                  <a:t> </a:t>
+                </a:r>
+              </a:p>
+            </p:txBody>
+          </p:sp>
+        </mc:Fallback>
+      </mc:AlternateContent>
+      <p:cxnSp>
+        <p:nvCxnSpPr>
+          <p:cNvPr id="65" name="Connector: Curved 64">
+            <a:extLst>
+              <a:ext uri="{FF2B5EF4-FFF2-40B4-BE49-F238E27FC236}">
+                <a16:creationId xmlns:a16="http://schemas.microsoft.com/office/drawing/2014/main" id="{9E475FE0-C1E5-B660-39F1-B451CF43D24C}"/>
+              </a:ext>
+            </a:extLst>
+          </p:cNvPr>
+          <p:cNvCxnSpPr>
+            <a:cxnSpLocks/>
+            <a:stCxn id="26" idx="3"/>
+            <a:endCxn id="27" idx="0"/>
+          </p:cNvCxnSpPr>
+          <p:nvPr/>
+        </p:nvCxnSpPr>
+        <p:spPr>
+          <a:xfrm>
+            <a:off x="9330480" y="1298626"/>
+            <a:ext cx="1562398" cy="652477"/>
+          </a:xfrm>
+          <a:prstGeom prst="curvedConnector2">
+            <a:avLst/>
+          </a:prstGeom>
+          <a:ln>
+            <a:solidFill>
+              <a:schemeClr val="tx1"/>
+            </a:solidFill>
+            <a:tailEnd type="triangle"/>
+          </a:ln>
+        </p:spPr>
+        <p:style>
+          <a:lnRef idx="2">
+            <a:schemeClr val="accent1"/>
+          </a:lnRef>
+          <a:fillRef idx="0">
+            <a:schemeClr val="accent1"/>
+          </a:fillRef>
+          <a:effectRef idx="1">
+            <a:schemeClr val="accent1"/>
+          </a:effectRef>
+          <a:fontRef idx="minor">
+            <a:schemeClr val="tx1"/>
+          </a:fontRef>
+        </p:style>
+      </p:cxnSp>
+      <mc:AlternateContent xmlns:mc="http://schemas.openxmlformats.org/markup-compatibility/2006">
+        <mc:Choice xmlns:a14="http://schemas.microsoft.com/office/drawing/2010/main" Requires="a14">
+          <p:sp>
+            <p:nvSpPr>
+              <p:cNvPr id="69" name="Rectangle 68">
+                <a:extLst>
+                  <a:ext uri="{FF2B5EF4-FFF2-40B4-BE49-F238E27FC236}">
+                    <a16:creationId xmlns:a16="http://schemas.microsoft.com/office/drawing/2014/main" id="{09E408AB-0BBF-C2B0-5D25-B96E45AEA720}"/>
+                  </a:ext>
+                </a:extLst>
+              </p:cNvPr>
+              <p:cNvSpPr/>
+              <p:nvPr/>
+            </p:nvSpPr>
+            <p:spPr>
+              <a:xfrm>
+                <a:off x="9832950" y="1206472"/>
+                <a:ext cx="557458" cy="419928"/>
+              </a:xfrm>
+              <a:prstGeom prst="rect">
+                <a:avLst/>
+              </a:prstGeom>
+              <a:solidFill>
+                <a:schemeClr val="accent3">
+                  <a:lumMod val="20000"/>
+                  <a:lumOff val="80000"/>
+                </a:schemeClr>
+              </a:solidFill>
+              <a:ln w="3175">
+                <a:solidFill>
+                  <a:schemeClr val="tx1"/>
+                </a:solidFill>
+                <a:prstDash val="sysDot"/>
+              </a:ln>
+            </p:spPr>
+            <p:style>
+              <a:lnRef idx="2">
+                <a:schemeClr val="accent1">
+                  <a:shade val="15000"/>
+                </a:schemeClr>
+              </a:lnRef>
+              <a:fillRef idx="1">
+                <a:schemeClr val="accent1"/>
+              </a:fillRef>
+              <a:effectRef idx="0">
+                <a:schemeClr val="accent1"/>
+              </a:effectRef>
+              <a:fontRef idx="minor">
+                <a:schemeClr val="lt1"/>
+              </a:fontRef>
+            </p:style>
+            <p:txBody>
+              <a:bodyPr rtlCol="0" anchor="ctr"/>
+              <a:lstStyle/>
+              <a:p>
+                <a:pPr marL="171450" indent="-171450">
+                  <a:buFont typeface="Arial" panose="020B0604020202020204" pitchFamily="34" charset="0"/>
+                  <a:buChar char="•"/>
+                </a:pPr>
+                <a14:m>
+                  <m:oMath xmlns:m="http://schemas.openxmlformats.org/officeDocument/2006/math">
+                    <m:r>
+                      <a:rPr lang="en-US" sz="1000" b="1" i="1" smtClean="0">
+                        <a:solidFill>
+                          <a:schemeClr val="tx1"/>
+                        </a:solidFill>
+                        <a:latin typeface="Cambria Math" panose="02040503050406030204" pitchFamily="18" charset="0"/>
+                      </a:rPr>
+                      <m:t>𝑵</m:t>
+                    </m:r>
+                  </m:oMath>
+                </a14:m>
+                <a:endParaRPr lang="en-US" sz="1000" b="1" dirty="0">
+                  <a:solidFill>
+                    <a:schemeClr val="tx1"/>
+                  </a:solidFill>
+                </a:endParaRPr>
+              </a:p>
+            </p:txBody>
+          </p:sp>
+        </mc:Choice>
+        <mc:Fallback>
+          <p:sp>
+            <p:nvSpPr>
+              <p:cNvPr id="69" name="Rectangle 68">
+                <a:extLst>
+                  <a:ext uri="{FF2B5EF4-FFF2-40B4-BE49-F238E27FC236}">
+                    <a16:creationId xmlns:a16="http://schemas.microsoft.com/office/drawing/2014/main" id="{09E408AB-0BBF-C2B0-5D25-B96E45AEA720}"/>
+                  </a:ext>
+                </a:extLst>
+              </p:cNvPr>
+              <p:cNvSpPr>
+                <a:spLocks noRot="1" noChangeAspect="1" noMove="1" noResize="1" noEditPoints="1" noAdjustHandles="1" noChangeArrowheads="1" noChangeShapeType="1" noTextEdit="1"/>
+              </p:cNvSpPr>
+              <p:nvPr/>
+            </p:nvSpPr>
+            <p:spPr>
+              <a:xfrm>
+                <a:off x="9832950" y="1206472"/>
+                <a:ext cx="557458" cy="419928"/>
+              </a:xfrm>
+              <a:prstGeom prst="rect">
+                <a:avLst/>
+              </a:prstGeom>
+              <a:blipFill>
+                <a:blip r:embed="rId10"/>
+                <a:stretch>
+                  <a:fillRect/>
+                </a:stretch>
+              </a:blipFill>
+              <a:ln w="3175">
+                <a:solidFill>
+                  <a:schemeClr val="tx1"/>
+                </a:solidFill>
+                <a:prstDash val="sysDot"/>
+              </a:ln>
+            </p:spPr>
+            <p:txBody>
+              <a:bodyPr/>
+              <a:lstStyle/>
+              <a:p>
+                <a:r>
+                  <a:rPr lang="en-US">
+                    <a:noFill/>
+                  </a:rPr>
+                  <a:t> </a:t>
+                </a:r>
+              </a:p>
+            </p:txBody>
+          </p:sp>
+        </mc:Fallback>
+      </mc:AlternateContent>
+      <mc:AlternateContent xmlns:mc="http://schemas.openxmlformats.org/markup-compatibility/2006">
+        <mc:Choice xmlns:a14="http://schemas.microsoft.com/office/drawing/2010/main" Requires="a14">
+          <p:sp>
+            <p:nvSpPr>
+              <p:cNvPr id="78" name="Rectangle 77">
+                <a:extLst>
+                  <a:ext uri="{FF2B5EF4-FFF2-40B4-BE49-F238E27FC236}">
+                    <a16:creationId xmlns:a16="http://schemas.microsoft.com/office/drawing/2014/main" id="{621C02B9-536E-9873-137A-BAD08CAA3AFD}"/>
+                  </a:ext>
+                </a:extLst>
+              </p:cNvPr>
+              <p:cNvSpPr/>
+              <p:nvPr/>
+            </p:nvSpPr>
+            <p:spPr>
+              <a:xfrm>
+                <a:off x="9580605" y="3803243"/>
+                <a:ext cx="557458" cy="419928"/>
+              </a:xfrm>
+              <a:prstGeom prst="rect">
+                <a:avLst/>
+              </a:prstGeom>
+              <a:solidFill>
+                <a:schemeClr val="accent3">
+                  <a:lumMod val="20000"/>
+                  <a:lumOff val="80000"/>
+                </a:schemeClr>
+              </a:solidFill>
+              <a:ln w="3175">
+                <a:solidFill>
+                  <a:schemeClr val="tx1"/>
+                </a:solidFill>
+                <a:prstDash val="sysDot"/>
+              </a:ln>
+            </p:spPr>
+            <p:style>
+              <a:lnRef idx="2">
+                <a:schemeClr val="accent1">
+                  <a:shade val="15000"/>
+                </a:schemeClr>
+              </a:lnRef>
+              <a:fillRef idx="1">
+                <a:schemeClr val="accent1"/>
+              </a:fillRef>
+              <a:effectRef idx="0">
+                <a:schemeClr val="accent1"/>
+              </a:effectRef>
+              <a:fontRef idx="minor">
+                <a:schemeClr val="lt1"/>
+              </a:fontRef>
+            </p:style>
+            <p:txBody>
+              <a:bodyPr rtlCol="0" anchor="ctr"/>
+              <a:lstStyle/>
+              <a:p>
+                <a:pPr marL="171450" indent="-171450">
+                  <a:buFont typeface="Arial" panose="020B0604020202020204" pitchFamily="34" charset="0"/>
+                  <a:buChar char="•"/>
+                </a:pPr>
+                <a14:m>
+                  <m:oMath xmlns:m="http://schemas.openxmlformats.org/officeDocument/2006/math">
+                    <m:sSup>
+                      <m:sSupPr>
+                        <m:ctrlPr>
+                          <a:rPr lang="en-US" sz="1000" b="1" i="1" smtClean="0">
+                            <a:solidFill>
+                              <a:schemeClr val="tx1"/>
+                            </a:solidFill>
+                            <a:latin typeface="Cambria Math" panose="02040503050406030204" pitchFamily="18" charset="0"/>
+                          </a:rPr>
+                        </m:ctrlPr>
+                      </m:sSupPr>
+                      <m:e>
+                        <m:r>
+                          <a:rPr lang="en-US" sz="1000" b="1" i="1" smtClean="0">
+                            <a:solidFill>
+                              <a:schemeClr val="tx1"/>
+                            </a:solidFill>
+                            <a:latin typeface="Cambria Math" panose="02040503050406030204" pitchFamily="18" charset="0"/>
+                          </a:rPr>
+                          <m:t>𝒙</m:t>
+                        </m:r>
+                      </m:e>
+                      <m:sup>
+                        <m:r>
+                          <a:rPr lang="en-US" sz="1000" b="1" i="1">
+                            <a:solidFill>
+                              <a:schemeClr val="tx1"/>
+                            </a:solidFill>
+                            <a:latin typeface="Cambria Math" panose="02040503050406030204" pitchFamily="18" charset="0"/>
+                          </a:rPr>
+                          <m:t>𝑰𝑷</m:t>
+                        </m:r>
+                      </m:sup>
+                    </m:sSup>
+                  </m:oMath>
+                </a14:m>
+                <a:endParaRPr lang="en-US" sz="1000" b="1" dirty="0">
+                  <a:solidFill>
+                    <a:schemeClr val="tx1"/>
+                  </a:solidFill>
+                </a:endParaRPr>
+              </a:p>
+            </p:txBody>
+          </p:sp>
+        </mc:Choice>
+        <mc:Fallback>
+          <p:sp>
+            <p:nvSpPr>
+              <p:cNvPr id="78" name="Rectangle 77">
+                <a:extLst>
+                  <a:ext uri="{FF2B5EF4-FFF2-40B4-BE49-F238E27FC236}">
+                    <a16:creationId xmlns:a16="http://schemas.microsoft.com/office/drawing/2014/main" id="{621C02B9-536E-9873-137A-BAD08CAA3AFD}"/>
+                  </a:ext>
+                </a:extLst>
+              </p:cNvPr>
+              <p:cNvSpPr>
+                <a:spLocks noRot="1" noChangeAspect="1" noMove="1" noResize="1" noEditPoints="1" noAdjustHandles="1" noChangeArrowheads="1" noChangeShapeType="1" noTextEdit="1"/>
+              </p:cNvSpPr>
+              <p:nvPr/>
+            </p:nvSpPr>
+            <p:spPr>
+              <a:xfrm>
+                <a:off x="9580605" y="3803243"/>
+                <a:ext cx="557458" cy="419928"/>
+              </a:xfrm>
+              <a:prstGeom prst="rect">
+                <a:avLst/>
+              </a:prstGeom>
+              <a:blipFill>
+                <a:blip r:embed="rId11"/>
+                <a:stretch>
+                  <a:fillRect/>
+                </a:stretch>
+              </a:blipFill>
+              <a:ln w="3175">
+                <a:solidFill>
+                  <a:schemeClr val="tx1"/>
+                </a:solidFill>
+                <a:prstDash val="sysDot"/>
+              </a:ln>
+            </p:spPr>
+            <p:txBody>
+              <a:bodyPr/>
+              <a:lstStyle/>
+              <a:p>
+                <a:r>
+                  <a:rPr lang="en-US">
+                    <a:noFill/>
+                  </a:rPr>
+                  <a:t> </a:t>
+                </a:r>
+              </a:p>
+            </p:txBody>
+          </p:sp>
+        </mc:Fallback>
+      </mc:AlternateContent>
+      <p:cxnSp>
+        <p:nvCxnSpPr>
+          <p:cNvPr id="90" name="Connector: Curved 89">
+            <a:extLst>
+              <a:ext uri="{FF2B5EF4-FFF2-40B4-BE49-F238E27FC236}">
+                <a16:creationId xmlns:a16="http://schemas.microsoft.com/office/drawing/2014/main" id="{F0F79400-AF3C-EE55-5E4C-764CB913BD85}"/>
+              </a:ext>
+            </a:extLst>
+          </p:cNvPr>
+          <p:cNvCxnSpPr>
+            <a:cxnSpLocks/>
+            <a:stCxn id="28" idx="1"/>
+            <a:endCxn id="93" idx="2"/>
+          </p:cNvCxnSpPr>
+          <p:nvPr/>
+        </p:nvCxnSpPr>
+        <p:spPr>
+          <a:xfrm rot="10800000">
+            <a:off x="7464066" y="4156727"/>
+            <a:ext cx="540673" cy="1456657"/>
+          </a:xfrm>
+          <a:prstGeom prst="curvedConnector2">
+            <a:avLst/>
+          </a:prstGeom>
+          <a:ln>
+            <a:solidFill>
+              <a:schemeClr val="tx1"/>
+            </a:solidFill>
+            <a:tailEnd type="triangle"/>
+          </a:ln>
+        </p:spPr>
+        <p:style>
+          <a:lnRef idx="2">
+            <a:schemeClr val="accent1"/>
+          </a:lnRef>
+          <a:fillRef idx="0">
+            <a:schemeClr val="accent1"/>
+          </a:fillRef>
+          <a:effectRef idx="1">
+            <a:schemeClr val="accent1"/>
+          </a:effectRef>
+          <a:fontRef idx="minor">
+            <a:schemeClr val="tx1"/>
+          </a:fontRef>
+        </p:style>
+      </p:cxnSp>
+      <mc:AlternateContent xmlns:mc="http://schemas.openxmlformats.org/markup-compatibility/2006">
+        <mc:Choice xmlns:a14="http://schemas.microsoft.com/office/drawing/2010/main" Requires="a14">
+          <p:sp>
+            <p:nvSpPr>
+              <p:cNvPr id="93" name="Rectangle 92">
+                <a:extLst>
+                  <a:ext uri="{FF2B5EF4-FFF2-40B4-BE49-F238E27FC236}">
+                    <a16:creationId xmlns:a16="http://schemas.microsoft.com/office/drawing/2014/main" id="{46431EC6-E61F-A2BE-EB6B-452DAF12FE71}"/>
+                  </a:ext>
+                </a:extLst>
+              </p:cNvPr>
+              <p:cNvSpPr/>
+              <p:nvPr/>
+            </p:nvSpPr>
+            <p:spPr>
+              <a:xfrm>
+                <a:off x="7185336" y="3736798"/>
+                <a:ext cx="557458" cy="419928"/>
+              </a:xfrm>
+              <a:prstGeom prst="rect">
+                <a:avLst/>
+              </a:prstGeom>
+              <a:solidFill>
+                <a:schemeClr val="accent3">
+                  <a:lumMod val="20000"/>
+                  <a:lumOff val="80000"/>
+                </a:schemeClr>
+              </a:solidFill>
+              <a:ln w="3175">
+                <a:solidFill>
+                  <a:schemeClr val="tx1"/>
+                </a:solidFill>
+                <a:prstDash val="sysDot"/>
+              </a:ln>
+            </p:spPr>
+            <p:style>
+              <a:lnRef idx="2">
+                <a:schemeClr val="accent1">
+                  <a:shade val="15000"/>
+                </a:schemeClr>
+              </a:lnRef>
+              <a:fillRef idx="1">
+                <a:schemeClr val="accent1"/>
+              </a:fillRef>
+              <a:effectRef idx="0">
+                <a:schemeClr val="accent1"/>
+              </a:effectRef>
+              <a:fontRef idx="minor">
+                <a:schemeClr val="lt1"/>
+              </a:fontRef>
+            </p:style>
+            <p:txBody>
+              <a:bodyPr rtlCol="0" anchor="ctr"/>
+              <a:lstStyle/>
+              <a:p>
+                <a:pPr marL="171450" indent="-171450">
+                  <a:buFont typeface="Arial" panose="020B0604020202020204" pitchFamily="34" charset="0"/>
+                  <a:buChar char="•"/>
+                </a:pPr>
+                <a14:m>
+                  <m:oMath xmlns:m="http://schemas.openxmlformats.org/officeDocument/2006/math">
+                    <m:sSup>
+                      <m:sSupPr>
+                        <m:ctrlPr>
+                          <a:rPr lang="en-US" sz="1000" b="1" i="1" smtClean="0">
+                            <a:solidFill>
+                              <a:schemeClr val="tx1"/>
+                            </a:solidFill>
+                            <a:latin typeface="Cambria Math" panose="02040503050406030204" pitchFamily="18" charset="0"/>
+                          </a:rPr>
+                        </m:ctrlPr>
+                      </m:sSupPr>
+                      <m:e>
+                        <m:r>
+                          <a:rPr lang="en-US" sz="1000" b="1" i="1" smtClean="0">
+                            <a:solidFill>
+                              <a:schemeClr val="tx1"/>
+                            </a:solidFill>
+                            <a:latin typeface="Cambria Math" panose="02040503050406030204" pitchFamily="18" charset="0"/>
+                          </a:rPr>
+                          <m:t>𝒇</m:t>
+                        </m:r>
+                      </m:e>
+                      <m:sup>
+                        <m:r>
+                          <a:rPr lang="en-US" sz="1000" b="1" i="1" smtClean="0">
+                            <a:solidFill>
+                              <a:schemeClr val="tx1"/>
+                            </a:solidFill>
+                            <a:latin typeface="Cambria Math" panose="02040503050406030204" pitchFamily="18" charset="0"/>
+                          </a:rPr>
+                          <m:t>𝒔</m:t>
+                        </m:r>
+                      </m:sup>
+                    </m:sSup>
+                  </m:oMath>
+                </a14:m>
+                <a:endParaRPr lang="en-US" sz="1000" b="1" dirty="0">
+                  <a:solidFill>
+                    <a:schemeClr val="tx1"/>
+                  </a:solidFill>
+                </a:endParaRPr>
+              </a:p>
+            </p:txBody>
+          </p:sp>
+        </mc:Choice>
+        <mc:Fallback>
+          <p:sp>
+            <p:nvSpPr>
+              <p:cNvPr id="93" name="Rectangle 92">
+                <a:extLst>
+                  <a:ext uri="{FF2B5EF4-FFF2-40B4-BE49-F238E27FC236}">
+                    <a16:creationId xmlns:a16="http://schemas.microsoft.com/office/drawing/2014/main" id="{46431EC6-E61F-A2BE-EB6B-452DAF12FE71}"/>
+                  </a:ext>
+                </a:extLst>
+              </p:cNvPr>
+              <p:cNvSpPr>
+                <a:spLocks noRot="1" noChangeAspect="1" noMove="1" noResize="1" noEditPoints="1" noAdjustHandles="1" noChangeArrowheads="1" noChangeShapeType="1" noTextEdit="1"/>
+              </p:cNvSpPr>
+              <p:nvPr/>
+            </p:nvSpPr>
+            <p:spPr>
+              <a:xfrm>
+                <a:off x="7185336" y="3736798"/>
+                <a:ext cx="557458" cy="419928"/>
+              </a:xfrm>
+              <a:prstGeom prst="rect">
+                <a:avLst/>
+              </a:prstGeom>
+              <a:blipFill>
+                <a:blip r:embed="rId12"/>
+                <a:stretch>
+                  <a:fillRect/>
+                </a:stretch>
+              </a:blipFill>
+              <a:ln w="3175">
+                <a:solidFill>
+                  <a:schemeClr val="tx1"/>
+                </a:solidFill>
+                <a:prstDash val="sysDot"/>
+              </a:ln>
+            </p:spPr>
+            <p:txBody>
+              <a:bodyPr/>
+              <a:lstStyle/>
+              <a:p>
+                <a:r>
+                  <a:rPr lang="en-US">
+                    <a:noFill/>
+                  </a:rPr>
+                  <a:t> </a:t>
+                </a:r>
+              </a:p>
+            </p:txBody>
+          </p:sp>
+        </mc:Fallback>
+      </mc:AlternateContent>
+      <p:cxnSp>
+        <p:nvCxnSpPr>
+          <p:cNvPr id="170" name="Connector: Curved 169">
+            <a:extLst>
+              <a:ext uri="{FF2B5EF4-FFF2-40B4-BE49-F238E27FC236}">
+                <a16:creationId xmlns:a16="http://schemas.microsoft.com/office/drawing/2014/main" id="{A11CC4E8-9377-0778-0792-E9523BE24671}"/>
+              </a:ext>
+            </a:extLst>
+          </p:cNvPr>
+          <p:cNvCxnSpPr>
+            <a:cxnSpLocks/>
+            <a:stCxn id="49" idx="0"/>
+            <a:endCxn id="30" idx="3"/>
+          </p:cNvCxnSpPr>
+          <p:nvPr/>
+        </p:nvCxnSpPr>
+        <p:spPr>
+          <a:xfrm rot="16200000" flipV="1">
+            <a:off x="4925696" y="2097320"/>
+            <a:ext cx="618940" cy="1281539"/>
+          </a:xfrm>
+          <a:prstGeom prst="curvedConnector2">
+            <a:avLst/>
+          </a:prstGeom>
+          <a:ln>
+            <a:solidFill>
+              <a:schemeClr val="tx1"/>
+            </a:solidFill>
+            <a:tailEnd type="triangle"/>
+          </a:ln>
+        </p:spPr>
+        <p:style>
+          <a:lnRef idx="2">
+            <a:schemeClr val="accent1"/>
+          </a:lnRef>
+          <a:fillRef idx="0">
+            <a:schemeClr val="accent1"/>
+          </a:fillRef>
+          <a:effectRef idx="1">
+            <a:schemeClr val="accent1"/>
+          </a:effectRef>
+          <a:fontRef idx="minor">
+            <a:schemeClr val="tx1"/>
+          </a:fontRef>
+        </p:style>
+      </p:cxnSp>
+      <p:cxnSp>
+        <p:nvCxnSpPr>
+          <p:cNvPr id="173" name="Connector: Curved 172">
+            <a:extLst>
+              <a:ext uri="{FF2B5EF4-FFF2-40B4-BE49-F238E27FC236}">
+                <a16:creationId xmlns:a16="http://schemas.microsoft.com/office/drawing/2014/main" id="{30ED5FBA-CA04-965D-0743-1B685779D77E}"/>
+              </a:ext>
+            </a:extLst>
+          </p:cNvPr>
+          <p:cNvCxnSpPr>
+            <a:cxnSpLocks/>
+            <a:stCxn id="93" idx="0"/>
+            <a:endCxn id="30" idx="3"/>
+          </p:cNvCxnSpPr>
+          <p:nvPr/>
+        </p:nvCxnSpPr>
+        <p:spPr>
+          <a:xfrm rot="16200000" flipV="1">
+            <a:off x="5375142" y="1647874"/>
+            <a:ext cx="1308178" cy="2869669"/>
+          </a:xfrm>
+          <a:prstGeom prst="curvedConnector2">
+            <a:avLst/>
+          </a:prstGeom>
+          <a:ln>
+            <a:solidFill>
+              <a:schemeClr val="tx1"/>
+            </a:solidFill>
+            <a:tailEnd type="triangle"/>
+          </a:ln>
+        </p:spPr>
+        <p:style>
+          <a:lnRef idx="2">
+            <a:schemeClr val="accent1"/>
+          </a:lnRef>
+          <a:fillRef idx="0">
+            <a:schemeClr val="accent1"/>
+          </a:fillRef>
+          <a:effectRef idx="1">
+            <a:schemeClr val="accent1"/>
+          </a:effectRef>
+          <a:fontRef idx="minor">
+            <a:schemeClr val="tx1"/>
+          </a:fontRef>
+        </p:style>
+      </p:cxnSp>
+      <mc:AlternateContent xmlns:mc="http://schemas.openxmlformats.org/markup-compatibility/2006">
+        <mc:Choice xmlns:a14="http://schemas.microsoft.com/office/drawing/2010/main" Requires="a14">
+          <p:sp>
+            <p:nvSpPr>
+              <p:cNvPr id="45" name="Rectangle 44">
+                <a:extLst>
+                  <a:ext uri="{FF2B5EF4-FFF2-40B4-BE49-F238E27FC236}">
+                    <a16:creationId xmlns:a16="http://schemas.microsoft.com/office/drawing/2014/main" id="{CF15A041-9E60-B065-2A96-D1DC5AE6E623}"/>
+                  </a:ext>
+                </a:extLst>
+              </p:cNvPr>
+              <p:cNvSpPr/>
+              <p:nvPr/>
+            </p:nvSpPr>
+            <p:spPr>
+              <a:xfrm>
+                <a:off x="2572324" y="4191795"/>
+                <a:ext cx="1114915" cy="604575"/>
+              </a:xfrm>
+              <a:prstGeom prst="rect">
+                <a:avLst/>
+              </a:prstGeom>
+              <a:solidFill>
+                <a:schemeClr val="accent3">
+                  <a:lumMod val="20000"/>
+                  <a:lumOff val="80000"/>
+                </a:schemeClr>
+              </a:solidFill>
+              <a:ln w="3175">
+                <a:solidFill>
+                  <a:schemeClr val="tx1"/>
+                </a:solidFill>
+                <a:prstDash val="sysDot"/>
+              </a:ln>
+            </p:spPr>
+            <p:style>
+              <a:lnRef idx="2">
+                <a:schemeClr val="accent1">
+                  <a:shade val="15000"/>
+                </a:schemeClr>
+              </a:lnRef>
+              <a:fillRef idx="1">
+                <a:schemeClr val="accent1"/>
+              </a:fillRef>
+              <a:effectRef idx="0">
+                <a:schemeClr val="accent1"/>
+              </a:effectRef>
+              <a:fontRef idx="minor">
+                <a:schemeClr val="lt1"/>
+              </a:fontRef>
+            </p:style>
+            <p:txBody>
+              <a:bodyPr rtlCol="0" anchor="ctr"/>
+              <a:lstStyle/>
+              <a:p>
+                <a:pPr marL="171450" indent="-171450">
+                  <a:buFont typeface="Arial" panose="020B0604020202020204" pitchFamily="34" charset="0"/>
+                  <a:buChar char="•"/>
+                </a:pPr>
+                <a14:m>
+                  <m:oMath xmlns:m="http://schemas.openxmlformats.org/officeDocument/2006/math">
+                    <m:r>
+                      <a:rPr lang="en-US" sz="1000" b="1" i="1" smtClean="0">
+                        <a:solidFill>
+                          <a:schemeClr val="tx1"/>
+                        </a:solidFill>
+                        <a:latin typeface="Cambria Math" panose="02040503050406030204" pitchFamily="18" charset="0"/>
+                      </a:rPr>
+                      <m:t>𝑱</m:t>
+                    </m:r>
+                  </m:oMath>
+                </a14:m>
+                <a:endParaRPr lang="en-US" sz="1000" b="1" dirty="0">
+                  <a:solidFill>
+                    <a:schemeClr val="tx1"/>
+                  </a:solidFill>
+                </a:endParaRPr>
+              </a:p>
+              <a:p>
+                <a:pPr marL="171450" indent="-171450">
+                  <a:buFont typeface="Arial" panose="020B0604020202020204" pitchFamily="34" charset="0"/>
+                  <a:buChar char="•"/>
+                </a:pPr>
+                <a:r>
+                  <a:rPr lang="en-US" sz="1000" b="1" dirty="0" err="1">
+                    <a:solidFill>
+                      <a:schemeClr val="tx1"/>
+                    </a:solidFill>
+                  </a:rPr>
+                  <a:t>grid_shape</a:t>
+                </a:r>
+                <a:endParaRPr lang="en-US" sz="1000" b="1" dirty="0">
+                  <a:solidFill>
+                    <a:schemeClr val="tx1"/>
+                  </a:solidFill>
+                </a:endParaRPr>
+              </a:p>
+              <a:p>
+                <a:pPr marL="171450" indent="-171450">
+                  <a:buFont typeface="Arial" panose="020B0604020202020204" pitchFamily="34" charset="0"/>
+                  <a:buChar char="•"/>
+                </a:pPr>
+                <a:r>
+                  <a:rPr lang="en-US" sz="1000" b="1" dirty="0">
+                    <a:solidFill>
+                      <a:schemeClr val="tx1"/>
+                    </a:solidFill>
+                  </a:rPr>
+                  <a:t>face</a:t>
+                </a:r>
+              </a:p>
+            </p:txBody>
+          </p:sp>
+        </mc:Choice>
+        <mc:Fallback>
+          <p:sp>
+            <p:nvSpPr>
+              <p:cNvPr id="45" name="Rectangle 44">
+                <a:extLst>
+                  <a:ext uri="{FF2B5EF4-FFF2-40B4-BE49-F238E27FC236}">
+                    <a16:creationId xmlns:a16="http://schemas.microsoft.com/office/drawing/2014/main" id="{CF15A041-9E60-B065-2A96-D1DC5AE6E623}"/>
+                  </a:ext>
+                </a:extLst>
+              </p:cNvPr>
+              <p:cNvSpPr>
+                <a:spLocks noRot="1" noChangeAspect="1" noMove="1" noResize="1" noEditPoints="1" noAdjustHandles="1" noChangeArrowheads="1" noChangeShapeType="1" noTextEdit="1"/>
+              </p:cNvSpPr>
+              <p:nvPr/>
+            </p:nvSpPr>
+            <p:spPr>
+              <a:xfrm>
+                <a:off x="2572324" y="4191795"/>
+                <a:ext cx="1114915" cy="604575"/>
+              </a:xfrm>
+              <a:prstGeom prst="rect">
+                <a:avLst/>
+              </a:prstGeom>
+              <a:blipFill>
+                <a:blip r:embed="rId13"/>
+                <a:stretch>
+                  <a:fillRect/>
+                </a:stretch>
+              </a:blipFill>
+              <a:ln w="3175">
+                <a:solidFill>
+                  <a:schemeClr val="tx1"/>
+                </a:solidFill>
+                <a:prstDash val="sysDot"/>
+              </a:ln>
+            </p:spPr>
+            <p:txBody>
+              <a:bodyPr/>
+              <a:lstStyle/>
+              <a:p>
+                <a:r>
+                  <a:rPr lang="en-US">
+                    <a:noFill/>
+                  </a:rPr>
+                  <a:t> </a:t>
+                </a:r>
+              </a:p>
+            </p:txBody>
+          </p:sp>
+        </mc:Fallback>
+      </mc:AlternateContent>
     </p:spTree>
     <p:extLst>
       <p:ext uri="{BB962C8B-B14F-4D97-AF65-F5344CB8AC3E}">

--- a/homeworks/hw_flowcharts.pptx
+++ b/homeworks/hw_flowcharts.pptx
@@ -242,7 +242,7 @@
           <a:p>
             <a:fld id="{E9F6782C-D12C-4EA6-9B4F-9C632223BD77}" type="datetimeFigureOut">
               <a:rPr lang="en-US" smtClean="0"/>
-              <a:t>10/4/2024</a:t>
+              <a:t>10/22/2024</a:t>
             </a:fld>
             <a:endParaRPr lang="en-US"/>
           </a:p>
@@ -656,7 +656,7 @@
           <a:p>
             <a:fld id="{F82C2A86-BDE9-42CD-8EB6-8266679404CE}" type="datetimeFigureOut">
               <a:rPr lang="en-US" smtClean="0"/>
-              <a:t>10/4/2024</a:t>
+              <a:t>10/22/2024</a:t>
             </a:fld>
             <a:endParaRPr lang="en-US"/>
           </a:p>
@@ -854,7 +854,7 @@
           <a:p>
             <a:fld id="{F82C2A86-BDE9-42CD-8EB6-8266679404CE}" type="datetimeFigureOut">
               <a:rPr lang="en-US" smtClean="0"/>
-              <a:t>10/4/2024</a:t>
+              <a:t>10/22/2024</a:t>
             </a:fld>
             <a:endParaRPr lang="en-US"/>
           </a:p>
@@ -1062,7 +1062,7 @@
           <a:p>
             <a:fld id="{F82C2A86-BDE9-42CD-8EB6-8266679404CE}" type="datetimeFigureOut">
               <a:rPr lang="en-US" smtClean="0"/>
-              <a:t>10/4/2024</a:t>
+              <a:t>10/22/2024</a:t>
             </a:fld>
             <a:endParaRPr lang="en-US"/>
           </a:p>
@@ -1260,7 +1260,7 @@
           <a:p>
             <a:fld id="{F82C2A86-BDE9-42CD-8EB6-8266679404CE}" type="datetimeFigureOut">
               <a:rPr lang="en-US" smtClean="0"/>
-              <a:t>10/4/2024</a:t>
+              <a:t>10/22/2024</a:t>
             </a:fld>
             <a:endParaRPr lang="en-US"/>
           </a:p>
@@ -1535,7 +1535,7 @@
           <a:p>
             <a:fld id="{F82C2A86-BDE9-42CD-8EB6-8266679404CE}" type="datetimeFigureOut">
               <a:rPr lang="en-US" smtClean="0"/>
-              <a:t>10/4/2024</a:t>
+              <a:t>10/22/2024</a:t>
             </a:fld>
             <a:endParaRPr lang="en-US"/>
           </a:p>
@@ -1800,7 +1800,7 @@
           <a:p>
             <a:fld id="{F82C2A86-BDE9-42CD-8EB6-8266679404CE}" type="datetimeFigureOut">
               <a:rPr lang="en-US" smtClean="0"/>
-              <a:t>10/4/2024</a:t>
+              <a:t>10/22/2024</a:t>
             </a:fld>
             <a:endParaRPr lang="en-US"/>
           </a:p>
@@ -2212,7 +2212,7 @@
           <a:p>
             <a:fld id="{F82C2A86-BDE9-42CD-8EB6-8266679404CE}" type="datetimeFigureOut">
               <a:rPr lang="en-US" smtClean="0"/>
-              <a:t>10/4/2024</a:t>
+              <a:t>10/22/2024</a:t>
             </a:fld>
             <a:endParaRPr lang="en-US"/>
           </a:p>
@@ -2353,7 +2353,7 @@
           <a:p>
             <a:fld id="{F82C2A86-BDE9-42CD-8EB6-8266679404CE}" type="datetimeFigureOut">
               <a:rPr lang="en-US" smtClean="0"/>
-              <a:t>10/4/2024</a:t>
+              <a:t>10/22/2024</a:t>
             </a:fld>
             <a:endParaRPr lang="en-US"/>
           </a:p>
@@ -2466,7 +2466,7 @@
           <a:p>
             <a:fld id="{F82C2A86-BDE9-42CD-8EB6-8266679404CE}" type="datetimeFigureOut">
               <a:rPr lang="en-US" smtClean="0"/>
-              <a:t>10/4/2024</a:t>
+              <a:t>10/22/2024</a:t>
             </a:fld>
             <a:endParaRPr lang="en-US"/>
           </a:p>
@@ -2777,7 +2777,7 @@
           <a:p>
             <a:fld id="{F82C2A86-BDE9-42CD-8EB6-8266679404CE}" type="datetimeFigureOut">
               <a:rPr lang="en-US" smtClean="0"/>
-              <a:t>10/4/2024</a:t>
+              <a:t>10/22/2024</a:t>
             </a:fld>
             <a:endParaRPr lang="en-US"/>
           </a:p>
@@ -3065,7 +3065,7 @@
           <a:p>
             <a:fld id="{F82C2A86-BDE9-42CD-8EB6-8266679404CE}" type="datetimeFigureOut">
               <a:rPr lang="en-US" smtClean="0"/>
-              <a:t>10/4/2024</a:t>
+              <a:t>10/22/2024</a:t>
             </a:fld>
             <a:endParaRPr lang="en-US"/>
           </a:p>
@@ -3306,7 +3306,7 @@
           <a:p>
             <a:fld id="{F82C2A86-BDE9-42CD-8EB6-8266679404CE}" type="datetimeFigureOut">
               <a:rPr lang="en-US" smtClean="0"/>
-              <a:t>10/4/2024</a:t>
+              <a:t>10/22/2024</a:t>
             </a:fld>
             <a:endParaRPr lang="en-US"/>
           </a:p>
@@ -3738,7 +3738,7 @@
         <p:spPr>
           <a:xfrm>
             <a:off x="117566" y="239453"/>
-            <a:ext cx="11956868" cy="2242209"/>
+            <a:ext cx="11956868" cy="1812905"/>
           </a:xfrm>
           <a:prstGeom prst="roundRect">
             <a:avLst>
@@ -3801,13 +3801,13 @@
         <p:grpSpPr>
           <a:xfrm>
             <a:off x="225334" y="362948"/>
-            <a:ext cx="11741333" cy="1737360"/>
+            <a:ext cx="11741333" cy="1338852"/>
             <a:chOff x="180701" y="362948"/>
-            <a:chExt cx="11741333" cy="1737360"/>
+            <a:chExt cx="11741333" cy="1338852"/>
           </a:xfrm>
         </p:grpSpPr>
-        <mc:AlternateContent xmlns:mc="http://schemas.openxmlformats.org/markup-compatibility/2006" xmlns:a14="http://schemas.microsoft.com/office/drawing/2010/main">
-          <mc:Choice Requires="a14">
+        <mc:AlternateContent xmlns:mc="http://schemas.openxmlformats.org/markup-compatibility/2006">
+          <mc:Choice xmlns:a14="http://schemas.microsoft.com/office/drawing/2010/main" Requires="a14">
             <p:sp>
               <p:nvSpPr>
                 <p:cNvPr id="2" name="Rectangle: Rounded Corners 1">
@@ -3823,7 +3823,7 @@
               <p:spPr>
                 <a:xfrm>
                   <a:off x="180701" y="362948"/>
-                  <a:ext cx="2194560" cy="1737360"/>
+                  <a:ext cx="2194560" cy="1338852"/>
                 </a:xfrm>
                 <a:prstGeom prst="roundRect">
                   <a:avLst>
@@ -3858,39 +3858,29 @@
                 </a:fontRef>
               </p:style>
               <p:txBody>
-                <a:bodyPr rtlCol="0" anchor="ctr"/>
+                <a:bodyPr rtlCol="0" anchor="t"/>
                 <a:lstStyle/>
                 <a:p>
                   <a:pPr algn="ctr"/>
                   <a:r>
-                    <a:rPr lang="en-US" sz="1200" b="1" dirty="0">
+                    <a:rPr lang="en-US" sz="1000" b="1" dirty="0">
                       <a:solidFill>
                         <a:schemeClr val="tx1"/>
                       </a:solidFill>
                     </a:rPr>
-                    <a:t>Function</a:t>
-                  </a:r>
-                  <a:r>
-                    <a:rPr lang="en-US" sz="1200" dirty="0">
-                      <a:solidFill>
-                        <a:schemeClr val="tx1"/>
-                      </a:solidFill>
-                    </a:rPr>
-                    <a:t>: func_1</a:t>
+                    <a:t>func_1</a:t>
                   </a:r>
                 </a:p>
                 <a:p>
-                  <a:pPr algn="ctr"/>
-                  <a:endParaRPr lang="en-US" sz="1200" dirty="0">
+                  <a:endParaRPr lang="en-US" sz="1000" dirty="0">
                     <a:solidFill>
                       <a:schemeClr val="tx1"/>
                     </a:solidFill>
                   </a:endParaRPr>
                 </a:p>
                 <a:p>
-                  <a:pPr algn="ctr"/>
                   <a:r>
-                    <a:rPr lang="en-US" sz="1200" dirty="0">
+                    <a:rPr lang="en-US" sz="1000" dirty="0">
                       <a:solidFill>
                         <a:schemeClr val="tx1"/>
                       </a:solidFill>
@@ -3900,7 +3890,7 @@
                   <a14:m>
                     <m:oMath xmlns:m="http://schemas.openxmlformats.org/officeDocument/2006/math">
                       <m:r>
-                        <a:rPr lang="en-US" sz="1200" b="0" i="1" smtClean="0">
+                        <a:rPr lang="en-US" sz="1000" b="0" i="1" smtClean="0">
                           <a:solidFill>
                             <a:schemeClr val="tx1"/>
                           </a:solidFill>
@@ -3909,7 +3899,7 @@
                         <m:t>𝑦</m:t>
                       </m:r>
                       <m:r>
-                        <a:rPr lang="en-US" sz="1200" b="0" i="1" smtClean="0">
+                        <a:rPr lang="en-US" sz="1000" b="0" smtClean="0">
                           <a:solidFill>
                             <a:schemeClr val="tx1"/>
                           </a:solidFill>
@@ -3918,7 +3908,7 @@
                         <m:t>=</m:t>
                       </m:r>
                       <m:r>
-                        <a:rPr lang="en-US" sz="1200" b="0" i="1" smtClean="0">
+                        <a:rPr lang="en-US" sz="1000" b="0" i="1" smtClean="0">
                           <a:solidFill>
                             <a:schemeClr val="tx1"/>
                           </a:solidFill>
@@ -3927,7 +3917,7 @@
                         <m:t>𝑓</m:t>
                       </m:r>
                       <m:r>
-                        <a:rPr lang="en-US" sz="1200" b="0" i="1" smtClean="0">
+                        <a:rPr lang="en-US" sz="1000" b="0" smtClean="0">
                           <a:solidFill>
                             <a:schemeClr val="tx1"/>
                           </a:solidFill>
@@ -3936,7 +3926,7 @@
                         <m:t>(</m:t>
                       </m:r>
                       <m:r>
-                        <a:rPr lang="en-US" sz="1200" b="0" i="1" smtClean="0">
+                        <a:rPr lang="en-US" sz="1000" b="0" i="1" smtClean="0">
                           <a:solidFill>
                             <a:schemeClr val="tx1"/>
                           </a:solidFill>
@@ -3945,7 +3935,7 @@
                         <m:t>𝑥</m:t>
                       </m:r>
                       <m:r>
-                        <a:rPr lang="en-US" sz="1200" b="0" i="1" smtClean="0">
+                        <a:rPr lang="en-US" sz="1000" b="0" smtClean="0">
                           <a:solidFill>
                             <a:schemeClr val="tx1"/>
                           </a:solidFill>
@@ -3955,15 +3945,14 @@
                       </m:r>
                     </m:oMath>
                   </a14:m>
-                  <a:endParaRPr lang="en-US" sz="1200" dirty="0">
+                  <a:endParaRPr lang="en-US" sz="1000" dirty="0">
                     <a:solidFill>
                       <a:schemeClr val="tx1"/>
                     </a:solidFill>
                   </a:endParaRPr>
                 </a:p>
                 <a:p>
-                  <a:pPr algn="ctr"/>
-                  <a:endParaRPr lang="en-US" sz="1200" dirty="0">
+                  <a:endParaRPr lang="en-US" sz="1000" dirty="0">
                     <a:solidFill>
                       <a:schemeClr val="tx1"/>
                     </a:solidFill>
@@ -3971,7 +3960,7 @@
                 </a:p>
                 <a:p>
                   <a:r>
-                    <a:rPr lang="en-US" sz="1200" b="1" dirty="0">
+                    <a:rPr lang="en-US" sz="1000" b="1" dirty="0">
                       <a:solidFill>
                         <a:schemeClr val="tx1"/>
                       </a:solidFill>
@@ -3985,7 +3974,7 @@
                     <a:buChar char="•"/>
                   </a:pPr>
                   <a:r>
-                    <a:rPr lang="en-US" sz="1200" dirty="0" err="1">
+                    <a:rPr lang="en-US" sz="1000" dirty="0" err="1">
                       <a:solidFill>
                         <a:schemeClr val="tx1"/>
                       </a:solidFill>
@@ -3993,7 +3982,7 @@
                     <a:t>xdata</a:t>
                   </a:r>
                   <a:r>
-                    <a:rPr lang="en-US" sz="1200" dirty="0">
+                    <a:rPr lang="en-US" sz="1000" dirty="0">
                       <a:solidFill>
                         <a:schemeClr val="tx1"/>
                       </a:solidFill>
@@ -4001,7 +3990,7 @@
                     <a:t>: </a:t>
                   </a:r>
                   <a:r>
-                    <a:rPr lang="en-US" sz="1200" dirty="0" err="1">
+                    <a:rPr lang="en-US" sz="1000" dirty="0" err="1">
                       <a:solidFill>
                         <a:schemeClr val="tx1"/>
                       </a:solidFill>
@@ -4009,7 +3998,7 @@
                     <a:t>ndarray</a:t>
                   </a:r>
                   <a:r>
-                    <a:rPr lang="en-US" sz="1200" dirty="0">
+                    <a:rPr lang="en-US" sz="1000" dirty="0">
                       <a:solidFill>
                         <a:schemeClr val="tx1"/>
                       </a:solidFill>
@@ -4019,7 +4008,7 @@
                 </a:p>
                 <a:p>
                   <a:r>
-                    <a:rPr lang="en-US" sz="1200" b="1" dirty="0">
+                    <a:rPr lang="en-US" sz="1000" b="1" dirty="0">
                       <a:solidFill>
                         <a:schemeClr val="tx1"/>
                       </a:solidFill>
@@ -4033,7 +4022,7 @@
                     <a:buChar char="•"/>
                   </a:pPr>
                   <a:r>
-                    <a:rPr lang="en-US" sz="1200" dirty="0" err="1">
+                    <a:rPr lang="en-US" sz="1000" dirty="0" err="1">
                       <a:solidFill>
                         <a:schemeClr val="tx1"/>
                       </a:solidFill>
@@ -4041,7 +4030,7 @@
                     <a:t>ndarray</a:t>
                   </a:r>
                   <a:r>
-                    <a:rPr lang="en-US" sz="1200" dirty="0">
+                    <a:rPr lang="en-US" sz="1000" dirty="0">
                       <a:solidFill>
                         <a:schemeClr val="tx1"/>
                       </a:solidFill>
@@ -4052,7 +4041,7 @@
               </p:txBody>
             </p:sp>
           </mc:Choice>
-          <mc:Fallback xmlns="">
+          <mc:Fallback>
             <p:sp>
               <p:nvSpPr>
                 <p:cNvPr id="2" name="Rectangle: Rounded Corners 1">
@@ -4070,7 +4059,7 @@
               <p:spPr>
                 <a:xfrm>
                   <a:off x="180701" y="362948"/>
-                  <a:ext cx="2194560" cy="1737360"/>
+                  <a:ext cx="2194560" cy="1338852"/>
                 </a:xfrm>
                 <a:prstGeom prst="roundRect">
                   <a:avLst>
@@ -4080,7 +4069,7 @@
                 <a:blipFill>
                   <a:blip r:embed="rId2"/>
                   <a:stretch>
-                    <a:fillRect/>
+                    <a:fillRect b="-455"/>
                   </a:stretch>
                 </a:blipFill>
                 <a:ln w="6350">
@@ -4104,8 +4093,8 @@
             </p:sp>
           </mc:Fallback>
         </mc:AlternateContent>
-        <mc:AlternateContent xmlns:mc="http://schemas.openxmlformats.org/markup-compatibility/2006" xmlns:a14="http://schemas.microsoft.com/office/drawing/2010/main">
-          <mc:Choice Requires="a14">
+        <mc:AlternateContent xmlns:mc="http://schemas.openxmlformats.org/markup-compatibility/2006">
+          <mc:Choice xmlns:a14="http://schemas.microsoft.com/office/drawing/2010/main" Requires="a14">
             <p:sp>
               <p:nvSpPr>
                 <p:cNvPr id="3" name="Rectangle: Rounded Corners 2">
@@ -4121,7 +4110,7 @@
               <p:spPr>
                 <a:xfrm>
                   <a:off x="2567394" y="362948"/>
-                  <a:ext cx="2194560" cy="1737360"/>
+                  <a:ext cx="2194560" cy="1338852"/>
                 </a:xfrm>
                 <a:prstGeom prst="roundRect">
                   <a:avLst>
@@ -4156,39 +4145,30 @@
                 </a:fontRef>
               </p:style>
               <p:txBody>
-                <a:bodyPr rtlCol="0" anchor="ctr"/>
+                <a:bodyPr rtlCol="0" anchor="t"/>
                 <a:lstStyle/>
                 <a:p>
                   <a:pPr algn="ctr"/>
                   <a:r>
-                    <a:rPr lang="en-US" sz="1200" b="1" dirty="0">
+                    <a:rPr lang="en-US" sz="1000" b="1" dirty="0">
                       <a:solidFill>
                         <a:schemeClr val="tx1"/>
                       </a:solidFill>
                     </a:rPr>
-                    <a:t>Function</a:t>
-                  </a:r>
-                  <a:r>
-                    <a:rPr lang="en-US" sz="1200" dirty="0">
-                      <a:solidFill>
-                        <a:schemeClr val="tx1"/>
-                      </a:solidFill>
-                    </a:rPr>
-                    <a:t>: func_2</a:t>
+                    <a:t>func_2</a:t>
                   </a:r>
                 </a:p>
                 <a:p>
-                  <a:pPr algn="ctr"/>
-                  <a:endParaRPr lang="en-US" sz="1200" dirty="0">
+                  <a:endParaRPr lang="en-US" sz="1000" dirty="0">
                     <a:solidFill>
                       <a:schemeClr val="tx1"/>
                     </a:solidFill>
                   </a:endParaRPr>
                 </a:p>
                 <a:p>
-                  <a:pPr algn="ctr"/>
+                  <a:pPr algn="just"/>
                   <a:r>
-                    <a:rPr lang="en-US" sz="1200" dirty="0">
+                    <a:rPr lang="en-US" sz="1000" dirty="0">
                       <a:solidFill>
                         <a:schemeClr val="tx1"/>
                       </a:solidFill>
@@ -4197,20 +4177,22 @@
                   </a:r>
                   <a14:m>
                     <m:oMath xmlns:m="http://schemas.openxmlformats.org/officeDocument/2006/math">
-                      <m:sSub>
-                        <m:sSubPr>
+                      <m:d>
+                        <m:dPr>
+                          <m:begChr m:val="["/>
+                          <m:endChr m:val="]"/>
                           <m:ctrlPr>
-                            <a:rPr lang="en-US" sz="1200" b="0" i="1" smtClean="0">
+                            <a:rPr lang="en-US" sz="1000" b="0" i="1" smtClean="0">
                               <a:solidFill>
                                 <a:schemeClr val="tx1"/>
                               </a:solidFill>
                               <a:latin typeface="Cambria Math" panose="02040503050406030204" pitchFamily="18" charset="0"/>
                             </a:rPr>
                           </m:ctrlPr>
-                        </m:sSubPr>
+                        </m:dPr>
                         <m:e>
                           <m:r>
-                            <a:rPr lang="en-US" sz="1200" b="0" i="1" smtClean="0">
+                            <a:rPr lang="en-US" sz="1000" b="0" i="1" smtClean="0">
                               <a:solidFill>
                                 <a:schemeClr val="tx1"/>
                               </a:solidFill>
@@ -4219,29 +4201,18 @@
                             <m:t>𝑦</m:t>
                           </m:r>
                         </m:e>
-                        <m:sub>
-                          <m:r>
-                            <a:rPr lang="en-US" sz="1200" b="0" i="1" smtClean="0">
-                              <a:solidFill>
-                                <a:schemeClr val="tx1"/>
-                              </a:solidFill>
-                              <a:latin typeface="Cambria Math" panose="02040503050406030204" pitchFamily="18" charset="0"/>
-                            </a:rPr>
-                            <m:t>𝑖</m:t>
-                          </m:r>
-                        </m:sub>
-                      </m:sSub>
+                      </m:d>
                       <m:r>
-                        <a:rPr lang="en-US" sz="1200" b="0" i="1" smtClean="0">
+                        <a:rPr lang="en-US" sz="1000" b="0" i="1" smtClean="0">
                           <a:solidFill>
                             <a:schemeClr val="tx1"/>
                           </a:solidFill>
                           <a:latin typeface="Cambria Math" panose="02040503050406030204" pitchFamily="18" charset="0"/>
                         </a:rPr>
-                        <m:t>=</m:t>
+                        <m:t>=[</m:t>
                       </m:r>
                       <m:r>
-                        <a:rPr lang="en-US" sz="1200" b="0" i="1" smtClean="0">
+                        <a:rPr lang="en-US" sz="1000" b="0" i="1">
                           <a:solidFill>
                             <a:schemeClr val="tx1"/>
                           </a:solidFill>
@@ -4252,17 +4223,16 @@
                       <m:d>
                         <m:dPr>
                           <m:ctrlPr>
-                            <a:rPr lang="en-US" sz="1200" b="0" i="1" smtClean="0">
+                            <a:rPr lang="en-US" sz="1000" i="1">
                               <a:solidFill>
                                 <a:schemeClr val="tx1"/>
                               </a:solidFill>
-                              <a:latin typeface="Cambria Math" panose="02040503050406030204" pitchFamily="18" charset="0"/>
                             </a:rPr>
                           </m:ctrlPr>
                         </m:dPr>
                         <m:e>
                           <m:r>
-                            <a:rPr lang="en-US" sz="1200" b="0" i="1" smtClean="0">
+                            <a:rPr lang="en-US" sz="1000" b="0" i="1" smtClean="0">
                               <a:solidFill>
                                 <a:schemeClr val="tx1"/>
                               </a:solidFill>
@@ -4272,16 +4242,25 @@
                           </m:r>
                         </m:e>
                       </m:d>
+                      <m:r>
+                        <a:rPr lang="en-US" sz="1000" b="0" i="1" smtClean="0">
+                          <a:solidFill>
+                            <a:schemeClr val="tx1"/>
+                          </a:solidFill>
+                          <a:latin typeface="Cambria Math" panose="02040503050406030204" pitchFamily="18" charset="0"/>
+                        </a:rPr>
+                        <m:t>]</m:t>
+                      </m:r>
                     </m:oMath>
                   </a14:m>
-                  <a:endParaRPr lang="en-US" sz="1200" dirty="0">
+                  <a:endParaRPr lang="en-US" sz="1000" i="1" dirty="0">
                     <a:solidFill>
                       <a:schemeClr val="tx1"/>
                     </a:solidFill>
                   </a:endParaRPr>
                 </a:p>
                 <a:p>
-                  <a:endParaRPr lang="en-US" sz="1200" b="1" dirty="0">
+                  <a:endParaRPr lang="en-US" sz="1000" dirty="0">
                     <a:solidFill>
                       <a:schemeClr val="tx1"/>
                     </a:solidFill>
@@ -4289,7 +4268,7 @@
                 </a:p>
                 <a:p>
                   <a:r>
-                    <a:rPr lang="en-US" sz="1200" b="1" dirty="0">
+                    <a:rPr lang="en-US" sz="1000" b="1" dirty="0">
                       <a:solidFill>
                         <a:schemeClr val="tx1"/>
                       </a:solidFill>
@@ -4303,7 +4282,7 @@
                     <a:buChar char="•"/>
                   </a:pPr>
                   <a:r>
-                    <a:rPr lang="en-US" sz="1200" dirty="0" err="1">
+                    <a:rPr lang="en-US" sz="1000" dirty="0" err="1">
                       <a:solidFill>
                         <a:schemeClr val="tx1"/>
                       </a:solidFill>
@@ -4311,7 +4290,7 @@
                     <a:t>xdata</a:t>
                   </a:r>
                   <a:r>
-                    <a:rPr lang="en-US" sz="1200" dirty="0">
+                    <a:rPr lang="en-US" sz="1000" dirty="0">
                       <a:solidFill>
                         <a:schemeClr val="tx1"/>
                       </a:solidFill>
@@ -4319,7 +4298,7 @@
                     <a:t>: </a:t>
                   </a:r>
                   <a:r>
-                    <a:rPr lang="en-US" sz="1200" dirty="0" err="1">
+                    <a:rPr lang="en-US" sz="1000" dirty="0" err="1">
                       <a:solidFill>
                         <a:schemeClr val="tx1"/>
                       </a:solidFill>
@@ -4327,7 +4306,7 @@
                     <a:t>ndarray</a:t>
                   </a:r>
                   <a:r>
-                    <a:rPr lang="en-US" sz="1200" dirty="0">
+                    <a:rPr lang="en-US" sz="1000" dirty="0">
                       <a:solidFill>
                         <a:schemeClr val="tx1"/>
                       </a:solidFill>
@@ -4337,7 +4316,7 @@
                 </a:p>
                 <a:p>
                   <a:r>
-                    <a:rPr lang="en-US" sz="1200" b="1" dirty="0">
+                    <a:rPr lang="en-US" sz="1000" b="1" dirty="0">
                       <a:solidFill>
                         <a:schemeClr val="tx1"/>
                       </a:solidFill>
@@ -4351,7 +4330,7 @@
                     <a:buChar char="•"/>
                   </a:pPr>
                   <a:r>
-                    <a:rPr lang="en-US" sz="1200" dirty="0" err="1">
+                    <a:rPr lang="en-US" sz="1000" dirty="0" err="1">
                       <a:solidFill>
                         <a:schemeClr val="tx1"/>
                       </a:solidFill>
@@ -4359,7 +4338,7 @@
                     <a:t>ndarray</a:t>
                   </a:r>
                   <a:r>
-                    <a:rPr lang="en-US" sz="1200" dirty="0">
+                    <a:rPr lang="en-US" sz="1000" dirty="0">
                       <a:solidFill>
                         <a:schemeClr val="tx1"/>
                       </a:solidFill>
@@ -4370,7 +4349,7 @@
               </p:txBody>
             </p:sp>
           </mc:Choice>
-          <mc:Fallback xmlns="">
+          <mc:Fallback>
             <p:sp>
               <p:nvSpPr>
                 <p:cNvPr id="3" name="Rectangle: Rounded Corners 2">
@@ -4388,7 +4367,7 @@
               <p:spPr>
                 <a:xfrm>
                   <a:off x="2567394" y="362948"/>
-                  <a:ext cx="2194560" cy="1737360"/>
+                  <a:ext cx="2194560" cy="1338852"/>
                 </a:xfrm>
                 <a:prstGeom prst="roundRect">
                   <a:avLst>
@@ -4398,7 +4377,7 @@
                 <a:blipFill>
                   <a:blip r:embed="rId3"/>
                   <a:stretch>
-                    <a:fillRect/>
+                    <a:fillRect b="-455"/>
                   </a:stretch>
                 </a:blipFill>
                 <a:ln w="6350">
@@ -4422,8 +4401,8 @@
             </p:sp>
           </mc:Fallback>
         </mc:AlternateContent>
-        <mc:AlternateContent xmlns:mc="http://schemas.openxmlformats.org/markup-compatibility/2006" xmlns:a14="http://schemas.microsoft.com/office/drawing/2010/main">
-          <mc:Choice Requires="a14">
+        <mc:AlternateContent xmlns:mc="http://schemas.openxmlformats.org/markup-compatibility/2006">
+          <mc:Choice xmlns:a14="http://schemas.microsoft.com/office/drawing/2010/main" Requires="a14">
             <p:sp>
               <p:nvSpPr>
                 <p:cNvPr id="4" name="Rectangle: Rounded Corners 3">
@@ -4439,7 +4418,7 @@
               <p:spPr>
                 <a:xfrm>
                   <a:off x="4954087" y="362948"/>
-                  <a:ext cx="2194560" cy="1737360"/>
+                  <a:ext cx="2194560" cy="1338852"/>
                 </a:xfrm>
                 <a:prstGeom prst="roundRect">
                   <a:avLst>
@@ -4474,39 +4453,29 @@
                 </a:fontRef>
               </p:style>
               <p:txBody>
-                <a:bodyPr rtlCol="0" anchor="ctr"/>
+                <a:bodyPr rtlCol="0" anchor="t"/>
                 <a:lstStyle/>
                 <a:p>
                   <a:pPr algn="ctr"/>
                   <a:r>
-                    <a:rPr lang="en-US" sz="1200" b="1" dirty="0">
+                    <a:rPr lang="en-US" sz="1000" b="1" dirty="0">
                       <a:solidFill>
                         <a:schemeClr val="tx1"/>
                       </a:solidFill>
                     </a:rPr>
-                    <a:t>Function</a:t>
-                  </a:r>
-                  <a:r>
-                    <a:rPr lang="en-US" sz="1200" dirty="0">
-                      <a:solidFill>
-                        <a:schemeClr val="tx1"/>
-                      </a:solidFill>
-                    </a:rPr>
-                    <a:t>: func_3</a:t>
+                    <a:t>func_3</a:t>
                   </a:r>
                 </a:p>
                 <a:p>
-                  <a:pPr algn="ctr"/>
-                  <a:endParaRPr lang="en-US" sz="1200" dirty="0">
+                  <a:endParaRPr lang="en-US" sz="1000" dirty="0">
                     <a:solidFill>
                       <a:schemeClr val="tx1"/>
                     </a:solidFill>
                   </a:endParaRPr>
                 </a:p>
                 <a:p>
-                  <a:pPr algn="ctr"/>
                   <a:r>
-                    <a:rPr lang="en-US" sz="1200" dirty="0">
+                    <a:rPr lang="en-US" sz="1000" dirty="0">
                       <a:solidFill>
                         <a:schemeClr val="tx1"/>
                       </a:solidFill>
@@ -4516,7 +4485,7 @@
                   <a14:m>
                     <m:oMath xmlns:m="http://schemas.openxmlformats.org/officeDocument/2006/math">
                       <m:r>
-                        <a:rPr lang="en-US" sz="1200" b="0" i="0" smtClean="0">
+                        <a:rPr lang="en-US" sz="1000" b="0" smtClean="0">
                           <a:solidFill>
                             <a:schemeClr val="tx1"/>
                           </a:solidFill>
@@ -4524,20 +4493,22 @@
                         </a:rPr>
                         <m:t> </m:t>
                       </m:r>
-                      <m:sSub>
-                        <m:sSubPr>
+                      <m:d>
+                        <m:dPr>
+                          <m:begChr m:val="["/>
+                          <m:endChr m:val="]"/>
                           <m:ctrlPr>
-                            <a:rPr lang="en-US" sz="1200" i="1">
+                            <a:rPr lang="en-US" sz="1000" b="0" i="1" smtClean="0">
                               <a:solidFill>
                                 <a:schemeClr val="tx1"/>
                               </a:solidFill>
                               <a:latin typeface="Cambria Math" panose="02040503050406030204" pitchFamily="18" charset="0"/>
                             </a:rPr>
                           </m:ctrlPr>
-                        </m:sSubPr>
+                        </m:dPr>
                         <m:e>
                           <m:r>
-                            <a:rPr lang="en-US" sz="1200" i="1">
+                            <a:rPr lang="en-US" sz="1000" i="1" smtClean="0">
                               <a:solidFill>
                                 <a:schemeClr val="tx1"/>
                               </a:solidFill>
@@ -4546,29 +4517,18 @@
                             <m:t>𝑦</m:t>
                           </m:r>
                         </m:e>
-                        <m:sub>
-                          <m:r>
-                            <a:rPr lang="en-US" sz="1200" i="1">
-                              <a:solidFill>
-                                <a:schemeClr val="tx1"/>
-                              </a:solidFill>
-                              <a:latin typeface="Cambria Math" panose="02040503050406030204" pitchFamily="18" charset="0"/>
-                            </a:rPr>
-                            <m:t>𝑖</m:t>
-                          </m:r>
-                        </m:sub>
-                      </m:sSub>
+                      </m:d>
                       <m:r>
-                        <a:rPr lang="en-US" sz="1200" i="1">
+                        <a:rPr lang="en-US" sz="1000" b="0" i="1" smtClean="0">
                           <a:solidFill>
                             <a:schemeClr val="tx1"/>
                           </a:solidFill>
                           <a:latin typeface="Cambria Math" panose="02040503050406030204" pitchFamily="18" charset="0"/>
                         </a:rPr>
-                        <m:t>=</m:t>
+                        <m:t>=[</m:t>
                       </m:r>
                       <m:r>
-                        <a:rPr lang="en-US" sz="1200" b="0" i="1" smtClean="0">
+                        <a:rPr lang="en-US" sz="1000" b="0" i="1" smtClean="0">
                           <a:solidFill>
                             <a:schemeClr val="tx1"/>
                           </a:solidFill>
@@ -4576,36 +4536,48 @@
                         </a:rPr>
                         <m:t>𝑓</m:t>
                       </m:r>
+                      <m:d>
+                        <m:dPr>
+                          <m:ctrlPr>
+                            <a:rPr lang="en-US" sz="1000" b="0" i="1">
+                              <a:solidFill>
+                                <a:schemeClr val="tx1"/>
+                              </a:solidFill>
+                              <a:latin typeface="Cambria Math" panose="02040503050406030204" pitchFamily="18" charset="0"/>
+                            </a:rPr>
+                          </m:ctrlPr>
+                        </m:dPr>
+                        <m:e>
+                          <m:r>
+                            <a:rPr lang="en-US" sz="1000" b="0" i="1">
+                              <a:solidFill>
+                                <a:schemeClr val="tx1"/>
+                              </a:solidFill>
+                              <a:latin typeface="Cambria Math" panose="02040503050406030204" pitchFamily="18" charset="0"/>
+                            </a:rPr>
+                            <m:t>𝑥</m:t>
+                          </m:r>
+                        </m:e>
+                      </m:d>
                       <m:r>
-                        <a:rPr lang="en-US" sz="1200" b="0" i="1" smtClean="0">
+                        <a:rPr lang="en-US" sz="1000" b="0" i="1" smtClean="0">
                           <a:solidFill>
                             <a:schemeClr val="tx1"/>
                           </a:solidFill>
                           <a:latin typeface="Cambria Math" panose="02040503050406030204" pitchFamily="18" charset="0"/>
                         </a:rPr>
-                        <m:t>(</m:t>
-                      </m:r>
-                      <m:r>
-                        <a:rPr lang="en-US" sz="1200" b="0" i="1" smtClean="0">
-                          <a:solidFill>
-                            <a:schemeClr val="tx1"/>
-                          </a:solidFill>
-                          <a:latin typeface="Cambria Math" panose="02040503050406030204" pitchFamily="18" charset="0"/>
-                        </a:rPr>
-                        <m:t>𝑥</m:t>
-                      </m:r>
-                      <m:r>
-                        <a:rPr lang="en-US" sz="1200" b="0" i="1" smtClean="0">
-                          <a:solidFill>
-                            <a:schemeClr val="tx1"/>
-                          </a:solidFill>
-                          <a:latin typeface="Cambria Math" panose="02040503050406030204" pitchFamily="18" charset="0"/>
-                        </a:rPr>
-                        <m:t>)</m:t>
+                        <m:t>]</m:t>
                       </m:r>
                     </m:oMath>
                   </a14:m>
-                  <a:endParaRPr lang="en-US" sz="1200" dirty="0">
+                  <a:endParaRPr lang="en-US" sz="1000" i="1" dirty="0">
+                    <a:solidFill>
+                      <a:schemeClr val="tx1"/>
+                    </a:solidFill>
+                  </a:endParaRPr>
+                </a:p>
+                <a:p>
+                  <a:endParaRPr lang="en-US" sz="1000" dirty="0">
                     <a:solidFill>
                       <a:schemeClr val="tx1"/>
                     </a:solidFill>
@@ -4613,7 +4585,7 @@
                 </a:p>
                 <a:p>
                   <a:r>
-                    <a:rPr lang="en-US" sz="1200" b="1" dirty="0">
+                    <a:rPr lang="en-US" sz="1000" b="1" dirty="0">
                       <a:solidFill>
                         <a:schemeClr val="tx1"/>
                       </a:solidFill>
@@ -4627,7 +4599,7 @@
                     <a:buChar char="•"/>
                   </a:pPr>
                   <a:r>
-                    <a:rPr lang="en-US" sz="1200" dirty="0" err="1">
+                    <a:rPr lang="en-US" sz="1000" dirty="0" err="1">
                       <a:solidFill>
                         <a:schemeClr val="tx1"/>
                       </a:solidFill>
@@ -4635,7 +4607,7 @@
                     <a:t>xdata</a:t>
                   </a:r>
                   <a:r>
-                    <a:rPr lang="en-US" sz="1200" dirty="0">
+                    <a:rPr lang="en-US" sz="1000" dirty="0">
                       <a:solidFill>
                         <a:schemeClr val="tx1"/>
                       </a:solidFill>
@@ -4643,7 +4615,7 @@
                     <a:t>: </a:t>
                   </a:r>
                   <a:r>
-                    <a:rPr lang="en-US" sz="1200" dirty="0" err="1">
+                    <a:rPr lang="en-US" sz="1000" dirty="0" err="1">
                       <a:solidFill>
                         <a:schemeClr val="tx1"/>
                       </a:solidFill>
@@ -4651,7 +4623,7 @@
                     <a:t>ndarray</a:t>
                   </a:r>
                   <a:r>
-                    <a:rPr lang="en-US" sz="1200" dirty="0">
+                    <a:rPr lang="en-US" sz="1000" dirty="0">
                       <a:solidFill>
                         <a:schemeClr val="tx1"/>
                       </a:solidFill>
@@ -4661,7 +4633,7 @@
                 </a:p>
                 <a:p>
                   <a:r>
-                    <a:rPr lang="en-US" sz="1200" b="1" dirty="0">
+                    <a:rPr lang="en-US" sz="1000" b="1" dirty="0">
                       <a:solidFill>
                         <a:schemeClr val="tx1"/>
                       </a:solidFill>
@@ -4675,7 +4647,7 @@
                     <a:buChar char="•"/>
                   </a:pPr>
                   <a:r>
-                    <a:rPr lang="en-US" sz="1200" dirty="0" err="1">
+                    <a:rPr lang="en-US" sz="1000" dirty="0" err="1">
                       <a:solidFill>
                         <a:schemeClr val="tx1"/>
                       </a:solidFill>
@@ -4683,7 +4655,7 @@
                     <a:t>ndarray</a:t>
                   </a:r>
                   <a:r>
-                    <a:rPr lang="en-US" sz="1200" dirty="0">
+                    <a:rPr lang="en-US" sz="1000" dirty="0">
                       <a:solidFill>
                         <a:schemeClr val="tx1"/>
                       </a:solidFill>
@@ -4694,7 +4666,7 @@
               </p:txBody>
             </p:sp>
           </mc:Choice>
-          <mc:Fallback xmlns="">
+          <mc:Fallback>
             <p:sp>
               <p:nvSpPr>
                 <p:cNvPr id="4" name="Rectangle: Rounded Corners 3">
@@ -4712,7 +4684,7 @@
               <p:spPr>
                 <a:xfrm>
                   <a:off x="4954087" y="362948"/>
-                  <a:ext cx="2194560" cy="1737360"/>
+                  <a:ext cx="2194560" cy="1338852"/>
                 </a:xfrm>
                 <a:prstGeom prst="roundRect">
                   <a:avLst>
@@ -4722,7 +4694,7 @@
                 <a:blipFill>
                   <a:blip r:embed="rId4"/>
                   <a:stretch>
-                    <a:fillRect/>
+                    <a:fillRect b="-455"/>
                   </a:stretch>
                 </a:blipFill>
                 <a:ln w="6350">
@@ -4746,8 +4718,8 @@
             </p:sp>
           </mc:Fallback>
         </mc:AlternateContent>
-        <mc:AlternateContent xmlns:mc="http://schemas.openxmlformats.org/markup-compatibility/2006" xmlns:a14="http://schemas.microsoft.com/office/drawing/2010/main">
-          <mc:Choice Requires="a14">
+        <mc:AlternateContent xmlns:mc="http://schemas.openxmlformats.org/markup-compatibility/2006">
+          <mc:Choice xmlns:a14="http://schemas.microsoft.com/office/drawing/2010/main" Requires="a14">
             <p:sp>
               <p:nvSpPr>
                 <p:cNvPr id="5" name="Rectangle: Rounded Corners 4">
@@ -4763,7 +4735,7 @@
               <p:spPr>
                 <a:xfrm>
                   <a:off x="7340780" y="362948"/>
-                  <a:ext cx="2194560" cy="1737360"/>
+                  <a:ext cx="2194560" cy="1338852"/>
                 </a:xfrm>
                 <a:prstGeom prst="roundRect">
                   <a:avLst>
@@ -4798,39 +4770,29 @@
                 </a:fontRef>
               </p:style>
               <p:txBody>
-                <a:bodyPr rtlCol="0" anchor="ctr"/>
+                <a:bodyPr rtlCol="0" anchor="t"/>
                 <a:lstStyle/>
                 <a:p>
                   <a:pPr algn="ctr"/>
                   <a:r>
-                    <a:rPr lang="en-US" sz="1200" b="1" dirty="0">
+                    <a:rPr lang="en-US" sz="1000" b="1" dirty="0">
                       <a:solidFill>
                         <a:schemeClr val="tx1"/>
                       </a:solidFill>
                     </a:rPr>
-                    <a:t>Function</a:t>
-                  </a:r>
-                  <a:r>
-                    <a:rPr lang="en-US" sz="1200" dirty="0">
-                      <a:solidFill>
-                        <a:schemeClr val="tx1"/>
-                      </a:solidFill>
-                    </a:rPr>
-                    <a:t>: func_4</a:t>
+                    <a:t>func_4</a:t>
                   </a:r>
                 </a:p>
                 <a:p>
-                  <a:pPr algn="ctr"/>
-                  <a:endParaRPr lang="en-US" sz="1200" dirty="0">
+                  <a:endParaRPr lang="en-US" sz="1000" dirty="0">
                     <a:solidFill>
                       <a:schemeClr val="tx1"/>
                     </a:solidFill>
                   </a:endParaRPr>
                 </a:p>
                 <a:p>
-                  <a:pPr algn="ctr"/>
                   <a:r>
-                    <a:rPr lang="en-US" sz="1200" dirty="0">
+                    <a:rPr lang="en-US" sz="1000" dirty="0">
                       <a:solidFill>
                         <a:schemeClr val="tx1"/>
                       </a:solidFill>
@@ -4840,7 +4802,7 @@
                   <a14:m>
                     <m:oMath xmlns:m="http://schemas.openxmlformats.org/officeDocument/2006/math">
                       <m:r>
-                        <a:rPr lang="en-US" sz="1200" b="0" i="0" smtClean="0">
+                        <a:rPr lang="en-US" sz="1000">
                           <a:solidFill>
                             <a:schemeClr val="tx1"/>
                           </a:solidFill>
@@ -4848,20 +4810,22 @@
                         </a:rPr>
                         <m:t> </m:t>
                       </m:r>
-                      <m:sSub>
-                        <m:sSubPr>
+                      <m:d>
+                        <m:dPr>
+                          <m:begChr m:val="["/>
+                          <m:endChr m:val="]"/>
                           <m:ctrlPr>
-                            <a:rPr lang="en-US" sz="1200" i="1">
+                            <a:rPr lang="en-US" sz="1000" i="1">
                               <a:solidFill>
                                 <a:schemeClr val="tx1"/>
                               </a:solidFill>
                               <a:latin typeface="Cambria Math" panose="02040503050406030204" pitchFamily="18" charset="0"/>
                             </a:rPr>
                           </m:ctrlPr>
-                        </m:sSubPr>
+                        </m:dPr>
                         <m:e>
                           <m:r>
-                            <a:rPr lang="en-US" sz="1200" i="1">
+                            <a:rPr lang="en-US" sz="1000" i="1">
                               <a:solidFill>
                                 <a:schemeClr val="tx1"/>
                               </a:solidFill>
@@ -4870,29 +4834,18 @@
                             <m:t>𝑦</m:t>
                           </m:r>
                         </m:e>
-                        <m:sub>
-                          <m:r>
-                            <a:rPr lang="en-US" sz="1200" i="1">
-                              <a:solidFill>
-                                <a:schemeClr val="tx1"/>
-                              </a:solidFill>
-                              <a:latin typeface="Cambria Math" panose="02040503050406030204" pitchFamily="18" charset="0"/>
-                            </a:rPr>
-                            <m:t>𝑖</m:t>
-                          </m:r>
-                        </m:sub>
-                      </m:sSub>
+                      </m:d>
                       <m:r>
-                        <a:rPr lang="en-US" sz="1200" i="1">
+                        <a:rPr lang="en-US" sz="1000" i="1">
                           <a:solidFill>
                             <a:schemeClr val="tx1"/>
                           </a:solidFill>
                           <a:latin typeface="Cambria Math" panose="02040503050406030204" pitchFamily="18" charset="0"/>
                         </a:rPr>
-                        <m:t>=</m:t>
+                        <m:t>=[</m:t>
                       </m:r>
                       <m:r>
-                        <a:rPr lang="en-US" sz="1200" b="0" i="1" smtClean="0">
+                        <a:rPr lang="en-US" sz="1000" i="1">
                           <a:solidFill>
                             <a:schemeClr val="tx1"/>
                           </a:solidFill>
@@ -4900,104 +4853,116 @@
                         </a:rPr>
                         <m:t>𝑓</m:t>
                       </m:r>
-                      <m:r>
-                        <a:rPr lang="en-US" sz="1200" b="0" i="1" smtClean="0">
-                          <a:solidFill>
-                            <a:schemeClr val="tx1"/>
-                          </a:solidFill>
-                          <a:latin typeface="Cambria Math" panose="02040503050406030204" pitchFamily="18" charset="0"/>
-                        </a:rPr>
-                        <m:t>(</m:t>
-                      </m:r>
-                      <m:sSub>
-                        <m:sSubPr>
+                      <m:d>
+                        <m:dPr>
                           <m:ctrlPr>
-                            <a:rPr lang="en-US" sz="1200" b="0" i="1" smtClean="0">
+                            <a:rPr lang="en-US" sz="1000" i="1">
                               <a:solidFill>
                                 <a:schemeClr val="tx1"/>
                               </a:solidFill>
                               <a:latin typeface="Cambria Math" panose="02040503050406030204" pitchFamily="18" charset="0"/>
                             </a:rPr>
                           </m:ctrlPr>
-                        </m:sSubPr>
+                        </m:dPr>
                         <m:e>
+                          <m:sSub>
+                            <m:sSubPr>
+                              <m:ctrlPr>
+                                <a:rPr lang="en-US" sz="1000" b="0" i="1" smtClean="0">
+                                  <a:solidFill>
+                                    <a:schemeClr val="tx1"/>
+                                  </a:solidFill>
+                                  <a:latin typeface="Cambria Math" panose="02040503050406030204" pitchFamily="18" charset="0"/>
+                                </a:rPr>
+                              </m:ctrlPr>
+                            </m:sSubPr>
+                            <m:e>
+                              <m:r>
+                                <a:rPr lang="en-US" sz="1000" i="1">
+                                  <a:solidFill>
+                                    <a:schemeClr val="tx1"/>
+                                  </a:solidFill>
+                                  <a:latin typeface="Cambria Math" panose="02040503050406030204" pitchFamily="18" charset="0"/>
+                                </a:rPr>
+                                <m:t>𝑥</m:t>
+                              </m:r>
+                            </m:e>
+                            <m:sub>
+                              <m:r>
+                                <a:rPr lang="en-US" sz="1000" b="0" i="1" smtClean="0">
+                                  <a:solidFill>
+                                    <a:schemeClr val="tx1"/>
+                                  </a:solidFill>
+                                  <a:latin typeface="Cambria Math" panose="02040503050406030204" pitchFamily="18" charset="0"/>
+                                </a:rPr>
+                                <m:t>1</m:t>
+                              </m:r>
+                            </m:sub>
+                          </m:sSub>
                           <m:r>
-                            <a:rPr lang="en-US" sz="1200" b="0" i="1" smtClean="0">
+                            <a:rPr lang="en-US" sz="1000" b="0" i="1" smtClean="0">
                               <a:solidFill>
                                 <a:schemeClr val="tx1"/>
                               </a:solidFill>
                               <a:latin typeface="Cambria Math" panose="02040503050406030204" pitchFamily="18" charset="0"/>
                             </a:rPr>
-                            <m:t>𝑥</m:t>
+                            <m:t>, </m:t>
                           </m:r>
+                          <m:sSub>
+                            <m:sSubPr>
+                              <m:ctrlPr>
+                                <a:rPr lang="en-US" sz="1000" b="0" i="1" smtClean="0">
+                                  <a:solidFill>
+                                    <a:schemeClr val="tx1"/>
+                                  </a:solidFill>
+                                  <a:latin typeface="Cambria Math" panose="02040503050406030204" pitchFamily="18" charset="0"/>
+                                </a:rPr>
+                              </m:ctrlPr>
+                            </m:sSubPr>
+                            <m:e>
+                              <m:r>
+                                <a:rPr lang="en-US" sz="1000" b="0" i="1" smtClean="0">
+                                  <a:solidFill>
+                                    <a:schemeClr val="tx1"/>
+                                  </a:solidFill>
+                                  <a:latin typeface="Cambria Math" panose="02040503050406030204" pitchFamily="18" charset="0"/>
+                                </a:rPr>
+                                <m:t>𝑥</m:t>
+                              </m:r>
+                            </m:e>
+                            <m:sub>
+                              <m:r>
+                                <a:rPr lang="en-US" sz="1000" b="0" i="1" smtClean="0">
+                                  <a:solidFill>
+                                    <a:schemeClr val="tx1"/>
+                                  </a:solidFill>
+                                  <a:latin typeface="Cambria Math" panose="02040503050406030204" pitchFamily="18" charset="0"/>
+                                </a:rPr>
+                                <m:t>2</m:t>
+                              </m:r>
+                            </m:sub>
+                          </m:sSub>
                         </m:e>
-                        <m:sub>
-                          <m:r>
-                            <a:rPr lang="en-US" sz="1200" b="0" i="1" smtClean="0">
-                              <a:solidFill>
-                                <a:schemeClr val="tx1"/>
-                              </a:solidFill>
-                              <a:latin typeface="Cambria Math" panose="02040503050406030204" pitchFamily="18" charset="0"/>
-                            </a:rPr>
-                            <m:t>𝑖</m:t>
-                          </m:r>
-                        </m:sub>
-                      </m:sSub>
+                      </m:d>
                       <m:r>
-                        <a:rPr lang="en-US" sz="1200" b="0" i="1" smtClean="0">
+                        <a:rPr lang="en-US" sz="1000" i="1">
                           <a:solidFill>
                             <a:schemeClr val="tx1"/>
                           </a:solidFill>
                           <a:latin typeface="Cambria Math" panose="02040503050406030204" pitchFamily="18" charset="0"/>
                         </a:rPr>
-                        <m:t>, </m:t>
-                      </m:r>
-                      <m:sSub>
-                        <m:sSubPr>
-                          <m:ctrlPr>
-                            <a:rPr lang="en-US" sz="1200" b="0" i="1" smtClean="0">
-                              <a:solidFill>
-                                <a:schemeClr val="tx1"/>
-                              </a:solidFill>
-                              <a:latin typeface="Cambria Math" panose="02040503050406030204" pitchFamily="18" charset="0"/>
-                            </a:rPr>
-                          </m:ctrlPr>
-                        </m:sSubPr>
-                        <m:e>
-                          <m:r>
-                            <a:rPr lang="en-US" sz="1200" b="0" i="1" smtClean="0">
-                              <a:solidFill>
-                                <a:schemeClr val="tx1"/>
-                              </a:solidFill>
-                              <a:latin typeface="Cambria Math" panose="02040503050406030204" pitchFamily="18" charset="0"/>
-                            </a:rPr>
-                            <m:t>𝑥</m:t>
-                          </m:r>
-                        </m:e>
-                        <m:sub>
-                          <m:r>
-                            <a:rPr lang="en-US" sz="1200" b="0" i="1" smtClean="0">
-                              <a:solidFill>
-                                <a:schemeClr val="tx1"/>
-                              </a:solidFill>
-                              <a:latin typeface="Cambria Math" panose="02040503050406030204" pitchFamily="18" charset="0"/>
-                            </a:rPr>
-                            <m:t>𝑗</m:t>
-                          </m:r>
-                        </m:sub>
-                      </m:sSub>
-                      <m:r>
-                        <a:rPr lang="en-US" sz="1200" b="0" i="1" smtClean="0">
-                          <a:solidFill>
-                            <a:schemeClr val="tx1"/>
-                          </a:solidFill>
-                          <a:latin typeface="Cambria Math" panose="02040503050406030204" pitchFamily="18" charset="0"/>
-                        </a:rPr>
-                        <m:t>)</m:t>
+                        <m:t>]</m:t>
                       </m:r>
                     </m:oMath>
                   </a14:m>
-                  <a:endParaRPr lang="en-US" sz="1200" dirty="0">
+                  <a:endParaRPr lang="en-US" sz="1000" i="1" dirty="0">
+                    <a:solidFill>
+                      <a:schemeClr val="tx1"/>
+                    </a:solidFill>
+                  </a:endParaRPr>
+                </a:p>
+                <a:p>
+                  <a:endParaRPr lang="en-US" sz="1000" dirty="0">
                     <a:solidFill>
                       <a:schemeClr val="tx1"/>
                     </a:solidFill>
@@ -5005,7 +4970,7 @@
                 </a:p>
                 <a:p>
                   <a:r>
-                    <a:rPr lang="en-US" sz="1200" b="1" dirty="0">
+                    <a:rPr lang="en-US" sz="1000" b="1" dirty="0">
                       <a:solidFill>
                         <a:schemeClr val="tx1"/>
                       </a:solidFill>
@@ -5019,7 +4984,7 @@
                     <a:buChar char="•"/>
                   </a:pPr>
                   <a:r>
-                    <a:rPr lang="en-US" sz="1200" dirty="0" err="1">
+                    <a:rPr lang="en-US" sz="1000" dirty="0" err="1">
                       <a:solidFill>
                         <a:schemeClr val="tx1"/>
                       </a:solidFill>
@@ -5027,7 +4992,7 @@
                     <a:t>xdata</a:t>
                   </a:r>
                   <a:r>
-                    <a:rPr lang="en-US" sz="1200" dirty="0">
+                    <a:rPr lang="en-US" sz="1000" dirty="0">
                       <a:solidFill>
                         <a:schemeClr val="tx1"/>
                       </a:solidFill>
@@ -5035,7 +5000,7 @@
                     <a:t>: </a:t>
                   </a:r>
                   <a:r>
-                    <a:rPr lang="en-US" sz="1200" dirty="0" err="1">
+                    <a:rPr lang="en-US" sz="1000" dirty="0" err="1">
                       <a:solidFill>
                         <a:schemeClr val="tx1"/>
                       </a:solidFill>
@@ -5043,7 +5008,7 @@
                     <a:t>ndarray</a:t>
                   </a:r>
                   <a:r>
-                    <a:rPr lang="en-US" sz="1200" dirty="0">
+                    <a:rPr lang="en-US" sz="1000" dirty="0">
                       <a:solidFill>
                         <a:schemeClr val="tx1"/>
                       </a:solidFill>
@@ -5053,7 +5018,7 @@
                 </a:p>
                 <a:p>
                   <a:r>
-                    <a:rPr lang="en-US" sz="1200" b="1" dirty="0">
+                    <a:rPr lang="en-US" sz="1000" b="1" dirty="0">
                       <a:solidFill>
                         <a:schemeClr val="tx1"/>
                       </a:solidFill>
@@ -5067,7 +5032,7 @@
                     <a:buChar char="•"/>
                   </a:pPr>
                   <a:r>
-                    <a:rPr lang="en-US" sz="1200" dirty="0" err="1">
+                    <a:rPr lang="en-US" sz="1000" dirty="0" err="1">
                       <a:solidFill>
                         <a:schemeClr val="tx1"/>
                       </a:solidFill>
@@ -5075,7 +5040,7 @@
                     <a:t>ndarray</a:t>
                   </a:r>
                   <a:r>
-                    <a:rPr lang="en-US" sz="1200" dirty="0">
+                    <a:rPr lang="en-US" sz="1000" dirty="0">
                       <a:solidFill>
                         <a:schemeClr val="tx1"/>
                       </a:solidFill>
@@ -5086,7 +5051,7 @@
               </p:txBody>
             </p:sp>
           </mc:Choice>
-          <mc:Fallback xmlns="">
+          <mc:Fallback>
             <p:sp>
               <p:nvSpPr>
                 <p:cNvPr id="5" name="Rectangle: Rounded Corners 4">
@@ -5104,7 +5069,7 @@
               <p:spPr>
                 <a:xfrm>
                   <a:off x="7340780" y="362948"/>
-                  <a:ext cx="2194560" cy="1737360"/>
+                  <a:ext cx="2194560" cy="1338852"/>
                 </a:xfrm>
                 <a:prstGeom prst="roundRect">
                   <a:avLst>
@@ -5114,7 +5079,7 @@
                 <a:blipFill>
                   <a:blip r:embed="rId5"/>
                   <a:stretch>
-                    <a:fillRect/>
+                    <a:fillRect b="-455"/>
                   </a:stretch>
                 </a:blipFill>
                 <a:ln w="6350">
@@ -5138,8 +5103,8 @@
             </p:sp>
           </mc:Fallback>
         </mc:AlternateContent>
-        <mc:AlternateContent xmlns:mc="http://schemas.openxmlformats.org/markup-compatibility/2006" xmlns:a14="http://schemas.microsoft.com/office/drawing/2010/main">
-          <mc:Choice Requires="a14">
+        <mc:AlternateContent xmlns:mc="http://schemas.openxmlformats.org/markup-compatibility/2006">
+          <mc:Choice xmlns:a14="http://schemas.microsoft.com/office/drawing/2010/main" Requires="a14">
             <p:sp>
               <p:nvSpPr>
                 <p:cNvPr id="6" name="Rectangle: Rounded Corners 5">
@@ -5155,7 +5120,7 @@
               <p:spPr>
                 <a:xfrm>
                   <a:off x="9727474" y="362948"/>
-                  <a:ext cx="2194560" cy="1737360"/>
+                  <a:ext cx="2194560" cy="1338852"/>
                 </a:xfrm>
                 <a:prstGeom prst="roundRect">
                   <a:avLst>
@@ -5190,39 +5155,29 @@
                 </a:fontRef>
               </p:style>
               <p:txBody>
-                <a:bodyPr rtlCol="0" anchor="ctr"/>
+                <a:bodyPr rtlCol="0" anchor="t"/>
                 <a:lstStyle/>
                 <a:p>
                   <a:pPr algn="ctr"/>
                   <a:r>
-                    <a:rPr lang="en-US" sz="1200" b="1" dirty="0">
+                    <a:rPr lang="en-US" sz="1000" b="1" dirty="0">
                       <a:solidFill>
                         <a:schemeClr val="tx1"/>
                       </a:solidFill>
                     </a:rPr>
-                    <a:t>Function</a:t>
-                  </a:r>
-                  <a:r>
-                    <a:rPr lang="en-US" sz="1200" dirty="0">
-                      <a:solidFill>
-                        <a:schemeClr val="tx1"/>
-                      </a:solidFill>
-                    </a:rPr>
-                    <a:t>: func_5</a:t>
+                    <a:t>func_5</a:t>
                   </a:r>
                 </a:p>
                 <a:p>
-                  <a:pPr algn="ctr"/>
-                  <a:endParaRPr lang="en-US" sz="1200" dirty="0">
+                  <a:endParaRPr lang="en-US" sz="1000" dirty="0">
                     <a:solidFill>
                       <a:schemeClr val="tx1"/>
                     </a:solidFill>
                   </a:endParaRPr>
                 </a:p>
                 <a:p>
-                  <a:pPr algn="ctr"/>
                   <a:r>
-                    <a:rPr lang="en-US" sz="1200" dirty="0">
+                    <a:rPr lang="en-US" sz="1000" dirty="0">
                       <a:solidFill>
                         <a:schemeClr val="tx1"/>
                       </a:solidFill>
@@ -5232,7 +5187,7 @@
                   <a14:m>
                     <m:oMath xmlns:m="http://schemas.openxmlformats.org/officeDocument/2006/math">
                       <m:r>
-                        <a:rPr lang="en-US" sz="1200" b="0" i="0" smtClean="0">
+                        <a:rPr lang="en-US" sz="1000">
                           <a:solidFill>
                             <a:schemeClr val="tx1"/>
                           </a:solidFill>
@@ -5240,20 +5195,22 @@
                         </a:rPr>
                         <m:t> </m:t>
                       </m:r>
-                      <m:sSub>
-                        <m:sSubPr>
+                      <m:d>
+                        <m:dPr>
+                          <m:begChr m:val="["/>
+                          <m:endChr m:val="]"/>
                           <m:ctrlPr>
-                            <a:rPr lang="en-US" sz="1200" i="1">
+                            <a:rPr lang="en-US" sz="1000" i="1">
                               <a:solidFill>
                                 <a:schemeClr val="tx1"/>
                               </a:solidFill>
                               <a:latin typeface="Cambria Math" panose="02040503050406030204" pitchFamily="18" charset="0"/>
                             </a:rPr>
                           </m:ctrlPr>
-                        </m:sSubPr>
+                        </m:dPr>
                         <m:e>
                           <m:r>
-                            <a:rPr lang="en-US" sz="1200" i="1">
+                            <a:rPr lang="en-US" sz="1000" i="1">
                               <a:solidFill>
                                 <a:schemeClr val="tx1"/>
                               </a:solidFill>
@@ -5262,29 +5219,18 @@
                             <m:t>𝑦</m:t>
                           </m:r>
                         </m:e>
-                        <m:sub>
-                          <m:r>
-                            <a:rPr lang="en-US" sz="1200" i="1">
-                              <a:solidFill>
-                                <a:schemeClr val="tx1"/>
-                              </a:solidFill>
-                              <a:latin typeface="Cambria Math" panose="02040503050406030204" pitchFamily="18" charset="0"/>
-                            </a:rPr>
-                            <m:t>𝑖</m:t>
-                          </m:r>
-                        </m:sub>
-                      </m:sSub>
+                      </m:d>
                       <m:r>
-                        <a:rPr lang="en-US" sz="1200" i="1">
+                        <a:rPr lang="en-US" sz="1000" i="1">
                           <a:solidFill>
                             <a:schemeClr val="tx1"/>
                           </a:solidFill>
                           <a:latin typeface="Cambria Math" panose="02040503050406030204" pitchFamily="18" charset="0"/>
                         </a:rPr>
-                        <m:t>=</m:t>
+                        <m:t>=[</m:t>
                       </m:r>
                       <m:r>
-                        <a:rPr lang="en-US" sz="1200" b="0" i="1" smtClean="0">
+                        <a:rPr lang="en-US" sz="1000" i="1">
                           <a:solidFill>
                             <a:schemeClr val="tx1"/>
                           </a:solidFill>
@@ -5292,104 +5238,116 @@
                         </a:rPr>
                         <m:t>𝑓</m:t>
                       </m:r>
-                      <m:r>
-                        <a:rPr lang="en-US" sz="1200" b="0" i="1" smtClean="0">
-                          <a:solidFill>
-                            <a:schemeClr val="tx1"/>
-                          </a:solidFill>
-                          <a:latin typeface="Cambria Math" panose="02040503050406030204" pitchFamily="18" charset="0"/>
-                        </a:rPr>
-                        <m:t>(</m:t>
-                      </m:r>
-                      <m:sSub>
-                        <m:sSubPr>
+                      <m:d>
+                        <m:dPr>
                           <m:ctrlPr>
-                            <a:rPr lang="en-US" sz="1200" b="0" i="1" smtClean="0">
+                            <a:rPr lang="en-US" sz="1000" i="1">
                               <a:solidFill>
                                 <a:schemeClr val="tx1"/>
                               </a:solidFill>
                               <a:latin typeface="Cambria Math" panose="02040503050406030204" pitchFamily="18" charset="0"/>
                             </a:rPr>
                           </m:ctrlPr>
-                        </m:sSubPr>
+                        </m:dPr>
                         <m:e>
+                          <m:sSub>
+                            <m:sSubPr>
+                              <m:ctrlPr>
+                                <a:rPr lang="en-US" sz="1000" i="1">
+                                  <a:solidFill>
+                                    <a:schemeClr val="tx1"/>
+                                  </a:solidFill>
+                                  <a:latin typeface="Cambria Math" panose="02040503050406030204" pitchFamily="18" charset="0"/>
+                                </a:rPr>
+                              </m:ctrlPr>
+                            </m:sSubPr>
+                            <m:e>
+                              <m:r>
+                                <a:rPr lang="en-US" sz="1000" i="1">
+                                  <a:solidFill>
+                                    <a:schemeClr val="tx1"/>
+                                  </a:solidFill>
+                                  <a:latin typeface="Cambria Math" panose="02040503050406030204" pitchFamily="18" charset="0"/>
+                                </a:rPr>
+                                <m:t>𝑥</m:t>
+                              </m:r>
+                            </m:e>
+                            <m:sub>
+                              <m:r>
+                                <a:rPr lang="en-US" sz="1000" i="1">
+                                  <a:solidFill>
+                                    <a:schemeClr val="tx1"/>
+                                  </a:solidFill>
+                                  <a:latin typeface="Cambria Math" panose="02040503050406030204" pitchFamily="18" charset="0"/>
+                                </a:rPr>
+                                <m:t>1</m:t>
+                              </m:r>
+                            </m:sub>
+                          </m:sSub>
                           <m:r>
-                            <a:rPr lang="en-US" sz="1200" b="0" i="1" smtClean="0">
+                            <a:rPr lang="en-US" sz="1000" i="1">
                               <a:solidFill>
                                 <a:schemeClr val="tx1"/>
                               </a:solidFill>
                               <a:latin typeface="Cambria Math" panose="02040503050406030204" pitchFamily="18" charset="0"/>
                             </a:rPr>
-                            <m:t>𝑥</m:t>
+                            <m:t>, </m:t>
                           </m:r>
+                          <m:sSub>
+                            <m:sSubPr>
+                              <m:ctrlPr>
+                                <a:rPr lang="en-US" sz="1000" i="1">
+                                  <a:solidFill>
+                                    <a:schemeClr val="tx1"/>
+                                  </a:solidFill>
+                                  <a:latin typeface="Cambria Math" panose="02040503050406030204" pitchFamily="18" charset="0"/>
+                                </a:rPr>
+                              </m:ctrlPr>
+                            </m:sSubPr>
+                            <m:e>
+                              <m:r>
+                                <a:rPr lang="en-US" sz="1000" i="1">
+                                  <a:solidFill>
+                                    <a:schemeClr val="tx1"/>
+                                  </a:solidFill>
+                                  <a:latin typeface="Cambria Math" panose="02040503050406030204" pitchFamily="18" charset="0"/>
+                                </a:rPr>
+                                <m:t>𝑥</m:t>
+                              </m:r>
+                            </m:e>
+                            <m:sub>
+                              <m:r>
+                                <a:rPr lang="en-US" sz="1000" i="1">
+                                  <a:solidFill>
+                                    <a:schemeClr val="tx1"/>
+                                  </a:solidFill>
+                                  <a:latin typeface="Cambria Math" panose="02040503050406030204" pitchFamily="18" charset="0"/>
+                                </a:rPr>
+                                <m:t>2</m:t>
+                              </m:r>
+                            </m:sub>
+                          </m:sSub>
                         </m:e>
-                        <m:sub>
-                          <m:r>
-                            <a:rPr lang="en-US" sz="1200" b="0" i="1" smtClean="0">
-                              <a:solidFill>
-                                <a:schemeClr val="tx1"/>
-                              </a:solidFill>
-                              <a:latin typeface="Cambria Math" panose="02040503050406030204" pitchFamily="18" charset="0"/>
-                            </a:rPr>
-                            <m:t>𝑖</m:t>
-                          </m:r>
-                        </m:sub>
-                      </m:sSub>
+                      </m:d>
                       <m:r>
-                        <a:rPr lang="en-US" sz="1200" b="0" i="1" smtClean="0">
+                        <a:rPr lang="en-US" sz="1000" i="1">
                           <a:solidFill>
                             <a:schemeClr val="tx1"/>
                           </a:solidFill>
                           <a:latin typeface="Cambria Math" panose="02040503050406030204" pitchFamily="18" charset="0"/>
                         </a:rPr>
-                        <m:t>, </m:t>
-                      </m:r>
-                      <m:sSub>
-                        <m:sSubPr>
-                          <m:ctrlPr>
-                            <a:rPr lang="en-US" sz="1200" b="0" i="1" smtClean="0">
-                              <a:solidFill>
-                                <a:schemeClr val="tx1"/>
-                              </a:solidFill>
-                              <a:latin typeface="Cambria Math" panose="02040503050406030204" pitchFamily="18" charset="0"/>
-                            </a:rPr>
-                          </m:ctrlPr>
-                        </m:sSubPr>
-                        <m:e>
-                          <m:r>
-                            <a:rPr lang="en-US" sz="1200" b="0" i="1" smtClean="0">
-                              <a:solidFill>
-                                <a:schemeClr val="tx1"/>
-                              </a:solidFill>
-                              <a:latin typeface="Cambria Math" panose="02040503050406030204" pitchFamily="18" charset="0"/>
-                            </a:rPr>
-                            <m:t>𝑥</m:t>
-                          </m:r>
-                        </m:e>
-                        <m:sub>
-                          <m:r>
-                            <a:rPr lang="en-US" sz="1200" b="0" i="1" smtClean="0">
-                              <a:solidFill>
-                                <a:schemeClr val="tx1"/>
-                              </a:solidFill>
-                              <a:latin typeface="Cambria Math" panose="02040503050406030204" pitchFamily="18" charset="0"/>
-                            </a:rPr>
-                            <m:t>𝑗</m:t>
-                          </m:r>
-                        </m:sub>
-                      </m:sSub>
-                      <m:r>
-                        <a:rPr lang="en-US" sz="1200" b="0" i="1" smtClean="0">
-                          <a:solidFill>
-                            <a:schemeClr val="tx1"/>
-                          </a:solidFill>
-                          <a:latin typeface="Cambria Math" panose="02040503050406030204" pitchFamily="18" charset="0"/>
-                        </a:rPr>
-                        <m:t>)</m:t>
+                        <m:t>]</m:t>
                       </m:r>
                     </m:oMath>
                   </a14:m>
-                  <a:endParaRPr lang="en-US" sz="1200" dirty="0">
+                  <a:endParaRPr lang="en-US" sz="1000" i="1" dirty="0">
+                    <a:solidFill>
+                      <a:schemeClr val="tx1"/>
+                    </a:solidFill>
+                  </a:endParaRPr>
+                </a:p>
+                <a:p>
+                  <a:endParaRPr lang="en-US" sz="1000" i="1" dirty="0">
                     <a:solidFill>
                       <a:schemeClr val="tx1"/>
                     </a:solidFill>
@@ -5397,7 +5355,7 @@
                 </a:p>
                 <a:p>
                   <a:r>
-                    <a:rPr lang="en-US" sz="1200" b="1" dirty="0">
+                    <a:rPr lang="en-US" sz="1000" b="1" dirty="0">
                       <a:solidFill>
                         <a:schemeClr val="tx1"/>
                       </a:solidFill>
@@ -5411,7 +5369,7 @@
                     <a:buChar char="•"/>
                   </a:pPr>
                   <a:r>
-                    <a:rPr lang="en-US" sz="1200" dirty="0" err="1">
+                    <a:rPr lang="en-US" sz="1000" dirty="0" err="1">
                       <a:solidFill>
                         <a:schemeClr val="tx1"/>
                       </a:solidFill>
@@ -5419,7 +5377,7 @@
                     <a:t>xdata</a:t>
                   </a:r>
                   <a:r>
-                    <a:rPr lang="en-US" sz="1200" dirty="0">
+                    <a:rPr lang="en-US" sz="1000" dirty="0">
                       <a:solidFill>
                         <a:schemeClr val="tx1"/>
                       </a:solidFill>
@@ -5427,7 +5385,7 @@
                     <a:t>: </a:t>
                   </a:r>
                   <a:r>
-                    <a:rPr lang="en-US" sz="1200" dirty="0" err="1">
+                    <a:rPr lang="en-US" sz="1000" dirty="0" err="1">
                       <a:solidFill>
                         <a:schemeClr val="tx1"/>
                       </a:solidFill>
@@ -5435,7 +5393,7 @@
                     <a:t>ndarray</a:t>
                   </a:r>
                   <a:r>
-                    <a:rPr lang="en-US" sz="1200" dirty="0">
+                    <a:rPr lang="en-US" sz="1000" dirty="0">
                       <a:solidFill>
                         <a:schemeClr val="tx1"/>
                       </a:solidFill>
@@ -5445,7 +5403,7 @@
                 </a:p>
                 <a:p>
                   <a:r>
-                    <a:rPr lang="en-US" sz="1200" b="1" dirty="0">
+                    <a:rPr lang="en-US" sz="1000" b="1" dirty="0">
                       <a:solidFill>
                         <a:schemeClr val="tx1"/>
                       </a:solidFill>
@@ -5459,7 +5417,7 @@
                     <a:buChar char="•"/>
                   </a:pPr>
                   <a:r>
-                    <a:rPr lang="en-US" sz="1200" dirty="0" err="1">
+                    <a:rPr lang="en-US" sz="1000" dirty="0" err="1">
                       <a:solidFill>
                         <a:schemeClr val="tx1"/>
                       </a:solidFill>
@@ -5467,7 +5425,7 @@
                     <a:t>ndarray</a:t>
                   </a:r>
                   <a:r>
-                    <a:rPr lang="en-US" sz="1200" dirty="0">
+                    <a:rPr lang="en-US" sz="1000" dirty="0">
                       <a:solidFill>
                         <a:schemeClr val="tx1"/>
                       </a:solidFill>
@@ -5478,7 +5436,7 @@
               </p:txBody>
             </p:sp>
           </mc:Choice>
-          <mc:Fallback xmlns="">
+          <mc:Fallback>
             <p:sp>
               <p:nvSpPr>
                 <p:cNvPr id="6" name="Rectangle: Rounded Corners 5">
@@ -5496,7 +5454,7 @@
               <p:spPr>
                 <a:xfrm>
                   <a:off x="9727474" y="362948"/>
-                  <a:ext cx="2194560" cy="1737360"/>
+                  <a:ext cx="2194560" cy="1338852"/>
                 </a:xfrm>
                 <a:prstGeom prst="roundRect">
                   <a:avLst>
@@ -5506,7 +5464,7 @@
                 <a:blipFill>
                   <a:blip r:embed="rId6"/>
                   <a:stretch>
-                    <a:fillRect/>
+                    <a:fillRect b="-455"/>
                   </a:stretch>
                 </a:blipFill>
                 <a:ln w="6350">
@@ -5545,8 +5503,8 @@
         </p:nvSpPr>
         <p:spPr>
           <a:xfrm>
-            <a:off x="4477838" y="3309673"/>
-            <a:ext cx="2948396" cy="2271214"/>
+            <a:off x="4286333" y="3807444"/>
+            <a:ext cx="2948396" cy="1640856"/>
           </a:xfrm>
           <a:prstGeom prst="roundRect">
             <a:avLst>
@@ -5581,39 +5539,29 @@
           </a:fontRef>
         </p:style>
         <p:txBody>
-          <a:bodyPr rtlCol="0" anchor="ctr"/>
+          <a:bodyPr rtlCol="0" anchor="t"/>
           <a:lstStyle/>
           <a:p>
             <a:pPr algn="ctr"/>
             <a:r>
-              <a:rPr lang="en-US" sz="1200" b="1" dirty="0">
+              <a:rPr lang="en-US" sz="1000" b="1" dirty="0">
                 <a:solidFill>
                   <a:schemeClr val="tx1"/>
                 </a:solidFill>
               </a:rPr>
-              <a:t>Function</a:t>
-            </a:r>
-            <a:r>
-              <a:rPr lang="en-US" sz="1200" dirty="0">
-                <a:solidFill>
-                  <a:schemeClr val="tx1"/>
-                </a:solidFill>
-              </a:rPr>
-              <a:t>: plotter</a:t>
+              <a:t>plotter</a:t>
             </a:r>
           </a:p>
           <a:p>
-            <a:pPr algn="ctr"/>
-            <a:endParaRPr lang="en-US" sz="1200" dirty="0">
+            <a:endParaRPr lang="en-US" sz="1000" dirty="0">
               <a:solidFill>
                 <a:schemeClr val="tx1"/>
               </a:solidFill>
             </a:endParaRPr>
           </a:p>
           <a:p>
-            <a:pPr algn="ctr"/>
             <a:r>
-              <a:rPr lang="en-US" sz="1200" dirty="0">
+              <a:rPr lang="en-US" sz="1000" dirty="0">
                 <a:solidFill>
                   <a:schemeClr val="tx1"/>
                 </a:solidFill>
@@ -5621,14 +5569,21 @@
               <a:t>Compute injected function and make line or contour plot(s) for resulting </a:t>
             </a:r>
             <a:r>
-              <a:rPr lang="en-US" sz="1200" dirty="0" err="1">
+              <a:rPr lang="en-US" sz="1000" dirty="0" err="1">
                 <a:solidFill>
                   <a:schemeClr val="tx1"/>
                 </a:solidFill>
               </a:rPr>
               <a:t>ydata</a:t>
             </a:r>
-            <a:endParaRPr lang="en-US" sz="1200" dirty="0">
+            <a:endParaRPr lang="en-US" sz="1000" dirty="0">
+              <a:solidFill>
+                <a:schemeClr val="tx1"/>
+              </a:solidFill>
+            </a:endParaRPr>
+          </a:p>
+          <a:p>
+            <a:endParaRPr lang="en-US" sz="1000" dirty="0">
               <a:solidFill>
                 <a:schemeClr val="tx1"/>
               </a:solidFill>
@@ -5636,7 +5591,7 @@
           </a:p>
           <a:p>
             <a:r>
-              <a:rPr lang="en-US" sz="1200" b="1" dirty="0">
+              <a:rPr lang="en-US" sz="1000" b="1" dirty="0">
                 <a:solidFill>
                   <a:schemeClr val="tx1"/>
                 </a:solidFill>
@@ -5650,7 +5605,7 @@
               <a:buChar char="•"/>
             </a:pPr>
             <a:r>
-              <a:rPr lang="en-US" sz="1200" dirty="0" err="1">
+              <a:rPr lang="en-US" sz="1000" dirty="0" err="1">
                 <a:solidFill>
                   <a:schemeClr val="tx1"/>
                 </a:solidFill>
@@ -5658,7 +5613,7 @@
               <a:t>xdata</a:t>
             </a:r>
             <a:r>
-              <a:rPr lang="en-US" sz="1200" dirty="0">
+              <a:rPr lang="en-US" sz="1000" dirty="0">
                 <a:solidFill>
                   <a:schemeClr val="tx1"/>
                 </a:solidFill>
@@ -5666,7 +5621,7 @@
               <a:t>: </a:t>
             </a:r>
             <a:r>
-              <a:rPr lang="en-US" sz="1200" dirty="0" err="1">
+              <a:rPr lang="en-US" sz="1000" dirty="0" err="1">
                 <a:solidFill>
                   <a:schemeClr val="tx1"/>
                 </a:solidFill>
@@ -5674,59 +5629,31 @@
               <a:t>ndarray</a:t>
             </a:r>
             <a:r>
-              <a:rPr lang="en-US" sz="1200" dirty="0">
+              <a:rPr lang="en-US" sz="1000" dirty="0">
                 <a:solidFill>
                   <a:schemeClr val="tx1"/>
                 </a:solidFill>
               </a:rPr>
-              <a:t> of shape…</a:t>
+              <a:t> (n x 1) or (2 x 1 x n x m)</a:t>
             </a:r>
           </a:p>
           <a:p>
-            <a:pPr marL="628650" lvl="1" indent="-171450">
+            <a:pPr marL="171450" indent="-171450">
               <a:buFont typeface="Arial" panose="020B0604020202020204" pitchFamily="34" charset="0"/>
               <a:buChar char="•"/>
             </a:pPr>
             <a:r>
-              <a:rPr lang="en-US" sz="1200" dirty="0">
+              <a:rPr lang="en-US" sz="1000" dirty="0">
                 <a:solidFill>
                   <a:schemeClr val="tx1"/>
                 </a:solidFill>
               </a:rPr>
-              <a:t>(n) – 1D</a:t>
-            </a:r>
-          </a:p>
-          <a:p>
-            <a:pPr marL="628650" lvl="1" indent="-171450">
-              <a:buFont typeface="Arial" panose="020B0604020202020204" pitchFamily="34" charset="0"/>
-              <a:buChar char="•"/>
-            </a:pPr>
-            <a:r>
-              <a:rPr lang="en-US" sz="1200" dirty="0">
-                <a:solidFill>
-                  <a:schemeClr val="tx1"/>
-                </a:solidFill>
-              </a:rPr>
-              <a:t>(n x 1) – 2D column vector</a:t>
-            </a:r>
-          </a:p>
-          <a:p>
-            <a:pPr marL="628650" lvl="1" indent="-171450">
-              <a:buFont typeface="Arial" panose="020B0604020202020204" pitchFamily="34" charset="0"/>
-              <a:buChar char="•"/>
-            </a:pPr>
-            <a:r>
-              <a:rPr lang="en-US" sz="1200" dirty="0">
-                <a:solidFill>
-                  <a:schemeClr val="tx1"/>
-                </a:solidFill>
-              </a:rPr>
-              <a:t>(2 x n x m) – 2D grid</a:t>
+              <a:t>function: Callable</a:t>
             </a:r>
           </a:p>
           <a:p>
             <a:r>
-              <a:rPr lang="en-US" sz="1200" b="1" dirty="0">
+              <a:rPr lang="en-US" sz="1000" b="1" dirty="0">
                 <a:solidFill>
                   <a:schemeClr val="tx1"/>
                 </a:solidFill>
@@ -5740,7 +5667,7 @@
               <a:buChar char="•"/>
             </a:pPr>
             <a:r>
-              <a:rPr lang="en-US" sz="1200" dirty="0">
+              <a:rPr lang="en-US" sz="1000" dirty="0">
                 <a:solidFill>
                   <a:schemeClr val="tx1"/>
                 </a:solidFill>
@@ -5764,7 +5691,7 @@
         </p:nvSpPr>
         <p:spPr>
           <a:xfrm>
-            <a:off x="9229548" y="4013602"/>
+            <a:off x="9155750" y="4667804"/>
             <a:ext cx="1232713" cy="280789"/>
           </a:xfrm>
           <a:prstGeom prst="ellipse">
@@ -5811,166 +5738,6 @@
           </a:p>
         </p:txBody>
       </p:sp>
-      <p:cxnSp>
-        <p:nvCxnSpPr>
-          <p:cNvPr id="9" name="Connector: Curved 8">
-            <a:extLst>
-              <a:ext uri="{FF2B5EF4-FFF2-40B4-BE49-F238E27FC236}">
-                <a16:creationId xmlns:a16="http://schemas.microsoft.com/office/drawing/2014/main" id="{8B51E911-2570-6E46-81F8-C70D5F766A25}"/>
-              </a:ext>
-            </a:extLst>
-          </p:cNvPr>
-          <p:cNvCxnSpPr>
-            <a:cxnSpLocks/>
-            <a:stCxn id="7" idx="3"/>
-            <a:endCxn id="8" idx="0"/>
-          </p:cNvCxnSpPr>
-          <p:nvPr/>
-        </p:nvCxnSpPr>
-        <p:spPr>
-          <a:xfrm flipV="1">
-            <a:off x="7426234" y="4013602"/>
-            <a:ext cx="2419671" cy="431678"/>
-          </a:xfrm>
-          <a:prstGeom prst="curvedConnector4">
-            <a:avLst>
-              <a:gd name="adj1" fmla="val 37264"/>
-              <a:gd name="adj2" fmla="val 316024"/>
-            </a:avLst>
-          </a:prstGeom>
-          <a:ln>
-            <a:solidFill>
-              <a:schemeClr val="accent5"/>
-            </a:solidFill>
-            <a:tailEnd type="triangle"/>
-          </a:ln>
-        </p:spPr>
-        <p:style>
-          <a:lnRef idx="2">
-            <a:schemeClr val="accent1"/>
-          </a:lnRef>
-          <a:fillRef idx="0">
-            <a:schemeClr val="accent1"/>
-          </a:fillRef>
-          <a:effectRef idx="1">
-            <a:schemeClr val="accent1"/>
-          </a:effectRef>
-          <a:fontRef idx="minor">
-            <a:schemeClr val="tx1"/>
-          </a:fontRef>
-        </p:style>
-      </p:cxnSp>
-      <p:sp>
-        <p:nvSpPr>
-          <p:cNvPr id="18" name="Rectangle: Rounded Corners 17">
-            <a:extLst>
-              <a:ext uri="{FF2B5EF4-FFF2-40B4-BE49-F238E27FC236}">
-                <a16:creationId xmlns:a16="http://schemas.microsoft.com/office/drawing/2014/main" id="{B3E63DF4-87A5-3C7A-13F0-83FEF36A2020}"/>
-              </a:ext>
-            </a:extLst>
-          </p:cNvPr>
-          <p:cNvSpPr/>
-          <p:nvPr/>
-        </p:nvSpPr>
-        <p:spPr>
-          <a:xfrm>
-            <a:off x="1277981" y="3091248"/>
-            <a:ext cx="1068114" cy="436850"/>
-          </a:xfrm>
-          <a:prstGeom prst="roundRect">
-            <a:avLst>
-              <a:gd name="adj" fmla="val 0"/>
-            </a:avLst>
-          </a:prstGeom>
-          <a:solidFill>
-            <a:schemeClr val="accent3">
-              <a:lumMod val="20000"/>
-              <a:lumOff val="80000"/>
-            </a:schemeClr>
-          </a:solidFill>
-          <a:ln w="6350">
-            <a:solidFill>
-              <a:schemeClr val="tx1"/>
-            </a:solidFill>
-          </a:ln>
-        </p:spPr>
-        <p:style>
-          <a:lnRef idx="2">
-            <a:schemeClr val="accent1">
-              <a:shade val="15000"/>
-            </a:schemeClr>
-          </a:lnRef>
-          <a:fillRef idx="1">
-            <a:schemeClr val="accent1"/>
-          </a:fillRef>
-          <a:effectRef idx="0">
-            <a:schemeClr val="accent1"/>
-          </a:effectRef>
-          <a:fontRef idx="minor">
-            <a:schemeClr val="lt1"/>
-          </a:fontRef>
-        </p:style>
-        <p:txBody>
-          <a:bodyPr rtlCol="0" anchor="ctr"/>
-          <a:lstStyle/>
-          <a:p>
-            <a:pPr algn="ctr"/>
-            <a:r>
-              <a:rPr lang="en-US" sz="1200" b="1" dirty="0">
-                <a:solidFill>
-                  <a:schemeClr val="tx1"/>
-                </a:solidFill>
-              </a:rPr>
-              <a:t>Start</a:t>
-            </a:r>
-          </a:p>
-        </p:txBody>
-      </p:sp>
-      <p:cxnSp>
-        <p:nvCxnSpPr>
-          <p:cNvPr id="19" name="Connector: Curved 18">
-            <a:extLst>
-              <a:ext uri="{FF2B5EF4-FFF2-40B4-BE49-F238E27FC236}">
-                <a16:creationId xmlns:a16="http://schemas.microsoft.com/office/drawing/2014/main" id="{FE0DDA08-D7D3-DB13-1AE9-2A29BF5D5982}"/>
-              </a:ext>
-            </a:extLst>
-          </p:cNvPr>
-          <p:cNvCxnSpPr>
-            <a:cxnSpLocks/>
-            <a:stCxn id="18" idx="3"/>
-            <a:endCxn id="7" idx="1"/>
-          </p:cNvCxnSpPr>
-          <p:nvPr/>
-        </p:nvCxnSpPr>
-        <p:spPr>
-          <a:xfrm>
-            <a:off x="2346095" y="3309673"/>
-            <a:ext cx="2131743" cy="1135607"/>
-          </a:xfrm>
-          <a:prstGeom prst="curvedConnector3">
-            <a:avLst>
-              <a:gd name="adj1" fmla="val 50000"/>
-            </a:avLst>
-          </a:prstGeom>
-          <a:ln>
-            <a:tailEnd type="triangle"/>
-          </a:ln>
-        </p:spPr>
-        <p:style>
-          <a:lnRef idx="2">
-            <a:schemeClr val="accent1"/>
-          </a:lnRef>
-          <a:fillRef idx="0">
-            <a:schemeClr val="accent1"/>
-          </a:fillRef>
-          <a:effectRef idx="1">
-            <a:schemeClr val="accent1"/>
-          </a:effectRef>
-          <a:fontRef idx="minor">
-            <a:schemeClr val="tx1"/>
-          </a:fontRef>
-        </p:style>
-      </p:cxnSp>
       <p:sp>
         <p:nvSpPr>
           <p:cNvPr id="24" name="Rectangle 23">
@@ -5985,20 +5752,22 @@
         </p:nvSpPr>
         <p:spPr>
           <a:xfrm>
-            <a:off x="2996247" y="3703633"/>
-            <a:ext cx="824046" cy="409438"/>
+            <a:off x="2006600" y="3019562"/>
+            <a:ext cx="1208738" cy="409438"/>
           </a:xfrm>
           <a:prstGeom prst="rect">
             <a:avLst/>
           </a:prstGeom>
           <a:solidFill>
-            <a:schemeClr val="accent4">
+            <a:schemeClr val="accent3">
               <a:lumMod val="20000"/>
               <a:lumOff val="80000"/>
             </a:schemeClr>
           </a:solidFill>
           <a:ln w="3175">
-            <a:noFill/>
+            <a:solidFill>
+              <a:schemeClr val="tx1"/>
+            </a:solidFill>
             <a:prstDash val="sysDot"/>
           </a:ln>
         </p:spPr>
@@ -6022,30 +5791,36 @@
           <a:bodyPr rtlCol="0" anchor="ctr"/>
           <a:lstStyle/>
           <a:p>
-            <a:pPr algn="ctr"/>
+            <a:pPr marL="171450" indent="-171450">
+              <a:buFont typeface="Arial" panose="020B0604020202020204" pitchFamily="34" charset="0"/>
+              <a:buChar char="•"/>
+            </a:pPr>
             <a:r>
-              <a:rPr lang="en-US" sz="900" b="1" dirty="0" err="1">
+              <a:rPr lang="en-US" sz="800" b="1" dirty="0" err="1">
                 <a:solidFill>
                   <a:schemeClr val="tx1"/>
                 </a:solidFill>
               </a:rPr>
               <a:t>xdata</a:t>
             </a:r>
-            <a:endParaRPr lang="en-US" sz="900" b="1" dirty="0">
+            <a:endParaRPr lang="en-US" sz="800" b="1" dirty="0">
               <a:solidFill>
                 <a:schemeClr val="tx1"/>
               </a:solidFill>
             </a:endParaRPr>
           </a:p>
           <a:p>
-            <a:pPr algn="ctr"/>
+            <a:pPr marL="171450" indent="-171450">
+              <a:buFont typeface="Arial" panose="020B0604020202020204" pitchFamily="34" charset="0"/>
+              <a:buChar char="•"/>
+            </a:pPr>
             <a:r>
-              <a:rPr lang="en-US" sz="900" b="1" dirty="0">
+              <a:rPr lang="en-US" sz="800" b="1" dirty="0">
                 <a:solidFill>
                   <a:schemeClr val="tx1"/>
                 </a:solidFill>
               </a:rPr>
-              <a:t>function</a:t>
+              <a:t>function callable</a:t>
             </a:r>
           </a:p>
         </p:txBody>
@@ -6064,8 +5839,8 @@
         </p:nvSpPr>
         <p:spPr>
           <a:xfrm>
-            <a:off x="198775" y="2151479"/>
-            <a:ext cx="1613263" cy="307777"/>
+            <a:off x="173375" y="1763163"/>
+            <a:ext cx="1613263" cy="246221"/>
           </a:xfrm>
           <a:prstGeom prst="rect">
             <a:avLst/>
@@ -6079,7 +5854,7 @@
           <a:lstStyle/>
           <a:p>
             <a:r>
-              <a:rPr lang="en-US" sz="1400" dirty="0">
+              <a:rPr lang="en-US" sz="1000" dirty="0">
                 <a:solidFill>
                   <a:schemeClr val="bg1"/>
                 </a:solidFill>
@@ -6089,12 +5864,108 @@
           </a:p>
         </p:txBody>
       </p:sp>
+      <p:cxnSp>
+        <p:nvCxnSpPr>
+          <p:cNvPr id="17" name="Connector: Curved 16">
+            <a:extLst>
+              <a:ext uri="{FF2B5EF4-FFF2-40B4-BE49-F238E27FC236}">
+                <a16:creationId xmlns:a16="http://schemas.microsoft.com/office/drawing/2014/main" id="{859B730D-08DF-B7E1-90B7-BA5AFAD1F147}"/>
+              </a:ext>
+            </a:extLst>
+          </p:cNvPr>
+          <p:cNvCxnSpPr>
+            <a:cxnSpLocks/>
+            <a:stCxn id="24" idx="3"/>
+            <a:endCxn id="7" idx="1"/>
+          </p:cNvCxnSpPr>
+          <p:nvPr/>
+        </p:nvCxnSpPr>
+        <p:spPr>
+          <a:xfrm>
+            <a:off x="3215338" y="3224281"/>
+            <a:ext cx="1070995" cy="1403591"/>
+          </a:xfrm>
+          <a:prstGeom prst="curvedConnector3">
+            <a:avLst>
+              <a:gd name="adj1" fmla="val 50000"/>
+            </a:avLst>
+          </a:prstGeom>
+          <a:ln>
+            <a:solidFill>
+              <a:schemeClr val="tx1"/>
+            </a:solidFill>
+            <a:tailEnd type="triangle"/>
+          </a:ln>
+        </p:spPr>
+        <p:style>
+          <a:lnRef idx="2">
+            <a:schemeClr val="accent1"/>
+          </a:lnRef>
+          <a:fillRef idx="0">
+            <a:schemeClr val="accent1"/>
+          </a:fillRef>
+          <a:effectRef idx="1">
+            <a:schemeClr val="accent1"/>
+          </a:effectRef>
+          <a:fontRef idx="minor">
+            <a:schemeClr val="tx1"/>
+          </a:fontRef>
+        </p:style>
+      </p:cxnSp>
+      <p:cxnSp>
+        <p:nvCxnSpPr>
+          <p:cNvPr id="33" name="Connector: Curved 32">
+            <a:extLst>
+              <a:ext uri="{FF2B5EF4-FFF2-40B4-BE49-F238E27FC236}">
+                <a16:creationId xmlns:a16="http://schemas.microsoft.com/office/drawing/2014/main" id="{FD35D1A5-76EE-FCCA-4222-CAA671438C4E}"/>
+              </a:ext>
+            </a:extLst>
+          </p:cNvPr>
+          <p:cNvCxnSpPr>
+            <a:cxnSpLocks/>
+            <a:stCxn id="7" idx="0"/>
+            <a:endCxn id="39" idx="2"/>
+          </p:cNvCxnSpPr>
+          <p:nvPr/>
+        </p:nvCxnSpPr>
+        <p:spPr>
+          <a:xfrm rot="16200000" flipV="1">
+            <a:off x="5059921" y="3106834"/>
+            <a:ext cx="756260" cy="644960"/>
+          </a:xfrm>
+          <a:prstGeom prst="curvedConnector3">
+            <a:avLst>
+              <a:gd name="adj1" fmla="val 50000"/>
+            </a:avLst>
+          </a:prstGeom>
+          <a:ln>
+            <a:solidFill>
+              <a:schemeClr val="tx1"/>
+            </a:solidFill>
+            <a:tailEnd type="triangle"/>
+          </a:ln>
+        </p:spPr>
+        <p:style>
+          <a:lnRef idx="2">
+            <a:schemeClr val="accent1"/>
+          </a:lnRef>
+          <a:fillRef idx="0">
+            <a:schemeClr val="accent1"/>
+          </a:fillRef>
+          <a:effectRef idx="1">
+            <a:schemeClr val="accent1"/>
+          </a:effectRef>
+          <a:fontRef idx="minor">
+            <a:schemeClr val="tx1"/>
+          </a:fontRef>
+        </p:style>
+      </p:cxnSp>
       <p:sp>
         <p:nvSpPr>
-          <p:cNvPr id="41" name="Rectangle 40">
+          <p:cNvPr id="39" name="Rectangle 38">
             <a:extLst>
               <a:ext uri="{FF2B5EF4-FFF2-40B4-BE49-F238E27FC236}">
-                <a16:creationId xmlns:a16="http://schemas.microsoft.com/office/drawing/2014/main" id="{E2A8D1D1-CF91-2AB6-A7CF-8D1F4BDF52B8}"/>
+                <a16:creationId xmlns:a16="http://schemas.microsoft.com/office/drawing/2014/main" id="{5E712A51-7BC2-DA72-C347-86DC9EEC2C5D}"/>
               </a:ext>
             </a:extLst>
           </p:cNvPr>
@@ -6103,20 +5974,22 @@
         </p:nvSpPr>
         <p:spPr>
           <a:xfrm>
-            <a:off x="7905668" y="3717349"/>
-            <a:ext cx="707524" cy="382005"/>
+            <a:off x="4806587" y="2867436"/>
+            <a:ext cx="617967" cy="183748"/>
           </a:xfrm>
           <a:prstGeom prst="rect">
             <a:avLst/>
           </a:prstGeom>
           <a:solidFill>
-            <a:schemeClr val="accent5">
+            <a:schemeClr val="accent3">
               <a:lumMod val="20000"/>
               <a:lumOff val="80000"/>
             </a:schemeClr>
           </a:solidFill>
           <a:ln w="3175">
-            <a:noFill/>
+            <a:solidFill>
+              <a:schemeClr val="tx1"/>
+            </a:solidFill>
             <a:prstDash val="sysDot"/>
           </a:ln>
         </p:spPr>
@@ -6140,32 +6013,19 @@
           <a:bodyPr rtlCol="0" anchor="ctr"/>
           <a:lstStyle/>
           <a:p>
-            <a:pPr algn="ctr"/>
+            <a:pPr marL="171450" indent="-171450">
+              <a:buFont typeface="Arial" panose="020B0604020202020204" pitchFamily="34" charset="0"/>
+              <a:buChar char="•"/>
+            </a:pPr>
             <a:r>
-              <a:rPr lang="en-US" sz="900" b="1" dirty="0" err="1">
+              <a:rPr lang="en-US" sz="800" b="1" dirty="0" err="1">
                 <a:solidFill>
                   <a:schemeClr val="tx1"/>
                 </a:solidFill>
               </a:rPr>
               <a:t>xdata</a:t>
             </a:r>
-            <a:endParaRPr lang="en-US" sz="900" b="1" dirty="0">
-              <a:solidFill>
-                <a:schemeClr val="tx1"/>
-              </a:solidFill>
-            </a:endParaRPr>
-          </a:p>
-          <a:p>
-            <a:pPr algn="ctr"/>
-            <a:r>
-              <a:rPr lang="en-US" sz="900" b="1" dirty="0" err="1">
-                <a:solidFill>
-                  <a:schemeClr val="tx1"/>
-                </a:solidFill>
-              </a:rPr>
-              <a:t>ydata</a:t>
-            </a:r>
-            <a:endParaRPr lang="en-US" sz="900" b="1" dirty="0">
+            <a:endParaRPr lang="en-US" sz="800" b="1" dirty="0">
               <a:solidFill>
                 <a:schemeClr val="tx1"/>
               </a:solidFill>
@@ -6175,32 +6035,82 @@
       </p:sp>
       <p:cxnSp>
         <p:nvCxnSpPr>
-          <p:cNvPr id="49" name="Connector: Curved 48">
+          <p:cNvPr id="42" name="Connector: Curved 41">
             <a:extLst>
               <a:ext uri="{FF2B5EF4-FFF2-40B4-BE49-F238E27FC236}">
-                <a16:creationId xmlns:a16="http://schemas.microsoft.com/office/drawing/2014/main" id="{9D33D369-4644-69E2-F88C-371226C454D0}"/>
+                <a16:creationId xmlns:a16="http://schemas.microsoft.com/office/drawing/2014/main" id="{8E836FB4-0B1D-B623-98FC-712731B3BBAF}"/>
               </a:ext>
             </a:extLst>
           </p:cNvPr>
           <p:cNvCxnSpPr>
             <a:cxnSpLocks/>
-            <a:stCxn id="7" idx="2"/>
-            <a:endCxn id="52" idx="2"/>
+            <a:stCxn id="39" idx="0"/>
+            <a:endCxn id="34" idx="2"/>
           </p:cNvCxnSpPr>
           <p:nvPr/>
         </p:nvCxnSpPr>
         <p:spPr>
-          <a:xfrm rot="5400000">
-            <a:off x="5107301" y="5633416"/>
-            <a:ext cx="897265" cy="792207"/>
+          <a:xfrm rot="5400000" flipH="1" flipV="1">
+            <a:off x="5198246" y="1969683"/>
+            <a:ext cx="815078" cy="980429"/>
           </a:xfrm>
-          <a:prstGeom prst="curvedConnector4">
+          <a:prstGeom prst="curvedConnector3">
             <a:avLst>
-              <a:gd name="adj1" fmla="val 42177"/>
-              <a:gd name="adj2" fmla="val 128856"/>
+              <a:gd name="adj1" fmla="val 50000"/>
             </a:avLst>
           </a:prstGeom>
           <a:ln>
+            <a:solidFill>
+              <a:schemeClr val="tx1"/>
+            </a:solidFill>
+            <a:tailEnd type="triangle"/>
+          </a:ln>
+        </p:spPr>
+        <p:style>
+          <a:lnRef idx="2">
+            <a:schemeClr val="accent1"/>
+          </a:lnRef>
+          <a:fillRef idx="0">
+            <a:schemeClr val="accent1"/>
+          </a:fillRef>
+          <a:effectRef idx="1">
+            <a:schemeClr val="accent1"/>
+          </a:effectRef>
+          <a:fontRef idx="minor">
+            <a:schemeClr val="tx1"/>
+          </a:fontRef>
+        </p:style>
+      </p:cxnSp>
+      <p:cxnSp>
+        <p:nvCxnSpPr>
+          <p:cNvPr id="76" name="Connector: Curved 75">
+            <a:extLst>
+              <a:ext uri="{FF2B5EF4-FFF2-40B4-BE49-F238E27FC236}">
+                <a16:creationId xmlns:a16="http://schemas.microsoft.com/office/drawing/2014/main" id="{184A8FC1-09DC-97AF-8B1C-C456ED7E5217}"/>
+              </a:ext>
+            </a:extLst>
+          </p:cNvPr>
+          <p:cNvCxnSpPr>
+            <a:cxnSpLocks/>
+            <a:stCxn id="34" idx="2"/>
+            <a:endCxn id="79" idx="0"/>
+          </p:cNvCxnSpPr>
+          <p:nvPr/>
+        </p:nvCxnSpPr>
+        <p:spPr>
+          <a:xfrm rot="16200000" flipH="1">
+            <a:off x="5993871" y="2154487"/>
+            <a:ext cx="815078" cy="610820"/>
+          </a:xfrm>
+          <a:prstGeom prst="curvedConnector3">
+            <a:avLst>
+              <a:gd name="adj1" fmla="val 50000"/>
+            </a:avLst>
+          </a:prstGeom>
+          <a:ln>
+            <a:solidFill>
+              <a:schemeClr val="tx1"/>
+            </a:solidFill>
             <a:tailEnd type="triangle"/>
           </a:ln>
         </p:spPr>
@@ -6221,10 +6131,10 @@
       </p:cxnSp>
       <p:sp>
         <p:nvSpPr>
-          <p:cNvPr id="52" name="Oval 51">
+          <p:cNvPr id="79" name="Rectangle 78">
             <a:extLst>
               <a:ext uri="{FF2B5EF4-FFF2-40B4-BE49-F238E27FC236}">
-                <a16:creationId xmlns:a16="http://schemas.microsoft.com/office/drawing/2014/main" id="{FB7ABCAC-61E8-0D34-FDFA-110CE8AC8BD8}"/>
+                <a16:creationId xmlns:a16="http://schemas.microsoft.com/office/drawing/2014/main" id="{6F5C9A6B-3839-2337-9C31-D5647409406E}"/>
               </a:ext>
             </a:extLst>
           </p:cNvPr>
@@ -6233,81 +6143,22 @@
         </p:nvSpPr>
         <p:spPr>
           <a:xfrm>
-            <a:off x="5159829" y="6337757"/>
-            <a:ext cx="1561012" cy="280789"/>
-          </a:xfrm>
-          <a:prstGeom prst="ellipse">
-            <a:avLst/>
-          </a:prstGeom>
-          <a:solidFill>
-            <a:schemeClr val="tx1"/>
-          </a:solidFill>
-          <a:ln w="6350">
-            <a:solidFill>
-              <a:schemeClr val="accent1"/>
-            </a:solidFill>
-          </a:ln>
-        </p:spPr>
-        <p:style>
-          <a:lnRef idx="2">
-            <a:schemeClr val="accent1">
-              <a:shade val="15000"/>
-            </a:schemeClr>
-          </a:lnRef>
-          <a:fillRef idx="1">
-            <a:schemeClr val="accent1"/>
-          </a:fillRef>
-          <a:effectRef idx="0">
-            <a:schemeClr val="accent1"/>
-          </a:effectRef>
-          <a:fontRef idx="minor">
-            <a:schemeClr val="lt1"/>
-          </a:fontRef>
-        </p:style>
-        <p:txBody>
-          <a:bodyPr rtlCol="0" anchor="ctr"/>
-          <a:lstStyle/>
-          <a:p>
-            <a:pPr algn="ctr"/>
-            <a:r>
-              <a:rPr lang="en-US" sz="1000" dirty="0">
-                <a:solidFill>
-                  <a:schemeClr val="bg1"/>
-                </a:solidFill>
-              </a:rPr>
-              <a:t>Invoke function</a:t>
-            </a:r>
-          </a:p>
-        </p:txBody>
-      </p:sp>
-      <p:sp>
-        <p:nvSpPr>
-          <p:cNvPr id="55" name="Rectangle 54">
-            <a:extLst>
-              <a:ext uri="{FF2B5EF4-FFF2-40B4-BE49-F238E27FC236}">
-                <a16:creationId xmlns:a16="http://schemas.microsoft.com/office/drawing/2014/main" id="{B7201A1D-D95D-78B6-792A-BB3902492314}"/>
-              </a:ext>
-            </a:extLst>
-          </p:cNvPr>
-          <p:cNvSpPr/>
-          <p:nvPr/>
-        </p:nvSpPr>
-        <p:spPr>
-          <a:xfrm>
-            <a:off x="4752135" y="5958621"/>
-            <a:ext cx="699952" cy="219827"/>
+            <a:off x="6397836" y="2867436"/>
+            <a:ext cx="617967" cy="183748"/>
           </a:xfrm>
           <a:prstGeom prst="rect">
             <a:avLst/>
           </a:prstGeom>
           <a:solidFill>
-            <a:schemeClr val="accent4">
+            <a:schemeClr val="accent3">
               <a:lumMod val="20000"/>
               <a:lumOff val="80000"/>
             </a:schemeClr>
           </a:solidFill>
           <a:ln w="3175">
-            <a:noFill/>
+            <a:solidFill>
+              <a:schemeClr val="tx1"/>
+            </a:solidFill>
             <a:prstDash val="sysDot"/>
           </a:ln>
         </p:spPr>
@@ -6331,16 +6182,19 @@
           <a:bodyPr rtlCol="0" anchor="ctr"/>
           <a:lstStyle/>
           <a:p>
-            <a:pPr algn="ctr"/>
+            <a:pPr marL="171450" indent="-171450">
+              <a:buFont typeface="Arial" panose="020B0604020202020204" pitchFamily="34" charset="0"/>
+              <a:buChar char="•"/>
+            </a:pPr>
             <a:r>
-              <a:rPr lang="en-US" sz="900" b="1" dirty="0" err="1">
+              <a:rPr lang="en-US" sz="800" b="1" dirty="0" err="1">
                 <a:solidFill>
                   <a:schemeClr val="tx1"/>
                 </a:solidFill>
               </a:rPr>
-              <a:t>xdata</a:t>
+              <a:t>ydata</a:t>
             </a:r>
-            <a:endParaRPr lang="en-US" sz="900" b="1" dirty="0">
+            <a:endParaRPr lang="en-US" sz="800" b="1" dirty="0">
               <a:solidFill>
                 <a:schemeClr val="tx1"/>
               </a:solidFill>
@@ -6350,34 +6204,33 @@
       </p:sp>
       <p:cxnSp>
         <p:nvCxnSpPr>
-          <p:cNvPr id="56" name="Connector: Curved 55">
+          <p:cNvPr id="82" name="Connector: Curved 81">
             <a:extLst>
               <a:ext uri="{FF2B5EF4-FFF2-40B4-BE49-F238E27FC236}">
-                <a16:creationId xmlns:a16="http://schemas.microsoft.com/office/drawing/2014/main" id="{28B58759-A4EF-B68E-9BD6-2A31CEDF3830}"/>
+                <a16:creationId xmlns:a16="http://schemas.microsoft.com/office/drawing/2014/main" id="{BA9C9BC9-47B7-DFDB-54DA-9793ADB256B4}"/>
               </a:ext>
             </a:extLst>
           </p:cNvPr>
           <p:cNvCxnSpPr>
             <a:cxnSpLocks/>
-            <a:stCxn id="52" idx="6"/>
-            <a:endCxn id="7" idx="2"/>
+            <a:stCxn id="79" idx="2"/>
+            <a:endCxn id="7" idx="0"/>
           </p:cNvCxnSpPr>
           <p:nvPr/>
         </p:nvCxnSpPr>
         <p:spPr>
-          <a:xfrm flipH="1" flipV="1">
-            <a:off x="5952036" y="5580887"/>
-            <a:ext cx="768805" cy="897265"/>
+          <a:xfrm rot="5400000">
+            <a:off x="5855546" y="2956170"/>
+            <a:ext cx="756260" cy="946289"/>
           </a:xfrm>
-          <a:prstGeom prst="curvedConnector4">
+          <a:prstGeom prst="curvedConnector3">
             <a:avLst>
-              <a:gd name="adj1" fmla="val -29734"/>
-              <a:gd name="adj2" fmla="val 57823"/>
+              <a:gd name="adj1" fmla="val 50000"/>
             </a:avLst>
           </a:prstGeom>
           <a:ln>
             <a:solidFill>
-              <a:schemeClr val="accent5"/>
+              <a:schemeClr val="tx1"/>
             </a:solidFill>
             <a:tailEnd type="triangle"/>
           </a:ln>
@@ -6399,10 +6252,10 @@
       </p:cxnSp>
       <p:sp>
         <p:nvSpPr>
-          <p:cNvPr id="59" name="Rectangle 58">
+          <p:cNvPr id="99" name="Rectangle 98">
             <a:extLst>
               <a:ext uri="{FF2B5EF4-FFF2-40B4-BE49-F238E27FC236}">
-                <a16:creationId xmlns:a16="http://schemas.microsoft.com/office/drawing/2014/main" id="{C1E10699-C30E-4A42-0E0F-D0AE7A0BE865}"/>
+                <a16:creationId xmlns:a16="http://schemas.microsoft.com/office/drawing/2014/main" id="{7E668F1C-D199-153B-9660-A47EED4D3384}"/>
               </a:ext>
             </a:extLst>
           </p:cNvPr>
@@ -6411,20 +6264,22 @@
         </p:nvSpPr>
         <p:spPr>
           <a:xfrm>
-            <a:off x="6280881" y="5958621"/>
-            <a:ext cx="707524" cy="219827"/>
+            <a:off x="7759790" y="3916431"/>
+            <a:ext cx="824046" cy="409438"/>
           </a:xfrm>
           <a:prstGeom prst="rect">
             <a:avLst/>
           </a:prstGeom>
           <a:solidFill>
-            <a:schemeClr val="accent5">
+            <a:schemeClr val="accent3">
               <a:lumMod val="20000"/>
               <a:lumOff val="80000"/>
             </a:schemeClr>
           </a:solidFill>
           <a:ln w="3175">
-            <a:noFill/>
+            <a:solidFill>
+              <a:schemeClr val="tx1"/>
+            </a:solidFill>
             <a:prstDash val="sysDot"/>
           </a:ln>
         </p:spPr>
@@ -6448,51 +6303,118 @@
           <a:bodyPr rtlCol="0" anchor="ctr"/>
           <a:lstStyle/>
           <a:p>
-            <a:pPr algn="ctr"/>
+            <a:pPr marL="171450" indent="-171450">
+              <a:buFont typeface="Arial" panose="020B0604020202020204" pitchFamily="34" charset="0"/>
+              <a:buChar char="•"/>
+            </a:pPr>
             <a:r>
-              <a:rPr lang="en-US" sz="900" b="1" dirty="0" err="1">
+              <a:rPr lang="en-US" sz="800" b="1" dirty="0" err="1">
                 <a:solidFill>
                   <a:schemeClr val="tx1"/>
                 </a:solidFill>
               </a:rPr>
-              <a:t>ydata</a:t>
+              <a:t>xdata</a:t>
             </a:r>
-            <a:endParaRPr lang="en-US" sz="900" b="1" dirty="0">
+            <a:endParaRPr lang="en-US" sz="800" b="1" dirty="0">
               <a:solidFill>
                 <a:schemeClr val="tx1"/>
               </a:solidFill>
             </a:endParaRPr>
           </a:p>
+          <a:p>
+            <a:pPr marL="171450" indent="-171450">
+              <a:buFont typeface="Arial" panose="020B0604020202020204" pitchFamily="34" charset="0"/>
+              <a:buChar char="•"/>
+            </a:pPr>
+            <a:r>
+              <a:rPr lang="en-US" sz="800" b="1" dirty="0">
+                <a:solidFill>
+                  <a:schemeClr val="tx1"/>
+                </a:solidFill>
+              </a:rPr>
+              <a:t>function</a:t>
+            </a:r>
+          </a:p>
         </p:txBody>
       </p:sp>
       <p:cxnSp>
         <p:nvCxnSpPr>
-          <p:cNvPr id="11" name="Connector: Curved 10">
+          <p:cNvPr id="100" name="Connector: Curved 99">
             <a:extLst>
               <a:ext uri="{FF2B5EF4-FFF2-40B4-BE49-F238E27FC236}">
-                <a16:creationId xmlns:a16="http://schemas.microsoft.com/office/drawing/2014/main" id="{34EF42DA-6D8E-90E6-4AC6-F08B7C9EA37C}"/>
+                <a16:creationId xmlns:a16="http://schemas.microsoft.com/office/drawing/2014/main" id="{4E878152-E051-1126-0A57-3C3BFD233946}"/>
               </a:ext>
             </a:extLst>
           </p:cNvPr>
           <p:cNvCxnSpPr>
             <a:cxnSpLocks/>
-            <a:stCxn id="34" idx="2"/>
-            <a:endCxn id="24" idx="0"/>
+            <a:stCxn id="99" idx="3"/>
+            <a:endCxn id="8" idx="2"/>
           </p:cNvCxnSpPr>
           <p:nvPr/>
         </p:nvCxnSpPr>
         <p:spPr>
-          <a:xfrm rot="5400000">
-            <a:off x="4141150" y="1748782"/>
-            <a:ext cx="1221971" cy="2687730"/>
+          <a:xfrm>
+            <a:off x="8583836" y="4121150"/>
+            <a:ext cx="571914" cy="687049"/>
           </a:xfrm>
           <a:prstGeom prst="curvedConnector3">
             <a:avLst>
               <a:gd name="adj1" fmla="val 50000"/>
             </a:avLst>
           </a:prstGeom>
-          <a:ln w="19050">
-            <a:prstDash val="sysDot"/>
+          <a:ln>
+            <a:solidFill>
+              <a:schemeClr val="tx1"/>
+            </a:solidFill>
+            <a:tailEnd type="triangle"/>
+          </a:ln>
+        </p:spPr>
+        <p:style>
+          <a:lnRef idx="2">
+            <a:schemeClr val="accent1"/>
+          </a:lnRef>
+          <a:fillRef idx="0">
+            <a:schemeClr val="accent1"/>
+          </a:fillRef>
+          <a:effectRef idx="1">
+            <a:schemeClr val="accent1"/>
+          </a:effectRef>
+          <a:fontRef idx="minor">
+            <a:schemeClr val="tx1"/>
+          </a:fontRef>
+        </p:style>
+      </p:cxnSp>
+      <p:cxnSp>
+        <p:nvCxnSpPr>
+          <p:cNvPr id="105" name="Connector: Curved 104">
+            <a:extLst>
+              <a:ext uri="{FF2B5EF4-FFF2-40B4-BE49-F238E27FC236}">
+                <a16:creationId xmlns:a16="http://schemas.microsoft.com/office/drawing/2014/main" id="{8C3940A7-F48D-AAC6-DF2A-99EE05AADE34}"/>
+              </a:ext>
+            </a:extLst>
+          </p:cNvPr>
+          <p:cNvCxnSpPr>
+            <a:cxnSpLocks/>
+            <a:stCxn id="7" idx="3"/>
+            <a:endCxn id="99" idx="1"/>
+          </p:cNvCxnSpPr>
+          <p:nvPr/>
+        </p:nvCxnSpPr>
+        <p:spPr>
+          <a:xfrm flipV="1">
+            <a:off x="7234729" y="4121150"/>
+            <a:ext cx="525061" cy="506722"/>
+          </a:xfrm>
+          <a:prstGeom prst="curvedConnector3">
+            <a:avLst>
+              <a:gd name="adj1" fmla="val 50000"/>
+            </a:avLst>
+          </a:prstGeom>
+          <a:ln>
+            <a:solidFill>
+              <a:schemeClr val="tx1"/>
+            </a:solidFill>
             <a:tailEnd type="triangle"/>
           </a:ln>
         </p:spPr>
@@ -10719,54 +10641,6 @@
       </p:sp>
       <p:cxnSp>
         <p:nvCxnSpPr>
-          <p:cNvPr id="55" name="Connector: Curved 54">
-            <a:extLst>
-              <a:ext uri="{FF2B5EF4-FFF2-40B4-BE49-F238E27FC236}">
-                <a16:creationId xmlns:a16="http://schemas.microsoft.com/office/drawing/2014/main" id="{CEF0E37B-B8F3-38D2-972B-447E5B5307B1}"/>
-              </a:ext>
-            </a:extLst>
-          </p:cNvPr>
-          <p:cNvCxnSpPr>
-            <a:cxnSpLocks/>
-            <a:stCxn id="44" idx="2"/>
-            <a:endCxn id="19" idx="0"/>
-          </p:cNvCxnSpPr>
-          <p:nvPr/>
-        </p:nvCxnSpPr>
-        <p:spPr>
-          <a:xfrm rot="16200000" flipH="1">
-            <a:off x="3696184" y="2220143"/>
-            <a:ext cx="572602" cy="1008152"/>
-          </a:xfrm>
-          <a:prstGeom prst="curvedConnector3">
-            <a:avLst>
-              <a:gd name="adj1" fmla="val 50000"/>
-            </a:avLst>
-          </a:prstGeom>
-          <a:ln>
-            <a:solidFill>
-              <a:schemeClr val="tx1"/>
-            </a:solidFill>
-            <a:tailEnd type="triangle"/>
-          </a:ln>
-        </p:spPr>
-        <p:style>
-          <a:lnRef idx="2">
-            <a:schemeClr val="accent1"/>
-          </a:lnRef>
-          <a:fillRef idx="0">
-            <a:schemeClr val="accent1"/>
-          </a:fillRef>
-          <a:effectRef idx="1">
-            <a:schemeClr val="accent1"/>
-          </a:effectRef>
-          <a:fontRef idx="minor">
-            <a:schemeClr val="tx1"/>
-          </a:fontRef>
-        </p:style>
-      </p:cxnSp>
-      <p:cxnSp>
-        <p:nvCxnSpPr>
           <p:cNvPr id="58" name="Connector: Curved 57">
             <a:extLst>
               <a:ext uri="{FF2B5EF4-FFF2-40B4-BE49-F238E27FC236}">
@@ -22745,8 +22619,8 @@
           </a:fontRef>
         </p:style>
       </p:cxnSp>
-      <mc:AlternateContent xmlns:mc="http://schemas.openxmlformats.org/markup-compatibility/2006">
-        <mc:Choice xmlns:a14="http://schemas.microsoft.com/office/drawing/2010/main" Requires="a14">
+      <mc:AlternateContent xmlns:mc="http://schemas.openxmlformats.org/markup-compatibility/2006" xmlns:a14="http://schemas.microsoft.com/office/drawing/2010/main">
+        <mc:Choice Requires="a14">
           <p:sp>
             <p:nvSpPr>
               <p:cNvPr id="26" name="Rectangle: Rounded Corners 25">
@@ -22977,7 +22851,7 @@
             </p:txBody>
           </p:sp>
         </mc:Choice>
-        <mc:Fallback>
+        <mc:Fallback xmlns="">
           <p:sp>
             <p:nvSpPr>
               <p:cNvPr id="26" name="Rectangle: Rounded Corners 25">
@@ -23029,8 +22903,8 @@
           </p:sp>
         </mc:Fallback>
       </mc:AlternateContent>
-      <mc:AlternateContent xmlns:mc="http://schemas.openxmlformats.org/markup-compatibility/2006">
-        <mc:Choice xmlns:a14="http://schemas.microsoft.com/office/drawing/2010/main" Requires="a14">
+      <mc:AlternateContent xmlns:mc="http://schemas.openxmlformats.org/markup-compatibility/2006" xmlns:a14="http://schemas.microsoft.com/office/drawing/2010/main">
+        <mc:Choice Requires="a14">
           <p:sp>
             <p:nvSpPr>
               <p:cNvPr id="27" name="Rectangle: Rounded Corners 26">
@@ -23125,6 +22999,7 @@
                         <a:solidFill>
                           <a:schemeClr val="tx1"/>
                         </a:solidFill>
+                        <a:latin typeface="Cambria Math" panose="02040503050406030204" pitchFamily="18" charset="0"/>
                       </a:rPr>
                       <m:t>[</m:t>
                     </m:r>
@@ -23133,6 +23008,7 @@
                         <a:solidFill>
                           <a:schemeClr val="tx1"/>
                         </a:solidFill>
+                        <a:latin typeface="Cambria Math" panose="02040503050406030204" pitchFamily="18" charset="0"/>
                       </a:rPr>
                       <m:t>𝝓</m:t>
                     </m:r>
@@ -23141,6 +23017,7 @@
                         <a:solidFill>
                           <a:schemeClr val="tx1"/>
                         </a:solidFill>
+                        <a:latin typeface="Cambria Math" panose="02040503050406030204" pitchFamily="18" charset="0"/>
                       </a:rPr>
                       <m:t>]=</m:t>
                     </m:r>
@@ -23149,10 +23026,11 @@
                         <m:begChr m:val="["/>
                         <m:endChr m:val="]"/>
                         <m:ctrlPr>
-                          <a:rPr lang="en-US" sz="1000" b="1">
+                          <a:rPr lang="en-US" sz="1000" b="1" i="1">
                             <a:solidFill>
                               <a:schemeClr val="tx1"/>
                             </a:solidFill>
+                            <a:latin typeface="Cambria Math" panose="02040503050406030204" pitchFamily="18" charset="0"/>
                           </a:rPr>
                         </m:ctrlPr>
                       </m:dPr>
@@ -23162,6 +23040,7 @@
                             <a:solidFill>
                               <a:schemeClr val="tx1"/>
                             </a:solidFill>
+                            <a:latin typeface="Cambria Math" panose="02040503050406030204" pitchFamily="18" charset="0"/>
                           </a:rPr>
                           <m:t>𝑵</m:t>
                         </m:r>
@@ -23172,6 +23051,7 @@
                         <a:solidFill>
                           <a:schemeClr val="tx1"/>
                         </a:solidFill>
+                        <a:latin typeface="Cambria Math" panose="02040503050406030204" pitchFamily="18" charset="0"/>
                       </a:rPr>
                       <m:t>[</m:t>
                     </m:r>
@@ -23180,6 +23060,7 @@
                         <a:solidFill>
                           <a:schemeClr val="tx1"/>
                         </a:solidFill>
+                        <a:latin typeface="Cambria Math" panose="02040503050406030204" pitchFamily="18" charset="0"/>
                       </a:rPr>
                       <m:t>𝒒</m:t>
                     </m:r>
@@ -23188,6 +23069,7 @@
                         <a:solidFill>
                           <a:schemeClr val="tx1"/>
                         </a:solidFill>
+                        <a:latin typeface="Cambria Math" panose="02040503050406030204" pitchFamily="18" charset="0"/>
                       </a:rPr>
                       <m:t>]</m:t>
                     </m:r>
@@ -23359,7 +23241,7 @@
             </p:txBody>
           </p:sp>
         </mc:Choice>
-        <mc:Fallback>
+        <mc:Fallback xmlns="">
           <p:sp>
             <p:nvSpPr>
               <p:cNvPr id="27" name="Rectangle: Rounded Corners 26">
@@ -23411,8 +23293,8 @@
           </p:sp>
         </mc:Fallback>
       </mc:AlternateContent>
-      <mc:AlternateContent xmlns:mc="http://schemas.openxmlformats.org/markup-compatibility/2006">
-        <mc:Choice xmlns:a14="http://schemas.microsoft.com/office/drawing/2010/main" Requires="a14">
+      <mc:AlternateContent xmlns:mc="http://schemas.openxmlformats.org/markup-compatibility/2006" xmlns:a14="http://schemas.microsoft.com/office/drawing/2010/main">
+        <mc:Choice Requires="a14">
           <p:sp>
             <p:nvSpPr>
               <p:cNvPr id="28" name="Rectangle: Rounded Corners 27">
@@ -23503,6 +23385,7 @@
                 </a:endParaRPr>
               </a:p>
               <a:p>
+                <a:pPr/>
                 <a14:m>
                   <m:oMathPara xmlns:m="http://schemas.openxmlformats.org/officeDocument/2006/math">
                     <m:oMathParaPr>
@@ -23903,7 +23786,7 @@
             </p:txBody>
           </p:sp>
         </mc:Choice>
-        <mc:Fallback>
+        <mc:Fallback xmlns="">
           <p:sp>
             <p:nvSpPr>
               <p:cNvPr id="28" name="Rectangle: Rounded Corners 27">
@@ -23955,8 +23838,8 @@
           </p:sp>
         </mc:Fallback>
       </mc:AlternateContent>
-      <mc:AlternateContent xmlns:mc="http://schemas.openxmlformats.org/markup-compatibility/2006">
-        <mc:Choice xmlns:a14="http://schemas.microsoft.com/office/drawing/2010/main" Requires="a14">
+      <mc:AlternateContent xmlns:mc="http://schemas.openxmlformats.org/markup-compatibility/2006" xmlns:a14="http://schemas.microsoft.com/office/drawing/2010/main">
+        <mc:Choice Requires="a14">
           <p:sp>
             <p:nvSpPr>
               <p:cNvPr id="29" name="Rectangle: Rounded Corners 28">
@@ -24220,6 +24103,7 @@
                 </a:endParaRPr>
               </a:p>
               <a:p>
+                <a:pPr/>
                 <a14:m>
                   <m:oMathPara xmlns:m="http://schemas.openxmlformats.org/officeDocument/2006/math">
                     <m:oMathParaPr>
@@ -24241,7 +24125,7 @@
                       <m:d>
                         <m:dPr>
                           <m:ctrlPr>
-                            <a:rPr lang="en-US" sz="1000" i="0" smtClean="0">
+                            <a:rPr lang="en-US" sz="1000" i="1" smtClean="0">
                               <a:solidFill>
                                 <a:schemeClr val="tx1"/>
                               </a:solidFill>
@@ -24301,7 +24185,7 @@
                       <m:sSup>
                         <m:sSupPr>
                           <m:ctrlPr>
-                            <a:rPr lang="en-US" sz="1000" i="0" smtClean="0">
+                            <a:rPr lang="en-US" sz="1000" i="1" smtClean="0">
                               <a:solidFill>
                                 <a:schemeClr val="tx1"/>
                               </a:solidFill>
@@ -24597,7 +24481,7 @@
             </p:txBody>
           </p:sp>
         </mc:Choice>
-        <mc:Fallback>
+        <mc:Fallback xmlns="">
           <p:sp>
             <p:nvSpPr>
               <p:cNvPr id="29" name="Rectangle: Rounded Corners 28">
@@ -24649,8 +24533,8 @@
           </p:sp>
         </mc:Fallback>
       </mc:AlternateContent>
-      <mc:AlternateContent xmlns:mc="http://schemas.openxmlformats.org/markup-compatibility/2006">
-        <mc:Choice xmlns:a14="http://schemas.microsoft.com/office/drawing/2010/main" Requires="a14">
+      <mc:AlternateContent xmlns:mc="http://schemas.openxmlformats.org/markup-compatibility/2006" xmlns:a14="http://schemas.microsoft.com/office/drawing/2010/main">
+        <mc:Choice Requires="a14">
           <p:sp>
             <p:nvSpPr>
               <p:cNvPr id="30" name="Rectangle: Rounded Corners 29">
@@ -25732,7 +25616,7 @@
             </p:txBody>
           </p:sp>
         </mc:Choice>
-        <mc:Fallback>
+        <mc:Fallback xmlns="">
           <p:sp>
             <p:nvSpPr>
               <p:cNvPr id="30" name="Rectangle: Rounded Corners 29">
@@ -25830,8 +25714,8 @@
           </a:fontRef>
         </p:style>
       </p:cxnSp>
-      <mc:AlternateContent xmlns:mc="http://schemas.openxmlformats.org/markup-compatibility/2006">
-        <mc:Choice xmlns:a14="http://schemas.microsoft.com/office/drawing/2010/main" Requires="a14">
+      <mc:AlternateContent xmlns:mc="http://schemas.openxmlformats.org/markup-compatibility/2006" xmlns:a14="http://schemas.microsoft.com/office/drawing/2010/main">
+        <mc:Choice Requires="a14">
           <p:sp>
             <p:nvSpPr>
               <p:cNvPr id="32" name="Rectangle 31">
@@ -25950,7 +25834,7 @@
             </p:txBody>
           </p:sp>
         </mc:Choice>
-        <mc:Fallback>
+        <mc:Fallback xmlns="">
           <p:sp>
             <p:nvSpPr>
               <p:cNvPr id="32" name="Rectangle 31">
@@ -26115,8 +25999,8 @@
           </a:fontRef>
         </p:style>
       </p:cxnSp>
-      <mc:AlternateContent xmlns:mc="http://schemas.openxmlformats.org/markup-compatibility/2006">
-        <mc:Choice xmlns:a14="http://schemas.microsoft.com/office/drawing/2010/main" Requires="a14">
+      <mc:AlternateContent xmlns:mc="http://schemas.openxmlformats.org/markup-compatibility/2006" xmlns:a14="http://schemas.microsoft.com/office/drawing/2010/main">
+        <mc:Choice Requires="a14">
           <p:sp>
             <p:nvSpPr>
               <p:cNvPr id="49" name="Rectangle 48">
@@ -26266,7 +26150,7 @@
             </p:txBody>
           </p:sp>
         </mc:Choice>
-        <mc:Fallback>
+        <mc:Fallback xmlns="">
           <p:sp>
             <p:nvSpPr>
               <p:cNvPr id="49" name="Rectangle 48">
@@ -26365,8 +26249,8 @@
           </a:fontRef>
         </p:style>
       </p:cxnSp>
-      <mc:AlternateContent xmlns:mc="http://schemas.openxmlformats.org/markup-compatibility/2006">
-        <mc:Choice xmlns:a14="http://schemas.microsoft.com/office/drawing/2010/main" Requires="a14">
+      <mc:AlternateContent xmlns:mc="http://schemas.openxmlformats.org/markup-compatibility/2006" xmlns:a14="http://schemas.microsoft.com/office/drawing/2010/main">
+        <mc:Choice Requires="a14">
           <p:sp>
             <p:nvSpPr>
               <p:cNvPr id="55" name="Rectangle 54">
@@ -26471,7 +26355,7 @@
             </p:txBody>
           </p:sp>
         </mc:Choice>
-        <mc:Fallback>
+        <mc:Fallback xmlns="">
           <p:sp>
             <p:nvSpPr>
               <p:cNvPr id="55" name="Rectangle 54">
@@ -26568,8 +26452,8 @@
           </a:fontRef>
         </p:style>
       </p:cxnSp>
-      <mc:AlternateContent xmlns:mc="http://schemas.openxmlformats.org/markup-compatibility/2006">
-        <mc:Choice xmlns:a14="http://schemas.microsoft.com/office/drawing/2010/main" Requires="a14">
+      <mc:AlternateContent xmlns:mc="http://schemas.openxmlformats.org/markup-compatibility/2006" xmlns:a14="http://schemas.microsoft.com/office/drawing/2010/main">
+        <mc:Choice Requires="a14">
           <p:sp>
             <p:nvSpPr>
               <p:cNvPr id="69" name="Rectangle 68">
@@ -26649,7 +26533,7 @@
             </p:txBody>
           </p:sp>
         </mc:Choice>
-        <mc:Fallback>
+        <mc:Fallback xmlns="">
           <p:sp>
             <p:nvSpPr>
               <p:cNvPr id="69" name="Rectangle 68">
@@ -26700,8 +26584,8 @@
           </p:sp>
         </mc:Fallback>
       </mc:AlternateContent>
-      <mc:AlternateContent xmlns:mc="http://schemas.openxmlformats.org/markup-compatibility/2006">
-        <mc:Choice xmlns:a14="http://schemas.microsoft.com/office/drawing/2010/main" Requires="a14">
+      <mc:AlternateContent xmlns:mc="http://schemas.openxmlformats.org/markup-compatibility/2006" xmlns:a14="http://schemas.microsoft.com/office/drawing/2010/main">
+        <mc:Choice Requires="a14">
           <p:sp>
             <p:nvSpPr>
               <p:cNvPr id="78" name="Rectangle 77">
@@ -26806,7 +26690,7 @@
             </p:txBody>
           </p:sp>
         </mc:Choice>
-        <mc:Fallback>
+        <mc:Fallback xmlns="">
           <p:sp>
             <p:nvSpPr>
               <p:cNvPr id="78" name="Rectangle 77">
@@ -26903,8 +26787,8 @@
           </a:fontRef>
         </p:style>
       </p:cxnSp>
-      <mc:AlternateContent xmlns:mc="http://schemas.openxmlformats.org/markup-compatibility/2006">
-        <mc:Choice xmlns:a14="http://schemas.microsoft.com/office/drawing/2010/main" Requires="a14">
+      <mc:AlternateContent xmlns:mc="http://schemas.openxmlformats.org/markup-compatibility/2006" xmlns:a14="http://schemas.microsoft.com/office/drawing/2010/main">
+        <mc:Choice Requires="a14">
           <p:sp>
             <p:nvSpPr>
               <p:cNvPr id="93" name="Rectangle 92">
@@ -27009,7 +26893,7 @@
             </p:txBody>
           </p:sp>
         </mc:Choice>
-        <mc:Fallback>
+        <mc:Fallback xmlns="">
           <p:sp>
             <p:nvSpPr>
               <p:cNvPr id="93" name="Rectangle 92">
@@ -27152,8 +27036,8 @@
           </a:fontRef>
         </p:style>
       </p:cxnSp>
-      <mc:AlternateContent xmlns:mc="http://schemas.openxmlformats.org/markup-compatibility/2006">
-        <mc:Choice xmlns:a14="http://schemas.microsoft.com/office/drawing/2010/main" Requires="a14">
+      <mc:AlternateContent xmlns:mc="http://schemas.openxmlformats.org/markup-compatibility/2006" xmlns:a14="http://schemas.microsoft.com/office/drawing/2010/main">
+        <mc:Choice Requires="a14">
           <p:sp>
             <p:nvSpPr>
               <p:cNvPr id="45" name="Rectangle 44">
@@ -27266,7 +27150,7 @@
             </p:txBody>
           </p:sp>
         </mc:Choice>
-        <mc:Fallback>
+        <mc:Fallback xmlns="">
           <p:sp>
             <p:nvSpPr>
               <p:cNvPr id="45" name="Rectangle 44">

--- a/homeworks/hw_flowcharts.pptx
+++ b/homeworks/hw_flowcharts.pptx
@@ -15436,7 +15436,7 @@
                 <a:r>
                   <a:rPr lang="en-US" sz="1000" b="1" dirty="0">
                     <a:solidFill>
-                      <a:schemeClr val="tx1"/>
+                      <a:srgbClr val="FF0000"/>
                     </a:solidFill>
                   </a:rPr>
                   <a:t>compute</a:t>
@@ -15444,14 +15444,14 @@
                 <a:r>
                   <a:rPr lang="en-US" sz="1000" b="1" dirty="0" err="1">
                     <a:solidFill>
-                      <a:schemeClr val="tx1"/>
+                      <a:srgbClr val="FF0000"/>
                     </a:solidFill>
                   </a:rPr>
                   <a:t>_N</a:t>
                 </a:r>
                 <a:endParaRPr lang="en-US" sz="1000" b="1" dirty="0">
                   <a:solidFill>
-                    <a:schemeClr val="tx1"/>
+                    <a:srgbClr val="FF0000"/>
                   </a:solidFill>
                 </a:endParaRPr>
               </a:p>

--- a/homeworks/hw_flowcharts.pptx
+++ b/homeworks/hw_flowcharts.pptx
@@ -5,7 +5,7 @@
     <p:sldMasterId id="2147483648" r:id="rId1"/>
   </p:sldMasterIdLst>
   <p:notesMasterIdLst>
-    <p:notesMasterId r:id="rId14"/>
+    <p:notesMasterId r:id="rId15"/>
   </p:notesMasterIdLst>
   <p:sldIdLst>
     <p:sldId id="273" r:id="rId2"/>
@@ -16,10 +16,11 @@
     <p:sldId id="278" r:id="rId7"/>
     <p:sldId id="279" r:id="rId8"/>
     <p:sldId id="280" r:id="rId9"/>
-    <p:sldId id="269" r:id="rId10"/>
-    <p:sldId id="272" r:id="rId11"/>
-    <p:sldId id="258" r:id="rId12"/>
-    <p:sldId id="260" r:id="rId13"/>
+    <p:sldId id="281" r:id="rId10"/>
+    <p:sldId id="282" r:id="rId11"/>
+    <p:sldId id="272" r:id="rId12"/>
+    <p:sldId id="258" r:id="rId13"/>
+    <p:sldId id="260" r:id="rId14"/>
   </p:sldIdLst>
   <p:sldSz cx="12192000" cy="6858000"/>
   <p:notesSz cx="6858000" cy="9144000"/>
@@ -143,7 +144,8 @@
         </p14:section>
         <p14:section name="hw4" id="{59957874-70DC-445A-AA48-EFD6D48CAB8C}">
           <p14:sldIdLst>
-            <p14:sldId id="269"/>
+            <p14:sldId id="281"/>
+            <p14:sldId id="282"/>
           </p14:sldIdLst>
         </p14:section>
         <p14:section name="hw5" id="{E22307EB-5D1D-4B05-8346-F5D105A22FD6}">
@@ -3812,8 +3814,8 @@
             <a:chExt cx="11741333" cy="1338852"/>
           </a:xfrm>
         </p:grpSpPr>
-        <mc:AlternateContent xmlns:mc="http://schemas.openxmlformats.org/markup-compatibility/2006">
-          <mc:Choice xmlns:a14="http://schemas.microsoft.com/office/drawing/2010/main" Requires="a14">
+        <mc:AlternateContent xmlns:mc="http://schemas.openxmlformats.org/markup-compatibility/2006" xmlns:a14="http://schemas.microsoft.com/office/drawing/2010/main">
+          <mc:Choice Requires="a14">
             <p:sp>
               <p:nvSpPr>
                 <p:cNvPr id="2" name="Rectangle: Rounded Corners 1">
@@ -4047,7 +4049,7 @@
               </p:txBody>
             </p:sp>
           </mc:Choice>
-          <mc:Fallback>
+          <mc:Fallback xmlns="">
             <p:sp>
               <p:nvSpPr>
                 <p:cNvPr id="2" name="Rectangle: Rounded Corners 1">
@@ -4099,8 +4101,8 @@
             </p:sp>
           </mc:Fallback>
         </mc:AlternateContent>
-        <mc:AlternateContent xmlns:mc="http://schemas.openxmlformats.org/markup-compatibility/2006">
-          <mc:Choice xmlns:a14="http://schemas.microsoft.com/office/drawing/2010/main" Requires="a14">
+        <mc:AlternateContent xmlns:mc="http://schemas.openxmlformats.org/markup-compatibility/2006" xmlns:a14="http://schemas.microsoft.com/office/drawing/2010/main">
+          <mc:Choice Requires="a14">
             <p:sp>
               <p:nvSpPr>
                 <p:cNvPr id="3" name="Rectangle: Rounded Corners 2">
@@ -4233,6 +4235,7 @@
                               <a:solidFill>
                                 <a:schemeClr val="tx1"/>
                               </a:solidFill>
+                              <a:latin typeface="Cambria Math" panose="02040503050406030204" pitchFamily="18" charset="0"/>
                             </a:rPr>
                           </m:ctrlPr>
                         </m:dPr>
@@ -4355,7 +4358,7 @@
               </p:txBody>
             </p:sp>
           </mc:Choice>
-          <mc:Fallback>
+          <mc:Fallback xmlns="">
             <p:sp>
               <p:nvSpPr>
                 <p:cNvPr id="3" name="Rectangle: Rounded Corners 2">
@@ -4407,8 +4410,8 @@
             </p:sp>
           </mc:Fallback>
         </mc:AlternateContent>
-        <mc:AlternateContent xmlns:mc="http://schemas.openxmlformats.org/markup-compatibility/2006">
-          <mc:Choice xmlns:a14="http://schemas.microsoft.com/office/drawing/2010/main" Requires="a14">
+        <mc:AlternateContent xmlns:mc="http://schemas.openxmlformats.org/markup-compatibility/2006" xmlns:a14="http://schemas.microsoft.com/office/drawing/2010/main">
+          <mc:Choice Requires="a14">
             <p:sp>
               <p:nvSpPr>
                 <p:cNvPr id="4" name="Rectangle: Rounded Corners 3">
@@ -4672,7 +4675,7 @@
               </p:txBody>
             </p:sp>
           </mc:Choice>
-          <mc:Fallback>
+          <mc:Fallback xmlns="">
             <p:sp>
               <p:nvSpPr>
                 <p:cNvPr id="4" name="Rectangle: Rounded Corners 3">
@@ -4724,8 +4727,8 @@
             </p:sp>
           </mc:Fallback>
         </mc:AlternateContent>
-        <mc:AlternateContent xmlns:mc="http://schemas.openxmlformats.org/markup-compatibility/2006">
-          <mc:Choice xmlns:a14="http://schemas.microsoft.com/office/drawing/2010/main" Requires="a14">
+        <mc:AlternateContent xmlns:mc="http://schemas.openxmlformats.org/markup-compatibility/2006" xmlns:a14="http://schemas.microsoft.com/office/drawing/2010/main">
+          <mc:Choice Requires="a14">
             <p:sp>
               <p:nvSpPr>
                 <p:cNvPr id="5" name="Rectangle: Rounded Corners 4">
@@ -5057,7 +5060,7 @@
               </p:txBody>
             </p:sp>
           </mc:Choice>
-          <mc:Fallback>
+          <mc:Fallback xmlns="">
             <p:sp>
               <p:nvSpPr>
                 <p:cNvPr id="5" name="Rectangle: Rounded Corners 4">
@@ -5109,8 +5112,8 @@
             </p:sp>
           </mc:Fallback>
         </mc:AlternateContent>
-        <mc:AlternateContent xmlns:mc="http://schemas.openxmlformats.org/markup-compatibility/2006">
-          <mc:Choice xmlns:a14="http://schemas.microsoft.com/office/drawing/2010/main" Requires="a14">
+        <mc:AlternateContent xmlns:mc="http://schemas.openxmlformats.org/markup-compatibility/2006" xmlns:a14="http://schemas.microsoft.com/office/drawing/2010/main">
+          <mc:Choice Requires="a14">
             <p:sp>
               <p:nvSpPr>
                 <p:cNvPr id="6" name="Rectangle: Rounded Corners 5">
@@ -5442,7 +5445,7 @@
               </p:txBody>
             </p:sp>
           </mc:Choice>
-          <mc:Fallback>
+          <mc:Fallback xmlns="">
             <p:sp>
               <p:nvSpPr>
                 <p:cNvPr id="6" name="Rectangle: Rounded Corners 5">
@@ -5736,6 +5739,3376 @@
 </file>
 
 <file path=ppt/slides/slide10.xml><?xml version="1.0" encoding="utf-8"?>
+<p:sld xmlns:a="http://schemas.openxmlformats.org/drawingml/2006/main" xmlns:r="http://schemas.openxmlformats.org/officeDocument/2006/relationships" xmlns:p="http://schemas.openxmlformats.org/presentationml/2006/main">
+  <p:cSld>
+    <p:bg>
+      <p:bgPr>
+        <a:solidFill>
+          <a:schemeClr val="tx1">
+            <a:lumMod val="50000"/>
+            <a:lumOff val="50000"/>
+          </a:schemeClr>
+        </a:solidFill>
+        <a:effectLst/>
+      </p:bgPr>
+    </p:bg>
+    <p:spTree>
+      <p:nvGrpSpPr>
+        <p:cNvPr id="1" name=""/>
+        <p:cNvGrpSpPr/>
+        <p:nvPr/>
+      </p:nvGrpSpPr>
+      <p:grpSpPr>
+        <a:xfrm>
+          <a:off x="0" y="0"/>
+          <a:ext cx="0" cy="0"/>
+          <a:chOff x="0" y="0"/>
+          <a:chExt cx="0" cy="0"/>
+        </a:xfrm>
+      </p:grpSpPr>
+      <p:sp>
+        <p:nvSpPr>
+          <p:cNvPr id="154" name="Rectangle 153">
+            <a:extLst>
+              <a:ext uri="{FF2B5EF4-FFF2-40B4-BE49-F238E27FC236}">
+                <a16:creationId xmlns:a16="http://schemas.microsoft.com/office/drawing/2014/main" id="{3B9FAFCD-805C-9E5A-10F2-74DCB8B50B8F}"/>
+              </a:ext>
+            </a:extLst>
+          </p:cNvPr>
+          <p:cNvSpPr/>
+          <p:nvPr/>
+        </p:nvSpPr>
+        <p:spPr>
+          <a:xfrm>
+            <a:off x="5866947" y="1444800"/>
+            <a:ext cx="984817" cy="318400"/>
+          </a:xfrm>
+          <a:prstGeom prst="rect">
+            <a:avLst/>
+          </a:prstGeom>
+          <a:solidFill>
+            <a:schemeClr val="accent3">
+              <a:lumMod val="20000"/>
+              <a:lumOff val="80000"/>
+            </a:schemeClr>
+          </a:solidFill>
+          <a:ln w="3175">
+            <a:solidFill>
+              <a:schemeClr val="tx1"/>
+            </a:solidFill>
+            <a:prstDash val="sysDot"/>
+          </a:ln>
+        </p:spPr>
+        <p:style>
+          <a:lnRef idx="2">
+            <a:schemeClr val="accent1">
+              <a:shade val="15000"/>
+            </a:schemeClr>
+          </a:lnRef>
+          <a:fillRef idx="1">
+            <a:schemeClr val="accent1"/>
+          </a:fillRef>
+          <a:effectRef idx="0">
+            <a:schemeClr val="accent1"/>
+          </a:effectRef>
+          <a:fontRef idx="minor">
+            <a:schemeClr val="lt1"/>
+          </a:fontRef>
+        </p:style>
+        <p:txBody>
+          <a:bodyPr rtlCol="0" anchor="ctr"/>
+          <a:lstStyle/>
+          <a:p>
+            <a:pPr marL="171450" marR="0" lvl="0" indent="-171450" algn="l" defTabSz="914400" rtl="0" eaLnBrk="1" fontAlgn="auto" latinLnBrk="0" hangingPunct="1">
+              <a:lnSpc>
+                <a:spcPct val="100000"/>
+              </a:lnSpc>
+              <a:spcBef>
+                <a:spcPts val="0"/>
+              </a:spcBef>
+              <a:spcAft>
+                <a:spcPts val="0"/>
+              </a:spcAft>
+              <a:buClrTx/>
+              <a:buSzTx/>
+              <a:buFont typeface="Arial" panose="020B0604020202020204" pitchFamily="34" charset="0"/>
+              <a:buChar char="•"/>
+              <a:tabLst/>
+              <a:defRPr/>
+            </a:pPr>
+            <a:r>
+              <a:rPr lang="en-US" sz="800" b="1" dirty="0">
+                <a:solidFill>
+                  <a:prstClr val="black"/>
+                </a:solidFill>
+                <a:latin typeface="Aptos" panose="02110004020202020204"/>
+              </a:rPr>
+              <a:t>n</a:t>
+            </a:r>
+            <a:r>
+              <a:rPr kumimoji="0" lang="en-US" sz="800" b="1" i="0" u="none" strike="noStrike" kern="1200" cap="none" spc="0" normalizeH="0" baseline="0" noProof="0" dirty="0" err="1">
+                <a:ln>
+                  <a:noFill/>
+                </a:ln>
+                <a:solidFill>
+                  <a:prstClr val="black"/>
+                </a:solidFill>
+                <a:effectLst/>
+                <a:uLnTx/>
+                <a:uFillTx/>
+                <a:latin typeface="Aptos" panose="02110004020202020204"/>
+                <a:ea typeface="+mn-ea"/>
+                <a:cs typeface="+mn-cs"/>
+              </a:rPr>
+              <a:t>um_itg_pts</a:t>
+            </a:r>
+            <a:r>
+              <a:rPr kumimoji="0" lang="en-US" sz="800" b="1" i="0" u="none" strike="noStrike" kern="1200" cap="none" spc="0" normalizeH="0" baseline="0" noProof="0" dirty="0">
+                <a:ln>
+                  <a:noFill/>
+                </a:ln>
+                <a:solidFill>
+                  <a:prstClr val="black"/>
+                </a:solidFill>
+                <a:effectLst/>
+                <a:uLnTx/>
+                <a:uFillTx/>
+                <a:latin typeface="Aptos" panose="02110004020202020204"/>
+                <a:ea typeface="+mn-ea"/>
+                <a:cs typeface="+mn-cs"/>
+              </a:rPr>
+              <a:t> </a:t>
+            </a:r>
+          </a:p>
+        </p:txBody>
+      </p:sp>
+      <p:cxnSp>
+        <p:nvCxnSpPr>
+          <p:cNvPr id="322" name="Straight Arrow Connector 321">
+            <a:extLst>
+              <a:ext uri="{FF2B5EF4-FFF2-40B4-BE49-F238E27FC236}">
+                <a16:creationId xmlns:a16="http://schemas.microsoft.com/office/drawing/2014/main" id="{DCB70C34-8765-C935-118D-CA888DB1F9F7}"/>
+              </a:ext>
+            </a:extLst>
+          </p:cNvPr>
+          <p:cNvCxnSpPr>
+            <a:cxnSpLocks/>
+            <a:stCxn id="3" idx="1"/>
+            <a:endCxn id="123" idx="3"/>
+          </p:cNvCxnSpPr>
+          <p:nvPr/>
+        </p:nvCxnSpPr>
+        <p:spPr>
+          <a:xfrm flipH="1" flipV="1">
+            <a:off x="1466428" y="2742841"/>
+            <a:ext cx="337531" cy="1"/>
+          </a:xfrm>
+          <a:prstGeom prst="straightConnector1">
+            <a:avLst/>
+          </a:prstGeom>
+          <a:ln cmpd="dbl">
+            <a:solidFill>
+              <a:schemeClr val="tx1"/>
+            </a:solidFill>
+            <a:headEnd type="stealth" w="lg" len="lg"/>
+            <a:tailEnd type="none" w="lg" len="lg"/>
+          </a:ln>
+        </p:spPr>
+        <p:style>
+          <a:lnRef idx="2">
+            <a:schemeClr val="accent1"/>
+          </a:lnRef>
+          <a:fillRef idx="0">
+            <a:schemeClr val="accent1"/>
+          </a:fillRef>
+          <a:effectRef idx="1">
+            <a:schemeClr val="accent1"/>
+          </a:effectRef>
+          <a:fontRef idx="minor">
+            <a:schemeClr val="tx1"/>
+          </a:fontRef>
+        </p:style>
+      </p:cxnSp>
+      <p:sp>
+        <p:nvSpPr>
+          <p:cNvPr id="386" name="TextBox 385">
+            <a:extLst>
+              <a:ext uri="{FF2B5EF4-FFF2-40B4-BE49-F238E27FC236}">
+                <a16:creationId xmlns:a16="http://schemas.microsoft.com/office/drawing/2014/main" id="{CA6CDC21-8C30-C53D-C3D0-D04FB12A6889}"/>
+              </a:ext>
+            </a:extLst>
+          </p:cNvPr>
+          <p:cNvSpPr txBox="1"/>
+          <p:nvPr/>
+        </p:nvSpPr>
+        <p:spPr>
+          <a:xfrm>
+            <a:off x="192467" y="342418"/>
+            <a:ext cx="3618351" cy="707886"/>
+          </a:xfrm>
+          <a:prstGeom prst="rect">
+            <a:avLst/>
+          </a:prstGeom>
+          <a:noFill/>
+        </p:spPr>
+        <p:txBody>
+          <a:bodyPr wrap="square" rtlCol="0">
+            <a:spAutoFit/>
+          </a:bodyPr>
+          <a:lstStyle/>
+          <a:p>
+            <a:pPr marL="0" marR="0" lvl="0" indent="0" algn="l" defTabSz="914400" rtl="0" eaLnBrk="1" fontAlgn="auto" latinLnBrk="0" hangingPunct="1">
+              <a:lnSpc>
+                <a:spcPct val="100000"/>
+              </a:lnSpc>
+              <a:spcBef>
+                <a:spcPts val="0"/>
+              </a:spcBef>
+              <a:spcAft>
+                <a:spcPts val="0"/>
+              </a:spcAft>
+              <a:buClrTx/>
+              <a:buSzTx/>
+              <a:buFontTx/>
+              <a:buNone/>
+              <a:tabLst/>
+              <a:defRPr/>
+            </a:pPr>
+            <a:r>
+              <a:rPr kumimoji="0" lang="en-US" sz="2000" b="1" i="0" u="none" strike="noStrike" kern="1200" cap="none" spc="0" normalizeH="0" baseline="0" noProof="0" dirty="0">
+                <a:ln>
+                  <a:noFill/>
+                </a:ln>
+                <a:solidFill>
+                  <a:prstClr val="white"/>
+                </a:solidFill>
+                <a:effectLst/>
+                <a:uLnTx/>
+                <a:uFillTx/>
+                <a:latin typeface="Aptos" panose="02110004020202020204"/>
+                <a:ea typeface="+mn-ea"/>
+                <a:cs typeface="+mn-cs"/>
+              </a:rPr>
+              <a:t>Bubble charts</a:t>
+            </a:r>
+          </a:p>
+          <a:p>
+            <a:pPr marL="0" marR="0" lvl="0" indent="0" algn="l" defTabSz="914400" rtl="0" eaLnBrk="1" fontAlgn="auto" latinLnBrk="0" hangingPunct="1">
+              <a:lnSpc>
+                <a:spcPct val="100000"/>
+              </a:lnSpc>
+              <a:spcBef>
+                <a:spcPts val="0"/>
+              </a:spcBef>
+              <a:spcAft>
+                <a:spcPts val="0"/>
+              </a:spcAft>
+              <a:buClrTx/>
+              <a:buSzTx/>
+              <a:buFontTx/>
+              <a:buNone/>
+              <a:tabLst/>
+              <a:defRPr/>
+            </a:pPr>
+            <a:r>
+              <a:rPr kumimoji="0" lang="en-US" sz="2000" b="1" i="0" u="none" strike="noStrike" kern="1200" cap="none" spc="0" normalizeH="0" baseline="0" noProof="0">
+                <a:ln>
+                  <a:noFill/>
+                </a:ln>
+                <a:solidFill>
+                  <a:prstClr val="white"/>
+                </a:solidFill>
+                <a:effectLst/>
+                <a:uLnTx/>
+                <a:uFillTx/>
+                <a:latin typeface="Aptos" panose="02110004020202020204"/>
+                <a:ea typeface="+mn-ea"/>
+                <a:cs typeface="+mn-cs"/>
+              </a:rPr>
+              <a:t>HW4</a:t>
+            </a:r>
+            <a:endParaRPr kumimoji="0" lang="en-US" sz="2000" b="1" i="0" u="none" strike="noStrike" kern="1200" cap="none" spc="0" normalizeH="0" baseline="0" noProof="0" dirty="0">
+              <a:ln>
+                <a:noFill/>
+              </a:ln>
+              <a:solidFill>
+                <a:prstClr val="white"/>
+              </a:solidFill>
+              <a:effectLst/>
+              <a:uLnTx/>
+              <a:uFillTx/>
+              <a:latin typeface="Aptos" panose="02110004020202020204"/>
+              <a:ea typeface="+mn-ea"/>
+              <a:cs typeface="+mn-cs"/>
+            </a:endParaRPr>
+          </a:p>
+        </p:txBody>
+      </p:sp>
+      <p:cxnSp>
+        <p:nvCxnSpPr>
+          <p:cNvPr id="32" name="Straight Arrow Connector 31">
+            <a:extLst>
+              <a:ext uri="{FF2B5EF4-FFF2-40B4-BE49-F238E27FC236}">
+                <a16:creationId xmlns:a16="http://schemas.microsoft.com/office/drawing/2014/main" id="{A714171C-6C69-E803-BAAD-90D910BE018F}"/>
+              </a:ext>
+            </a:extLst>
+          </p:cNvPr>
+          <p:cNvCxnSpPr>
+            <a:cxnSpLocks/>
+            <a:stCxn id="4" idx="1"/>
+            <a:endCxn id="9" idx="3"/>
+          </p:cNvCxnSpPr>
+          <p:nvPr/>
+        </p:nvCxnSpPr>
+        <p:spPr>
+          <a:xfrm flipH="1">
+            <a:off x="7654059" y="2739556"/>
+            <a:ext cx="1068839" cy="0"/>
+          </a:xfrm>
+          <a:prstGeom prst="straightConnector1">
+            <a:avLst/>
+          </a:prstGeom>
+          <a:ln cmpd="dbl">
+            <a:solidFill>
+              <a:schemeClr val="tx1"/>
+            </a:solidFill>
+            <a:headEnd type="stealth" w="lg" len="lg"/>
+            <a:tailEnd type="none" w="lg" len="lg"/>
+          </a:ln>
+        </p:spPr>
+        <p:style>
+          <a:lnRef idx="2">
+            <a:schemeClr val="accent1"/>
+          </a:lnRef>
+          <a:fillRef idx="0">
+            <a:schemeClr val="accent1"/>
+          </a:fillRef>
+          <a:effectRef idx="1">
+            <a:schemeClr val="accent1"/>
+          </a:effectRef>
+          <a:fontRef idx="minor">
+            <a:schemeClr val="tx1"/>
+          </a:fontRef>
+        </p:style>
+      </p:cxnSp>
+      <mc:AlternateContent xmlns:mc="http://schemas.openxmlformats.org/markup-compatibility/2006" xmlns:a14="http://schemas.microsoft.com/office/drawing/2010/main">
+        <mc:Choice Requires="a14">
+          <p:sp>
+            <p:nvSpPr>
+              <p:cNvPr id="358" name="Rectangle 357">
+                <a:extLst>
+                  <a:ext uri="{FF2B5EF4-FFF2-40B4-BE49-F238E27FC236}">
+                    <a16:creationId xmlns:a16="http://schemas.microsoft.com/office/drawing/2014/main" id="{0A659CB2-118D-8AB6-ABC3-E7124D04B9A7}"/>
+                  </a:ext>
+                </a:extLst>
+              </p:cNvPr>
+              <p:cNvSpPr/>
+              <p:nvPr/>
+            </p:nvSpPr>
+            <p:spPr>
+              <a:xfrm>
+                <a:off x="7863609" y="2583429"/>
+                <a:ext cx="518391" cy="318400"/>
+              </a:xfrm>
+              <a:prstGeom prst="rect">
+                <a:avLst/>
+              </a:prstGeom>
+              <a:solidFill>
+                <a:schemeClr val="accent3">
+                  <a:lumMod val="20000"/>
+                  <a:lumOff val="80000"/>
+                </a:schemeClr>
+              </a:solidFill>
+              <a:ln w="3175">
+                <a:solidFill>
+                  <a:schemeClr val="tx1"/>
+                </a:solidFill>
+                <a:prstDash val="sysDot"/>
+              </a:ln>
+            </p:spPr>
+            <p:style>
+              <a:lnRef idx="2">
+                <a:schemeClr val="accent1">
+                  <a:shade val="15000"/>
+                </a:schemeClr>
+              </a:lnRef>
+              <a:fillRef idx="1">
+                <a:schemeClr val="accent1"/>
+              </a:fillRef>
+              <a:effectRef idx="0">
+                <a:schemeClr val="accent1"/>
+              </a:effectRef>
+              <a:fontRef idx="minor">
+                <a:schemeClr val="lt1"/>
+              </a:fontRef>
+            </p:style>
+            <p:txBody>
+              <a:bodyPr rtlCol="0" anchor="ctr"/>
+              <a:lstStyle/>
+              <a:p>
+                <a:pPr marL="171450" marR="0" lvl="0" indent="-171450" algn="l" defTabSz="914400" rtl="0" eaLnBrk="1" fontAlgn="auto" latinLnBrk="0" hangingPunct="1">
+                  <a:lnSpc>
+                    <a:spcPct val="100000"/>
+                  </a:lnSpc>
+                  <a:spcBef>
+                    <a:spcPts val="0"/>
+                  </a:spcBef>
+                  <a:spcAft>
+                    <a:spcPts val="0"/>
+                  </a:spcAft>
+                  <a:buClrTx/>
+                  <a:buSzTx/>
+                  <a:buFont typeface="Arial" panose="020B0604020202020204" pitchFamily="34" charset="0"/>
+                  <a:buChar char="•"/>
+                  <a:tabLst/>
+                  <a:defRPr/>
+                </a:pPr>
+                <a14:m>
+                  <m:oMath xmlns:m="http://schemas.openxmlformats.org/officeDocument/2006/math">
+                    <m:sSup>
+                      <m:sSupPr>
+                        <m:ctrlPr>
+                          <a:rPr kumimoji="0" lang="en-US" sz="800" b="1" i="1" u="none" strike="noStrike" kern="1200" cap="none" spc="0" normalizeH="0" baseline="0" noProof="0" dirty="0" smtClean="0">
+                            <a:ln>
+                              <a:noFill/>
+                            </a:ln>
+                            <a:solidFill>
+                              <a:prstClr val="black"/>
+                            </a:solidFill>
+                            <a:effectLst/>
+                            <a:uLnTx/>
+                            <a:uFillTx/>
+                            <a:latin typeface="Cambria Math" panose="02040503050406030204" pitchFamily="18" charset="0"/>
+                            <a:ea typeface="+mn-ea"/>
+                            <a:cs typeface="+mn-cs"/>
+                          </a:rPr>
+                        </m:ctrlPr>
+                      </m:sSupPr>
+                      <m:e>
+                        <m:r>
+                          <a:rPr kumimoji="0" lang="en-US" sz="800" b="1" i="1" u="none" strike="noStrike" kern="1200" cap="none" spc="0" normalizeH="0" baseline="0" noProof="0" dirty="0" smtClean="0">
+                            <a:ln>
+                              <a:noFill/>
+                            </a:ln>
+                            <a:solidFill>
+                              <a:prstClr val="black"/>
+                            </a:solidFill>
+                            <a:effectLst/>
+                            <a:uLnTx/>
+                            <a:uFillTx/>
+                            <a:latin typeface="Cambria Math" panose="02040503050406030204" pitchFamily="18" charset="0"/>
+                            <a:ea typeface="+mn-ea"/>
+                            <a:cs typeface="+mn-cs"/>
+                          </a:rPr>
+                          <m:t>𝜼</m:t>
+                        </m:r>
+                      </m:e>
+                      <m:sup>
+                        <m:r>
+                          <a:rPr kumimoji="0" lang="en-US" sz="800" b="1" i="1" u="none" strike="noStrike" kern="1200" cap="none" spc="0" normalizeH="0" baseline="0" noProof="0" dirty="0" smtClean="0">
+                            <a:ln>
+                              <a:noFill/>
+                            </a:ln>
+                            <a:solidFill>
+                              <a:prstClr val="black"/>
+                            </a:solidFill>
+                            <a:effectLst/>
+                            <a:uLnTx/>
+                            <a:uFillTx/>
+                            <a:latin typeface="Cambria Math" panose="02040503050406030204" pitchFamily="18" charset="0"/>
+                            <a:ea typeface="+mn-ea"/>
+                            <a:cs typeface="+mn-cs"/>
+                          </a:rPr>
+                          <m:t>𝑰𝑷</m:t>
+                        </m:r>
+                      </m:sup>
+                    </m:sSup>
+                  </m:oMath>
+                </a14:m>
+                <a:endParaRPr kumimoji="0" lang="en-US" sz="800" b="1" i="0" u="none" strike="noStrike" kern="1200" cap="none" spc="0" normalizeH="0" baseline="0" noProof="0" dirty="0">
+                  <a:ln>
+                    <a:noFill/>
+                  </a:ln>
+                  <a:solidFill>
+                    <a:prstClr val="black"/>
+                  </a:solidFill>
+                  <a:effectLst/>
+                  <a:uLnTx/>
+                  <a:uFillTx/>
+                  <a:latin typeface="Aptos" panose="02110004020202020204"/>
+                  <a:ea typeface="+mn-ea"/>
+                  <a:cs typeface="+mn-cs"/>
+                </a:endParaRPr>
+              </a:p>
+              <a:p>
+                <a:pPr marL="171450" marR="0" lvl="0" indent="-171450" algn="l" defTabSz="914400" rtl="0" eaLnBrk="1" fontAlgn="auto" latinLnBrk="0" hangingPunct="1">
+                  <a:lnSpc>
+                    <a:spcPct val="100000"/>
+                  </a:lnSpc>
+                  <a:spcBef>
+                    <a:spcPts val="0"/>
+                  </a:spcBef>
+                  <a:spcAft>
+                    <a:spcPts val="0"/>
+                  </a:spcAft>
+                  <a:buClrTx/>
+                  <a:buSzTx/>
+                  <a:buFont typeface="Arial" panose="020B0604020202020204" pitchFamily="34" charset="0"/>
+                  <a:buChar char="•"/>
+                  <a:tabLst/>
+                  <a:defRPr/>
+                </a:pPr>
+                <a14:m>
+                  <m:oMath xmlns:m="http://schemas.openxmlformats.org/officeDocument/2006/math">
+                    <m:sSup>
+                      <m:sSupPr>
+                        <m:ctrlPr>
+                          <a:rPr kumimoji="0" lang="en-US" sz="800" b="1" i="1" u="none" strike="noStrike" kern="1200" cap="none" spc="0" normalizeH="0" baseline="0" noProof="0" smtClean="0">
+                            <a:ln>
+                              <a:noFill/>
+                            </a:ln>
+                            <a:solidFill>
+                              <a:prstClr val="black"/>
+                            </a:solidFill>
+                            <a:effectLst/>
+                            <a:uLnTx/>
+                            <a:uFillTx/>
+                            <a:latin typeface="Cambria Math" panose="02040503050406030204" pitchFamily="18" charset="0"/>
+                            <a:ea typeface="+mn-ea"/>
+                            <a:cs typeface="+mn-cs"/>
+                          </a:rPr>
+                        </m:ctrlPr>
+                      </m:sSupPr>
+                      <m:e>
+                        <m:r>
+                          <a:rPr kumimoji="0" lang="en-US" sz="800" b="1" i="1" u="none" strike="noStrike" kern="1200" cap="none" spc="0" normalizeH="0" baseline="0" noProof="0" smtClean="0">
+                            <a:ln>
+                              <a:noFill/>
+                            </a:ln>
+                            <a:solidFill>
+                              <a:prstClr val="black"/>
+                            </a:solidFill>
+                            <a:effectLst/>
+                            <a:uLnTx/>
+                            <a:uFillTx/>
+                            <a:latin typeface="Cambria Math" panose="02040503050406030204" pitchFamily="18" charset="0"/>
+                            <a:ea typeface="+mn-ea"/>
+                            <a:cs typeface="+mn-cs"/>
+                          </a:rPr>
+                          <m:t>𝒘</m:t>
+                        </m:r>
+                      </m:e>
+                      <m:sup>
+                        <m:r>
+                          <a:rPr kumimoji="0" lang="en-US" sz="800" b="1" i="1" u="none" strike="noStrike" kern="1200" cap="none" spc="0" normalizeH="0" baseline="0" noProof="0" smtClean="0">
+                            <a:ln>
+                              <a:noFill/>
+                            </a:ln>
+                            <a:solidFill>
+                              <a:prstClr val="black"/>
+                            </a:solidFill>
+                            <a:effectLst/>
+                            <a:uLnTx/>
+                            <a:uFillTx/>
+                            <a:latin typeface="Cambria Math" panose="02040503050406030204" pitchFamily="18" charset="0"/>
+                            <a:ea typeface="+mn-ea"/>
+                            <a:cs typeface="+mn-cs"/>
+                          </a:rPr>
+                          <m:t>𝑰𝑷</m:t>
+                        </m:r>
+                      </m:sup>
+                    </m:sSup>
+                  </m:oMath>
+                </a14:m>
+                <a:endParaRPr kumimoji="0" lang="en-US" sz="800" b="1" i="0" u="none" strike="noStrike" kern="1200" cap="none" spc="0" normalizeH="0" baseline="0" noProof="0" dirty="0">
+                  <a:ln>
+                    <a:noFill/>
+                  </a:ln>
+                  <a:solidFill>
+                    <a:prstClr val="black"/>
+                  </a:solidFill>
+                  <a:effectLst/>
+                  <a:uLnTx/>
+                  <a:uFillTx/>
+                  <a:latin typeface="Aptos" panose="02110004020202020204"/>
+                  <a:ea typeface="+mn-ea"/>
+                  <a:cs typeface="+mn-cs"/>
+                </a:endParaRPr>
+              </a:p>
+            </p:txBody>
+          </p:sp>
+        </mc:Choice>
+        <mc:Fallback xmlns="">
+          <p:sp>
+            <p:nvSpPr>
+              <p:cNvPr id="358" name="Rectangle 357">
+                <a:extLst>
+                  <a:ext uri="{FF2B5EF4-FFF2-40B4-BE49-F238E27FC236}">
+                    <a16:creationId xmlns:a16="http://schemas.microsoft.com/office/drawing/2014/main" id="{0A659CB2-118D-8AB6-ABC3-E7124D04B9A7}"/>
+                  </a:ext>
+                </a:extLst>
+              </p:cNvPr>
+              <p:cNvSpPr>
+                <a:spLocks noRot="1" noChangeAspect="1" noMove="1" noResize="1" noEditPoints="1" noAdjustHandles="1" noChangeArrowheads="1" noChangeShapeType="1" noTextEdit="1"/>
+              </p:cNvSpPr>
+              <p:nvPr/>
+            </p:nvSpPr>
+            <p:spPr>
+              <a:xfrm>
+                <a:off x="7863609" y="2583429"/>
+                <a:ext cx="518391" cy="318400"/>
+              </a:xfrm>
+              <a:prstGeom prst="rect">
+                <a:avLst/>
+              </a:prstGeom>
+              <a:blipFill>
+                <a:blip r:embed="rId2"/>
+                <a:stretch>
+                  <a:fillRect b="-5660"/>
+                </a:stretch>
+              </a:blipFill>
+              <a:ln w="3175">
+                <a:solidFill>
+                  <a:schemeClr val="tx1"/>
+                </a:solidFill>
+                <a:prstDash val="sysDot"/>
+              </a:ln>
+            </p:spPr>
+            <p:txBody>
+              <a:bodyPr/>
+              <a:lstStyle/>
+              <a:p>
+                <a:r>
+                  <a:rPr lang="en-US">
+                    <a:noFill/>
+                  </a:rPr>
+                  <a:t> </a:t>
+                </a:r>
+              </a:p>
+            </p:txBody>
+          </p:sp>
+        </mc:Fallback>
+      </mc:AlternateContent>
+      <p:cxnSp>
+        <p:nvCxnSpPr>
+          <p:cNvPr id="42" name="Straight Arrow Connector 41">
+            <a:extLst>
+              <a:ext uri="{FF2B5EF4-FFF2-40B4-BE49-F238E27FC236}">
+                <a16:creationId xmlns:a16="http://schemas.microsoft.com/office/drawing/2014/main" id="{0AF02E8C-4D71-3FD4-619F-0FE24D39494F}"/>
+              </a:ext>
+            </a:extLst>
+          </p:cNvPr>
+          <p:cNvCxnSpPr>
+            <a:cxnSpLocks/>
+            <a:stCxn id="9" idx="0"/>
+            <a:endCxn id="154" idx="2"/>
+          </p:cNvCxnSpPr>
+          <p:nvPr/>
+        </p:nvCxnSpPr>
+        <p:spPr>
+          <a:xfrm flipV="1">
+            <a:off x="6359356" y="1763200"/>
+            <a:ext cx="0" cy="375973"/>
+          </a:xfrm>
+          <a:prstGeom prst="straightConnector1">
+            <a:avLst/>
+          </a:prstGeom>
+          <a:ln cmpd="dbl">
+            <a:solidFill>
+              <a:schemeClr val="tx1"/>
+            </a:solidFill>
+            <a:headEnd type="stealth" w="lg" len="lg"/>
+            <a:tailEnd type="none" w="lg" len="lg"/>
+          </a:ln>
+        </p:spPr>
+        <p:style>
+          <a:lnRef idx="2">
+            <a:schemeClr val="accent1"/>
+          </a:lnRef>
+          <a:fillRef idx="0">
+            <a:schemeClr val="accent1"/>
+          </a:fillRef>
+          <a:effectRef idx="1">
+            <a:schemeClr val="accent1"/>
+          </a:effectRef>
+          <a:fontRef idx="minor">
+            <a:schemeClr val="tx1"/>
+          </a:fontRef>
+        </p:style>
+      </p:cxnSp>
+      <p:cxnSp>
+        <p:nvCxnSpPr>
+          <p:cNvPr id="119" name="Straight Arrow Connector 118">
+            <a:extLst>
+              <a:ext uri="{FF2B5EF4-FFF2-40B4-BE49-F238E27FC236}">
+                <a16:creationId xmlns:a16="http://schemas.microsoft.com/office/drawing/2014/main" id="{E0A3E73D-D66A-83CF-9FEF-ED8B17623955}"/>
+              </a:ext>
+            </a:extLst>
+          </p:cNvPr>
+          <p:cNvCxnSpPr>
+            <a:cxnSpLocks/>
+            <a:stCxn id="80" idx="0"/>
+            <a:endCxn id="6" idx="2"/>
+          </p:cNvCxnSpPr>
+          <p:nvPr/>
+        </p:nvCxnSpPr>
+        <p:spPr>
+          <a:xfrm flipV="1">
+            <a:off x="10274300" y="5531926"/>
+            <a:ext cx="4876" cy="396797"/>
+          </a:xfrm>
+          <a:prstGeom prst="straightConnector1">
+            <a:avLst/>
+          </a:prstGeom>
+          <a:ln cmpd="dbl">
+            <a:solidFill>
+              <a:schemeClr val="tx1"/>
+            </a:solidFill>
+            <a:headEnd type="stealth" w="lg" len="lg"/>
+            <a:tailEnd type="none" w="lg" len="lg"/>
+          </a:ln>
+        </p:spPr>
+        <p:style>
+          <a:lnRef idx="2">
+            <a:schemeClr val="accent1"/>
+          </a:lnRef>
+          <a:fillRef idx="0">
+            <a:schemeClr val="accent1"/>
+          </a:fillRef>
+          <a:effectRef idx="1">
+            <a:schemeClr val="accent1"/>
+          </a:effectRef>
+          <a:fontRef idx="minor">
+            <a:schemeClr val="tx1"/>
+          </a:fontRef>
+        </p:style>
+      </p:cxnSp>
+      <mc:AlternateContent xmlns:mc="http://schemas.openxmlformats.org/markup-compatibility/2006" xmlns:a14="http://schemas.microsoft.com/office/drawing/2010/main">
+        <mc:Choice Requires="a14">
+          <p:sp>
+            <p:nvSpPr>
+              <p:cNvPr id="123" name="Rectangle 122">
+                <a:extLst>
+                  <a:ext uri="{FF2B5EF4-FFF2-40B4-BE49-F238E27FC236}">
+                    <a16:creationId xmlns:a16="http://schemas.microsoft.com/office/drawing/2014/main" id="{5B1B83A9-5DD6-22FB-B147-38DC0D2AC2F2}"/>
+                  </a:ext>
+                </a:extLst>
+              </p:cNvPr>
+              <p:cNvSpPr/>
+              <p:nvPr/>
+            </p:nvSpPr>
+            <p:spPr>
+              <a:xfrm>
+                <a:off x="942622" y="2546898"/>
+                <a:ext cx="523806" cy="391886"/>
+              </a:xfrm>
+              <a:prstGeom prst="rect">
+                <a:avLst/>
+              </a:prstGeom>
+              <a:solidFill>
+                <a:schemeClr val="accent3">
+                  <a:lumMod val="20000"/>
+                  <a:lumOff val="80000"/>
+                </a:schemeClr>
+              </a:solidFill>
+              <a:ln w="3175">
+                <a:solidFill>
+                  <a:schemeClr val="tx1"/>
+                </a:solidFill>
+                <a:prstDash val="sysDot"/>
+              </a:ln>
+            </p:spPr>
+            <p:style>
+              <a:lnRef idx="2">
+                <a:schemeClr val="accent1">
+                  <a:shade val="15000"/>
+                </a:schemeClr>
+              </a:lnRef>
+              <a:fillRef idx="1">
+                <a:schemeClr val="accent1"/>
+              </a:fillRef>
+              <a:effectRef idx="0">
+                <a:schemeClr val="accent1"/>
+              </a:effectRef>
+              <a:fontRef idx="minor">
+                <a:schemeClr val="lt1"/>
+              </a:fontRef>
+            </p:style>
+            <p:txBody>
+              <a:bodyPr rtlCol="0" anchor="ctr"/>
+              <a:lstStyle/>
+              <a:p>
+                <a:pPr marL="171450" marR="0" lvl="0" indent="-171450" algn="l" defTabSz="914400" rtl="0" eaLnBrk="1" fontAlgn="auto" latinLnBrk="0" hangingPunct="1">
+                  <a:lnSpc>
+                    <a:spcPct val="100000"/>
+                  </a:lnSpc>
+                  <a:spcBef>
+                    <a:spcPts val="0"/>
+                  </a:spcBef>
+                  <a:spcAft>
+                    <a:spcPts val="0"/>
+                  </a:spcAft>
+                  <a:buClrTx/>
+                  <a:buSzTx/>
+                  <a:buFont typeface="Arial" panose="020B0604020202020204" pitchFamily="34" charset="0"/>
+                  <a:buChar char="•"/>
+                  <a:tabLst/>
+                  <a:defRPr/>
+                </a:pPr>
+                <a14:m>
+                  <m:oMath xmlns:m="http://schemas.openxmlformats.org/officeDocument/2006/math">
+                    <m:r>
+                      <a:rPr kumimoji="0" lang="en-US" sz="800" b="1" i="1" u="none" strike="noStrike" kern="1200" cap="none" spc="0" normalizeH="0" baseline="0" noProof="0" smtClean="0">
+                        <a:ln>
+                          <a:noFill/>
+                        </a:ln>
+                        <a:solidFill>
+                          <a:prstClr val="black"/>
+                        </a:solidFill>
+                        <a:effectLst/>
+                        <a:uLnTx/>
+                        <a:uFillTx/>
+                        <a:latin typeface="Cambria Math" panose="02040503050406030204" pitchFamily="18" charset="0"/>
+                        <a:ea typeface="+mn-ea"/>
+                        <a:cs typeface="+mn-cs"/>
+                      </a:rPr>
+                      <m:t>[</m:t>
+                    </m:r>
+                    <m:r>
+                      <a:rPr kumimoji="0" lang="en-US" sz="800" b="1" i="1" u="none" strike="noStrike" kern="1200" cap="none" spc="0" normalizeH="0" baseline="0" noProof="0" smtClean="0">
+                        <a:ln>
+                          <a:noFill/>
+                        </a:ln>
+                        <a:solidFill>
+                          <a:prstClr val="black"/>
+                        </a:solidFill>
+                        <a:effectLst/>
+                        <a:uLnTx/>
+                        <a:uFillTx/>
+                        <a:latin typeface="Cambria Math" panose="02040503050406030204" pitchFamily="18" charset="0"/>
+                        <a:ea typeface="+mn-ea"/>
+                        <a:cs typeface="+mn-cs"/>
+                      </a:rPr>
+                      <m:t>𝝈</m:t>
+                    </m:r>
+                    <m:r>
+                      <a:rPr kumimoji="0" lang="en-US" sz="800" b="1" i="0" u="none" strike="noStrike" kern="1200" cap="none" spc="0" normalizeH="0" baseline="0" noProof="0" smtClean="0">
+                        <a:ln>
+                          <a:noFill/>
+                        </a:ln>
+                        <a:solidFill>
+                          <a:prstClr val="black"/>
+                        </a:solidFill>
+                        <a:effectLst/>
+                        <a:uLnTx/>
+                        <a:uFillTx/>
+                        <a:latin typeface="Cambria Math" panose="02040503050406030204" pitchFamily="18" charset="0"/>
+                        <a:ea typeface="+mn-ea"/>
+                        <a:cs typeface="+mn-cs"/>
+                      </a:rPr>
+                      <m:t>]</m:t>
+                    </m:r>
+                  </m:oMath>
+                </a14:m>
+                <a:endParaRPr kumimoji="0" lang="en-US" sz="800" b="1" i="0" u="none" strike="noStrike" kern="1200" cap="none" spc="0" normalizeH="0" baseline="0" noProof="0" dirty="0">
+                  <a:ln>
+                    <a:noFill/>
+                  </a:ln>
+                  <a:solidFill>
+                    <a:prstClr val="black"/>
+                  </a:solidFill>
+                  <a:effectLst/>
+                  <a:uLnTx/>
+                  <a:uFillTx/>
+                  <a:latin typeface="Cambria Math" panose="02040503050406030204" pitchFamily="18" charset="0"/>
+                  <a:ea typeface="+mn-ea"/>
+                  <a:cs typeface="+mn-cs"/>
+                </a:endParaRPr>
+              </a:p>
+              <a:p>
+                <a:pPr marL="171450" marR="0" lvl="0" indent="-171450" algn="l" defTabSz="914400" rtl="0" eaLnBrk="1" fontAlgn="auto" latinLnBrk="0" hangingPunct="1">
+                  <a:lnSpc>
+                    <a:spcPct val="100000"/>
+                  </a:lnSpc>
+                  <a:spcBef>
+                    <a:spcPts val="0"/>
+                  </a:spcBef>
+                  <a:spcAft>
+                    <a:spcPts val="0"/>
+                  </a:spcAft>
+                  <a:buClrTx/>
+                  <a:buSzTx/>
+                  <a:buFont typeface="Arial" panose="020B0604020202020204" pitchFamily="34" charset="0"/>
+                  <a:buChar char="•"/>
+                  <a:tabLst/>
+                  <a:defRPr/>
+                </a:pPr>
+                <a14:m>
+                  <m:oMath xmlns:m="http://schemas.openxmlformats.org/officeDocument/2006/math">
+                    <m:r>
+                      <a:rPr kumimoji="0" lang="en-US" sz="800" b="1" i="1" u="none" strike="noStrike" kern="1200" cap="none" spc="0" normalizeH="0" baseline="0" noProof="0" smtClean="0">
+                        <a:ln>
+                          <a:noFill/>
+                        </a:ln>
+                        <a:solidFill>
+                          <a:prstClr val="black"/>
+                        </a:solidFill>
+                        <a:effectLst/>
+                        <a:uLnTx/>
+                        <a:uFillTx/>
+                        <a:latin typeface="Cambria Math" panose="02040503050406030204" pitchFamily="18" charset="0"/>
+                        <a:ea typeface="+mn-ea"/>
+                        <a:cs typeface="+mn-cs"/>
+                      </a:rPr>
+                      <m:t>[</m:t>
+                    </m:r>
+                    <m:r>
+                      <a:rPr kumimoji="0" lang="en-US" sz="800" b="1" i="1" u="none" strike="noStrike" kern="1200" cap="none" spc="0" normalizeH="0" baseline="0" noProof="0" smtClean="0">
+                        <a:ln>
+                          <a:noFill/>
+                        </a:ln>
+                        <a:solidFill>
+                          <a:prstClr val="black"/>
+                        </a:solidFill>
+                        <a:effectLst/>
+                        <a:uLnTx/>
+                        <a:uFillTx/>
+                        <a:latin typeface="Cambria Math" panose="02040503050406030204" pitchFamily="18" charset="0"/>
+                        <a:ea typeface="+mn-ea"/>
+                        <a:cs typeface="+mn-cs"/>
+                      </a:rPr>
+                      <m:t>𝜺</m:t>
+                    </m:r>
+                    <m:r>
+                      <a:rPr kumimoji="0" lang="en-US" sz="800" b="1" i="1" u="none" strike="noStrike" kern="1200" cap="none" spc="0" normalizeH="0" baseline="0" noProof="0" smtClean="0">
+                        <a:ln>
+                          <a:noFill/>
+                        </a:ln>
+                        <a:solidFill>
+                          <a:prstClr val="black"/>
+                        </a:solidFill>
+                        <a:effectLst/>
+                        <a:uLnTx/>
+                        <a:uFillTx/>
+                        <a:latin typeface="Cambria Math" panose="02040503050406030204" pitchFamily="18" charset="0"/>
+                        <a:ea typeface="+mn-ea"/>
+                        <a:cs typeface="+mn-cs"/>
+                      </a:rPr>
+                      <m:t>]</m:t>
+                    </m:r>
+                  </m:oMath>
+                </a14:m>
+                <a:endParaRPr kumimoji="0" lang="en-US" sz="800" b="1" i="0" u="none" strike="noStrike" kern="1200" cap="none" spc="0" normalizeH="0" baseline="0" noProof="0" dirty="0">
+                  <a:ln>
+                    <a:noFill/>
+                  </a:ln>
+                  <a:solidFill>
+                    <a:prstClr val="black"/>
+                  </a:solidFill>
+                  <a:effectLst/>
+                  <a:uLnTx/>
+                  <a:uFillTx/>
+                  <a:latin typeface="Cambria Math" panose="02040503050406030204" pitchFamily="18" charset="0"/>
+                  <a:ea typeface="+mn-ea"/>
+                  <a:cs typeface="+mn-cs"/>
+                </a:endParaRPr>
+              </a:p>
+            </p:txBody>
+          </p:sp>
+        </mc:Choice>
+        <mc:Fallback xmlns="">
+          <p:sp>
+            <p:nvSpPr>
+              <p:cNvPr id="123" name="Rectangle 122">
+                <a:extLst>
+                  <a:ext uri="{FF2B5EF4-FFF2-40B4-BE49-F238E27FC236}">
+                    <a16:creationId xmlns:a16="http://schemas.microsoft.com/office/drawing/2014/main" id="{5B1B83A9-5DD6-22FB-B147-38DC0D2AC2F2}"/>
+                  </a:ext>
+                </a:extLst>
+              </p:cNvPr>
+              <p:cNvSpPr>
+                <a:spLocks noRot="1" noChangeAspect="1" noMove="1" noResize="1" noEditPoints="1" noAdjustHandles="1" noChangeArrowheads="1" noChangeShapeType="1" noTextEdit="1"/>
+              </p:cNvSpPr>
+              <p:nvPr/>
+            </p:nvSpPr>
+            <p:spPr>
+              <a:xfrm>
+                <a:off x="942622" y="2546898"/>
+                <a:ext cx="523806" cy="391886"/>
+              </a:xfrm>
+              <a:prstGeom prst="rect">
+                <a:avLst/>
+              </a:prstGeom>
+              <a:blipFill>
+                <a:blip r:embed="rId3"/>
+                <a:stretch>
+                  <a:fillRect/>
+                </a:stretch>
+              </a:blipFill>
+              <a:ln w="3175">
+                <a:solidFill>
+                  <a:schemeClr val="tx1"/>
+                </a:solidFill>
+                <a:prstDash val="sysDot"/>
+              </a:ln>
+            </p:spPr>
+            <p:txBody>
+              <a:bodyPr/>
+              <a:lstStyle/>
+              <a:p>
+                <a:r>
+                  <a:rPr lang="en-US">
+                    <a:noFill/>
+                  </a:rPr>
+                  <a:t> </a:t>
+                </a:r>
+              </a:p>
+            </p:txBody>
+          </p:sp>
+        </mc:Fallback>
+      </mc:AlternateContent>
+      <p:sp>
+        <p:nvSpPr>
+          <p:cNvPr id="3" name="Rectangle: Rounded Corners 2">
+            <a:extLst>
+              <a:ext uri="{FF2B5EF4-FFF2-40B4-BE49-F238E27FC236}">
+                <a16:creationId xmlns:a16="http://schemas.microsoft.com/office/drawing/2014/main" id="{CC035613-86B9-F7BA-2601-5B1952A36934}"/>
+              </a:ext>
+            </a:extLst>
+          </p:cNvPr>
+          <p:cNvSpPr/>
+          <p:nvPr/>
+        </p:nvSpPr>
+        <p:spPr>
+          <a:xfrm>
+            <a:off x="1803959" y="2142458"/>
+            <a:ext cx="2589406" cy="1200767"/>
+          </a:xfrm>
+          <a:prstGeom prst="roundRect">
+            <a:avLst>
+              <a:gd name="adj" fmla="val 1821"/>
+            </a:avLst>
+          </a:prstGeom>
+          <a:solidFill>
+            <a:schemeClr val="bg1">
+              <a:lumMod val="95000"/>
+            </a:schemeClr>
+          </a:solidFill>
+          <a:ln w="6350">
+            <a:solidFill>
+              <a:schemeClr val="tx1"/>
+            </a:solidFill>
+          </a:ln>
+        </p:spPr>
+        <p:style>
+          <a:lnRef idx="2">
+            <a:schemeClr val="accent1">
+              <a:shade val="15000"/>
+            </a:schemeClr>
+          </a:lnRef>
+          <a:fillRef idx="1">
+            <a:schemeClr val="accent1"/>
+          </a:fillRef>
+          <a:effectRef idx="0">
+            <a:schemeClr val="accent1"/>
+          </a:effectRef>
+          <a:fontRef idx="minor">
+            <a:schemeClr val="lt1"/>
+          </a:fontRef>
+        </p:style>
+        <p:txBody>
+          <a:bodyPr rtlCol="0" anchor="t"/>
+          <a:lstStyle/>
+          <a:p>
+            <a:pPr algn="ctr"/>
+            <a:r>
+              <a:rPr lang="en-US" sz="1000" b="1" dirty="0">
+                <a:solidFill>
+                  <a:schemeClr val="tx1"/>
+                </a:solidFill>
+              </a:rPr>
+              <a:t>compute_strain_energy_density</a:t>
+            </a:r>
+          </a:p>
+          <a:p>
+            <a:endParaRPr lang="en-US" sz="1000" b="1" dirty="0">
+              <a:solidFill>
+                <a:schemeClr val="tx1"/>
+              </a:solidFill>
+            </a:endParaRPr>
+          </a:p>
+          <a:p>
+            <a:r>
+              <a:rPr lang="en-US" sz="1000" b="1" dirty="0">
+                <a:solidFill>
+                  <a:schemeClr val="tx1"/>
+                </a:solidFill>
+              </a:rPr>
+              <a:t>Input</a:t>
+            </a:r>
+          </a:p>
+          <a:p>
+            <a:pPr marL="171450" indent="-171450">
+              <a:buFont typeface="Arial" panose="020B0604020202020204" pitchFamily="34" charset="0"/>
+              <a:buChar char="•"/>
+            </a:pPr>
+            <a:r>
+              <a:rPr lang="en-US" sz="1000" dirty="0">
+                <a:solidFill>
+                  <a:schemeClr val="tx1"/>
+                </a:solidFill>
+              </a:rPr>
+              <a:t>sigma: </a:t>
+            </a:r>
+            <a:r>
+              <a:rPr lang="en-US" sz="1000" dirty="0" err="1">
+                <a:solidFill>
+                  <a:schemeClr val="tx1"/>
+                </a:solidFill>
+              </a:rPr>
+              <a:t>ndarray</a:t>
+            </a:r>
+            <a:r>
+              <a:rPr lang="en-US" sz="1000" dirty="0">
+                <a:solidFill>
+                  <a:schemeClr val="tx1"/>
+                </a:solidFill>
+              </a:rPr>
+              <a:t> (n x m x 3 x 1) </a:t>
+            </a:r>
+          </a:p>
+          <a:p>
+            <a:pPr marL="171450" indent="-171450">
+              <a:buFont typeface="Arial" panose="020B0604020202020204" pitchFamily="34" charset="0"/>
+              <a:buChar char="•"/>
+            </a:pPr>
+            <a:r>
+              <a:rPr lang="en-US" sz="1000" dirty="0">
+                <a:solidFill>
+                  <a:schemeClr val="tx1"/>
+                </a:solidFill>
+              </a:rPr>
+              <a:t>eps: </a:t>
+            </a:r>
+            <a:r>
+              <a:rPr lang="en-US" sz="1000" dirty="0" err="1">
+                <a:solidFill>
+                  <a:schemeClr val="tx1"/>
+                </a:solidFill>
+              </a:rPr>
+              <a:t>ndarray</a:t>
+            </a:r>
+            <a:r>
+              <a:rPr lang="en-US" sz="1000" dirty="0">
+                <a:solidFill>
+                  <a:schemeClr val="tx1"/>
+                </a:solidFill>
+              </a:rPr>
+              <a:t> (n x m x 3 x 1) </a:t>
+            </a:r>
+          </a:p>
+          <a:p>
+            <a:r>
+              <a:rPr lang="en-US" sz="1000" b="1" dirty="0">
+                <a:solidFill>
+                  <a:schemeClr val="tx1"/>
+                </a:solidFill>
+              </a:rPr>
+              <a:t>Output</a:t>
+            </a:r>
+          </a:p>
+          <a:p>
+            <a:pPr marL="171450" indent="-171450">
+              <a:buFont typeface="Arial" panose="020B0604020202020204" pitchFamily="34" charset="0"/>
+              <a:buChar char="•"/>
+            </a:pPr>
+            <a:r>
+              <a:rPr lang="en-US" sz="1000" dirty="0" err="1">
+                <a:solidFill>
+                  <a:schemeClr val="tx1"/>
+                </a:solidFill>
+              </a:rPr>
+              <a:t>ndarray</a:t>
+            </a:r>
+            <a:r>
+              <a:rPr lang="en-US" sz="1000" dirty="0">
+                <a:solidFill>
+                  <a:schemeClr val="tx1"/>
+                </a:solidFill>
+              </a:rPr>
+              <a:t> (n x m x 1 x 1)</a:t>
+            </a:r>
+          </a:p>
+        </p:txBody>
+      </p:sp>
+      <p:sp>
+        <p:nvSpPr>
+          <p:cNvPr id="4" name="Rectangle: Rounded Corners 3">
+            <a:extLst>
+              <a:ext uri="{FF2B5EF4-FFF2-40B4-BE49-F238E27FC236}">
+                <a16:creationId xmlns:a16="http://schemas.microsoft.com/office/drawing/2014/main" id="{82F44E21-80CC-56EF-265B-DE175A7305D2}"/>
+              </a:ext>
+            </a:extLst>
+          </p:cNvPr>
+          <p:cNvSpPr/>
+          <p:nvPr/>
+        </p:nvSpPr>
+        <p:spPr>
+          <a:xfrm>
+            <a:off x="8722898" y="1997952"/>
+            <a:ext cx="3102806" cy="1483208"/>
+          </a:xfrm>
+          <a:prstGeom prst="roundRect">
+            <a:avLst>
+              <a:gd name="adj" fmla="val 1821"/>
+            </a:avLst>
+          </a:prstGeom>
+          <a:solidFill>
+            <a:schemeClr val="bg1">
+              <a:lumMod val="95000"/>
+            </a:schemeClr>
+          </a:solidFill>
+          <a:ln w="6350">
+            <a:solidFill>
+              <a:schemeClr val="tx1"/>
+            </a:solidFill>
+          </a:ln>
+        </p:spPr>
+        <p:style>
+          <a:lnRef idx="2">
+            <a:schemeClr val="accent1">
+              <a:shade val="15000"/>
+            </a:schemeClr>
+          </a:lnRef>
+          <a:fillRef idx="1">
+            <a:schemeClr val="accent1"/>
+          </a:fillRef>
+          <a:effectRef idx="0">
+            <a:schemeClr val="accent1"/>
+          </a:effectRef>
+          <a:fontRef idx="minor">
+            <a:schemeClr val="lt1"/>
+          </a:fontRef>
+        </p:style>
+        <p:txBody>
+          <a:bodyPr rtlCol="0" anchor="t"/>
+          <a:lstStyle/>
+          <a:p>
+            <a:pPr algn="ctr"/>
+            <a:r>
+              <a:rPr lang="en-US" sz="1000" b="1" dirty="0">
+                <a:solidFill>
+                  <a:schemeClr val="tx1"/>
+                </a:solidFill>
+              </a:rPr>
+              <a:t>compute_k</a:t>
+            </a:r>
+          </a:p>
+          <a:p>
+            <a:endParaRPr lang="en-US" sz="1000" b="1" dirty="0">
+              <a:solidFill>
+                <a:schemeClr val="tx1"/>
+              </a:solidFill>
+            </a:endParaRPr>
+          </a:p>
+          <a:p>
+            <a:r>
+              <a:rPr lang="en-US" sz="1000" b="1" dirty="0">
+                <a:solidFill>
+                  <a:schemeClr val="tx1"/>
+                </a:solidFill>
+              </a:rPr>
+              <a:t>Input</a:t>
+            </a:r>
+          </a:p>
+          <a:p>
+            <a:pPr marL="171450" indent="-171450">
+              <a:buFont typeface="Arial" panose="020B0604020202020204" pitchFamily="34" charset="0"/>
+              <a:buChar char="•"/>
+            </a:pPr>
+            <a:r>
+              <a:rPr lang="en-US" sz="1000" dirty="0" err="1">
+                <a:solidFill>
+                  <a:schemeClr val="tx1"/>
+                </a:solidFill>
+              </a:rPr>
+              <a:t>ip_grid</a:t>
+            </a:r>
+            <a:r>
+              <a:rPr lang="en-US" sz="1000" dirty="0">
+                <a:solidFill>
+                  <a:schemeClr val="tx1"/>
+                </a:solidFill>
+              </a:rPr>
+              <a:t>: </a:t>
+            </a:r>
+            <a:r>
+              <a:rPr lang="en-US" sz="1000" dirty="0" err="1">
+                <a:solidFill>
+                  <a:schemeClr val="tx1"/>
+                </a:solidFill>
+              </a:rPr>
+              <a:t>ndarray</a:t>
+            </a:r>
+            <a:r>
+              <a:rPr lang="en-US" sz="1000" dirty="0">
+                <a:solidFill>
+                  <a:schemeClr val="tx1"/>
+                </a:solidFill>
+              </a:rPr>
+              <a:t> (</a:t>
+            </a:r>
+            <a:r>
+              <a:rPr lang="en-US" sz="1000" dirty="0" err="1">
+                <a:solidFill>
+                  <a:schemeClr val="tx1"/>
+                </a:solidFill>
+              </a:rPr>
+              <a:t>num_pts</a:t>
+            </a:r>
+            <a:r>
+              <a:rPr lang="en-US" sz="1000" dirty="0">
+                <a:solidFill>
+                  <a:schemeClr val="tx1"/>
+                </a:solidFill>
+              </a:rPr>
+              <a:t> x </a:t>
+            </a:r>
+            <a:r>
+              <a:rPr lang="en-US" sz="1000" dirty="0" err="1">
+                <a:solidFill>
+                  <a:schemeClr val="tx1"/>
+                </a:solidFill>
+              </a:rPr>
+              <a:t>num_pts</a:t>
+            </a:r>
+            <a:r>
+              <a:rPr lang="en-US" sz="1000" dirty="0">
+                <a:solidFill>
+                  <a:schemeClr val="tx1"/>
+                </a:solidFill>
+              </a:rPr>
+              <a:t> x 2 x 1)</a:t>
+            </a:r>
+          </a:p>
+          <a:p>
+            <a:pPr marL="171450" indent="-171450">
+              <a:buFont typeface="Arial" panose="020B0604020202020204" pitchFamily="34" charset="0"/>
+              <a:buChar char="•"/>
+            </a:pPr>
+            <a:r>
+              <a:rPr lang="en-US" sz="1000" dirty="0" err="1">
+                <a:solidFill>
+                  <a:schemeClr val="tx1"/>
+                </a:solidFill>
+              </a:rPr>
+              <a:t>w_ij</a:t>
+            </a:r>
+            <a:r>
+              <a:rPr lang="en-US" sz="1000" dirty="0">
+                <a:solidFill>
+                  <a:schemeClr val="tx1"/>
+                </a:solidFill>
+              </a:rPr>
+              <a:t>: </a:t>
+            </a:r>
+            <a:r>
+              <a:rPr lang="en-US" sz="1000" dirty="0" err="1">
+                <a:solidFill>
+                  <a:schemeClr val="tx1"/>
+                </a:solidFill>
+              </a:rPr>
+              <a:t>ndarray</a:t>
+            </a:r>
+            <a:r>
+              <a:rPr lang="en-US" sz="1000" dirty="0">
+                <a:solidFill>
+                  <a:schemeClr val="tx1"/>
+                </a:solidFill>
+              </a:rPr>
+              <a:t> (</a:t>
+            </a:r>
+            <a:r>
+              <a:rPr lang="en-US" sz="1000" dirty="0" err="1">
+                <a:solidFill>
+                  <a:schemeClr val="tx1"/>
+                </a:solidFill>
+              </a:rPr>
+              <a:t>num_pts</a:t>
+            </a:r>
+            <a:r>
+              <a:rPr lang="en-US" sz="1000" dirty="0">
+                <a:solidFill>
+                  <a:schemeClr val="tx1"/>
+                </a:solidFill>
+              </a:rPr>
+              <a:t> x </a:t>
+            </a:r>
+            <a:r>
+              <a:rPr lang="en-US" sz="1000" dirty="0" err="1">
+                <a:solidFill>
+                  <a:schemeClr val="tx1"/>
+                </a:solidFill>
+              </a:rPr>
+              <a:t>num_pts</a:t>
+            </a:r>
+            <a:r>
+              <a:rPr lang="en-US" sz="1000" dirty="0">
+                <a:solidFill>
+                  <a:schemeClr val="tx1"/>
+                </a:solidFill>
+              </a:rPr>
+              <a:t> x 1 x 1)</a:t>
+            </a:r>
+          </a:p>
+          <a:p>
+            <a:pPr marL="171450" indent="-171450">
+              <a:buFont typeface="Arial" panose="020B0604020202020204" pitchFamily="34" charset="0"/>
+              <a:buChar char="•"/>
+            </a:pPr>
+            <a:r>
+              <a:rPr lang="en-US" sz="1000" dirty="0">
+                <a:solidFill>
+                  <a:schemeClr val="tx1"/>
+                </a:solidFill>
+              </a:rPr>
+              <a:t>D: </a:t>
+            </a:r>
+            <a:r>
+              <a:rPr lang="en-US" sz="1000" dirty="0" err="1">
+                <a:solidFill>
+                  <a:schemeClr val="tx1"/>
+                </a:solidFill>
+              </a:rPr>
+              <a:t>ndarray</a:t>
+            </a:r>
+            <a:r>
+              <a:rPr lang="en-US" sz="1000" dirty="0">
+                <a:solidFill>
+                  <a:schemeClr val="tx1"/>
+                </a:solidFill>
+              </a:rPr>
+              <a:t> (3 x 3)</a:t>
+            </a:r>
+          </a:p>
+          <a:p>
+            <a:pPr marL="171450" indent="-171450">
+              <a:buFont typeface="Arial" panose="020B0604020202020204" pitchFamily="34" charset="0"/>
+              <a:buChar char="•"/>
+            </a:pPr>
+            <a:r>
+              <a:rPr lang="en-US" sz="1000" dirty="0">
+                <a:solidFill>
+                  <a:schemeClr val="tx1"/>
+                </a:solidFill>
+              </a:rPr>
+              <a:t>thickness: float</a:t>
+            </a:r>
+          </a:p>
+          <a:p>
+            <a:r>
+              <a:rPr lang="en-US" sz="1000" b="1" dirty="0">
+                <a:solidFill>
+                  <a:schemeClr val="tx1"/>
+                </a:solidFill>
+              </a:rPr>
+              <a:t>Output</a:t>
+            </a:r>
+          </a:p>
+          <a:p>
+            <a:pPr marL="171450" indent="-171450">
+              <a:buFont typeface="Arial" panose="020B0604020202020204" pitchFamily="34" charset="0"/>
+              <a:buChar char="•"/>
+            </a:pPr>
+            <a:r>
+              <a:rPr lang="en-US" sz="1000" dirty="0" err="1">
+                <a:solidFill>
+                  <a:schemeClr val="tx1"/>
+                </a:solidFill>
+              </a:rPr>
+              <a:t>ndarray</a:t>
+            </a:r>
+            <a:r>
+              <a:rPr lang="en-US" sz="1000" dirty="0">
+                <a:solidFill>
+                  <a:schemeClr val="tx1"/>
+                </a:solidFill>
+              </a:rPr>
+              <a:t> (n x m x 2*</a:t>
+            </a:r>
+            <a:r>
+              <a:rPr lang="en-US" sz="1000" dirty="0" err="1">
+                <a:solidFill>
+                  <a:schemeClr val="tx1"/>
+                </a:solidFill>
+              </a:rPr>
+              <a:t>nnodes</a:t>
+            </a:r>
+            <a:r>
+              <a:rPr lang="en-US" sz="1000" dirty="0">
+                <a:solidFill>
+                  <a:schemeClr val="tx1"/>
+                </a:solidFill>
+              </a:rPr>
+              <a:t> x 2*</a:t>
+            </a:r>
+            <a:r>
+              <a:rPr lang="en-US" sz="1000" dirty="0" err="1">
+                <a:solidFill>
+                  <a:schemeClr val="tx1"/>
+                </a:solidFill>
+              </a:rPr>
+              <a:t>nnodes</a:t>
+            </a:r>
+            <a:r>
+              <a:rPr lang="en-US" sz="1000" dirty="0">
+                <a:solidFill>
+                  <a:schemeClr val="tx1"/>
+                </a:solidFill>
+              </a:rPr>
+              <a:t>)</a:t>
+            </a:r>
+          </a:p>
+        </p:txBody>
+      </p:sp>
+      <p:sp>
+        <p:nvSpPr>
+          <p:cNvPr id="5" name="Rectangle: Rounded Corners 4">
+            <a:extLst>
+              <a:ext uri="{FF2B5EF4-FFF2-40B4-BE49-F238E27FC236}">
+                <a16:creationId xmlns:a16="http://schemas.microsoft.com/office/drawing/2014/main" id="{CBB869CA-027B-A876-4E18-8BD01C4FBC10}"/>
+              </a:ext>
+            </a:extLst>
+          </p:cNvPr>
+          <p:cNvSpPr/>
+          <p:nvPr/>
+        </p:nvSpPr>
+        <p:spPr>
+          <a:xfrm>
+            <a:off x="1813234" y="4322240"/>
+            <a:ext cx="2589406" cy="1314498"/>
+          </a:xfrm>
+          <a:prstGeom prst="roundRect">
+            <a:avLst>
+              <a:gd name="adj" fmla="val 1821"/>
+            </a:avLst>
+          </a:prstGeom>
+          <a:solidFill>
+            <a:schemeClr val="bg1">
+              <a:lumMod val="95000"/>
+            </a:schemeClr>
+          </a:solidFill>
+          <a:ln w="6350">
+            <a:solidFill>
+              <a:schemeClr val="tx1"/>
+            </a:solidFill>
+          </a:ln>
+        </p:spPr>
+        <p:style>
+          <a:lnRef idx="2">
+            <a:schemeClr val="accent1">
+              <a:shade val="15000"/>
+            </a:schemeClr>
+          </a:lnRef>
+          <a:fillRef idx="1">
+            <a:schemeClr val="accent1"/>
+          </a:fillRef>
+          <a:effectRef idx="0">
+            <a:schemeClr val="accent1"/>
+          </a:effectRef>
+          <a:fontRef idx="minor">
+            <a:schemeClr val="lt1"/>
+          </a:fontRef>
+        </p:style>
+        <p:txBody>
+          <a:bodyPr rtlCol="0" anchor="t"/>
+          <a:lstStyle/>
+          <a:p>
+            <a:pPr algn="ctr"/>
+            <a:r>
+              <a:rPr lang="en-US" sz="1000" b="1" dirty="0">
+                <a:solidFill>
+                  <a:schemeClr val="tx1"/>
+                </a:solidFill>
+              </a:rPr>
+              <a:t>plot_element_strain_energy_density</a:t>
+            </a:r>
+          </a:p>
+          <a:p>
+            <a:pPr algn="ctr"/>
+            <a:endParaRPr lang="en-US" sz="1000" dirty="0">
+              <a:solidFill>
+                <a:schemeClr val="tx1"/>
+              </a:solidFill>
+            </a:endParaRPr>
+          </a:p>
+          <a:p>
+            <a:r>
+              <a:rPr lang="en-US" sz="1000" b="1" dirty="0">
+                <a:solidFill>
+                  <a:schemeClr val="tx1"/>
+                </a:solidFill>
+              </a:rPr>
+              <a:t>Input</a:t>
+            </a:r>
+          </a:p>
+          <a:p>
+            <a:pPr marL="171450" indent="-171450">
+              <a:buFont typeface="Arial" panose="020B0604020202020204" pitchFamily="34" charset="0"/>
+              <a:buChar char="•"/>
+            </a:pPr>
+            <a:r>
+              <a:rPr lang="en-US" sz="1000" dirty="0">
+                <a:solidFill>
+                  <a:schemeClr val="tx1"/>
+                </a:solidFill>
+              </a:rPr>
+              <a:t>psi: </a:t>
+            </a:r>
+            <a:r>
+              <a:rPr lang="en-US" sz="1000" dirty="0" err="1">
+                <a:solidFill>
+                  <a:schemeClr val="tx1"/>
+                </a:solidFill>
+              </a:rPr>
+              <a:t>ndarray</a:t>
+            </a:r>
+            <a:r>
+              <a:rPr lang="en-US" sz="1000" dirty="0">
+                <a:solidFill>
+                  <a:schemeClr val="tx1"/>
+                </a:solidFill>
+              </a:rPr>
+              <a:t> (n x m x 1 x 1)</a:t>
+            </a:r>
+          </a:p>
+          <a:p>
+            <a:pPr marL="171450" indent="-171450">
+              <a:buFont typeface="Arial" panose="020B0604020202020204" pitchFamily="34" charset="0"/>
+              <a:buChar char="•"/>
+            </a:pPr>
+            <a:r>
+              <a:rPr lang="en-US" sz="1000" dirty="0">
+                <a:solidFill>
+                  <a:schemeClr val="tx1"/>
+                </a:solidFill>
+              </a:rPr>
+              <a:t>grid: </a:t>
+            </a:r>
+            <a:r>
+              <a:rPr lang="en-US" sz="1000" dirty="0" err="1">
+                <a:solidFill>
+                  <a:schemeClr val="tx1"/>
+                </a:solidFill>
+              </a:rPr>
+              <a:t>ndarray</a:t>
+            </a:r>
+            <a:r>
+              <a:rPr lang="en-US" sz="1000" dirty="0">
+                <a:solidFill>
+                  <a:schemeClr val="tx1"/>
+                </a:solidFill>
+              </a:rPr>
+              <a:t> (n x m x 2 x 1)</a:t>
+            </a:r>
+          </a:p>
+          <a:p>
+            <a:pPr marL="171450" indent="-171450">
+              <a:buFont typeface="Arial" panose="020B0604020202020204" pitchFamily="34" charset="0"/>
+              <a:buChar char="•"/>
+            </a:pPr>
+            <a:endParaRPr lang="en-US" sz="1000" dirty="0">
+              <a:solidFill>
+                <a:schemeClr val="tx1"/>
+              </a:solidFill>
+            </a:endParaRPr>
+          </a:p>
+          <a:p>
+            <a:r>
+              <a:rPr lang="en-US" sz="1000" b="1" dirty="0">
+                <a:solidFill>
+                  <a:schemeClr val="tx1"/>
+                </a:solidFill>
+              </a:rPr>
+              <a:t>Output</a:t>
+            </a:r>
+          </a:p>
+          <a:p>
+            <a:pPr marL="171450" indent="-171450">
+              <a:buFont typeface="Arial" panose="020B0604020202020204" pitchFamily="34" charset="0"/>
+              <a:buChar char="•"/>
+            </a:pPr>
+            <a:r>
+              <a:rPr lang="en-US" sz="1000" dirty="0">
+                <a:solidFill>
+                  <a:schemeClr val="tx1"/>
+                </a:solidFill>
+              </a:rPr>
+              <a:t>Figure</a:t>
+            </a:r>
+          </a:p>
+        </p:txBody>
+      </p:sp>
+      <p:sp>
+        <p:nvSpPr>
+          <p:cNvPr id="6" name="Rectangle: Rounded Corners 5">
+            <a:extLst>
+              <a:ext uri="{FF2B5EF4-FFF2-40B4-BE49-F238E27FC236}">
+                <a16:creationId xmlns:a16="http://schemas.microsoft.com/office/drawing/2014/main" id="{9464DB67-8EE3-BDDF-DCF1-339878FAC9A7}"/>
+              </a:ext>
+            </a:extLst>
+          </p:cNvPr>
+          <p:cNvSpPr/>
+          <p:nvPr/>
+        </p:nvSpPr>
+        <p:spPr>
+          <a:xfrm>
+            <a:off x="8984473" y="4427051"/>
+            <a:ext cx="2589406" cy="1104875"/>
+          </a:xfrm>
+          <a:prstGeom prst="roundRect">
+            <a:avLst>
+              <a:gd name="adj" fmla="val 1821"/>
+            </a:avLst>
+          </a:prstGeom>
+          <a:solidFill>
+            <a:schemeClr val="bg1">
+              <a:lumMod val="95000"/>
+            </a:schemeClr>
+          </a:solidFill>
+          <a:ln w="6350">
+            <a:solidFill>
+              <a:schemeClr val="tx1"/>
+            </a:solidFill>
+          </a:ln>
+        </p:spPr>
+        <p:style>
+          <a:lnRef idx="2">
+            <a:schemeClr val="accent1">
+              <a:shade val="15000"/>
+            </a:schemeClr>
+          </a:lnRef>
+          <a:fillRef idx="1">
+            <a:schemeClr val="accent1"/>
+          </a:fillRef>
+          <a:effectRef idx="0">
+            <a:schemeClr val="accent1"/>
+          </a:effectRef>
+          <a:fontRef idx="minor">
+            <a:schemeClr val="lt1"/>
+          </a:fontRef>
+        </p:style>
+        <p:txBody>
+          <a:bodyPr rtlCol="0" anchor="t"/>
+          <a:lstStyle/>
+          <a:p>
+            <a:pPr algn="ctr"/>
+            <a:r>
+              <a:rPr lang="en-US" sz="1000" b="1" dirty="0" err="1">
+                <a:solidFill>
+                  <a:schemeClr val="tx1"/>
+                </a:solidFill>
+              </a:rPr>
+              <a:t>plot_element_stiffness_matrix</a:t>
+            </a:r>
+            <a:endParaRPr lang="en-US" sz="1000" b="1" dirty="0">
+              <a:solidFill>
+                <a:schemeClr val="tx1"/>
+              </a:solidFill>
+            </a:endParaRPr>
+          </a:p>
+          <a:p>
+            <a:pPr algn="ctr"/>
+            <a:endParaRPr lang="en-US" sz="1000" b="1" dirty="0">
+              <a:solidFill>
+                <a:schemeClr val="tx1"/>
+              </a:solidFill>
+            </a:endParaRPr>
+          </a:p>
+          <a:p>
+            <a:r>
+              <a:rPr lang="en-US" sz="1000" b="1" dirty="0">
+                <a:solidFill>
+                  <a:schemeClr val="tx1"/>
+                </a:solidFill>
+              </a:rPr>
+              <a:t>Input</a:t>
+            </a:r>
+          </a:p>
+          <a:p>
+            <a:pPr marL="171450" indent="-171450">
+              <a:buFont typeface="Arial" panose="020B0604020202020204" pitchFamily="34" charset="0"/>
+              <a:buChar char="•"/>
+            </a:pPr>
+            <a:r>
+              <a:rPr lang="en-US" sz="1000" dirty="0">
+                <a:solidFill>
+                  <a:schemeClr val="tx1"/>
+                </a:solidFill>
+              </a:rPr>
+              <a:t>D: </a:t>
+            </a:r>
+            <a:r>
+              <a:rPr lang="en-US" sz="1000" dirty="0" err="1">
+                <a:solidFill>
+                  <a:schemeClr val="tx1"/>
+                </a:solidFill>
+              </a:rPr>
+              <a:t>ndarray</a:t>
+            </a:r>
+            <a:r>
+              <a:rPr lang="en-US" sz="1000" dirty="0">
+                <a:solidFill>
+                  <a:schemeClr val="tx1"/>
+                </a:solidFill>
+              </a:rPr>
+              <a:t> (</a:t>
+            </a:r>
+            <a:r>
+              <a:rPr lang="en-US" sz="1000" dirty="0" err="1">
+                <a:solidFill>
+                  <a:schemeClr val="tx1"/>
+                </a:solidFill>
+              </a:rPr>
+              <a:t>nnodes</a:t>
+            </a:r>
+            <a:r>
+              <a:rPr lang="en-US" sz="1000" dirty="0">
+                <a:solidFill>
+                  <a:schemeClr val="tx1"/>
+                </a:solidFill>
+              </a:rPr>
+              <a:t> x </a:t>
+            </a:r>
+            <a:r>
+              <a:rPr lang="en-US" sz="1000" dirty="0" err="1">
+                <a:solidFill>
+                  <a:schemeClr val="tx1"/>
+                </a:solidFill>
+              </a:rPr>
+              <a:t>nnodes</a:t>
+            </a:r>
+            <a:r>
+              <a:rPr lang="en-US" sz="1000" dirty="0">
+                <a:solidFill>
+                  <a:schemeClr val="tx1"/>
+                </a:solidFill>
+              </a:rPr>
+              <a:t>)</a:t>
+            </a:r>
+          </a:p>
+          <a:p>
+            <a:r>
+              <a:rPr lang="en-US" sz="1000" b="1" dirty="0">
+                <a:solidFill>
+                  <a:schemeClr val="tx1"/>
+                </a:solidFill>
+              </a:rPr>
+              <a:t>Output</a:t>
+            </a:r>
+          </a:p>
+          <a:p>
+            <a:pPr marL="171450" indent="-171450">
+              <a:buFont typeface="Arial" panose="020B0604020202020204" pitchFamily="34" charset="0"/>
+              <a:buChar char="•"/>
+            </a:pPr>
+            <a:r>
+              <a:rPr lang="en-US" sz="1000" dirty="0">
+                <a:solidFill>
+                  <a:schemeClr val="tx1"/>
+                </a:solidFill>
+              </a:rPr>
+              <a:t>Figure</a:t>
+            </a:r>
+          </a:p>
+        </p:txBody>
+      </p:sp>
+      <p:sp>
+        <p:nvSpPr>
+          <p:cNvPr id="9" name="Rectangle: Rounded Corners 8">
+            <a:extLst>
+              <a:ext uri="{FF2B5EF4-FFF2-40B4-BE49-F238E27FC236}">
+                <a16:creationId xmlns:a16="http://schemas.microsoft.com/office/drawing/2014/main" id="{A10C37C8-D505-71D4-35CA-F892621F586C}"/>
+              </a:ext>
+            </a:extLst>
+          </p:cNvPr>
+          <p:cNvSpPr/>
+          <p:nvPr/>
+        </p:nvSpPr>
+        <p:spPr>
+          <a:xfrm>
+            <a:off x="5064653" y="2139173"/>
+            <a:ext cx="2589406" cy="1200766"/>
+          </a:xfrm>
+          <a:prstGeom prst="roundRect">
+            <a:avLst>
+              <a:gd name="adj" fmla="val 1821"/>
+            </a:avLst>
+          </a:prstGeom>
+          <a:solidFill>
+            <a:schemeClr val="bg1">
+              <a:lumMod val="95000"/>
+            </a:schemeClr>
+          </a:solidFill>
+          <a:ln w="6350">
+            <a:solidFill>
+              <a:schemeClr val="tx1"/>
+            </a:solidFill>
+          </a:ln>
+        </p:spPr>
+        <p:style>
+          <a:lnRef idx="2">
+            <a:schemeClr val="accent1">
+              <a:shade val="15000"/>
+            </a:schemeClr>
+          </a:lnRef>
+          <a:fillRef idx="1">
+            <a:schemeClr val="accent1"/>
+          </a:fillRef>
+          <a:effectRef idx="0">
+            <a:schemeClr val="accent1"/>
+          </a:effectRef>
+          <a:fontRef idx="minor">
+            <a:schemeClr val="lt1"/>
+          </a:fontRef>
+        </p:style>
+        <p:txBody>
+          <a:bodyPr rtlCol="0" anchor="t"/>
+          <a:lstStyle/>
+          <a:p>
+            <a:pPr algn="ctr"/>
+            <a:r>
+              <a:rPr lang="en-US" sz="1000" b="1" dirty="0" err="1">
+                <a:solidFill>
+                  <a:schemeClr val="tx1"/>
+                </a:solidFill>
+              </a:rPr>
+              <a:t>make_ip_grid</a:t>
+            </a:r>
+            <a:endParaRPr lang="en-US" sz="1000" b="1" dirty="0">
+              <a:solidFill>
+                <a:schemeClr val="tx1"/>
+              </a:solidFill>
+            </a:endParaRPr>
+          </a:p>
+          <a:p>
+            <a:pPr algn="ctr"/>
+            <a:endParaRPr lang="en-US" sz="1000" dirty="0">
+              <a:solidFill>
+                <a:schemeClr val="tx1"/>
+              </a:solidFill>
+            </a:endParaRPr>
+          </a:p>
+          <a:p>
+            <a:r>
+              <a:rPr lang="en-US" sz="1000" b="1" dirty="0">
+                <a:solidFill>
+                  <a:schemeClr val="tx1"/>
+                </a:solidFill>
+              </a:rPr>
+              <a:t>Input</a:t>
+            </a:r>
+          </a:p>
+          <a:p>
+            <a:pPr marL="171450" indent="-171450">
+              <a:buFont typeface="Arial" panose="020B0604020202020204" pitchFamily="34" charset="0"/>
+              <a:buChar char="•"/>
+            </a:pPr>
+            <a:r>
+              <a:rPr lang="en-US" sz="1000" dirty="0" err="1">
+                <a:solidFill>
+                  <a:schemeClr val="tx1"/>
+                </a:solidFill>
+              </a:rPr>
+              <a:t>num_pts</a:t>
+            </a:r>
+            <a:r>
+              <a:rPr lang="en-US" sz="1000" dirty="0">
+                <a:solidFill>
+                  <a:schemeClr val="tx1"/>
+                </a:solidFill>
+              </a:rPr>
+              <a:t>: int</a:t>
+            </a:r>
+          </a:p>
+          <a:p>
+            <a:r>
+              <a:rPr lang="en-US" sz="1000" b="1" dirty="0">
+                <a:solidFill>
+                  <a:schemeClr val="tx1"/>
+                </a:solidFill>
+              </a:rPr>
+              <a:t>Output</a:t>
+            </a:r>
+          </a:p>
+          <a:p>
+            <a:pPr marL="171450" indent="-171450">
+              <a:buFont typeface="Arial" panose="020B0604020202020204" pitchFamily="34" charset="0"/>
+              <a:buChar char="•"/>
+            </a:pPr>
+            <a:r>
+              <a:rPr lang="en-US" sz="1000" dirty="0" err="1">
+                <a:solidFill>
+                  <a:schemeClr val="tx1"/>
+                </a:solidFill>
+              </a:rPr>
+              <a:t>ndarray</a:t>
+            </a:r>
+            <a:r>
+              <a:rPr lang="en-US" sz="1000" dirty="0">
+                <a:solidFill>
+                  <a:schemeClr val="tx1"/>
+                </a:solidFill>
+              </a:rPr>
+              <a:t> (</a:t>
+            </a:r>
+            <a:r>
+              <a:rPr lang="en-US" sz="1000" dirty="0" err="1">
+                <a:solidFill>
+                  <a:schemeClr val="tx1"/>
+                </a:solidFill>
+              </a:rPr>
+              <a:t>num_pts</a:t>
+            </a:r>
+            <a:r>
+              <a:rPr lang="en-US" sz="1000" dirty="0">
+                <a:solidFill>
+                  <a:schemeClr val="tx1"/>
+                </a:solidFill>
+              </a:rPr>
+              <a:t> x </a:t>
+            </a:r>
+            <a:r>
+              <a:rPr lang="en-US" sz="1000" dirty="0" err="1">
+                <a:solidFill>
+                  <a:schemeClr val="tx1"/>
+                </a:solidFill>
+              </a:rPr>
+              <a:t>num_pts</a:t>
+            </a:r>
+            <a:r>
+              <a:rPr lang="en-US" sz="1000" dirty="0">
+                <a:solidFill>
+                  <a:schemeClr val="tx1"/>
+                </a:solidFill>
+              </a:rPr>
+              <a:t> x 2 x 1)</a:t>
+            </a:r>
+          </a:p>
+          <a:p>
+            <a:pPr marL="171450" indent="-171450">
+              <a:buFont typeface="Arial" panose="020B0604020202020204" pitchFamily="34" charset="0"/>
+              <a:buChar char="•"/>
+            </a:pPr>
+            <a:r>
+              <a:rPr lang="en-US" sz="1000" dirty="0" err="1">
+                <a:solidFill>
+                  <a:schemeClr val="tx1"/>
+                </a:solidFill>
+              </a:rPr>
+              <a:t>ndarray</a:t>
+            </a:r>
+            <a:r>
+              <a:rPr lang="en-US" sz="1000" dirty="0">
+                <a:solidFill>
+                  <a:schemeClr val="tx1"/>
+                </a:solidFill>
+              </a:rPr>
+              <a:t> (</a:t>
+            </a:r>
+            <a:r>
+              <a:rPr lang="en-US" sz="1000" dirty="0" err="1">
+                <a:solidFill>
+                  <a:schemeClr val="tx1"/>
+                </a:solidFill>
+              </a:rPr>
+              <a:t>num_pts</a:t>
+            </a:r>
+            <a:r>
+              <a:rPr lang="en-US" sz="1000" dirty="0">
+                <a:solidFill>
+                  <a:schemeClr val="tx1"/>
+                </a:solidFill>
+              </a:rPr>
+              <a:t> x </a:t>
+            </a:r>
+            <a:r>
+              <a:rPr lang="en-US" sz="1000" dirty="0" err="1">
+                <a:solidFill>
+                  <a:schemeClr val="tx1"/>
+                </a:solidFill>
+              </a:rPr>
+              <a:t>num_pts</a:t>
+            </a:r>
+            <a:r>
+              <a:rPr lang="en-US" sz="1000" dirty="0">
+                <a:solidFill>
+                  <a:schemeClr val="tx1"/>
+                </a:solidFill>
+              </a:rPr>
+              <a:t> x 1 x 1)</a:t>
+            </a:r>
+          </a:p>
+        </p:txBody>
+      </p:sp>
+      <p:sp>
+        <p:nvSpPr>
+          <p:cNvPr id="24" name="Oval 23">
+            <a:extLst>
+              <a:ext uri="{FF2B5EF4-FFF2-40B4-BE49-F238E27FC236}">
+                <a16:creationId xmlns:a16="http://schemas.microsoft.com/office/drawing/2014/main" id="{1D54E628-EAFB-08C2-3ADC-730B05E3CD92}"/>
+              </a:ext>
+            </a:extLst>
+          </p:cNvPr>
+          <p:cNvSpPr/>
+          <p:nvPr/>
+        </p:nvSpPr>
+        <p:spPr>
+          <a:xfrm>
+            <a:off x="2491580" y="6031348"/>
+            <a:ext cx="1232713" cy="280789"/>
+          </a:xfrm>
+          <a:prstGeom prst="ellipse">
+            <a:avLst/>
+          </a:prstGeom>
+          <a:solidFill>
+            <a:schemeClr val="tx1"/>
+          </a:solidFill>
+          <a:ln w="6350">
+            <a:solidFill>
+              <a:schemeClr val="accent1"/>
+            </a:solidFill>
+          </a:ln>
+        </p:spPr>
+        <p:style>
+          <a:lnRef idx="2">
+            <a:schemeClr val="accent1">
+              <a:shade val="15000"/>
+            </a:schemeClr>
+          </a:lnRef>
+          <a:fillRef idx="1">
+            <a:schemeClr val="accent1"/>
+          </a:fillRef>
+          <a:effectRef idx="0">
+            <a:schemeClr val="accent1"/>
+          </a:effectRef>
+          <a:fontRef idx="minor">
+            <a:schemeClr val="lt1"/>
+          </a:fontRef>
+        </p:style>
+        <p:txBody>
+          <a:bodyPr rtlCol="0" anchor="ctr"/>
+          <a:lstStyle/>
+          <a:p>
+            <a:pPr marL="0" marR="0" lvl="0" indent="0" algn="ctr" defTabSz="914400" rtl="0" eaLnBrk="1" fontAlgn="auto" latinLnBrk="0" hangingPunct="1">
+              <a:lnSpc>
+                <a:spcPct val="100000"/>
+              </a:lnSpc>
+              <a:spcBef>
+                <a:spcPts val="0"/>
+              </a:spcBef>
+              <a:spcAft>
+                <a:spcPts val="0"/>
+              </a:spcAft>
+              <a:buClrTx/>
+              <a:buSzTx/>
+              <a:buFontTx/>
+              <a:buNone/>
+              <a:tabLst/>
+              <a:defRPr/>
+            </a:pPr>
+            <a:r>
+              <a:rPr kumimoji="0" lang="en-US" sz="1000" b="1" i="0" u="none" strike="noStrike" kern="1200" cap="none" spc="0" normalizeH="0" baseline="0" noProof="0" dirty="0">
+                <a:ln>
+                  <a:noFill/>
+                </a:ln>
+                <a:solidFill>
+                  <a:prstClr val="white"/>
+                </a:solidFill>
+                <a:effectLst/>
+                <a:uLnTx/>
+                <a:uFillTx/>
+                <a:latin typeface="Aptos" panose="02110004020202020204"/>
+                <a:ea typeface="+mn-ea"/>
+                <a:cs typeface="+mn-cs"/>
+              </a:rPr>
+              <a:t>Figures</a:t>
+            </a:r>
+          </a:p>
+        </p:txBody>
+      </p:sp>
+      <p:cxnSp>
+        <p:nvCxnSpPr>
+          <p:cNvPr id="26" name="Straight Arrow Connector 25">
+            <a:extLst>
+              <a:ext uri="{FF2B5EF4-FFF2-40B4-BE49-F238E27FC236}">
+                <a16:creationId xmlns:a16="http://schemas.microsoft.com/office/drawing/2014/main" id="{DC65D5F5-E8A3-0537-C4CF-15E4822A8B0A}"/>
+              </a:ext>
+            </a:extLst>
+          </p:cNvPr>
+          <p:cNvCxnSpPr>
+            <a:cxnSpLocks/>
+            <a:stCxn id="5" idx="0"/>
+            <a:endCxn id="3" idx="2"/>
+          </p:cNvCxnSpPr>
+          <p:nvPr/>
+        </p:nvCxnSpPr>
+        <p:spPr>
+          <a:xfrm flipH="1" flipV="1">
+            <a:off x="3098662" y="3343225"/>
+            <a:ext cx="9275" cy="979015"/>
+          </a:xfrm>
+          <a:prstGeom prst="straightConnector1">
+            <a:avLst/>
+          </a:prstGeom>
+          <a:ln cmpd="dbl">
+            <a:solidFill>
+              <a:schemeClr val="tx1"/>
+            </a:solidFill>
+            <a:headEnd type="stealth" w="lg" len="lg"/>
+            <a:tailEnd type="none" w="lg" len="lg"/>
+          </a:ln>
+        </p:spPr>
+        <p:style>
+          <a:lnRef idx="2">
+            <a:schemeClr val="accent1"/>
+          </a:lnRef>
+          <a:fillRef idx="0">
+            <a:schemeClr val="accent1"/>
+          </a:fillRef>
+          <a:effectRef idx="1">
+            <a:schemeClr val="accent1"/>
+          </a:effectRef>
+          <a:fontRef idx="minor">
+            <a:schemeClr val="tx1"/>
+          </a:fontRef>
+        </p:style>
+      </p:cxnSp>
+      <p:cxnSp>
+        <p:nvCxnSpPr>
+          <p:cNvPr id="30" name="Straight Arrow Connector 29">
+            <a:extLst>
+              <a:ext uri="{FF2B5EF4-FFF2-40B4-BE49-F238E27FC236}">
+                <a16:creationId xmlns:a16="http://schemas.microsoft.com/office/drawing/2014/main" id="{20887204-A491-D02C-1607-7F4A593ADAE9}"/>
+              </a:ext>
+            </a:extLst>
+          </p:cNvPr>
+          <p:cNvCxnSpPr>
+            <a:cxnSpLocks/>
+            <a:stCxn id="24" idx="0"/>
+            <a:endCxn id="5" idx="2"/>
+          </p:cNvCxnSpPr>
+          <p:nvPr/>
+        </p:nvCxnSpPr>
+        <p:spPr>
+          <a:xfrm flipV="1">
+            <a:off x="3107937" y="5636738"/>
+            <a:ext cx="0" cy="394610"/>
+          </a:xfrm>
+          <a:prstGeom prst="straightConnector1">
+            <a:avLst/>
+          </a:prstGeom>
+          <a:ln cmpd="dbl">
+            <a:solidFill>
+              <a:schemeClr val="tx1"/>
+            </a:solidFill>
+            <a:headEnd type="stealth" w="lg" len="lg"/>
+            <a:tailEnd type="none" w="lg" len="lg"/>
+          </a:ln>
+        </p:spPr>
+        <p:style>
+          <a:lnRef idx="2">
+            <a:schemeClr val="accent1"/>
+          </a:lnRef>
+          <a:fillRef idx="0">
+            <a:schemeClr val="accent1"/>
+          </a:fillRef>
+          <a:effectRef idx="1">
+            <a:schemeClr val="accent1"/>
+          </a:effectRef>
+          <a:fontRef idx="minor">
+            <a:schemeClr val="tx1"/>
+          </a:fontRef>
+        </p:style>
+      </p:cxnSp>
+      <mc:AlternateContent xmlns:mc="http://schemas.openxmlformats.org/markup-compatibility/2006" xmlns:a14="http://schemas.microsoft.com/office/drawing/2010/main">
+        <mc:Choice Requires="a14">
+          <p:sp>
+            <p:nvSpPr>
+              <p:cNvPr id="25" name="Rectangle 24">
+                <a:extLst>
+                  <a:ext uri="{FF2B5EF4-FFF2-40B4-BE49-F238E27FC236}">
+                    <a16:creationId xmlns:a16="http://schemas.microsoft.com/office/drawing/2014/main" id="{3B5A2061-8284-EB80-46C3-023E88E4EB5E}"/>
+                  </a:ext>
+                </a:extLst>
+              </p:cNvPr>
+              <p:cNvSpPr/>
+              <p:nvPr/>
+            </p:nvSpPr>
+            <p:spPr>
+              <a:xfrm>
+                <a:off x="2854524" y="3648403"/>
+                <a:ext cx="519942" cy="391886"/>
+              </a:xfrm>
+              <a:prstGeom prst="rect">
+                <a:avLst/>
+              </a:prstGeom>
+              <a:solidFill>
+                <a:schemeClr val="accent3">
+                  <a:lumMod val="20000"/>
+                  <a:lumOff val="80000"/>
+                </a:schemeClr>
+              </a:solidFill>
+              <a:ln w="3175">
+                <a:solidFill>
+                  <a:schemeClr val="tx1"/>
+                </a:solidFill>
+                <a:prstDash val="sysDot"/>
+              </a:ln>
+            </p:spPr>
+            <p:style>
+              <a:lnRef idx="2">
+                <a:schemeClr val="accent1">
+                  <a:shade val="15000"/>
+                </a:schemeClr>
+              </a:lnRef>
+              <a:fillRef idx="1">
+                <a:schemeClr val="accent1"/>
+              </a:fillRef>
+              <a:effectRef idx="0">
+                <a:schemeClr val="accent1"/>
+              </a:effectRef>
+              <a:fontRef idx="minor">
+                <a:schemeClr val="lt1"/>
+              </a:fontRef>
+            </p:style>
+            <p:txBody>
+              <a:bodyPr rtlCol="0" anchor="ctr"/>
+              <a:lstStyle/>
+              <a:p>
+                <a:pPr marL="171450" lvl="0" indent="-171450">
+                  <a:buFont typeface="Arial" panose="020B0604020202020204" pitchFamily="34" charset="0"/>
+                  <a:buChar char="•"/>
+                </a:pPr>
+                <a14:m>
+                  <m:oMath xmlns:m="http://schemas.openxmlformats.org/officeDocument/2006/math">
+                    <m:r>
+                      <a:rPr lang="en-US" sz="800" b="1" i="1" smtClean="0">
+                        <a:solidFill>
+                          <a:schemeClr val="tx1"/>
+                        </a:solidFill>
+                        <a:latin typeface="Cambria Math" panose="02040503050406030204" pitchFamily="18" charset="0"/>
+                      </a:rPr>
+                      <m:t>[</m:t>
+                    </m:r>
+                    <m:r>
+                      <a:rPr lang="en-US" sz="800" b="1" i="1">
+                        <a:solidFill>
+                          <a:schemeClr val="tx1"/>
+                        </a:solidFill>
+                        <a:latin typeface="Cambria Math" panose="02040503050406030204" pitchFamily="18" charset="0"/>
+                      </a:rPr>
+                      <m:t>𝝍</m:t>
+                    </m:r>
+                    <m:r>
+                      <a:rPr lang="en-US" sz="800" b="1" i="1" smtClean="0">
+                        <a:solidFill>
+                          <a:schemeClr val="tx1"/>
+                        </a:solidFill>
+                        <a:latin typeface="Cambria Math" panose="02040503050406030204" pitchFamily="18" charset="0"/>
+                      </a:rPr>
+                      <m:t>]</m:t>
+                    </m:r>
+                  </m:oMath>
+                </a14:m>
+                <a:endParaRPr kumimoji="0" lang="en-US" sz="800" b="1" i="1" u="none" strike="noStrike" kern="1200" cap="none" spc="0" normalizeH="0" baseline="0" noProof="0" dirty="0">
+                  <a:ln>
+                    <a:noFill/>
+                  </a:ln>
+                  <a:solidFill>
+                    <a:prstClr val="black"/>
+                  </a:solidFill>
+                  <a:effectLst/>
+                  <a:uLnTx/>
+                  <a:uFillTx/>
+                  <a:latin typeface="Cambria Math" panose="02040503050406030204" pitchFamily="18" charset="0"/>
+                </a:endParaRPr>
+              </a:p>
+            </p:txBody>
+          </p:sp>
+        </mc:Choice>
+        <mc:Fallback xmlns="">
+          <p:sp>
+            <p:nvSpPr>
+              <p:cNvPr id="25" name="Rectangle 24">
+                <a:extLst>
+                  <a:ext uri="{FF2B5EF4-FFF2-40B4-BE49-F238E27FC236}">
+                    <a16:creationId xmlns:a16="http://schemas.microsoft.com/office/drawing/2014/main" id="{3B5A2061-8284-EB80-46C3-023E88E4EB5E}"/>
+                  </a:ext>
+                </a:extLst>
+              </p:cNvPr>
+              <p:cNvSpPr>
+                <a:spLocks noRot="1" noChangeAspect="1" noMove="1" noResize="1" noEditPoints="1" noAdjustHandles="1" noChangeArrowheads="1" noChangeShapeType="1" noTextEdit="1"/>
+              </p:cNvSpPr>
+              <p:nvPr/>
+            </p:nvSpPr>
+            <p:spPr>
+              <a:xfrm>
+                <a:off x="2854524" y="3648403"/>
+                <a:ext cx="519942" cy="391886"/>
+              </a:xfrm>
+              <a:prstGeom prst="rect">
+                <a:avLst/>
+              </a:prstGeom>
+              <a:blipFill>
+                <a:blip r:embed="rId4"/>
+                <a:stretch>
+                  <a:fillRect/>
+                </a:stretch>
+              </a:blipFill>
+              <a:ln w="3175">
+                <a:solidFill>
+                  <a:schemeClr val="tx1"/>
+                </a:solidFill>
+                <a:prstDash val="sysDot"/>
+              </a:ln>
+            </p:spPr>
+            <p:txBody>
+              <a:bodyPr/>
+              <a:lstStyle/>
+              <a:p>
+                <a:r>
+                  <a:rPr lang="en-US">
+                    <a:noFill/>
+                  </a:rPr>
+                  <a:t> </a:t>
+                </a:r>
+              </a:p>
+            </p:txBody>
+          </p:sp>
+        </mc:Fallback>
+      </mc:AlternateContent>
+      <mc:AlternateContent xmlns:mc="http://schemas.openxmlformats.org/markup-compatibility/2006" xmlns:a14="http://schemas.microsoft.com/office/drawing/2010/main">
+        <mc:Choice Requires="a14">
+          <p:sp>
+            <p:nvSpPr>
+              <p:cNvPr id="38" name="Rectangle 37">
+                <a:extLst>
+                  <a:ext uri="{FF2B5EF4-FFF2-40B4-BE49-F238E27FC236}">
+                    <a16:creationId xmlns:a16="http://schemas.microsoft.com/office/drawing/2014/main" id="{DA89FD75-546C-1620-BD3C-59839F096715}"/>
+                  </a:ext>
+                </a:extLst>
+              </p:cNvPr>
+              <p:cNvSpPr/>
+              <p:nvPr/>
+            </p:nvSpPr>
+            <p:spPr>
+              <a:xfrm>
+                <a:off x="684582" y="4826870"/>
+                <a:ext cx="655267" cy="305238"/>
+              </a:xfrm>
+              <a:prstGeom prst="rect">
+                <a:avLst/>
+              </a:prstGeom>
+              <a:solidFill>
+                <a:schemeClr val="accent3">
+                  <a:lumMod val="20000"/>
+                  <a:lumOff val="80000"/>
+                </a:schemeClr>
+              </a:solidFill>
+              <a:ln w="3175">
+                <a:solidFill>
+                  <a:schemeClr val="tx1"/>
+                </a:solidFill>
+                <a:prstDash val="sysDot"/>
+              </a:ln>
+            </p:spPr>
+            <p:style>
+              <a:lnRef idx="2">
+                <a:schemeClr val="accent1">
+                  <a:shade val="15000"/>
+                </a:schemeClr>
+              </a:lnRef>
+              <a:fillRef idx="1">
+                <a:schemeClr val="accent1"/>
+              </a:fillRef>
+              <a:effectRef idx="0">
+                <a:schemeClr val="accent1"/>
+              </a:effectRef>
+              <a:fontRef idx="minor">
+                <a:schemeClr val="lt1"/>
+              </a:fontRef>
+            </p:style>
+            <p:txBody>
+              <a:bodyPr rtlCol="0" anchor="ctr"/>
+              <a:lstStyle/>
+              <a:p>
+                <a:pPr marL="171450" lvl="0" indent="-171450">
+                  <a:buFont typeface="Arial" panose="020B0604020202020204" pitchFamily="34" charset="0"/>
+                  <a:buChar char="•"/>
+                </a:pPr>
+                <a14:m>
+                  <m:oMath xmlns:m="http://schemas.openxmlformats.org/officeDocument/2006/math">
+                    <m:r>
+                      <a:rPr kumimoji="0" lang="en-US" sz="800" b="1" i="1" u="none" strike="noStrike" kern="1200" cap="none" spc="0" normalizeH="0" baseline="0" noProof="0" smtClean="0">
+                        <a:ln>
+                          <a:noFill/>
+                        </a:ln>
+                        <a:solidFill>
+                          <a:prstClr val="black"/>
+                        </a:solidFill>
+                        <a:effectLst/>
+                        <a:uLnTx/>
+                        <a:uFillTx/>
+                        <a:latin typeface="Cambria Math" panose="02040503050406030204" pitchFamily="18" charset="0"/>
+                      </a:rPr>
+                      <m:t>𝜼</m:t>
+                    </m:r>
+                  </m:oMath>
+                </a14:m>
+                <a:r>
+                  <a:rPr kumimoji="0" lang="en-US" sz="800" b="1" i="1" u="none" strike="noStrike" kern="1200" cap="none" spc="0" normalizeH="0" baseline="0" noProof="0" dirty="0">
+                    <a:ln>
+                      <a:noFill/>
+                    </a:ln>
+                    <a:solidFill>
+                      <a:prstClr val="black"/>
+                    </a:solidFill>
+                    <a:effectLst/>
+                    <a:uLnTx/>
+                    <a:uFillTx/>
+                    <a:latin typeface="Cambria Math" panose="02040503050406030204" pitchFamily="18" charset="0"/>
+                  </a:rPr>
+                  <a:t> </a:t>
+                </a:r>
+                <a:r>
+                  <a:rPr kumimoji="0" lang="en-US" sz="800" b="1" u="none" strike="noStrike" kern="1200" cap="none" spc="0" normalizeH="0" baseline="0" noProof="0" dirty="0">
+                    <a:ln>
+                      <a:noFill/>
+                    </a:ln>
+                    <a:solidFill>
+                      <a:prstClr val="black"/>
+                    </a:solidFill>
+                    <a:effectLst/>
+                    <a:uLnTx/>
+                    <a:uFillTx/>
+                  </a:rPr>
+                  <a:t>or </a:t>
+                </a:r>
+                <a14:m>
+                  <m:oMath xmlns:m="http://schemas.openxmlformats.org/officeDocument/2006/math">
+                    <m:r>
+                      <a:rPr kumimoji="0" lang="en-US" sz="800" b="1" i="1" u="none" strike="noStrike" kern="1200" cap="none" spc="0" normalizeH="0" baseline="0" noProof="0" smtClean="0">
+                        <a:ln>
+                          <a:noFill/>
+                        </a:ln>
+                        <a:solidFill>
+                          <a:prstClr val="black"/>
+                        </a:solidFill>
+                        <a:effectLst/>
+                        <a:uLnTx/>
+                        <a:uFillTx/>
+                        <a:latin typeface="Cambria Math" panose="02040503050406030204" pitchFamily="18" charset="0"/>
+                      </a:rPr>
+                      <m:t>𝒙</m:t>
+                    </m:r>
+                  </m:oMath>
+                </a14:m>
+                <a:endParaRPr kumimoji="0" lang="en-US" sz="800" b="1" u="none" strike="noStrike" kern="1200" cap="none" spc="0" normalizeH="0" baseline="0" noProof="0" dirty="0">
+                  <a:ln>
+                    <a:noFill/>
+                  </a:ln>
+                  <a:solidFill>
+                    <a:prstClr val="black"/>
+                  </a:solidFill>
+                  <a:effectLst/>
+                  <a:uLnTx/>
+                  <a:uFillTx/>
+                  <a:latin typeface="Cambria Math" panose="02040503050406030204" pitchFamily="18" charset="0"/>
+                </a:endParaRPr>
+              </a:p>
+            </p:txBody>
+          </p:sp>
+        </mc:Choice>
+        <mc:Fallback xmlns="">
+          <p:sp>
+            <p:nvSpPr>
+              <p:cNvPr id="38" name="Rectangle 37">
+                <a:extLst>
+                  <a:ext uri="{FF2B5EF4-FFF2-40B4-BE49-F238E27FC236}">
+                    <a16:creationId xmlns:a16="http://schemas.microsoft.com/office/drawing/2014/main" id="{DA89FD75-546C-1620-BD3C-59839F096715}"/>
+                  </a:ext>
+                </a:extLst>
+              </p:cNvPr>
+              <p:cNvSpPr>
+                <a:spLocks noRot="1" noChangeAspect="1" noMove="1" noResize="1" noEditPoints="1" noAdjustHandles="1" noChangeArrowheads="1" noChangeShapeType="1" noTextEdit="1"/>
+              </p:cNvSpPr>
+              <p:nvPr/>
+            </p:nvSpPr>
+            <p:spPr>
+              <a:xfrm>
+                <a:off x="684582" y="4826870"/>
+                <a:ext cx="655267" cy="305238"/>
+              </a:xfrm>
+              <a:prstGeom prst="rect">
+                <a:avLst/>
+              </a:prstGeom>
+              <a:blipFill>
+                <a:blip r:embed="rId5"/>
+                <a:stretch>
+                  <a:fillRect/>
+                </a:stretch>
+              </a:blipFill>
+              <a:ln w="3175">
+                <a:solidFill>
+                  <a:schemeClr val="tx1"/>
+                </a:solidFill>
+                <a:prstDash val="sysDot"/>
+              </a:ln>
+            </p:spPr>
+            <p:txBody>
+              <a:bodyPr/>
+              <a:lstStyle/>
+              <a:p>
+                <a:r>
+                  <a:rPr lang="en-US">
+                    <a:noFill/>
+                  </a:rPr>
+                  <a:t> </a:t>
+                </a:r>
+              </a:p>
+            </p:txBody>
+          </p:sp>
+        </mc:Fallback>
+      </mc:AlternateContent>
+      <p:cxnSp>
+        <p:nvCxnSpPr>
+          <p:cNvPr id="39" name="Straight Arrow Connector 38">
+            <a:extLst>
+              <a:ext uri="{FF2B5EF4-FFF2-40B4-BE49-F238E27FC236}">
+                <a16:creationId xmlns:a16="http://schemas.microsoft.com/office/drawing/2014/main" id="{076A9DB3-7390-F975-5DD0-08642C7987F1}"/>
+              </a:ext>
+            </a:extLst>
+          </p:cNvPr>
+          <p:cNvCxnSpPr>
+            <a:cxnSpLocks/>
+            <a:stCxn id="5" idx="1"/>
+            <a:endCxn id="38" idx="3"/>
+          </p:cNvCxnSpPr>
+          <p:nvPr/>
+        </p:nvCxnSpPr>
+        <p:spPr>
+          <a:xfrm flipH="1">
+            <a:off x="1339849" y="4979489"/>
+            <a:ext cx="473385" cy="0"/>
+          </a:xfrm>
+          <a:prstGeom prst="straightConnector1">
+            <a:avLst/>
+          </a:prstGeom>
+          <a:ln cmpd="dbl">
+            <a:solidFill>
+              <a:schemeClr val="tx1"/>
+            </a:solidFill>
+            <a:headEnd type="stealth" w="lg" len="lg"/>
+            <a:tailEnd type="none" w="lg" len="lg"/>
+          </a:ln>
+        </p:spPr>
+        <p:style>
+          <a:lnRef idx="2">
+            <a:schemeClr val="accent1"/>
+          </a:lnRef>
+          <a:fillRef idx="0">
+            <a:schemeClr val="accent1"/>
+          </a:fillRef>
+          <a:effectRef idx="1">
+            <a:schemeClr val="accent1"/>
+          </a:effectRef>
+          <a:fontRef idx="minor">
+            <a:schemeClr val="tx1"/>
+          </a:fontRef>
+        </p:style>
+      </p:cxnSp>
+      <p:cxnSp>
+        <p:nvCxnSpPr>
+          <p:cNvPr id="62" name="Straight Arrow Connector 61">
+            <a:extLst>
+              <a:ext uri="{FF2B5EF4-FFF2-40B4-BE49-F238E27FC236}">
+                <a16:creationId xmlns:a16="http://schemas.microsoft.com/office/drawing/2014/main" id="{940B3C27-128F-0E45-0D32-2076A2D72777}"/>
+              </a:ext>
+            </a:extLst>
+          </p:cNvPr>
+          <p:cNvCxnSpPr>
+            <a:cxnSpLocks/>
+            <a:stCxn id="6" idx="0"/>
+            <a:endCxn id="4" idx="2"/>
+          </p:cNvCxnSpPr>
+          <p:nvPr/>
+        </p:nvCxnSpPr>
+        <p:spPr>
+          <a:xfrm flipH="1" flipV="1">
+            <a:off x="10274301" y="3481160"/>
+            <a:ext cx="4875" cy="945891"/>
+          </a:xfrm>
+          <a:prstGeom prst="straightConnector1">
+            <a:avLst/>
+          </a:prstGeom>
+          <a:ln cmpd="dbl">
+            <a:solidFill>
+              <a:schemeClr val="tx1"/>
+            </a:solidFill>
+            <a:headEnd type="stealth" w="lg" len="lg"/>
+            <a:tailEnd type="none" w="lg" len="lg"/>
+          </a:ln>
+        </p:spPr>
+        <p:style>
+          <a:lnRef idx="2">
+            <a:schemeClr val="accent1"/>
+          </a:lnRef>
+          <a:fillRef idx="0">
+            <a:schemeClr val="accent1"/>
+          </a:fillRef>
+          <a:effectRef idx="1">
+            <a:schemeClr val="accent1"/>
+          </a:effectRef>
+          <a:fontRef idx="minor">
+            <a:schemeClr val="tx1"/>
+          </a:fontRef>
+        </p:style>
+      </p:cxnSp>
+      <mc:AlternateContent xmlns:mc="http://schemas.openxmlformats.org/markup-compatibility/2006" xmlns:a14="http://schemas.microsoft.com/office/drawing/2010/main">
+        <mc:Choice Requires="a14">
+          <p:sp>
+            <p:nvSpPr>
+              <p:cNvPr id="69" name="Rectangle 68">
+                <a:extLst>
+                  <a:ext uri="{FF2B5EF4-FFF2-40B4-BE49-F238E27FC236}">
+                    <a16:creationId xmlns:a16="http://schemas.microsoft.com/office/drawing/2014/main" id="{F32F1960-BE32-1B46-CF08-F87A6AE2EE06}"/>
+                  </a:ext>
+                </a:extLst>
+              </p:cNvPr>
+              <p:cNvSpPr/>
+              <p:nvPr/>
+            </p:nvSpPr>
+            <p:spPr>
+              <a:xfrm>
+                <a:off x="10015105" y="1444800"/>
+                <a:ext cx="518391" cy="318400"/>
+              </a:xfrm>
+              <a:prstGeom prst="rect">
+                <a:avLst/>
+              </a:prstGeom>
+              <a:solidFill>
+                <a:schemeClr val="accent3">
+                  <a:lumMod val="20000"/>
+                  <a:lumOff val="80000"/>
+                </a:schemeClr>
+              </a:solidFill>
+              <a:ln w="3175">
+                <a:solidFill>
+                  <a:schemeClr val="tx1"/>
+                </a:solidFill>
+                <a:prstDash val="sysDot"/>
+              </a:ln>
+            </p:spPr>
+            <p:style>
+              <a:lnRef idx="2">
+                <a:schemeClr val="accent1">
+                  <a:shade val="15000"/>
+                </a:schemeClr>
+              </a:lnRef>
+              <a:fillRef idx="1">
+                <a:schemeClr val="accent1"/>
+              </a:fillRef>
+              <a:effectRef idx="0">
+                <a:schemeClr val="accent1"/>
+              </a:effectRef>
+              <a:fontRef idx="minor">
+                <a:schemeClr val="lt1"/>
+              </a:fontRef>
+            </p:style>
+            <p:txBody>
+              <a:bodyPr rtlCol="0" anchor="ctr"/>
+              <a:lstStyle/>
+              <a:p>
+                <a:pPr marL="171450" marR="0" lvl="0" indent="-171450" algn="l" defTabSz="914400" rtl="0" eaLnBrk="1" fontAlgn="auto" latinLnBrk="0" hangingPunct="1">
+                  <a:lnSpc>
+                    <a:spcPct val="100000"/>
+                  </a:lnSpc>
+                  <a:spcBef>
+                    <a:spcPts val="0"/>
+                  </a:spcBef>
+                  <a:spcAft>
+                    <a:spcPts val="0"/>
+                  </a:spcAft>
+                  <a:buClrTx/>
+                  <a:buSzTx/>
+                  <a:buFont typeface="Arial" panose="020B0604020202020204" pitchFamily="34" charset="0"/>
+                  <a:buChar char="•"/>
+                  <a:tabLst/>
+                  <a:defRPr/>
+                </a:pPr>
+                <a14:m>
+                  <m:oMath xmlns:m="http://schemas.openxmlformats.org/officeDocument/2006/math">
+                    <m:r>
+                      <a:rPr kumimoji="0" lang="en-US" sz="800" b="1" i="1" u="none" strike="noStrike" kern="1200" cap="none" spc="0" normalizeH="0" baseline="0" noProof="0" dirty="0" smtClean="0">
+                        <a:ln>
+                          <a:noFill/>
+                        </a:ln>
+                        <a:solidFill>
+                          <a:prstClr val="black"/>
+                        </a:solidFill>
+                        <a:effectLst/>
+                        <a:uLnTx/>
+                        <a:uFillTx/>
+                        <a:latin typeface="Cambria Math" panose="02040503050406030204" pitchFamily="18" charset="0"/>
+                        <a:ea typeface="+mn-ea"/>
+                        <a:cs typeface="+mn-cs"/>
+                      </a:rPr>
+                      <m:t>[</m:t>
+                    </m:r>
+                    <m:r>
+                      <a:rPr kumimoji="0" lang="en-US" sz="800" b="1" i="1" u="none" strike="noStrike" kern="1200" cap="none" spc="0" normalizeH="0" baseline="0" noProof="0" dirty="0" smtClean="0">
+                        <a:ln>
+                          <a:noFill/>
+                        </a:ln>
+                        <a:solidFill>
+                          <a:prstClr val="black"/>
+                        </a:solidFill>
+                        <a:effectLst/>
+                        <a:uLnTx/>
+                        <a:uFillTx/>
+                        <a:latin typeface="Cambria Math" panose="02040503050406030204" pitchFamily="18" charset="0"/>
+                        <a:ea typeface="+mn-ea"/>
+                        <a:cs typeface="+mn-cs"/>
+                      </a:rPr>
+                      <m:t>𝑫</m:t>
+                    </m:r>
+                    <m:r>
+                      <a:rPr kumimoji="0" lang="en-US" sz="800" b="1" i="1" u="none" strike="noStrike" kern="1200" cap="none" spc="0" normalizeH="0" baseline="0" noProof="0" dirty="0" smtClean="0">
+                        <a:ln>
+                          <a:noFill/>
+                        </a:ln>
+                        <a:solidFill>
+                          <a:prstClr val="black"/>
+                        </a:solidFill>
+                        <a:effectLst/>
+                        <a:uLnTx/>
+                        <a:uFillTx/>
+                        <a:latin typeface="Cambria Math" panose="02040503050406030204" pitchFamily="18" charset="0"/>
+                        <a:ea typeface="+mn-ea"/>
+                        <a:cs typeface="+mn-cs"/>
+                      </a:rPr>
+                      <m:t>]</m:t>
+                    </m:r>
+                  </m:oMath>
+                </a14:m>
+                <a:endParaRPr kumimoji="0" lang="en-US" sz="800" b="1" i="0" u="none" strike="noStrike" kern="1200" cap="none" spc="0" normalizeH="0" baseline="0" noProof="0" dirty="0">
+                  <a:ln>
+                    <a:noFill/>
+                  </a:ln>
+                  <a:solidFill>
+                    <a:prstClr val="black"/>
+                  </a:solidFill>
+                  <a:effectLst/>
+                  <a:uLnTx/>
+                  <a:uFillTx/>
+                  <a:latin typeface="Aptos" panose="02110004020202020204"/>
+                  <a:ea typeface="+mn-ea"/>
+                  <a:cs typeface="+mn-cs"/>
+                </a:endParaRPr>
+              </a:p>
+              <a:p>
+                <a:pPr marL="171450" marR="0" lvl="0" indent="-171450" algn="l" defTabSz="914400" rtl="0" eaLnBrk="1" fontAlgn="auto" latinLnBrk="0" hangingPunct="1">
+                  <a:lnSpc>
+                    <a:spcPct val="100000"/>
+                  </a:lnSpc>
+                  <a:spcBef>
+                    <a:spcPts val="0"/>
+                  </a:spcBef>
+                  <a:spcAft>
+                    <a:spcPts val="0"/>
+                  </a:spcAft>
+                  <a:buClrTx/>
+                  <a:buSzTx/>
+                  <a:buFont typeface="Arial" panose="020B0604020202020204" pitchFamily="34" charset="0"/>
+                  <a:buChar char="•"/>
+                  <a:tabLst/>
+                  <a:defRPr/>
+                </a:pPr>
+                <a14:m>
+                  <m:oMath xmlns:m="http://schemas.openxmlformats.org/officeDocument/2006/math">
+                    <m:sSub>
+                      <m:sSubPr>
+                        <m:ctrlPr>
+                          <a:rPr kumimoji="0" lang="en-US" sz="800" b="1" i="1" u="none" strike="noStrike" kern="1200" cap="none" spc="0" normalizeH="0" baseline="0" noProof="0" smtClean="0">
+                            <a:ln>
+                              <a:noFill/>
+                            </a:ln>
+                            <a:solidFill>
+                              <a:prstClr val="black"/>
+                            </a:solidFill>
+                            <a:effectLst/>
+                            <a:uLnTx/>
+                            <a:uFillTx/>
+                            <a:latin typeface="Cambria Math" panose="02040503050406030204" pitchFamily="18" charset="0"/>
+                            <a:ea typeface="+mn-ea"/>
+                            <a:cs typeface="+mn-cs"/>
+                          </a:rPr>
+                        </m:ctrlPr>
+                      </m:sSubPr>
+                      <m:e>
+                        <m:r>
+                          <a:rPr kumimoji="0" lang="en-US" sz="800" b="1" i="1" u="none" strike="noStrike" kern="1200" cap="none" spc="0" normalizeH="0" baseline="0" noProof="0" smtClean="0">
+                            <a:ln>
+                              <a:noFill/>
+                            </a:ln>
+                            <a:solidFill>
+                              <a:prstClr val="black"/>
+                            </a:solidFill>
+                            <a:effectLst/>
+                            <a:uLnTx/>
+                            <a:uFillTx/>
+                            <a:latin typeface="Cambria Math" panose="02040503050406030204" pitchFamily="18" charset="0"/>
+                            <a:ea typeface="+mn-ea"/>
+                            <a:cs typeface="+mn-cs"/>
+                          </a:rPr>
+                          <m:t>𝒕</m:t>
+                        </m:r>
+                      </m:e>
+                      <m:sub>
+                        <m:r>
+                          <a:rPr kumimoji="0" lang="en-US" sz="800" b="1" i="1" u="none" strike="noStrike" kern="1200" cap="none" spc="0" normalizeH="0" baseline="0" noProof="0" smtClean="0">
+                            <a:ln>
+                              <a:noFill/>
+                            </a:ln>
+                            <a:solidFill>
+                              <a:prstClr val="black"/>
+                            </a:solidFill>
+                            <a:effectLst/>
+                            <a:uLnTx/>
+                            <a:uFillTx/>
+                            <a:latin typeface="Cambria Math" panose="02040503050406030204" pitchFamily="18" charset="0"/>
+                            <a:ea typeface="+mn-ea"/>
+                            <a:cs typeface="+mn-cs"/>
+                          </a:rPr>
+                          <m:t>𝒛</m:t>
+                        </m:r>
+                      </m:sub>
+                    </m:sSub>
+                  </m:oMath>
+                </a14:m>
+                <a:endParaRPr kumimoji="0" lang="en-US" sz="800" b="1" i="0" u="none" strike="noStrike" kern="1200" cap="none" spc="0" normalizeH="0" baseline="0" noProof="0" dirty="0">
+                  <a:ln>
+                    <a:noFill/>
+                  </a:ln>
+                  <a:solidFill>
+                    <a:prstClr val="black"/>
+                  </a:solidFill>
+                  <a:effectLst/>
+                  <a:uLnTx/>
+                  <a:uFillTx/>
+                  <a:latin typeface="Aptos" panose="02110004020202020204"/>
+                  <a:ea typeface="+mn-ea"/>
+                  <a:cs typeface="+mn-cs"/>
+                </a:endParaRPr>
+              </a:p>
+            </p:txBody>
+          </p:sp>
+        </mc:Choice>
+        <mc:Fallback xmlns="">
+          <p:sp>
+            <p:nvSpPr>
+              <p:cNvPr id="69" name="Rectangle 68">
+                <a:extLst>
+                  <a:ext uri="{FF2B5EF4-FFF2-40B4-BE49-F238E27FC236}">
+                    <a16:creationId xmlns:a16="http://schemas.microsoft.com/office/drawing/2014/main" id="{F32F1960-BE32-1B46-CF08-F87A6AE2EE06}"/>
+                  </a:ext>
+                </a:extLst>
+              </p:cNvPr>
+              <p:cNvSpPr>
+                <a:spLocks noRot="1" noChangeAspect="1" noMove="1" noResize="1" noEditPoints="1" noAdjustHandles="1" noChangeArrowheads="1" noChangeShapeType="1" noTextEdit="1"/>
+              </p:cNvSpPr>
+              <p:nvPr/>
+            </p:nvSpPr>
+            <p:spPr>
+              <a:xfrm>
+                <a:off x="10015105" y="1444800"/>
+                <a:ext cx="518391" cy="318400"/>
+              </a:xfrm>
+              <a:prstGeom prst="rect">
+                <a:avLst/>
+              </a:prstGeom>
+              <a:blipFill>
+                <a:blip r:embed="rId6"/>
+                <a:stretch>
+                  <a:fillRect b="-3774"/>
+                </a:stretch>
+              </a:blipFill>
+              <a:ln w="3175">
+                <a:solidFill>
+                  <a:schemeClr val="tx1"/>
+                </a:solidFill>
+                <a:prstDash val="sysDot"/>
+              </a:ln>
+            </p:spPr>
+            <p:txBody>
+              <a:bodyPr/>
+              <a:lstStyle/>
+              <a:p>
+                <a:r>
+                  <a:rPr lang="en-US">
+                    <a:noFill/>
+                  </a:rPr>
+                  <a:t> </a:t>
+                </a:r>
+              </a:p>
+            </p:txBody>
+          </p:sp>
+        </mc:Fallback>
+      </mc:AlternateContent>
+      <p:cxnSp>
+        <p:nvCxnSpPr>
+          <p:cNvPr id="72" name="Straight Arrow Connector 71">
+            <a:extLst>
+              <a:ext uri="{FF2B5EF4-FFF2-40B4-BE49-F238E27FC236}">
+                <a16:creationId xmlns:a16="http://schemas.microsoft.com/office/drawing/2014/main" id="{40AA06FB-3DCF-5266-690F-E45DB58C64F1}"/>
+              </a:ext>
+            </a:extLst>
+          </p:cNvPr>
+          <p:cNvCxnSpPr>
+            <a:cxnSpLocks/>
+            <a:stCxn id="4" idx="0"/>
+            <a:endCxn id="69" idx="2"/>
+          </p:cNvCxnSpPr>
+          <p:nvPr/>
+        </p:nvCxnSpPr>
+        <p:spPr>
+          <a:xfrm flipV="1">
+            <a:off x="10274301" y="1763200"/>
+            <a:ext cx="0" cy="234752"/>
+          </a:xfrm>
+          <a:prstGeom prst="straightConnector1">
+            <a:avLst/>
+          </a:prstGeom>
+          <a:ln cmpd="dbl">
+            <a:solidFill>
+              <a:schemeClr val="tx1"/>
+            </a:solidFill>
+            <a:headEnd type="stealth" w="lg" len="lg"/>
+            <a:tailEnd type="none" w="lg" len="lg"/>
+          </a:ln>
+        </p:spPr>
+        <p:style>
+          <a:lnRef idx="2">
+            <a:schemeClr val="accent1"/>
+          </a:lnRef>
+          <a:fillRef idx="0">
+            <a:schemeClr val="accent1"/>
+          </a:fillRef>
+          <a:effectRef idx="1">
+            <a:schemeClr val="accent1"/>
+          </a:effectRef>
+          <a:fontRef idx="minor">
+            <a:schemeClr val="tx1"/>
+          </a:fontRef>
+        </p:style>
+      </p:cxnSp>
+      <mc:AlternateContent xmlns:mc="http://schemas.openxmlformats.org/markup-compatibility/2006" xmlns:a14="http://schemas.microsoft.com/office/drawing/2010/main">
+        <mc:Choice Requires="a14">
+          <p:sp>
+            <p:nvSpPr>
+              <p:cNvPr id="78" name="Rectangle 77">
+                <a:extLst>
+                  <a:ext uri="{FF2B5EF4-FFF2-40B4-BE49-F238E27FC236}">
+                    <a16:creationId xmlns:a16="http://schemas.microsoft.com/office/drawing/2014/main" id="{90EECE11-BCC9-7754-1657-713660D8C537}"/>
+                  </a:ext>
+                </a:extLst>
+              </p:cNvPr>
+              <p:cNvSpPr/>
+              <p:nvPr/>
+            </p:nvSpPr>
+            <p:spPr>
+              <a:xfrm>
+                <a:off x="10015105" y="3853640"/>
+                <a:ext cx="518391" cy="239543"/>
+              </a:xfrm>
+              <a:prstGeom prst="rect">
+                <a:avLst/>
+              </a:prstGeom>
+              <a:solidFill>
+                <a:schemeClr val="accent3">
+                  <a:lumMod val="20000"/>
+                  <a:lumOff val="80000"/>
+                </a:schemeClr>
+              </a:solidFill>
+              <a:ln w="3175">
+                <a:solidFill>
+                  <a:schemeClr val="tx1"/>
+                </a:solidFill>
+                <a:prstDash val="sysDot"/>
+              </a:ln>
+            </p:spPr>
+            <p:style>
+              <a:lnRef idx="2">
+                <a:schemeClr val="accent1">
+                  <a:shade val="15000"/>
+                </a:schemeClr>
+              </a:lnRef>
+              <a:fillRef idx="1">
+                <a:schemeClr val="accent1"/>
+              </a:fillRef>
+              <a:effectRef idx="0">
+                <a:schemeClr val="accent1"/>
+              </a:effectRef>
+              <a:fontRef idx="minor">
+                <a:schemeClr val="lt1"/>
+              </a:fontRef>
+            </p:style>
+            <p:txBody>
+              <a:bodyPr rtlCol="0" anchor="ctr"/>
+              <a:lstStyle/>
+              <a:p>
+                <a:pPr marL="171450" marR="0" lvl="0" indent="-171450" algn="l" defTabSz="914400" rtl="0" eaLnBrk="1" fontAlgn="auto" latinLnBrk="0" hangingPunct="1">
+                  <a:lnSpc>
+                    <a:spcPct val="100000"/>
+                  </a:lnSpc>
+                  <a:spcBef>
+                    <a:spcPts val="0"/>
+                  </a:spcBef>
+                  <a:spcAft>
+                    <a:spcPts val="0"/>
+                  </a:spcAft>
+                  <a:buClrTx/>
+                  <a:buSzTx/>
+                  <a:buFont typeface="Arial" panose="020B0604020202020204" pitchFamily="34" charset="0"/>
+                  <a:buChar char="•"/>
+                  <a:tabLst/>
+                  <a:defRPr/>
+                </a:pPr>
+                <a14:m>
+                  <m:oMath xmlns:m="http://schemas.openxmlformats.org/officeDocument/2006/math">
+                    <m:r>
+                      <a:rPr kumimoji="0" lang="en-US" sz="800" b="1" i="1" u="none" strike="noStrike" kern="1200" cap="none" spc="0" normalizeH="0" baseline="0" noProof="0" dirty="0" smtClean="0">
+                        <a:ln>
+                          <a:noFill/>
+                        </a:ln>
+                        <a:solidFill>
+                          <a:prstClr val="black"/>
+                        </a:solidFill>
+                        <a:effectLst/>
+                        <a:uLnTx/>
+                        <a:uFillTx/>
+                        <a:latin typeface="Cambria Math" panose="02040503050406030204" pitchFamily="18" charset="0"/>
+                        <a:ea typeface="+mn-ea"/>
+                        <a:cs typeface="+mn-cs"/>
+                      </a:rPr>
+                      <m:t>[</m:t>
+                    </m:r>
+                    <m:r>
+                      <a:rPr kumimoji="0" lang="en-US" sz="800" b="1" i="1" u="none" strike="noStrike" kern="1200" cap="none" spc="0" normalizeH="0" baseline="0" noProof="0" dirty="0" smtClean="0">
+                        <a:ln>
+                          <a:noFill/>
+                        </a:ln>
+                        <a:solidFill>
+                          <a:prstClr val="black"/>
+                        </a:solidFill>
+                        <a:effectLst/>
+                        <a:uLnTx/>
+                        <a:uFillTx/>
+                        <a:latin typeface="Cambria Math" panose="02040503050406030204" pitchFamily="18" charset="0"/>
+                        <a:ea typeface="+mn-ea"/>
+                        <a:cs typeface="+mn-cs"/>
+                      </a:rPr>
+                      <m:t>𝒌</m:t>
+                    </m:r>
+                    <m:r>
+                      <a:rPr kumimoji="0" lang="en-US" sz="800" b="1" i="1" u="none" strike="noStrike" kern="1200" cap="none" spc="0" normalizeH="0" baseline="0" noProof="0" dirty="0" smtClean="0">
+                        <a:ln>
+                          <a:noFill/>
+                        </a:ln>
+                        <a:solidFill>
+                          <a:prstClr val="black"/>
+                        </a:solidFill>
+                        <a:effectLst/>
+                        <a:uLnTx/>
+                        <a:uFillTx/>
+                        <a:latin typeface="Cambria Math" panose="02040503050406030204" pitchFamily="18" charset="0"/>
+                        <a:ea typeface="+mn-ea"/>
+                        <a:cs typeface="+mn-cs"/>
+                      </a:rPr>
+                      <m:t>]</m:t>
+                    </m:r>
+                  </m:oMath>
+                </a14:m>
+                <a:endParaRPr kumimoji="0" lang="en-US" sz="800" b="1" i="0" u="none" strike="noStrike" kern="1200" cap="none" spc="0" normalizeH="0" baseline="0" noProof="0" dirty="0">
+                  <a:ln>
+                    <a:noFill/>
+                  </a:ln>
+                  <a:solidFill>
+                    <a:prstClr val="black"/>
+                  </a:solidFill>
+                  <a:effectLst/>
+                  <a:uLnTx/>
+                  <a:uFillTx/>
+                  <a:latin typeface="Aptos" panose="02110004020202020204"/>
+                  <a:ea typeface="+mn-ea"/>
+                  <a:cs typeface="+mn-cs"/>
+                </a:endParaRPr>
+              </a:p>
+            </p:txBody>
+          </p:sp>
+        </mc:Choice>
+        <mc:Fallback xmlns="">
+          <p:sp>
+            <p:nvSpPr>
+              <p:cNvPr id="78" name="Rectangle 77">
+                <a:extLst>
+                  <a:ext uri="{FF2B5EF4-FFF2-40B4-BE49-F238E27FC236}">
+                    <a16:creationId xmlns:a16="http://schemas.microsoft.com/office/drawing/2014/main" id="{90EECE11-BCC9-7754-1657-713660D8C537}"/>
+                  </a:ext>
+                </a:extLst>
+              </p:cNvPr>
+              <p:cNvSpPr>
+                <a:spLocks noRot="1" noChangeAspect="1" noMove="1" noResize="1" noEditPoints="1" noAdjustHandles="1" noChangeArrowheads="1" noChangeShapeType="1" noTextEdit="1"/>
+              </p:cNvSpPr>
+              <p:nvPr/>
+            </p:nvSpPr>
+            <p:spPr>
+              <a:xfrm>
+                <a:off x="10015105" y="3853640"/>
+                <a:ext cx="518391" cy="239543"/>
+              </a:xfrm>
+              <a:prstGeom prst="rect">
+                <a:avLst/>
+              </a:prstGeom>
+              <a:blipFill>
+                <a:blip r:embed="rId7"/>
+                <a:stretch>
+                  <a:fillRect/>
+                </a:stretch>
+              </a:blipFill>
+              <a:ln w="3175">
+                <a:solidFill>
+                  <a:schemeClr val="tx1"/>
+                </a:solidFill>
+                <a:prstDash val="sysDot"/>
+              </a:ln>
+            </p:spPr>
+            <p:txBody>
+              <a:bodyPr/>
+              <a:lstStyle/>
+              <a:p>
+                <a:r>
+                  <a:rPr lang="en-US">
+                    <a:noFill/>
+                  </a:rPr>
+                  <a:t> </a:t>
+                </a:r>
+              </a:p>
+            </p:txBody>
+          </p:sp>
+        </mc:Fallback>
+      </mc:AlternateContent>
+      <p:sp>
+        <p:nvSpPr>
+          <p:cNvPr id="80" name="Oval 79">
+            <a:extLst>
+              <a:ext uri="{FF2B5EF4-FFF2-40B4-BE49-F238E27FC236}">
+                <a16:creationId xmlns:a16="http://schemas.microsoft.com/office/drawing/2014/main" id="{A5F21726-477A-A88D-A2A3-962E06DA5D3C}"/>
+              </a:ext>
+            </a:extLst>
+          </p:cNvPr>
+          <p:cNvSpPr/>
+          <p:nvPr/>
+        </p:nvSpPr>
+        <p:spPr>
+          <a:xfrm>
+            <a:off x="9657943" y="5928723"/>
+            <a:ext cx="1232713" cy="280789"/>
+          </a:xfrm>
+          <a:prstGeom prst="ellipse">
+            <a:avLst/>
+          </a:prstGeom>
+          <a:solidFill>
+            <a:schemeClr val="tx1"/>
+          </a:solidFill>
+          <a:ln w="6350">
+            <a:solidFill>
+              <a:schemeClr val="accent1"/>
+            </a:solidFill>
+          </a:ln>
+        </p:spPr>
+        <p:style>
+          <a:lnRef idx="2">
+            <a:schemeClr val="accent1">
+              <a:shade val="15000"/>
+            </a:schemeClr>
+          </a:lnRef>
+          <a:fillRef idx="1">
+            <a:schemeClr val="accent1"/>
+          </a:fillRef>
+          <a:effectRef idx="0">
+            <a:schemeClr val="accent1"/>
+          </a:effectRef>
+          <a:fontRef idx="minor">
+            <a:schemeClr val="lt1"/>
+          </a:fontRef>
+        </p:style>
+        <p:txBody>
+          <a:bodyPr rtlCol="0" anchor="ctr"/>
+          <a:lstStyle/>
+          <a:p>
+            <a:pPr marL="0" marR="0" lvl="0" indent="0" algn="ctr" defTabSz="914400" rtl="0" eaLnBrk="1" fontAlgn="auto" latinLnBrk="0" hangingPunct="1">
+              <a:lnSpc>
+                <a:spcPct val="100000"/>
+              </a:lnSpc>
+              <a:spcBef>
+                <a:spcPts val="0"/>
+              </a:spcBef>
+              <a:spcAft>
+                <a:spcPts val="0"/>
+              </a:spcAft>
+              <a:buClrTx/>
+              <a:buSzTx/>
+              <a:buFontTx/>
+              <a:buNone/>
+              <a:tabLst/>
+              <a:defRPr/>
+            </a:pPr>
+            <a:r>
+              <a:rPr kumimoji="0" lang="en-US" sz="1000" b="1" i="0" u="none" strike="noStrike" kern="1200" cap="none" spc="0" normalizeH="0" baseline="0" noProof="0" dirty="0">
+                <a:ln>
+                  <a:noFill/>
+                </a:ln>
+                <a:solidFill>
+                  <a:prstClr val="white"/>
+                </a:solidFill>
+                <a:effectLst/>
+                <a:uLnTx/>
+                <a:uFillTx/>
+                <a:latin typeface="Aptos" panose="02110004020202020204"/>
+                <a:ea typeface="+mn-ea"/>
+                <a:cs typeface="+mn-cs"/>
+              </a:rPr>
+              <a:t>Figures</a:t>
+            </a:r>
+          </a:p>
+        </p:txBody>
+      </p:sp>
+    </p:spTree>
+    <p:extLst>
+      <p:ext uri="{BB962C8B-B14F-4D97-AF65-F5344CB8AC3E}">
+        <p14:creationId xmlns:p14="http://schemas.microsoft.com/office/powerpoint/2010/main" val="3372794285"/>
+      </p:ext>
+    </p:extLst>
+  </p:cSld>
+  <p:clrMapOvr>
+    <a:masterClrMapping/>
+  </p:clrMapOvr>
+</p:sld>
+</file>
+
+<file path=ppt/slides/slide11.xml><?xml version="1.0" encoding="utf-8"?>
 <p:sld xmlns:a="http://schemas.openxmlformats.org/drawingml/2006/main" xmlns:r="http://schemas.openxmlformats.org/officeDocument/2006/relationships" xmlns:p="http://schemas.openxmlformats.org/presentationml/2006/main">
   <p:cSld>
     <p:spTree>
@@ -10443,7 +13816,7 @@
 </p:sld>
 </file>
 
-<file path=ppt/slides/slide11.xml><?xml version="1.0" encoding="utf-8"?>
+<file path=ppt/slides/slide12.xml><?xml version="1.0" encoding="utf-8"?>
 <p:sld xmlns:a="http://schemas.openxmlformats.org/drawingml/2006/main" xmlns:r="http://schemas.openxmlformats.org/officeDocument/2006/relationships" xmlns:p="http://schemas.openxmlformats.org/presentationml/2006/main">
   <p:cSld>
     <p:spTree>
@@ -14727,7 +18100,7 @@
 </p:sld>
 </file>
 
-<file path=ppt/slides/slide12.xml><?xml version="1.0" encoding="utf-8"?>
+<file path=ppt/slides/slide13.xml><?xml version="1.0" encoding="utf-8"?>
 <p:sld xmlns:a="http://schemas.openxmlformats.org/drawingml/2006/main" xmlns:r="http://schemas.openxmlformats.org/officeDocument/2006/relationships" xmlns:p="http://schemas.openxmlformats.org/presentationml/2006/main">
   <p:cSld>
     <p:spTree>
@@ -20087,8 +23460,8 @@
           <a:chExt cx="0" cy="0"/>
         </a:xfrm>
       </p:grpSpPr>
-      <mc:AlternateContent xmlns:mc="http://schemas.openxmlformats.org/markup-compatibility/2006">
-        <mc:Choice xmlns:a14="http://schemas.microsoft.com/office/drawing/2010/main" Requires="a14">
+      <mc:AlternateContent xmlns:mc="http://schemas.openxmlformats.org/markup-compatibility/2006" xmlns:a14="http://schemas.microsoft.com/office/drawing/2010/main">
+        <mc:Choice Requires="a14">
           <p:sp>
             <p:nvSpPr>
               <p:cNvPr id="7" name="Rectangle: Rounded Corners 6">
@@ -20327,7 +23700,7 @@
             </p:txBody>
           </p:sp>
         </mc:Choice>
-        <mc:Fallback>
+        <mc:Fallback xmlns="">
           <p:sp>
             <p:nvSpPr>
               <p:cNvPr id="7" name="Rectangle: Rounded Corners 6">
@@ -20379,8 +23752,8 @@
           </p:sp>
         </mc:Fallback>
       </mc:AlternateContent>
-      <mc:AlternateContent xmlns:mc="http://schemas.openxmlformats.org/markup-compatibility/2006">
-        <mc:Choice xmlns:a14="http://schemas.microsoft.com/office/drawing/2010/main" Requires="a14">
+      <mc:AlternateContent xmlns:mc="http://schemas.openxmlformats.org/markup-compatibility/2006" xmlns:a14="http://schemas.microsoft.com/office/drawing/2010/main">
+        <mc:Choice Requires="a14">
           <p:sp>
             <p:nvSpPr>
               <p:cNvPr id="8" name="Rectangle: Rounded Corners 7">
@@ -20625,7 +23998,7 @@
             </p:txBody>
           </p:sp>
         </mc:Choice>
-        <mc:Fallback>
+        <mc:Fallback xmlns="">
           <p:sp>
             <p:nvSpPr>
               <p:cNvPr id="8" name="Rectangle: Rounded Corners 7">
@@ -20875,8 +24248,8 @@
           </a:p>
         </p:txBody>
       </p:sp>
-      <mc:AlternateContent xmlns:mc="http://schemas.openxmlformats.org/markup-compatibility/2006">
-        <mc:Choice xmlns:a14="http://schemas.microsoft.com/office/drawing/2010/main" Requires="a14">
+      <mc:AlternateContent xmlns:mc="http://schemas.openxmlformats.org/markup-compatibility/2006" xmlns:a14="http://schemas.microsoft.com/office/drawing/2010/main">
+        <mc:Choice Requires="a14">
           <p:sp>
             <p:nvSpPr>
               <p:cNvPr id="11" name="Rectangle: Rounded Corners 10">
@@ -20994,6 +24367,7 @@
                             <a:solidFill>
                               <a:schemeClr val="tx1"/>
                             </a:solidFill>
+                            <a:latin typeface="Cambria Math" panose="02040503050406030204" pitchFamily="18" charset="0"/>
                           </a:rPr>
                         </m:ctrlPr>
                       </m:dPr>
@@ -21338,7 +24712,7 @@
             </p:txBody>
           </p:sp>
         </mc:Choice>
-        <mc:Fallback>
+        <mc:Fallback xmlns="">
           <p:sp>
             <p:nvSpPr>
               <p:cNvPr id="11" name="Rectangle: Rounded Corners 10">
@@ -22321,8 +25695,8 @@
           </a:p>
         </p:txBody>
       </p:sp>
-      <mc:AlternateContent xmlns:mc="http://schemas.openxmlformats.org/markup-compatibility/2006">
-        <mc:Choice xmlns:a14="http://schemas.microsoft.com/office/drawing/2010/main" Requires="a14">
+      <mc:AlternateContent xmlns:mc="http://schemas.openxmlformats.org/markup-compatibility/2006" xmlns:a14="http://schemas.microsoft.com/office/drawing/2010/main">
+        <mc:Choice Requires="a14">
           <p:sp>
             <p:nvSpPr>
               <p:cNvPr id="154" name="Rectangle 153">
@@ -22417,7 +25791,7 @@
             </p:txBody>
           </p:sp>
         </mc:Choice>
-        <mc:Fallback>
+        <mc:Fallback xmlns="">
           <p:sp>
             <p:nvSpPr>
               <p:cNvPr id="154" name="Rectangle 153">
@@ -22798,8 +26172,8 @@
           </a:fontRef>
         </p:style>
       </p:cxnSp>
-      <mc:AlternateContent xmlns:mc="http://schemas.openxmlformats.org/markup-compatibility/2006">
-        <mc:Choice xmlns:a14="http://schemas.microsoft.com/office/drawing/2010/main" Requires="a14">
+      <mc:AlternateContent xmlns:mc="http://schemas.openxmlformats.org/markup-compatibility/2006" xmlns:a14="http://schemas.microsoft.com/office/drawing/2010/main">
+        <mc:Choice Requires="a14">
           <p:sp>
             <p:nvSpPr>
               <p:cNvPr id="250" name="Rectangle 249">
@@ -22879,7 +26253,7 @@
             </p:txBody>
           </p:sp>
         </mc:Choice>
-        <mc:Fallback>
+        <mc:Fallback xmlns="">
           <p:sp>
             <p:nvSpPr>
               <p:cNvPr id="250" name="Rectangle 249">
@@ -23024,8 +26398,8 @@
           </a:fontRef>
         </p:style>
       </p:cxnSp>
-      <mc:AlternateContent xmlns:mc="http://schemas.openxmlformats.org/markup-compatibility/2006">
-        <mc:Choice xmlns:a14="http://schemas.microsoft.com/office/drawing/2010/main" Requires="a14">
+      <mc:AlternateContent xmlns:mc="http://schemas.openxmlformats.org/markup-compatibility/2006" xmlns:a14="http://schemas.microsoft.com/office/drawing/2010/main">
+        <mc:Choice Requires="a14">
           <p:sp>
             <p:nvSpPr>
               <p:cNvPr id="269" name="Rectangle 268">
@@ -23105,7 +26479,7 @@
             </p:txBody>
           </p:sp>
         </mc:Choice>
-        <mc:Fallback>
+        <mc:Fallback xmlns="">
           <p:sp>
             <p:nvSpPr>
               <p:cNvPr id="269" name="Rectangle 268">
@@ -23864,8 +27238,8 @@
           </a:fontRef>
         </p:style>
       </p:cxnSp>
-      <mc:AlternateContent xmlns:mc="http://schemas.openxmlformats.org/markup-compatibility/2006">
-        <mc:Choice xmlns:a14="http://schemas.microsoft.com/office/drawing/2010/main" Requires="a14">
+      <mc:AlternateContent xmlns:mc="http://schemas.openxmlformats.org/markup-compatibility/2006" xmlns:a14="http://schemas.microsoft.com/office/drawing/2010/main">
+        <mc:Choice Requires="a14">
           <p:sp>
             <p:nvSpPr>
               <p:cNvPr id="358" name="Rectangle 357">
@@ -23945,7 +27319,7 @@
             </p:txBody>
           </p:sp>
         </mc:Choice>
-        <mc:Fallback>
+        <mc:Fallback xmlns="">
           <p:sp>
             <p:nvSpPr>
               <p:cNvPr id="358" name="Rectangle 357">
@@ -23996,8 +27370,8 @@
           </p:sp>
         </mc:Fallback>
       </mc:AlternateContent>
-      <mc:AlternateContent xmlns:mc="http://schemas.openxmlformats.org/markup-compatibility/2006">
-        <mc:Choice xmlns:a14="http://schemas.microsoft.com/office/drawing/2010/main" Requires="a14">
+      <mc:AlternateContent xmlns:mc="http://schemas.openxmlformats.org/markup-compatibility/2006" xmlns:a14="http://schemas.microsoft.com/office/drawing/2010/main">
+        <mc:Choice Requires="a14">
           <p:sp>
             <p:nvSpPr>
               <p:cNvPr id="359" name="Rectangle 358">
@@ -24096,7 +27470,7 @@
             </p:txBody>
           </p:sp>
         </mc:Choice>
-        <mc:Fallback>
+        <mc:Fallback xmlns="">
           <p:sp>
             <p:nvSpPr>
               <p:cNvPr id="359" name="Rectangle 358">
@@ -24147,8 +27521,8 @@
           </p:sp>
         </mc:Fallback>
       </mc:AlternateContent>
-      <mc:AlternateContent xmlns:mc="http://schemas.openxmlformats.org/markup-compatibility/2006">
-        <mc:Choice xmlns:a14="http://schemas.microsoft.com/office/drawing/2010/main" Requires="a14">
+      <mc:AlternateContent xmlns:mc="http://schemas.openxmlformats.org/markup-compatibility/2006" xmlns:a14="http://schemas.microsoft.com/office/drawing/2010/main">
+        <mc:Choice Requires="a14">
           <p:sp>
             <p:nvSpPr>
               <p:cNvPr id="251" name="Rectangle 250">
@@ -24247,7 +27621,7 @@
             </p:txBody>
           </p:sp>
         </mc:Choice>
-        <mc:Fallback>
+        <mc:Fallback xmlns="">
           <p:sp>
             <p:nvSpPr>
               <p:cNvPr id="251" name="Rectangle 250">
@@ -24489,8 +27863,8 @@
           </a:p>
         </p:txBody>
       </p:sp>
-      <mc:AlternateContent xmlns:mc="http://schemas.openxmlformats.org/markup-compatibility/2006">
-        <mc:Choice xmlns:a14="http://schemas.microsoft.com/office/drawing/2010/main" Requires="a14">
+      <mc:AlternateContent xmlns:mc="http://schemas.openxmlformats.org/markup-compatibility/2006" xmlns:a14="http://schemas.microsoft.com/office/drawing/2010/main">
+        <mc:Choice Requires="a14">
           <p:sp>
             <p:nvSpPr>
               <p:cNvPr id="3" name="Rectangle: Rounded Corners 2">
@@ -24785,7 +28159,7 @@
             </p:txBody>
           </p:sp>
         </mc:Choice>
-        <mc:Fallback>
+        <mc:Fallback xmlns="">
           <p:sp>
             <p:nvSpPr>
               <p:cNvPr id="3" name="Rectangle: Rounded Corners 2">
@@ -24837,8 +28211,8 @@
           </p:sp>
         </mc:Fallback>
       </mc:AlternateContent>
-      <mc:AlternateContent xmlns:mc="http://schemas.openxmlformats.org/markup-compatibility/2006">
-        <mc:Choice xmlns:a14="http://schemas.microsoft.com/office/drawing/2010/main" Requires="a14">
+      <mc:AlternateContent xmlns:mc="http://schemas.openxmlformats.org/markup-compatibility/2006" xmlns:a14="http://schemas.microsoft.com/office/drawing/2010/main">
+        <mc:Choice Requires="a14">
           <p:sp>
             <p:nvSpPr>
               <p:cNvPr id="4" name="Rectangle: Rounded Corners 3">
@@ -25104,7 +28478,7 @@
             </p:txBody>
           </p:sp>
         </mc:Choice>
-        <mc:Fallback>
+        <mc:Fallback xmlns="">
           <p:sp>
             <p:nvSpPr>
               <p:cNvPr id="4" name="Rectangle: Rounded Corners 3">
@@ -25156,8 +28530,8 @@
           </p:sp>
         </mc:Fallback>
       </mc:AlternateContent>
-      <mc:AlternateContent xmlns:mc="http://schemas.openxmlformats.org/markup-compatibility/2006">
-        <mc:Choice xmlns:a14="http://schemas.microsoft.com/office/drawing/2010/main" Requires="a14">
+      <mc:AlternateContent xmlns:mc="http://schemas.openxmlformats.org/markup-compatibility/2006" xmlns:a14="http://schemas.microsoft.com/office/drawing/2010/main">
+        <mc:Choice Requires="a14">
           <p:sp>
             <p:nvSpPr>
               <p:cNvPr id="5" name="Rectangle: Rounded Corners 4">
@@ -25371,7 +28745,7 @@
             </p:txBody>
           </p:sp>
         </mc:Choice>
-        <mc:Fallback>
+        <mc:Fallback xmlns="">
           <p:sp>
             <p:nvSpPr>
               <p:cNvPr id="5" name="Rectangle: Rounded Corners 4">
@@ -25423,8 +28797,8 @@
           </p:sp>
         </mc:Fallback>
       </mc:AlternateContent>
-      <mc:AlternateContent xmlns:mc="http://schemas.openxmlformats.org/markup-compatibility/2006">
-        <mc:Choice xmlns:a14="http://schemas.microsoft.com/office/drawing/2010/main" Requires="a14">
+      <mc:AlternateContent xmlns:mc="http://schemas.openxmlformats.org/markup-compatibility/2006" xmlns:a14="http://schemas.microsoft.com/office/drawing/2010/main">
+        <mc:Choice Requires="a14">
           <p:sp>
             <p:nvSpPr>
               <p:cNvPr id="6" name="Rectangle: Rounded Corners 5">
@@ -25897,7 +29271,7 @@
             </p:txBody>
           </p:sp>
         </mc:Choice>
-        <mc:Fallback>
+        <mc:Fallback xmlns="">
           <p:sp>
             <p:nvSpPr>
               <p:cNvPr id="6" name="Rectangle: Rounded Corners 5">
@@ -25949,8 +29323,8 @@
           </p:sp>
         </mc:Fallback>
       </mc:AlternateContent>
-      <mc:AlternateContent xmlns:mc="http://schemas.openxmlformats.org/markup-compatibility/2006">
-        <mc:Choice xmlns:a14="http://schemas.microsoft.com/office/drawing/2010/main" Requires="a14">
+      <mc:AlternateContent xmlns:mc="http://schemas.openxmlformats.org/markup-compatibility/2006" xmlns:a14="http://schemas.microsoft.com/office/drawing/2010/main">
+        <mc:Choice Requires="a14">
           <p:sp>
             <p:nvSpPr>
               <p:cNvPr id="9" name="Rectangle: Rounded Corners 8">
@@ -26146,7 +29520,7 @@
             </p:txBody>
           </p:sp>
         </mc:Choice>
-        <mc:Fallback>
+        <mc:Fallback xmlns="">
           <p:sp>
             <p:nvSpPr>
               <p:cNvPr id="9" name="Rectangle: Rounded Corners 8">
@@ -26198,8 +29572,8 @@
           </p:sp>
         </mc:Fallback>
       </mc:AlternateContent>
-      <mc:AlternateContent xmlns:mc="http://schemas.openxmlformats.org/markup-compatibility/2006">
-        <mc:Choice xmlns:a14="http://schemas.microsoft.com/office/drawing/2010/main" Requires="a14">
+      <mc:AlternateContent xmlns:mc="http://schemas.openxmlformats.org/markup-compatibility/2006" xmlns:a14="http://schemas.microsoft.com/office/drawing/2010/main">
+        <mc:Choice Requires="a14">
           <p:sp>
             <p:nvSpPr>
               <p:cNvPr id="12" name="Rectangle: Rounded Corners 11">
@@ -26395,7 +29769,7 @@
             </p:txBody>
           </p:sp>
         </mc:Choice>
-        <mc:Fallback>
+        <mc:Fallback xmlns="">
           <p:sp>
             <p:nvSpPr>
               <p:cNvPr id="12" name="Rectangle: Rounded Corners 11">
@@ -26447,8 +29821,8 @@
           </p:sp>
         </mc:Fallback>
       </mc:AlternateContent>
-      <mc:AlternateContent xmlns:mc="http://schemas.openxmlformats.org/markup-compatibility/2006">
-        <mc:Choice xmlns:a14="http://schemas.microsoft.com/office/drawing/2010/main" Requires="a14">
+      <mc:AlternateContent xmlns:mc="http://schemas.openxmlformats.org/markup-compatibility/2006" xmlns:a14="http://schemas.microsoft.com/office/drawing/2010/main">
+        <mc:Choice Requires="a14">
           <p:sp>
             <p:nvSpPr>
               <p:cNvPr id="22" name="Rectangle: Rounded Corners 21">
@@ -26775,7 +30149,7 @@
             </p:txBody>
           </p:sp>
         </mc:Choice>
-        <mc:Fallback>
+        <mc:Fallback xmlns="">
           <p:sp>
             <p:nvSpPr>
               <p:cNvPr id="22" name="Rectangle: Rounded Corners 21">
@@ -26827,8 +30201,8 @@
           </p:sp>
         </mc:Fallback>
       </mc:AlternateContent>
-      <mc:AlternateContent xmlns:mc="http://schemas.openxmlformats.org/markup-compatibility/2006">
-        <mc:Choice xmlns:a14="http://schemas.microsoft.com/office/drawing/2010/main" Requires="a14">
+      <mc:AlternateContent xmlns:mc="http://schemas.openxmlformats.org/markup-compatibility/2006" xmlns:a14="http://schemas.microsoft.com/office/drawing/2010/main">
+        <mc:Choice Requires="a14">
           <p:sp>
             <p:nvSpPr>
               <p:cNvPr id="23" name="Rectangle: Rounded Corners 22">
@@ -27067,7 +30441,7 @@
             </p:txBody>
           </p:sp>
         </mc:Choice>
-        <mc:Fallback>
+        <mc:Fallback xmlns="">
           <p:sp>
             <p:nvSpPr>
               <p:cNvPr id="23" name="Rectangle: Rounded Corners 22">
@@ -27347,8 +30721,8 @@
           </a:p>
         </p:txBody>
       </p:sp>
-      <mc:AlternateContent xmlns:mc="http://schemas.openxmlformats.org/markup-compatibility/2006">
-        <mc:Choice xmlns:a14="http://schemas.microsoft.com/office/drawing/2010/main" Requires="a14">
+      <mc:AlternateContent xmlns:mc="http://schemas.openxmlformats.org/markup-compatibility/2006" xmlns:a14="http://schemas.microsoft.com/office/drawing/2010/main">
+        <mc:Choice Requires="a14">
           <p:sp>
             <p:nvSpPr>
               <p:cNvPr id="13" name="Rectangle: Rounded Corners 12">
@@ -27811,7 +31185,7 @@
             </p:txBody>
           </p:sp>
         </mc:Choice>
-        <mc:Fallback>
+        <mc:Fallback xmlns="">
           <p:sp>
             <p:nvSpPr>
               <p:cNvPr id="13" name="Rectangle: Rounded Corners 12">
@@ -27863,8 +31237,8 @@
           </p:sp>
         </mc:Fallback>
       </mc:AlternateContent>
-      <mc:AlternateContent xmlns:mc="http://schemas.openxmlformats.org/markup-compatibility/2006">
-        <mc:Choice xmlns:a14="http://schemas.microsoft.com/office/drawing/2010/main" Requires="a14">
+      <mc:AlternateContent xmlns:mc="http://schemas.openxmlformats.org/markup-compatibility/2006" xmlns:a14="http://schemas.microsoft.com/office/drawing/2010/main">
+        <mc:Choice Requires="a14">
           <p:sp>
             <p:nvSpPr>
               <p:cNvPr id="14" name="Rectangle: Rounded Corners 13">
@@ -28385,7 +31759,7 @@
             </p:txBody>
           </p:sp>
         </mc:Choice>
-        <mc:Fallback>
+        <mc:Fallback xmlns="">
           <p:sp>
             <p:nvSpPr>
               <p:cNvPr id="14" name="Rectangle: Rounded Corners 13">
@@ -28437,8 +31811,8 @@
           </p:sp>
         </mc:Fallback>
       </mc:AlternateContent>
-      <mc:AlternateContent xmlns:mc="http://schemas.openxmlformats.org/markup-compatibility/2006">
-        <mc:Choice xmlns:a14="http://schemas.microsoft.com/office/drawing/2010/main" Requires="a14">
+      <mc:AlternateContent xmlns:mc="http://schemas.openxmlformats.org/markup-compatibility/2006" xmlns:a14="http://schemas.microsoft.com/office/drawing/2010/main">
+        <mc:Choice Requires="a14">
           <p:sp>
             <p:nvSpPr>
               <p:cNvPr id="16" name="Rectangle: Rounded Corners 15">
@@ -28901,7 +32275,7 @@
             </p:txBody>
           </p:sp>
         </mc:Choice>
-        <mc:Fallback>
+        <mc:Fallback xmlns="">
           <p:sp>
             <p:nvSpPr>
               <p:cNvPr id="16" name="Rectangle: Rounded Corners 15">
@@ -28953,8 +32327,8 @@
           </p:sp>
         </mc:Fallback>
       </mc:AlternateContent>
-      <mc:AlternateContent xmlns:mc="http://schemas.openxmlformats.org/markup-compatibility/2006">
-        <mc:Choice xmlns:a14="http://schemas.microsoft.com/office/drawing/2010/main" Requires="a14">
+      <mc:AlternateContent xmlns:mc="http://schemas.openxmlformats.org/markup-compatibility/2006" xmlns:a14="http://schemas.microsoft.com/office/drawing/2010/main">
+        <mc:Choice Requires="a14">
           <p:sp>
             <p:nvSpPr>
               <p:cNvPr id="18" name="Rectangle: Rounded Corners 17">
@@ -29417,7 +32791,7 @@
             </p:txBody>
           </p:sp>
         </mc:Choice>
-        <mc:Fallback>
+        <mc:Fallback xmlns="">
           <p:sp>
             <p:nvSpPr>
               <p:cNvPr id="18" name="Rectangle: Rounded Corners 17">
@@ -29469,8 +32843,8 @@
           </p:sp>
         </mc:Fallback>
       </mc:AlternateContent>
-      <mc:AlternateContent xmlns:mc="http://schemas.openxmlformats.org/markup-compatibility/2006">
-        <mc:Choice xmlns:a14="http://schemas.microsoft.com/office/drawing/2010/main" Requires="a14">
+      <mc:AlternateContent xmlns:mc="http://schemas.openxmlformats.org/markup-compatibility/2006" xmlns:a14="http://schemas.microsoft.com/office/drawing/2010/main">
+        <mc:Choice Requires="a14">
           <p:sp>
             <p:nvSpPr>
               <p:cNvPr id="19" name="Rectangle: Rounded Corners 18">
@@ -30087,7 +33461,7 @@
             </p:txBody>
           </p:sp>
         </mc:Choice>
-        <mc:Fallback>
+        <mc:Fallback xmlns="">
           <p:sp>
             <p:nvSpPr>
               <p:cNvPr id="19" name="Rectangle: Rounded Corners 18">
@@ -30731,8 +34105,8 @@
           </a:p>
         </p:txBody>
       </p:sp>
-      <mc:AlternateContent xmlns:mc="http://schemas.openxmlformats.org/markup-compatibility/2006">
-        <mc:Choice xmlns:a14="http://schemas.microsoft.com/office/drawing/2010/main" Requires="a14">
+      <mc:AlternateContent xmlns:mc="http://schemas.openxmlformats.org/markup-compatibility/2006" xmlns:a14="http://schemas.microsoft.com/office/drawing/2010/main">
+        <mc:Choice Requires="a14">
           <p:sp>
             <p:nvSpPr>
               <p:cNvPr id="154" name="Rectangle 153">
@@ -30865,7 +34239,7 @@
             </p:txBody>
           </p:sp>
         </mc:Choice>
-        <mc:Fallback>
+        <mc:Fallback xmlns="">
           <p:sp>
             <p:nvSpPr>
               <p:cNvPr id="154" name="Rectangle 153">
@@ -30963,8 +34337,8 @@
           </a:fontRef>
         </p:style>
       </p:cxnSp>
-      <mc:AlternateContent xmlns:mc="http://schemas.openxmlformats.org/markup-compatibility/2006">
-        <mc:Choice xmlns:a14="http://schemas.microsoft.com/office/drawing/2010/main" Requires="a14">
+      <mc:AlternateContent xmlns:mc="http://schemas.openxmlformats.org/markup-compatibility/2006" xmlns:a14="http://schemas.microsoft.com/office/drawing/2010/main">
+        <mc:Choice Requires="a14">
           <p:sp>
             <p:nvSpPr>
               <p:cNvPr id="250" name="Rectangle 249">
@@ -31074,7 +34448,7 @@
             </p:txBody>
           </p:sp>
         </mc:Choice>
-        <mc:Fallback>
+        <mc:Fallback xmlns="">
           <p:sp>
             <p:nvSpPr>
               <p:cNvPr id="250" name="Rectangle 249">
@@ -31172,8 +34546,8 @@
           </a:fontRef>
         </p:style>
       </p:cxnSp>
-      <mc:AlternateContent xmlns:mc="http://schemas.openxmlformats.org/markup-compatibility/2006">
-        <mc:Choice xmlns:a14="http://schemas.microsoft.com/office/drawing/2010/main" Requires="a14">
+      <mc:AlternateContent xmlns:mc="http://schemas.openxmlformats.org/markup-compatibility/2006" xmlns:a14="http://schemas.microsoft.com/office/drawing/2010/main">
+        <mc:Choice Requires="a14">
           <p:sp>
             <p:nvSpPr>
               <p:cNvPr id="359" name="Rectangle 358">
@@ -31330,7 +34704,7 @@
             </p:txBody>
           </p:sp>
         </mc:Choice>
-        <mc:Fallback>
+        <mc:Fallback xmlns="">
           <p:sp>
             <p:nvSpPr>
               <p:cNvPr id="359" name="Rectangle 358">
@@ -32094,8 +35468,8 @@
           </a:fontRef>
         </p:style>
       </p:cxnSp>
-      <mc:AlternateContent xmlns:mc="http://schemas.openxmlformats.org/markup-compatibility/2006">
-        <mc:Choice xmlns:a14="http://schemas.microsoft.com/office/drawing/2010/main" Requires="a14">
+      <mc:AlternateContent xmlns:mc="http://schemas.openxmlformats.org/markup-compatibility/2006" xmlns:a14="http://schemas.microsoft.com/office/drawing/2010/main">
+        <mc:Choice Requires="a14">
           <p:sp>
             <p:nvSpPr>
               <p:cNvPr id="22" name="Rectangle 21">
@@ -32210,7 +35584,7 @@
             </p:txBody>
           </p:sp>
         </mc:Choice>
-        <mc:Fallback>
+        <mc:Fallback xmlns="">
           <p:sp>
             <p:nvSpPr>
               <p:cNvPr id="22" name="Rectangle 21">
@@ -32519,8 +35893,8 @@
           </a:fontRef>
         </p:style>
       </p:cxnSp>
-      <mc:AlternateContent xmlns:mc="http://schemas.openxmlformats.org/markup-compatibility/2006">
-        <mc:Choice xmlns:a14="http://schemas.microsoft.com/office/drawing/2010/main" Requires="a14">
+      <mc:AlternateContent xmlns:mc="http://schemas.openxmlformats.org/markup-compatibility/2006" xmlns:a14="http://schemas.microsoft.com/office/drawing/2010/main">
+        <mc:Choice Requires="a14">
           <p:sp>
             <p:nvSpPr>
               <p:cNvPr id="358" name="Rectangle 357">
@@ -32664,7 +36038,7 @@
             </p:txBody>
           </p:sp>
         </mc:Choice>
-        <mc:Fallback>
+        <mc:Fallback xmlns="">
           <p:sp>
             <p:nvSpPr>
               <p:cNvPr id="358" name="Rectangle 357">
@@ -32988,8 +36362,8 @@
           </a:fontRef>
         </p:style>
       </p:cxnSp>
-      <mc:AlternateContent xmlns:mc="http://schemas.openxmlformats.org/markup-compatibility/2006">
-        <mc:Choice xmlns:a14="http://schemas.microsoft.com/office/drawing/2010/main" Requires="a14">
+      <mc:AlternateContent xmlns:mc="http://schemas.openxmlformats.org/markup-compatibility/2006" xmlns:a14="http://schemas.microsoft.com/office/drawing/2010/main">
+        <mc:Choice Requires="a14">
           <p:sp>
             <p:nvSpPr>
               <p:cNvPr id="53" name="Rectangle 52">
@@ -33133,7 +36507,7 @@
             </p:txBody>
           </p:sp>
         </mc:Choice>
-        <mc:Fallback>
+        <mc:Fallback xmlns="">
           <p:sp>
             <p:nvSpPr>
               <p:cNvPr id="53" name="Rectangle 52">
@@ -33480,8 +36854,8 @@
           </a:p>
         </p:txBody>
       </p:sp>
-      <mc:AlternateContent xmlns:mc="http://schemas.openxmlformats.org/markup-compatibility/2006">
-        <mc:Choice xmlns:a14="http://schemas.microsoft.com/office/drawing/2010/main" Requires="a14">
+      <mc:AlternateContent xmlns:mc="http://schemas.openxmlformats.org/markup-compatibility/2006" xmlns:a14="http://schemas.microsoft.com/office/drawing/2010/main">
+        <mc:Choice Requires="a14">
           <p:sp>
             <p:nvSpPr>
               <p:cNvPr id="70" name="Rectangle 69">
@@ -33596,7 +36970,7 @@
             </p:txBody>
           </p:sp>
         </mc:Choice>
-        <mc:Fallback>
+        <mc:Fallback xmlns="">
           <p:sp>
             <p:nvSpPr>
               <p:cNvPr id="70" name="Rectangle 69">
@@ -33882,8 +37256,8 @@
           </a:fontRef>
         </p:style>
       </p:cxnSp>
-      <mc:AlternateContent xmlns:mc="http://schemas.openxmlformats.org/markup-compatibility/2006">
-        <mc:Choice xmlns:a14="http://schemas.microsoft.com/office/drawing/2010/main" Requires="a14">
+      <mc:AlternateContent xmlns:mc="http://schemas.openxmlformats.org/markup-compatibility/2006" xmlns:a14="http://schemas.microsoft.com/office/drawing/2010/main">
+        <mc:Choice Requires="a14">
           <p:sp>
             <p:nvSpPr>
               <p:cNvPr id="118" name="Oval 117">
@@ -33979,7 +37353,7 @@
             </p:txBody>
           </p:sp>
         </mc:Choice>
-        <mc:Fallback>
+        <mc:Fallback xmlns="">
           <p:sp>
             <p:nvSpPr>
               <p:cNvPr id="118" name="Oval 117">
@@ -34076,8 +37450,8 @@
           </a:fontRef>
         </p:style>
       </p:cxnSp>
-      <mc:AlternateContent xmlns:mc="http://schemas.openxmlformats.org/markup-compatibility/2006">
-        <mc:Choice xmlns:a14="http://schemas.microsoft.com/office/drawing/2010/main" Requires="a14">
+      <mc:AlternateContent xmlns:mc="http://schemas.openxmlformats.org/markup-compatibility/2006" xmlns:a14="http://schemas.microsoft.com/office/drawing/2010/main">
+        <mc:Choice Requires="a14">
           <p:sp>
             <p:nvSpPr>
               <p:cNvPr id="123" name="Rectangle 122">
@@ -34215,7 +37589,7 @@
             </p:txBody>
           </p:sp>
         </mc:Choice>
-        <mc:Fallback>
+        <mc:Fallback xmlns="">
           <p:sp>
             <p:nvSpPr>
               <p:cNvPr id="123" name="Rectangle 122">
@@ -35542,8 +38916,8 @@
           </a:p>
         </p:txBody>
       </p:sp>
-      <mc:AlternateContent xmlns:mc="http://schemas.openxmlformats.org/markup-compatibility/2006">
-        <mc:Choice xmlns:a14="http://schemas.microsoft.com/office/drawing/2010/main" Requires="a14">
+      <mc:AlternateContent xmlns:mc="http://schemas.openxmlformats.org/markup-compatibility/2006" xmlns:a14="http://schemas.microsoft.com/office/drawing/2010/main">
+        <mc:Choice Requires="a14">
           <p:sp>
             <p:nvSpPr>
               <p:cNvPr id="70" name="Rectangle 69">
@@ -35687,7 +39061,7 @@
             </p:txBody>
           </p:sp>
         </mc:Choice>
-        <mc:Fallback>
+        <mc:Fallback xmlns="">
           <p:sp>
             <p:nvSpPr>
               <p:cNvPr id="70" name="Rectangle 69">
@@ -35832,8 +39206,8 @@
           </a:fontRef>
         </p:style>
       </p:cxnSp>
-      <mc:AlternateContent xmlns:mc="http://schemas.openxmlformats.org/markup-compatibility/2006">
-        <mc:Choice xmlns:a14="http://schemas.microsoft.com/office/drawing/2010/main" Requires="a14">
+      <mc:AlternateContent xmlns:mc="http://schemas.openxmlformats.org/markup-compatibility/2006" xmlns:a14="http://schemas.microsoft.com/office/drawing/2010/main">
+        <mc:Choice Requires="a14">
           <p:sp>
             <p:nvSpPr>
               <p:cNvPr id="123" name="Rectangle 122">
@@ -35997,7 +39371,7 @@
             </p:txBody>
           </p:sp>
         </mc:Choice>
-        <mc:Fallback>
+        <mc:Fallback xmlns="">
           <p:sp>
             <p:nvSpPr>
               <p:cNvPr id="123" name="Rectangle 122">
@@ -38553,8 +41927,8 @@
           </a:fontRef>
         </p:style>
       </p:cxnSp>
-      <mc:AlternateContent xmlns:mc="http://schemas.openxmlformats.org/markup-compatibility/2006">
-        <mc:Choice xmlns:a14="http://schemas.microsoft.com/office/drawing/2010/main" Requires="a14">
+      <mc:AlternateContent xmlns:mc="http://schemas.openxmlformats.org/markup-compatibility/2006" xmlns:a14="http://schemas.microsoft.com/office/drawing/2010/main">
+        <mc:Choice Requires="a14">
           <p:sp>
             <p:nvSpPr>
               <p:cNvPr id="86" name="Rectangle 85">
@@ -38774,7 +42148,7 @@
             </p:txBody>
           </p:sp>
         </mc:Choice>
-        <mc:Fallback>
+        <mc:Fallback xmlns="">
           <p:sp>
             <p:nvSpPr>
               <p:cNvPr id="86" name="Rectangle 85">
@@ -38996,6 +42370,17 @@
 <file path=ppt/slides/slide9.xml><?xml version="1.0" encoding="utf-8"?>
 <p:sld xmlns:a="http://schemas.openxmlformats.org/drawingml/2006/main" xmlns:r="http://schemas.openxmlformats.org/officeDocument/2006/relationships" xmlns:p="http://schemas.openxmlformats.org/presentationml/2006/main">
   <p:cSld>
+    <p:bg>
+      <p:bgPr>
+        <a:solidFill>
+          <a:schemeClr val="tx1">
+            <a:lumMod val="50000"/>
+            <a:lumOff val="50000"/>
+          </a:schemeClr>
+        </a:solidFill>
+        <a:effectLst/>
+      </p:bgPr>
+    </p:bg>
     <p:spTree>
       <p:nvGrpSpPr>
         <p:cNvPr id="1" name=""/>
@@ -39010,14 +42395,115 @@
           <a:chExt cx="0" cy="0"/>
         </a:xfrm>
       </p:grpSpPr>
+      <p:sp>
+        <p:nvSpPr>
+          <p:cNvPr id="17" name="TextBox 16">
+            <a:extLst>
+              <a:ext uri="{FF2B5EF4-FFF2-40B4-BE49-F238E27FC236}">
+                <a16:creationId xmlns:a16="http://schemas.microsoft.com/office/drawing/2014/main" id="{D235319E-87AB-5064-2580-D45C4754C366}"/>
+              </a:ext>
+            </a:extLst>
+          </p:cNvPr>
+          <p:cNvSpPr txBox="1"/>
+          <p:nvPr/>
+        </p:nvSpPr>
+        <p:spPr>
+          <a:xfrm>
+            <a:off x="192466" y="342418"/>
+            <a:ext cx="3033333" cy="707886"/>
+          </a:xfrm>
+          <a:prstGeom prst="rect">
+            <a:avLst/>
+          </a:prstGeom>
+          <a:noFill/>
+        </p:spPr>
+        <p:txBody>
+          <a:bodyPr wrap="square" rtlCol="0" anchor="t">
+            <a:spAutoFit/>
+          </a:bodyPr>
+          <a:lstStyle/>
+          <a:p>
+            <a:pPr marL="0" marR="0" lvl="0" indent="0" algn="l" defTabSz="914400" rtl="0" eaLnBrk="1" fontAlgn="auto" latinLnBrk="0" hangingPunct="1">
+              <a:lnSpc>
+                <a:spcPct val="100000"/>
+              </a:lnSpc>
+              <a:spcBef>
+                <a:spcPts val="0"/>
+              </a:spcBef>
+              <a:spcAft>
+                <a:spcPts val="0"/>
+              </a:spcAft>
+              <a:buClrTx/>
+              <a:buSzTx/>
+              <a:buFontTx/>
+              <a:buNone/>
+              <a:tabLst/>
+              <a:defRPr/>
+            </a:pPr>
+            <a:r>
+              <a:rPr kumimoji="0" lang="en-US" sz="2000" b="1" i="0" u="none" strike="noStrike" kern="1200" cap="none" spc="0" normalizeH="0" baseline="0" noProof="0" dirty="0">
+                <a:ln>
+                  <a:noFill/>
+                </a:ln>
+                <a:solidFill>
+                  <a:prstClr val="white"/>
+                </a:solidFill>
+                <a:effectLst/>
+                <a:uLnTx/>
+                <a:uFillTx/>
+                <a:latin typeface="Aptos" panose="02110004020202020204"/>
+                <a:ea typeface="+mn-ea"/>
+                <a:cs typeface="+mn-cs"/>
+              </a:rPr>
+              <a:t>Key functions</a:t>
+            </a:r>
+          </a:p>
+          <a:p>
+            <a:pPr marL="0" marR="0" lvl="0" indent="0" algn="l" defTabSz="914400" rtl="0" eaLnBrk="1" fontAlgn="auto" latinLnBrk="0" hangingPunct="1">
+              <a:lnSpc>
+                <a:spcPct val="100000"/>
+              </a:lnSpc>
+              <a:spcBef>
+                <a:spcPts val="0"/>
+              </a:spcBef>
+              <a:spcAft>
+                <a:spcPts val="0"/>
+              </a:spcAft>
+              <a:buClrTx/>
+              <a:buSzTx/>
+              <a:buFontTx/>
+              <a:buNone/>
+              <a:tabLst/>
+              <a:defRPr/>
+            </a:pPr>
+            <a:r>
+              <a:rPr kumimoji="0" lang="en-US" sz="2000" b="1" i="0" u="none" strike="noStrike" kern="1200" cap="none" spc="0" normalizeH="0" baseline="0" noProof="0" dirty="0">
+                <a:ln>
+                  <a:noFill/>
+                </a:ln>
+                <a:solidFill>
+                  <a:prstClr val="white"/>
+                </a:solidFill>
+                <a:effectLst/>
+                <a:uLnTx/>
+                <a:uFillTx/>
+                <a:latin typeface="Aptos" panose="02110004020202020204"/>
+                <a:ea typeface="+mn-ea"/>
+                <a:cs typeface="+mn-cs"/>
+              </a:rPr>
+              <a:t>HW4</a:t>
+            </a:r>
+          </a:p>
+        </p:txBody>
+      </p:sp>
       <mc:AlternateContent xmlns:mc="http://schemas.openxmlformats.org/markup-compatibility/2006" xmlns:a14="http://schemas.microsoft.com/office/drawing/2010/main">
         <mc:Choice Requires="a14">
           <p:sp>
             <p:nvSpPr>
-              <p:cNvPr id="5" name="Rectangle: Rounded Corners 4">
+              <p:cNvPr id="2" name="Rectangle: Rounded Corners 1">
                 <a:extLst>
                   <a:ext uri="{FF2B5EF4-FFF2-40B4-BE49-F238E27FC236}">
-                    <a16:creationId xmlns:a16="http://schemas.microsoft.com/office/drawing/2014/main" id="{8A4CB8B8-5F78-3915-5B51-42668EBF16FE}"/>
+                    <a16:creationId xmlns:a16="http://schemas.microsoft.com/office/drawing/2014/main" id="{00893368-6F44-6C44-FF82-59573FB933B4}"/>
                   </a:ext>
                 </a:extLst>
               </p:cNvPr>
@@ -39026,8 +42512,8 @@
             </p:nvSpPr>
             <p:spPr>
               <a:xfrm>
-                <a:off x="1376630" y="1562073"/>
-                <a:ext cx="2158737" cy="1911670"/>
+                <a:off x="2404442" y="1345583"/>
+                <a:ext cx="2589406" cy="1911670"/>
               </a:xfrm>
               <a:prstGeom prst="roundRect">
                 <a:avLst>
@@ -39062,7 +42548,7 @@
               </a:fontRef>
             </p:style>
             <p:txBody>
-              <a:bodyPr rtlCol="0" anchor="ctr"/>
+              <a:bodyPr rtlCol="0" anchor="t"/>
               <a:lstStyle/>
               <a:p>
                 <a:pPr algn="ctr"/>
@@ -39354,10 +42840,10 @@
         <mc:Fallback xmlns="">
           <p:sp>
             <p:nvSpPr>
-              <p:cNvPr id="5" name="Rectangle: Rounded Corners 4">
+              <p:cNvPr id="2" name="Rectangle: Rounded Corners 1">
                 <a:extLst>
                   <a:ext uri="{FF2B5EF4-FFF2-40B4-BE49-F238E27FC236}">
-                    <a16:creationId xmlns:a16="http://schemas.microsoft.com/office/drawing/2014/main" id="{8A4CB8B8-5F78-3915-5B51-42668EBF16FE}"/>
+                    <a16:creationId xmlns:a16="http://schemas.microsoft.com/office/drawing/2014/main" id="{00893368-6F44-6C44-FF82-59573FB933B4}"/>
                   </a:ext>
                 </a:extLst>
               </p:cNvPr>
@@ -39368,8 +42854,8 @@
             </p:nvSpPr>
             <p:spPr>
               <a:xfrm>
-                <a:off x="1376630" y="1562073"/>
-                <a:ext cx="2158737" cy="1911670"/>
+                <a:off x="2404442" y="1345583"/>
+                <a:ext cx="2589406" cy="1911670"/>
               </a:xfrm>
               <a:prstGeom prst="roundRect">
                 <a:avLst>
@@ -39379,7 +42865,7 @@
               <a:blipFill>
                 <a:blip r:embed="rId2"/>
                 <a:stretch>
-                  <a:fillRect b="-1270"/>
+                  <a:fillRect b="-1592"/>
                 </a:stretch>
               </a:blipFill>
               <a:ln w="6350">
@@ -39407,10 +42893,10 @@
         <mc:Choice Requires="a14">
           <p:sp>
             <p:nvSpPr>
-              <p:cNvPr id="6" name="Rectangle: Rounded Corners 5">
+              <p:cNvPr id="7" name="Rectangle: Rounded Corners 6">
                 <a:extLst>
                   <a:ext uri="{FF2B5EF4-FFF2-40B4-BE49-F238E27FC236}">
-                    <a16:creationId xmlns:a16="http://schemas.microsoft.com/office/drawing/2014/main" id="{5A6AB7E0-3717-172F-53B6-D587AC88C371}"/>
+                    <a16:creationId xmlns:a16="http://schemas.microsoft.com/office/drawing/2014/main" id="{EDB2198F-1320-4210-E3F3-4B295C805E22}"/>
                   </a:ext>
                 </a:extLst>
               </p:cNvPr>
@@ -39419,7 +42905,7 @@
             </p:nvSpPr>
             <p:spPr>
               <a:xfrm>
-                <a:off x="7496945" y="1219363"/>
+                <a:off x="8001514" y="2002966"/>
                 <a:ext cx="3102806" cy="2554357"/>
               </a:xfrm>
               <a:prstGeom prst="roundRect">
@@ -39455,7 +42941,7 @@
               </a:fontRef>
             </p:style>
             <p:txBody>
-              <a:bodyPr rtlCol="0" anchor="ctr"/>
+              <a:bodyPr rtlCol="0" anchor="t"/>
               <a:lstStyle/>
               <a:p>
                 <a:pPr algn="ctr"/>
@@ -40271,10 +43757,10 @@
         <mc:Fallback xmlns="">
           <p:sp>
             <p:nvSpPr>
-              <p:cNvPr id="6" name="Rectangle: Rounded Corners 5">
+              <p:cNvPr id="7" name="Rectangle: Rounded Corners 6">
                 <a:extLst>
                   <a:ext uri="{FF2B5EF4-FFF2-40B4-BE49-F238E27FC236}">
-                    <a16:creationId xmlns:a16="http://schemas.microsoft.com/office/drawing/2014/main" id="{5A6AB7E0-3717-172F-53B6-D587AC88C371}"/>
+                    <a16:creationId xmlns:a16="http://schemas.microsoft.com/office/drawing/2014/main" id="{EDB2198F-1320-4210-E3F3-4B295C805E22}"/>
                   </a:ext>
                 </a:extLst>
               </p:cNvPr>
@@ -40285,7 +43771,7 @@
             </p:nvSpPr>
             <p:spPr>
               <a:xfrm>
-                <a:off x="7496945" y="1219363"/>
+                <a:off x="8001514" y="2002966"/>
                 <a:ext cx="3102806" cy="2554357"/>
               </a:xfrm>
               <a:prstGeom prst="roundRect">
@@ -40296,7 +43782,7 @@
               <a:blipFill>
                 <a:blip r:embed="rId3"/>
                 <a:stretch>
-                  <a:fillRect b="-238"/>
+                  <a:fillRect/>
                 </a:stretch>
               </a:blipFill>
               <a:ln w="6350">
@@ -40324,10 +43810,10 @@
         <mc:Choice Requires="a14">
           <p:sp>
             <p:nvSpPr>
-              <p:cNvPr id="7" name="Rectangle 6">
+              <p:cNvPr id="8" name="Rectangle: Rounded Corners 7">
                 <a:extLst>
                   <a:ext uri="{FF2B5EF4-FFF2-40B4-BE49-F238E27FC236}">
-                    <a16:creationId xmlns:a16="http://schemas.microsoft.com/office/drawing/2014/main" id="{AA867CC6-1A99-7369-D6FC-3155EE0A325D}"/>
+                    <a16:creationId xmlns:a16="http://schemas.microsoft.com/office/drawing/2014/main" id="{D8C2C052-AABB-6C4E-E2BA-0729F3B26DB9}"/>
                   </a:ext>
                 </a:extLst>
               </p:cNvPr>
@@ -40336,23 +43822,23 @@
             </p:nvSpPr>
             <p:spPr>
               <a:xfrm>
-                <a:off x="508684" y="1122608"/>
-                <a:ext cx="505271" cy="428148"/>
+                <a:off x="2404442" y="3548501"/>
+                <a:ext cx="2589406" cy="1911670"/>
               </a:xfrm>
-              <a:prstGeom prst="rect">
-                <a:avLst/>
+              <a:prstGeom prst="roundRect">
+                <a:avLst>
+                  <a:gd name="adj" fmla="val 1821"/>
+                </a:avLst>
               </a:prstGeom>
               <a:solidFill>
-                <a:schemeClr val="accent3">
-                  <a:lumMod val="20000"/>
-                  <a:lumOff val="80000"/>
+                <a:schemeClr val="bg1">
+                  <a:lumMod val="95000"/>
                 </a:schemeClr>
               </a:solidFill>
-              <a:ln w="3175">
+              <a:ln w="6350">
                 <a:solidFill>
                   <a:schemeClr val="tx1"/>
                 </a:solidFill>
-                <a:prstDash val="sysDot"/>
               </a:ln>
             </p:spPr>
             <p:style>
@@ -40372,26 +43858,59 @@
               </a:fontRef>
             </p:style>
             <p:txBody>
-              <a:bodyPr rtlCol="0" anchor="ctr"/>
+              <a:bodyPr rtlCol="0" anchor="t"/>
               <a:lstStyle/>
               <a:p>
-                <a:pPr marL="171450" indent="-171450">
-                  <a:buFont typeface="Arial" panose="020B0604020202020204" pitchFamily="34" charset="0"/>
-                  <a:buChar char="•"/>
-                </a:pPr>
+                <a:pPr algn="ctr"/>
+                <a:r>
+                  <a:rPr lang="en-US" sz="1000" b="1" dirty="0">
+                    <a:solidFill>
+                      <a:schemeClr val="tx1"/>
+                    </a:solidFill>
+                  </a:rPr>
+                  <a:t>plot_element_strain_energy_density</a:t>
+                </a:r>
+              </a:p>
+              <a:p>
+                <a:pPr algn="ctr"/>
+                <a:endParaRPr lang="en-US" sz="1000" dirty="0">
+                  <a:solidFill>
+                    <a:schemeClr val="tx1"/>
+                  </a:solidFill>
+                </a:endParaRPr>
+              </a:p>
+              <a:p>
+                <a:r>
+                  <a:rPr lang="en-US" sz="1000" dirty="0">
+                    <a:solidFill>
+                      <a:schemeClr val="tx1"/>
+                    </a:solidFill>
+                  </a:rPr>
+                  <a:t>Plot the strain energy density </a:t>
+                </a:r>
                 <a14:m>
                   <m:oMath xmlns:m="http://schemas.openxmlformats.org/officeDocument/2006/math">
                     <m:r>
-                      <a:rPr lang="en-US" sz="1000" b="1" i="1" smtClean="0">
+                      <a:rPr lang="en-US" sz="1000" b="0" i="1" smtClean="0">
                         <a:solidFill>
                           <a:schemeClr val="tx1"/>
                         </a:solidFill>
                         <a:latin typeface="Cambria Math" panose="02040503050406030204" pitchFamily="18" charset="0"/>
                       </a:rPr>
-                      <m:t>𝝈</m:t>
+                      <m:t>𝜓</m:t>
                     </m:r>
                   </m:oMath>
                 </a14:m>
+                <a:r>
+                  <a:rPr lang="en-US" sz="1000" dirty="0">
+                    <a:solidFill>
+                      <a:schemeClr val="tx1"/>
+                    </a:solidFill>
+                  </a:rPr>
+                  <a:t> for a grid of points for a 2D element as a contour.</a:t>
+                </a:r>
+              </a:p>
+              <a:p>
                 <a:endParaRPr lang="en-US" sz="1000" b="1" dirty="0">
                   <a:solidFill>
                     <a:schemeClr val="tx1"/>
@@ -40399,28 +43918,109 @@
                 </a:endParaRPr>
               </a:p>
               <a:p>
+                <a:r>
+                  <a:rPr lang="en-US" sz="1000" b="1" dirty="0">
+                    <a:solidFill>
+                      <a:schemeClr val="tx1"/>
+                    </a:solidFill>
+                  </a:rPr>
+                  <a:t>Input</a:t>
+                </a:r>
+              </a:p>
+              <a:p>
                 <a:pPr marL="171450" indent="-171450">
                   <a:buFont typeface="Arial" panose="020B0604020202020204" pitchFamily="34" charset="0"/>
                   <a:buChar char="•"/>
                 </a:pPr>
-                <a14:m>
-                  <m:oMath xmlns:m="http://schemas.openxmlformats.org/officeDocument/2006/math">
-                    <m:r>
-                      <a:rPr lang="en-US" sz="1000" b="1" i="1" smtClean="0">
-                        <a:solidFill>
-                          <a:schemeClr val="tx1"/>
-                        </a:solidFill>
-                        <a:latin typeface="Cambria Math" panose="02040503050406030204" pitchFamily="18" charset="0"/>
-                      </a:rPr>
-                      <m:t>𝜺</m:t>
-                    </m:r>
-                  </m:oMath>
-                </a14:m>
-                <a:endParaRPr lang="en-US" sz="1000" b="1" dirty="0">
+                <a:r>
+                  <a:rPr lang="en-US" sz="1000" dirty="0">
+                    <a:solidFill>
+                      <a:schemeClr val="tx1"/>
+                    </a:solidFill>
+                  </a:rPr>
+                  <a:t>psi: </a:t>
+                </a:r>
+                <a:r>
+                  <a:rPr lang="en-US" sz="1000" dirty="0" err="1">
+                    <a:solidFill>
+                      <a:schemeClr val="tx1"/>
+                    </a:solidFill>
+                  </a:rPr>
+                  <a:t>ndarray</a:t>
+                </a:r>
+                <a:r>
+                  <a:rPr lang="en-US" sz="1000" dirty="0">
+                    <a:solidFill>
+                      <a:schemeClr val="tx1"/>
+                    </a:solidFill>
+                  </a:rPr>
+                  <a:t> (n x m x 1 x 1)</a:t>
+                </a:r>
+              </a:p>
+              <a:p>
+                <a:pPr marL="171450" indent="-171450">
+                  <a:buFont typeface="Arial" panose="020B0604020202020204" pitchFamily="34" charset="0"/>
+                  <a:buChar char="•"/>
+                </a:pPr>
+                <a:r>
+                  <a:rPr lang="en-US" sz="1000" dirty="0">
+                    <a:solidFill>
+                      <a:schemeClr val="tx1"/>
+                    </a:solidFill>
+                  </a:rPr>
+                  <a:t>grid: </a:t>
+                </a:r>
+                <a:r>
+                  <a:rPr lang="en-US" sz="1000" dirty="0" err="1">
+                    <a:solidFill>
+                      <a:schemeClr val="tx1"/>
+                    </a:solidFill>
+                  </a:rPr>
+                  <a:t>ndarray</a:t>
+                </a:r>
+                <a:r>
+                  <a:rPr lang="en-US" sz="1000" dirty="0">
+                    <a:solidFill>
+                      <a:schemeClr val="tx1"/>
+                    </a:solidFill>
+                  </a:rPr>
+                  <a:t> (n x m x 2 x 1)</a:t>
+                </a:r>
+              </a:p>
+              <a:p>
+                <a:pPr marL="171450" indent="-171450">
+                  <a:buFont typeface="Arial" panose="020B0604020202020204" pitchFamily="34" charset="0"/>
+                  <a:buChar char="•"/>
+                </a:pPr>
+                <a:endParaRPr lang="en-US" sz="1000" dirty="0">
                   <a:solidFill>
                     <a:schemeClr val="tx1"/>
                   </a:solidFill>
                 </a:endParaRPr>
+              </a:p>
+              <a:p>
+                <a:r>
+                  <a:rPr lang="en-US" sz="1000" b="1" dirty="0">
+                    <a:solidFill>
+                      <a:schemeClr val="tx1"/>
+                    </a:solidFill>
+                  </a:rPr>
+                  <a:t>Output</a:t>
+                </a:r>
+              </a:p>
+              <a:p>
+                <a:pPr marL="171450" indent="-171450">
+                  <a:buFont typeface="Arial" panose="020B0604020202020204" pitchFamily="34" charset="0"/>
+                  <a:buChar char="•"/>
+                </a:pPr>
+                <a:r>
+                  <a:rPr lang="en-US" sz="1000" dirty="0">
+                    <a:solidFill>
+                      <a:schemeClr val="tx1"/>
+                    </a:solidFill>
+                  </a:rPr>
+                  <a:t>Figure</a:t>
+                </a:r>
               </a:p>
             </p:txBody>
           </p:sp>
@@ -40428,10 +44028,10 @@
         <mc:Fallback xmlns="">
           <p:sp>
             <p:nvSpPr>
-              <p:cNvPr id="7" name="Rectangle 6">
+              <p:cNvPr id="8" name="Rectangle: Rounded Corners 7">
                 <a:extLst>
                   <a:ext uri="{FF2B5EF4-FFF2-40B4-BE49-F238E27FC236}">
-                    <a16:creationId xmlns:a16="http://schemas.microsoft.com/office/drawing/2014/main" id="{AA867CC6-1A99-7369-D6FC-3155EE0A325D}"/>
+                    <a16:creationId xmlns:a16="http://schemas.microsoft.com/office/drawing/2014/main" id="{D8C2C052-AABB-6C4E-E2BA-0729F3B26DB9}"/>
                   </a:ext>
                 </a:extLst>
               </p:cNvPr>
@@ -40442,11 +44042,13 @@
             </p:nvSpPr>
             <p:spPr>
               <a:xfrm>
-                <a:off x="508684" y="1122608"/>
-                <a:ext cx="505271" cy="428148"/>
+                <a:off x="2404442" y="3548501"/>
+                <a:ext cx="2589406" cy="1911670"/>
               </a:xfrm>
-              <a:prstGeom prst="rect">
-                <a:avLst/>
+              <a:prstGeom prst="roundRect">
+                <a:avLst>
+                  <a:gd name="adj" fmla="val 1821"/>
+                </a:avLst>
               </a:prstGeom>
               <a:blipFill>
                 <a:blip r:embed="rId4"/>
@@ -40454,11 +44056,10 @@
                   <a:fillRect/>
                 </a:stretch>
               </a:blipFill>
-              <a:ln w="3175">
+              <a:ln w="6350">
                 <a:solidFill>
                   <a:schemeClr val="tx1"/>
                 </a:solidFill>
-                <a:prstDash val="sysDot"/>
               </a:ln>
             </p:spPr>
             <p:txBody>
@@ -40476,106 +44077,14 @@
           </p:sp>
         </mc:Fallback>
       </mc:AlternateContent>
-      <p:cxnSp>
-        <p:nvCxnSpPr>
-          <p:cNvPr id="8" name="Connector: Curved 7">
-            <a:extLst>
-              <a:ext uri="{FF2B5EF4-FFF2-40B4-BE49-F238E27FC236}">
-                <a16:creationId xmlns:a16="http://schemas.microsoft.com/office/drawing/2014/main" id="{5AC3F475-229C-B739-2807-CA354EBC47D7}"/>
-              </a:ext>
-            </a:extLst>
-          </p:cNvPr>
-          <p:cNvCxnSpPr>
-            <a:cxnSpLocks/>
-            <a:stCxn id="7" idx="3"/>
-            <a:endCxn id="5" idx="0"/>
-          </p:cNvCxnSpPr>
-          <p:nvPr/>
-        </p:nvCxnSpPr>
-        <p:spPr>
-          <a:xfrm>
-            <a:off x="1013955" y="1336682"/>
-            <a:ext cx="1442044" cy="225391"/>
-          </a:xfrm>
-          <a:prstGeom prst="curvedConnector2">
-            <a:avLst/>
-          </a:prstGeom>
-          <a:ln>
-            <a:solidFill>
-              <a:schemeClr val="tx1"/>
-            </a:solidFill>
-            <a:tailEnd type="triangle"/>
-          </a:ln>
-        </p:spPr>
-        <p:style>
-          <a:lnRef idx="2">
-            <a:schemeClr val="accent1"/>
-          </a:lnRef>
-          <a:fillRef idx="0">
-            <a:schemeClr val="accent1"/>
-          </a:fillRef>
-          <a:effectRef idx="1">
-            <a:schemeClr val="accent1"/>
-          </a:effectRef>
-          <a:fontRef idx="minor">
-            <a:schemeClr val="tx1"/>
-          </a:fontRef>
-        </p:style>
-      </p:cxnSp>
-      <p:cxnSp>
-        <p:nvCxnSpPr>
-          <p:cNvPr id="15" name="Connector: Curved 14">
-            <a:extLst>
-              <a:ext uri="{FF2B5EF4-FFF2-40B4-BE49-F238E27FC236}">
-                <a16:creationId xmlns:a16="http://schemas.microsoft.com/office/drawing/2014/main" id="{22BC1A30-6713-BD15-93BA-3B6633CF02A1}"/>
-              </a:ext>
-            </a:extLst>
-          </p:cNvPr>
-          <p:cNvCxnSpPr>
-            <a:cxnSpLocks/>
-            <a:stCxn id="18" idx="3"/>
-            <a:endCxn id="6" idx="0"/>
-          </p:cNvCxnSpPr>
-          <p:nvPr/>
-        </p:nvCxnSpPr>
-        <p:spPr>
-          <a:xfrm>
-            <a:off x="7861955" y="656955"/>
-            <a:ext cx="1186393" cy="562408"/>
-          </a:xfrm>
-          <a:prstGeom prst="curvedConnector2">
-            <a:avLst/>
-          </a:prstGeom>
-          <a:ln>
-            <a:solidFill>
-              <a:schemeClr val="tx1"/>
-            </a:solidFill>
-            <a:tailEnd type="triangle"/>
-          </a:ln>
-        </p:spPr>
-        <p:style>
-          <a:lnRef idx="2">
-            <a:schemeClr val="accent1"/>
-          </a:lnRef>
-          <a:fillRef idx="0">
-            <a:schemeClr val="accent1"/>
-          </a:fillRef>
-          <a:effectRef idx="1">
-            <a:schemeClr val="accent1"/>
-          </a:effectRef>
-          <a:fontRef idx="minor">
-            <a:schemeClr val="tx1"/>
-          </a:fontRef>
-        </p:style>
-      </p:cxnSp>
       <mc:AlternateContent xmlns:mc="http://schemas.openxmlformats.org/markup-compatibility/2006" xmlns:a14="http://schemas.microsoft.com/office/drawing/2010/main">
         <mc:Choice Requires="a14">
           <p:sp>
             <p:nvSpPr>
-              <p:cNvPr id="18" name="Rectangle 17">
+              <p:cNvPr id="10" name="Rectangle: Rounded Corners 9">
                 <a:extLst>
                   <a:ext uri="{FF2B5EF4-FFF2-40B4-BE49-F238E27FC236}">
-                    <a16:creationId xmlns:a16="http://schemas.microsoft.com/office/drawing/2014/main" id="{2C793517-8DD9-474A-71E4-8560B8118719}"/>
+                    <a16:creationId xmlns:a16="http://schemas.microsoft.com/office/drawing/2014/main" id="{7421FD25-0C39-5B46-9E1D-E48619A4F075}"/>
                   </a:ext>
                 </a:extLst>
               </p:cNvPr>
@@ -40584,23 +44093,23 @@
             </p:nvSpPr>
             <p:spPr>
               <a:xfrm>
-                <a:off x="7330641" y="413809"/>
-                <a:ext cx="531314" cy="486291"/>
+                <a:off x="5139058" y="3548501"/>
+                <a:ext cx="2589406" cy="1911670"/>
               </a:xfrm>
-              <a:prstGeom prst="rect">
-                <a:avLst/>
+              <a:prstGeom prst="roundRect">
+                <a:avLst>
+                  <a:gd name="adj" fmla="val 1821"/>
+                </a:avLst>
               </a:prstGeom>
               <a:solidFill>
-                <a:schemeClr val="accent3">
-                  <a:lumMod val="20000"/>
-                  <a:lumOff val="80000"/>
+                <a:schemeClr val="bg1">
+                  <a:lumMod val="95000"/>
                 </a:schemeClr>
               </a:solidFill>
-              <a:ln w="3175">
+              <a:ln w="6350">
                 <a:solidFill>
                   <a:schemeClr val="tx1"/>
                 </a:solidFill>
-                <a:prstDash val="sysDot"/>
               </a:ln>
             </p:spPr>
             <p:style>
@@ -40620,662 +44129,7 @@
               </a:fontRef>
             </p:style>
             <p:txBody>
-              <a:bodyPr rtlCol="0" anchor="ctr"/>
-              <a:lstStyle/>
-              <a:p>
-                <a:pPr marL="171450" indent="-171450">
-                  <a:buFont typeface="Arial" panose="020B0604020202020204" pitchFamily="34" charset="0"/>
-                  <a:buChar char="•"/>
-                </a:pPr>
-                <a14:m>
-                  <m:oMath xmlns:m="http://schemas.openxmlformats.org/officeDocument/2006/math">
-                    <m:r>
-                      <a:rPr lang="en-US" sz="1000" b="1" i="1" smtClean="0">
-                        <a:solidFill>
-                          <a:schemeClr val="tx1"/>
-                        </a:solidFill>
-                        <a:latin typeface="Cambria Math" panose="02040503050406030204" pitchFamily="18" charset="0"/>
-                      </a:rPr>
-                      <m:t>𝑫</m:t>
-                    </m:r>
-                  </m:oMath>
-                </a14:m>
-                <a:endParaRPr lang="en-US" sz="1000" b="1" dirty="0">
-                  <a:solidFill>
-                    <a:schemeClr val="tx1"/>
-                  </a:solidFill>
-                </a:endParaRPr>
-              </a:p>
-              <a:p>
-                <a:pPr marL="171450" indent="-171450">
-                  <a:buFont typeface="Arial" panose="020B0604020202020204" pitchFamily="34" charset="0"/>
-                  <a:buChar char="•"/>
-                </a:pPr>
-                <a14:m>
-                  <m:oMath xmlns:m="http://schemas.openxmlformats.org/officeDocument/2006/math">
-                    <m:sSub>
-                      <m:sSubPr>
-                        <m:ctrlPr>
-                          <a:rPr lang="en-US" sz="1000" b="1" i="1" smtClean="0">
-                            <a:solidFill>
-                              <a:schemeClr val="tx1"/>
-                            </a:solidFill>
-                            <a:latin typeface="Cambria Math" panose="02040503050406030204" pitchFamily="18" charset="0"/>
-                          </a:rPr>
-                        </m:ctrlPr>
-                      </m:sSubPr>
-                      <m:e>
-                        <m:r>
-                          <a:rPr lang="en-US" sz="1000" b="1" i="1" smtClean="0">
-                            <a:solidFill>
-                              <a:schemeClr val="tx1"/>
-                            </a:solidFill>
-                            <a:latin typeface="Cambria Math" panose="02040503050406030204" pitchFamily="18" charset="0"/>
-                          </a:rPr>
-                          <m:t>𝒕</m:t>
-                        </m:r>
-                      </m:e>
-                      <m:sub>
-                        <m:r>
-                          <a:rPr lang="en-US" sz="1000" b="1" i="1" smtClean="0">
-                            <a:solidFill>
-                              <a:schemeClr val="tx1"/>
-                            </a:solidFill>
-                            <a:latin typeface="Cambria Math" panose="02040503050406030204" pitchFamily="18" charset="0"/>
-                          </a:rPr>
-                          <m:t>𝒛</m:t>
-                        </m:r>
-                      </m:sub>
-                    </m:sSub>
-                  </m:oMath>
-                </a14:m>
-                <a:endParaRPr lang="en-US" sz="1000" b="1" dirty="0">
-                  <a:solidFill>
-                    <a:schemeClr val="tx1"/>
-                  </a:solidFill>
-                </a:endParaRPr>
-              </a:p>
-            </p:txBody>
-          </p:sp>
-        </mc:Choice>
-        <mc:Fallback xmlns="">
-          <p:sp>
-            <p:nvSpPr>
-              <p:cNvPr id="18" name="Rectangle 17">
-                <a:extLst>
-                  <a:ext uri="{FF2B5EF4-FFF2-40B4-BE49-F238E27FC236}">
-                    <a16:creationId xmlns:a16="http://schemas.microsoft.com/office/drawing/2014/main" id="{2C793517-8DD9-474A-71E4-8560B8118719}"/>
-                  </a:ext>
-                </a:extLst>
-              </p:cNvPr>
-              <p:cNvSpPr>
-                <a:spLocks noRot="1" noChangeAspect="1" noMove="1" noResize="1" noEditPoints="1" noAdjustHandles="1" noChangeArrowheads="1" noChangeShapeType="1" noTextEdit="1"/>
-              </p:cNvSpPr>
-              <p:nvPr/>
-            </p:nvSpPr>
-            <p:spPr>
-              <a:xfrm>
-                <a:off x="7330641" y="413809"/>
-                <a:ext cx="531314" cy="486291"/>
-              </a:xfrm>
-              <a:prstGeom prst="rect">
-                <a:avLst/>
-              </a:prstGeom>
-              <a:blipFill>
-                <a:blip r:embed="rId5"/>
-                <a:stretch>
-                  <a:fillRect/>
-                </a:stretch>
-              </a:blipFill>
-              <a:ln w="3175">
-                <a:solidFill>
-                  <a:schemeClr val="tx1"/>
-                </a:solidFill>
-                <a:prstDash val="sysDot"/>
-              </a:ln>
-            </p:spPr>
-            <p:txBody>
-              <a:bodyPr/>
-              <a:lstStyle/>
-              <a:p>
-                <a:r>
-                  <a:rPr lang="en-US">
-                    <a:noFill/>
-                  </a:rPr>
-                  <a:t> </a:t>
-                </a:r>
-              </a:p>
-            </p:txBody>
-          </p:sp>
-        </mc:Fallback>
-      </mc:AlternateContent>
-      <p:sp>
-        <p:nvSpPr>
-          <p:cNvPr id="22" name="Oval 21">
-            <a:extLst>
-              <a:ext uri="{FF2B5EF4-FFF2-40B4-BE49-F238E27FC236}">
-                <a16:creationId xmlns:a16="http://schemas.microsoft.com/office/drawing/2014/main" id="{1701169A-AAD0-EFAC-8A17-2EA4DDECD5D0}"/>
-              </a:ext>
-            </a:extLst>
-          </p:cNvPr>
-          <p:cNvSpPr/>
-          <p:nvPr/>
-        </p:nvSpPr>
-        <p:spPr>
-          <a:xfrm>
-            <a:off x="434633" y="5841497"/>
-            <a:ext cx="1158643" cy="451292"/>
-          </a:xfrm>
-          <a:prstGeom prst="ellipse">
-            <a:avLst/>
-          </a:prstGeom>
-          <a:solidFill>
-            <a:schemeClr val="tx1"/>
-          </a:solidFill>
-          <a:ln w="6350">
-            <a:solidFill>
-              <a:schemeClr val="accent1"/>
-            </a:solidFill>
-          </a:ln>
-        </p:spPr>
-        <p:style>
-          <a:lnRef idx="2">
-            <a:schemeClr val="accent1">
-              <a:shade val="15000"/>
-            </a:schemeClr>
-          </a:lnRef>
-          <a:fillRef idx="1">
-            <a:schemeClr val="accent1"/>
-          </a:fillRef>
-          <a:effectRef idx="0">
-            <a:schemeClr val="accent1"/>
-          </a:effectRef>
-          <a:fontRef idx="minor">
-            <a:schemeClr val="lt1"/>
-          </a:fontRef>
-        </p:style>
-        <p:txBody>
-          <a:bodyPr rtlCol="0" anchor="ctr"/>
-          <a:lstStyle/>
-          <a:p>
-            <a:pPr algn="ctr"/>
-            <a:r>
-              <a:rPr lang="en-US" sz="1000" b="1" dirty="0">
-                <a:solidFill>
-                  <a:schemeClr val="bg1"/>
-                </a:solidFill>
-              </a:rPr>
-              <a:t>Figure</a:t>
-            </a:r>
-          </a:p>
-        </p:txBody>
-      </p:sp>
-      <p:cxnSp>
-        <p:nvCxnSpPr>
-          <p:cNvPr id="23" name="Connector: Curved 22">
-            <a:extLst>
-              <a:ext uri="{FF2B5EF4-FFF2-40B4-BE49-F238E27FC236}">
-                <a16:creationId xmlns:a16="http://schemas.microsoft.com/office/drawing/2014/main" id="{F9412F93-5B6D-7B58-E2EF-C2E90BC8132E}"/>
-              </a:ext>
-            </a:extLst>
-          </p:cNvPr>
-          <p:cNvCxnSpPr>
-            <a:cxnSpLocks/>
-            <a:stCxn id="34" idx="1"/>
-            <a:endCxn id="22" idx="0"/>
-          </p:cNvCxnSpPr>
-          <p:nvPr/>
-        </p:nvCxnSpPr>
-        <p:spPr>
-          <a:xfrm rot="10800000" flipV="1">
-            <a:off x="1013956" y="5145685"/>
-            <a:ext cx="1117437" cy="695811"/>
-          </a:xfrm>
-          <a:prstGeom prst="curvedConnector2">
-            <a:avLst/>
-          </a:prstGeom>
-          <a:ln>
-            <a:solidFill>
-              <a:schemeClr val="tx1"/>
-            </a:solidFill>
-            <a:tailEnd type="triangle"/>
-          </a:ln>
-        </p:spPr>
-        <p:style>
-          <a:lnRef idx="2">
-            <a:schemeClr val="accent1"/>
-          </a:lnRef>
-          <a:fillRef idx="0">
-            <a:schemeClr val="accent1"/>
-          </a:fillRef>
-          <a:effectRef idx="1">
-            <a:schemeClr val="accent1"/>
-          </a:effectRef>
-          <a:fontRef idx="minor">
-            <a:schemeClr val="tx1"/>
-          </a:fontRef>
-        </p:style>
-      </p:cxnSp>
-      <p:cxnSp>
-        <p:nvCxnSpPr>
-          <p:cNvPr id="28" name="Connector: Curved 27">
-            <a:extLst>
-              <a:ext uri="{FF2B5EF4-FFF2-40B4-BE49-F238E27FC236}">
-                <a16:creationId xmlns:a16="http://schemas.microsoft.com/office/drawing/2014/main" id="{1CBB9D51-9138-DFD9-5683-AA270CFE9572}"/>
-              </a:ext>
-            </a:extLst>
-          </p:cNvPr>
-          <p:cNvCxnSpPr>
-            <a:cxnSpLocks/>
-            <a:stCxn id="6" idx="2"/>
-            <a:endCxn id="61" idx="0"/>
-          </p:cNvCxnSpPr>
-          <p:nvPr/>
-        </p:nvCxnSpPr>
-        <p:spPr>
-          <a:xfrm rot="5400000">
-            <a:off x="8006738" y="3496144"/>
-            <a:ext cx="764035" cy="1319187"/>
-          </a:xfrm>
-          <a:prstGeom prst="curvedConnector3">
-            <a:avLst>
-              <a:gd name="adj1" fmla="val 50000"/>
-            </a:avLst>
-          </a:prstGeom>
-          <a:ln>
-            <a:solidFill>
-              <a:schemeClr val="tx1"/>
-            </a:solidFill>
-            <a:tailEnd type="triangle"/>
-          </a:ln>
-        </p:spPr>
-        <p:style>
-          <a:lnRef idx="2">
-            <a:schemeClr val="accent1"/>
-          </a:lnRef>
-          <a:fillRef idx="0">
-            <a:schemeClr val="accent1"/>
-          </a:fillRef>
-          <a:effectRef idx="1">
-            <a:schemeClr val="accent1"/>
-          </a:effectRef>
-          <a:fontRef idx="minor">
-            <a:schemeClr val="tx1"/>
-          </a:fontRef>
-        </p:style>
-      </p:cxnSp>
-      <mc:AlternateContent xmlns:mc="http://schemas.openxmlformats.org/markup-compatibility/2006" xmlns:a14="http://schemas.microsoft.com/office/drawing/2010/main">
-        <mc:Choice Requires="a14">
-          <p:sp>
-            <p:nvSpPr>
-              <p:cNvPr id="34" name="Rectangle: Rounded Corners 33">
-                <a:extLst>
-                  <a:ext uri="{FF2B5EF4-FFF2-40B4-BE49-F238E27FC236}">
-                    <a16:creationId xmlns:a16="http://schemas.microsoft.com/office/drawing/2014/main" id="{16693590-F49F-98C4-5E33-A8BD5F18F51B}"/>
-                  </a:ext>
-                </a:extLst>
-              </p:cNvPr>
-              <p:cNvSpPr/>
-              <p:nvPr/>
-            </p:nvSpPr>
-            <p:spPr>
-              <a:xfrm>
-                <a:off x="2131392" y="4189851"/>
-                <a:ext cx="2589406" cy="1911670"/>
-              </a:xfrm>
-              <a:prstGeom prst="roundRect">
-                <a:avLst>
-                  <a:gd name="adj" fmla="val 1821"/>
-                </a:avLst>
-              </a:prstGeom>
-              <a:solidFill>
-                <a:schemeClr val="bg1">
-                  <a:lumMod val="95000"/>
-                </a:schemeClr>
-              </a:solidFill>
-              <a:ln w="6350">
-                <a:solidFill>
-                  <a:schemeClr val="tx1"/>
-                </a:solidFill>
-              </a:ln>
-            </p:spPr>
-            <p:style>
-              <a:lnRef idx="2">
-                <a:schemeClr val="accent1">
-                  <a:shade val="15000"/>
-                </a:schemeClr>
-              </a:lnRef>
-              <a:fillRef idx="1">
-                <a:schemeClr val="accent1"/>
-              </a:fillRef>
-              <a:effectRef idx="0">
-                <a:schemeClr val="accent1"/>
-              </a:effectRef>
-              <a:fontRef idx="minor">
-                <a:schemeClr val="lt1"/>
-              </a:fontRef>
-            </p:style>
-            <p:txBody>
-              <a:bodyPr rtlCol="0" anchor="ctr"/>
-              <a:lstStyle/>
-              <a:p>
-                <a:pPr algn="ctr"/>
-                <a:r>
-                  <a:rPr lang="en-US" sz="1000" b="1" dirty="0">
-                    <a:solidFill>
-                      <a:schemeClr val="tx1"/>
-                    </a:solidFill>
-                  </a:rPr>
-                  <a:t>plot_element_strain_energy_density</a:t>
-                </a:r>
-              </a:p>
-              <a:p>
-                <a:pPr algn="ctr"/>
-                <a:endParaRPr lang="en-US" sz="1000" dirty="0">
-                  <a:solidFill>
-                    <a:schemeClr val="tx1"/>
-                  </a:solidFill>
-                </a:endParaRPr>
-              </a:p>
-              <a:p>
-                <a:r>
-                  <a:rPr lang="en-US" sz="1000" dirty="0">
-                    <a:solidFill>
-                      <a:schemeClr val="tx1"/>
-                    </a:solidFill>
-                  </a:rPr>
-                  <a:t>Plot the strain energy density </a:t>
-                </a:r>
-                <a14:m>
-                  <m:oMath xmlns:m="http://schemas.openxmlformats.org/officeDocument/2006/math">
-                    <m:r>
-                      <a:rPr lang="en-US" sz="1000" b="0" i="1" smtClean="0">
-                        <a:solidFill>
-                          <a:schemeClr val="tx1"/>
-                        </a:solidFill>
-                        <a:latin typeface="Cambria Math" panose="02040503050406030204" pitchFamily="18" charset="0"/>
-                      </a:rPr>
-                      <m:t>𝜓</m:t>
-                    </m:r>
-                  </m:oMath>
-                </a14:m>
-                <a:r>
-                  <a:rPr lang="en-US" sz="1000" dirty="0">
-                    <a:solidFill>
-                      <a:schemeClr val="tx1"/>
-                    </a:solidFill>
-                  </a:rPr>
-                  <a:t> for a grid of points for a 2D element as a contour.</a:t>
-                </a:r>
-              </a:p>
-              <a:p>
-                <a:endParaRPr lang="en-US" sz="1000" b="1" dirty="0">
-                  <a:solidFill>
-                    <a:schemeClr val="tx1"/>
-                  </a:solidFill>
-                </a:endParaRPr>
-              </a:p>
-              <a:p>
-                <a:r>
-                  <a:rPr lang="en-US" sz="1000" b="1" dirty="0">
-                    <a:solidFill>
-                      <a:schemeClr val="tx1"/>
-                    </a:solidFill>
-                  </a:rPr>
-                  <a:t>Input</a:t>
-                </a:r>
-              </a:p>
-              <a:p>
-                <a:pPr marL="171450" indent="-171450">
-                  <a:buFont typeface="Arial" panose="020B0604020202020204" pitchFamily="34" charset="0"/>
-                  <a:buChar char="•"/>
-                </a:pPr>
-                <a:r>
-                  <a:rPr lang="en-US" sz="1000" dirty="0">
-                    <a:solidFill>
-                      <a:schemeClr val="tx1"/>
-                    </a:solidFill>
-                  </a:rPr>
-                  <a:t>psi: </a:t>
-                </a:r>
-                <a:r>
-                  <a:rPr lang="en-US" sz="1000" dirty="0" err="1">
-                    <a:solidFill>
-                      <a:schemeClr val="tx1"/>
-                    </a:solidFill>
-                  </a:rPr>
-                  <a:t>ndarray</a:t>
-                </a:r>
-                <a:r>
-                  <a:rPr lang="en-US" sz="1000" dirty="0">
-                    <a:solidFill>
-                      <a:schemeClr val="tx1"/>
-                    </a:solidFill>
-                  </a:rPr>
-                  <a:t> (n x m x 1 x 1)</a:t>
-                </a:r>
-              </a:p>
-              <a:p>
-                <a:pPr marL="171450" indent="-171450">
-                  <a:buFont typeface="Arial" panose="020B0604020202020204" pitchFamily="34" charset="0"/>
-                  <a:buChar char="•"/>
-                </a:pPr>
-                <a:r>
-                  <a:rPr lang="en-US" sz="1000" dirty="0">
-                    <a:solidFill>
-                      <a:schemeClr val="tx1"/>
-                    </a:solidFill>
-                  </a:rPr>
-                  <a:t>grid: </a:t>
-                </a:r>
-                <a:r>
-                  <a:rPr lang="en-US" sz="1000" dirty="0" err="1">
-                    <a:solidFill>
-                      <a:schemeClr val="tx1"/>
-                    </a:solidFill>
-                  </a:rPr>
-                  <a:t>ndarray</a:t>
-                </a:r>
-                <a:r>
-                  <a:rPr lang="en-US" sz="1000" dirty="0">
-                    <a:solidFill>
-                      <a:schemeClr val="tx1"/>
-                    </a:solidFill>
-                  </a:rPr>
-                  <a:t> (n x m x 2 x 1)</a:t>
-                </a:r>
-              </a:p>
-              <a:p>
-                <a:pPr marL="171450" indent="-171450">
-                  <a:buFont typeface="Arial" panose="020B0604020202020204" pitchFamily="34" charset="0"/>
-                  <a:buChar char="•"/>
-                </a:pPr>
-                <a:endParaRPr lang="en-US" sz="1000" dirty="0">
-                  <a:solidFill>
-                    <a:schemeClr val="tx1"/>
-                  </a:solidFill>
-                </a:endParaRPr>
-              </a:p>
-              <a:p>
-                <a:r>
-                  <a:rPr lang="en-US" sz="1000" b="1" dirty="0">
-                    <a:solidFill>
-                      <a:schemeClr val="tx1"/>
-                    </a:solidFill>
-                  </a:rPr>
-                  <a:t>Output</a:t>
-                </a:r>
-              </a:p>
-              <a:p>
-                <a:pPr marL="171450" indent="-171450">
-                  <a:buFont typeface="Arial" panose="020B0604020202020204" pitchFamily="34" charset="0"/>
-                  <a:buChar char="•"/>
-                </a:pPr>
-                <a:r>
-                  <a:rPr lang="en-US" sz="1000" dirty="0">
-                    <a:solidFill>
-                      <a:schemeClr val="tx1"/>
-                    </a:solidFill>
-                  </a:rPr>
-                  <a:t>Figure</a:t>
-                </a:r>
-              </a:p>
-            </p:txBody>
-          </p:sp>
-        </mc:Choice>
-        <mc:Fallback xmlns="">
-          <p:sp>
-            <p:nvSpPr>
-              <p:cNvPr id="34" name="Rectangle: Rounded Corners 33">
-                <a:extLst>
-                  <a:ext uri="{FF2B5EF4-FFF2-40B4-BE49-F238E27FC236}">
-                    <a16:creationId xmlns:a16="http://schemas.microsoft.com/office/drawing/2014/main" id="{16693590-F49F-98C4-5E33-A8BD5F18F51B}"/>
-                  </a:ext>
-                </a:extLst>
-              </p:cNvPr>
-              <p:cNvSpPr>
-                <a:spLocks noRot="1" noChangeAspect="1" noMove="1" noResize="1" noEditPoints="1" noAdjustHandles="1" noChangeArrowheads="1" noChangeShapeType="1" noTextEdit="1"/>
-              </p:cNvSpPr>
-              <p:nvPr/>
-            </p:nvSpPr>
-            <p:spPr>
-              <a:xfrm>
-                <a:off x="2131392" y="4189851"/>
-                <a:ext cx="2589406" cy="1911670"/>
-              </a:xfrm>
-              <a:prstGeom prst="roundRect">
-                <a:avLst>
-                  <a:gd name="adj" fmla="val 1821"/>
-                </a:avLst>
-              </a:prstGeom>
-              <a:blipFill>
-                <a:blip r:embed="rId6"/>
-                <a:stretch>
-                  <a:fillRect/>
-                </a:stretch>
-              </a:blipFill>
-              <a:ln w="6350">
-                <a:solidFill>
-                  <a:schemeClr val="tx1"/>
-                </a:solidFill>
-              </a:ln>
-            </p:spPr>
-            <p:txBody>
-              <a:bodyPr/>
-              <a:lstStyle/>
-              <a:p>
-                <a:r>
-                  <a:rPr lang="en-US">
-                    <a:noFill/>
-                  </a:rPr>
-                  <a:t> </a:t>
-                </a:r>
-              </a:p>
-            </p:txBody>
-          </p:sp>
-        </mc:Fallback>
-      </mc:AlternateContent>
-      <p:cxnSp>
-        <p:nvCxnSpPr>
-          <p:cNvPr id="41" name="Connector: Curved 40">
-            <a:extLst>
-              <a:ext uri="{FF2B5EF4-FFF2-40B4-BE49-F238E27FC236}">
-                <a16:creationId xmlns:a16="http://schemas.microsoft.com/office/drawing/2014/main" id="{BBD8BDD5-74A7-7B3C-BCA6-814E07FB62DD}"/>
-              </a:ext>
-            </a:extLst>
-          </p:cNvPr>
-          <p:cNvCxnSpPr>
-            <a:cxnSpLocks/>
-            <a:stCxn id="5" idx="2"/>
-            <a:endCxn id="34" idx="0"/>
-          </p:cNvCxnSpPr>
-          <p:nvPr/>
-        </p:nvCxnSpPr>
-        <p:spPr>
-          <a:xfrm rot="16200000" flipH="1">
-            <a:off x="2582993" y="3346749"/>
-            <a:ext cx="716108" cy="970096"/>
-          </a:xfrm>
-          <a:prstGeom prst="curvedConnector3">
-            <a:avLst>
-              <a:gd name="adj1" fmla="val 50000"/>
-            </a:avLst>
-          </a:prstGeom>
-          <a:ln>
-            <a:solidFill>
-              <a:schemeClr val="tx1"/>
-            </a:solidFill>
-            <a:tailEnd type="triangle"/>
-          </a:ln>
-        </p:spPr>
-        <p:style>
-          <a:lnRef idx="2">
-            <a:schemeClr val="accent1"/>
-          </a:lnRef>
-          <a:fillRef idx="0">
-            <a:schemeClr val="accent1"/>
-          </a:fillRef>
-          <a:effectRef idx="1">
-            <a:schemeClr val="accent1"/>
-          </a:effectRef>
-          <a:fontRef idx="minor">
-            <a:schemeClr val="tx1"/>
-          </a:fontRef>
-        </p:style>
-      </p:cxnSp>
-      <mc:AlternateContent xmlns:mc="http://schemas.openxmlformats.org/markup-compatibility/2006" xmlns:a14="http://schemas.microsoft.com/office/drawing/2010/main">
-        <mc:Choice Requires="a14">
-          <p:sp>
-            <p:nvSpPr>
-              <p:cNvPr id="61" name="Rectangle: Rounded Corners 60">
-                <a:extLst>
-                  <a:ext uri="{FF2B5EF4-FFF2-40B4-BE49-F238E27FC236}">
-                    <a16:creationId xmlns:a16="http://schemas.microsoft.com/office/drawing/2014/main" id="{97909FAA-9CB4-99D2-95DA-0F5F55DB9351}"/>
-                  </a:ext>
-                </a:extLst>
-              </p:cNvPr>
-              <p:cNvSpPr/>
-              <p:nvPr/>
-            </p:nvSpPr>
-            <p:spPr>
-              <a:xfrm>
-                <a:off x="6434458" y="4537755"/>
-                <a:ext cx="2589406" cy="1911670"/>
-              </a:xfrm>
-              <a:prstGeom prst="roundRect">
-                <a:avLst>
-                  <a:gd name="adj" fmla="val 1821"/>
-                </a:avLst>
-              </a:prstGeom>
-              <a:solidFill>
-                <a:schemeClr val="bg1">
-                  <a:lumMod val="95000"/>
-                </a:schemeClr>
-              </a:solidFill>
-              <a:ln w="6350">
-                <a:solidFill>
-                  <a:schemeClr val="tx1"/>
-                </a:solidFill>
-              </a:ln>
-            </p:spPr>
-            <p:style>
-              <a:lnRef idx="2">
-                <a:schemeClr val="accent1">
-                  <a:shade val="15000"/>
-                </a:schemeClr>
-              </a:lnRef>
-              <a:fillRef idx="1">
-                <a:schemeClr val="accent1"/>
-              </a:fillRef>
-              <a:effectRef idx="0">
-                <a:schemeClr val="accent1"/>
-              </a:effectRef>
-              <a:fontRef idx="minor">
-                <a:schemeClr val="lt1"/>
-              </a:fontRef>
-            </p:style>
-            <p:txBody>
-              <a:bodyPr rtlCol="0" anchor="ctr"/>
+              <a:bodyPr rtlCol="0" anchor="t"/>
               <a:lstStyle/>
               <a:p>
                 <a:pPr algn="ctr"/>
@@ -41441,10 +44295,10 @@
         <mc:Fallback xmlns="">
           <p:sp>
             <p:nvSpPr>
-              <p:cNvPr id="61" name="Rectangle: Rounded Corners 60">
+              <p:cNvPr id="10" name="Rectangle: Rounded Corners 9">
                 <a:extLst>
                   <a:ext uri="{FF2B5EF4-FFF2-40B4-BE49-F238E27FC236}">
-                    <a16:creationId xmlns:a16="http://schemas.microsoft.com/office/drawing/2014/main" id="{97909FAA-9CB4-99D2-95DA-0F5F55DB9351}"/>
+                    <a16:creationId xmlns:a16="http://schemas.microsoft.com/office/drawing/2014/main" id="{7421FD25-0C39-5B46-9E1D-E48619A4F075}"/>
                   </a:ext>
                 </a:extLst>
               </p:cNvPr>
@@ -41455,7 +44309,7 @@
             </p:nvSpPr>
             <p:spPr>
               <a:xfrm>
-                <a:off x="6434458" y="4537755"/>
+                <a:off x="5139058" y="3548501"/>
                 <a:ext cx="2589406" cy="1911670"/>
               </a:xfrm>
               <a:prstGeom prst="roundRect">
@@ -41464,7 +44318,7 @@
                 </a:avLst>
               </a:prstGeom>
               <a:blipFill>
-                <a:blip r:embed="rId7"/>
+                <a:blip r:embed="rId5"/>
                 <a:stretch>
                   <a:fillRect/>
                 </a:stretch>
@@ -41492,10 +44346,10 @@
       </mc:AlternateContent>
       <p:sp>
         <p:nvSpPr>
-          <p:cNvPr id="77" name="Oval 76">
+          <p:cNvPr id="11" name="Rectangle: Rounded Corners 10">
             <a:extLst>
               <a:ext uri="{FF2B5EF4-FFF2-40B4-BE49-F238E27FC236}">
-                <a16:creationId xmlns:a16="http://schemas.microsoft.com/office/drawing/2014/main" id="{05045344-E53E-5209-BC58-424057F3E638}"/>
+                <a16:creationId xmlns:a16="http://schemas.microsoft.com/office/drawing/2014/main" id="{14D4BC48-964F-5D45-AA70-F538B87C6DC8}"/>
               </a:ext>
             </a:extLst>
           </p:cNvPr>
@@ -41504,117 +44358,8 @@
         </p:nvSpPr>
         <p:spPr>
           <a:xfrm>
-            <a:off x="10158202" y="5841496"/>
-            <a:ext cx="1158643" cy="451292"/>
-          </a:xfrm>
-          <a:prstGeom prst="ellipse">
-            <a:avLst/>
-          </a:prstGeom>
-          <a:solidFill>
-            <a:schemeClr val="tx1"/>
-          </a:solidFill>
-          <a:ln w="6350">
-            <a:solidFill>
-              <a:schemeClr val="accent1"/>
-            </a:solidFill>
-          </a:ln>
-        </p:spPr>
-        <p:style>
-          <a:lnRef idx="2">
-            <a:schemeClr val="accent1">
-              <a:shade val="15000"/>
-            </a:schemeClr>
-          </a:lnRef>
-          <a:fillRef idx="1">
-            <a:schemeClr val="accent1"/>
-          </a:fillRef>
-          <a:effectRef idx="0">
-            <a:schemeClr val="accent1"/>
-          </a:effectRef>
-          <a:fontRef idx="minor">
-            <a:schemeClr val="lt1"/>
-          </a:fontRef>
-        </p:style>
-        <p:txBody>
-          <a:bodyPr rtlCol="0" anchor="ctr"/>
-          <a:lstStyle/>
-          <a:p>
-            <a:pPr algn="ctr"/>
-            <a:r>
-              <a:rPr lang="en-US" sz="1000" b="1" dirty="0">
-                <a:solidFill>
-                  <a:schemeClr val="bg1"/>
-                </a:solidFill>
-              </a:rPr>
-              <a:t>Figure</a:t>
-            </a:r>
-          </a:p>
-        </p:txBody>
-      </p:sp>
-      <p:cxnSp>
-        <p:nvCxnSpPr>
-          <p:cNvPr id="78" name="Connector: Curved 77">
-            <a:extLst>
-              <a:ext uri="{FF2B5EF4-FFF2-40B4-BE49-F238E27FC236}">
-                <a16:creationId xmlns:a16="http://schemas.microsoft.com/office/drawing/2014/main" id="{C425D46E-BAC2-4244-6B8E-0BD277B9B98E}"/>
-              </a:ext>
-            </a:extLst>
-          </p:cNvPr>
-          <p:cNvCxnSpPr>
-            <a:cxnSpLocks/>
-            <a:stCxn id="61" idx="3"/>
-            <a:endCxn id="77" idx="2"/>
-          </p:cNvCxnSpPr>
-          <p:nvPr/>
-        </p:nvCxnSpPr>
-        <p:spPr>
-          <a:xfrm>
-            <a:off x="9023864" y="5493590"/>
-            <a:ext cx="1134338" cy="573552"/>
-          </a:xfrm>
-          <a:prstGeom prst="curvedConnector3">
-            <a:avLst>
-              <a:gd name="adj1" fmla="val 50000"/>
-            </a:avLst>
-          </a:prstGeom>
-          <a:ln>
-            <a:solidFill>
-              <a:schemeClr val="tx1"/>
-            </a:solidFill>
-            <a:tailEnd type="triangle"/>
-          </a:ln>
-        </p:spPr>
-        <p:style>
-          <a:lnRef idx="2">
-            <a:schemeClr val="accent1"/>
-          </a:lnRef>
-          <a:fillRef idx="0">
-            <a:schemeClr val="accent1"/>
-          </a:fillRef>
-          <a:effectRef idx="1">
-            <a:schemeClr val="accent1"/>
-          </a:effectRef>
-          <a:fontRef idx="minor">
-            <a:schemeClr val="tx1"/>
-          </a:fontRef>
-        </p:style>
-      </p:cxnSp>
-      <p:sp>
-        <p:nvSpPr>
-          <p:cNvPr id="91" name="Rectangle: Rounded Corners 90">
-            <a:extLst>
-              <a:ext uri="{FF2B5EF4-FFF2-40B4-BE49-F238E27FC236}">
-                <a16:creationId xmlns:a16="http://schemas.microsoft.com/office/drawing/2014/main" id="{ADE5B7FC-EA1B-29DF-112F-A4C5EB4ACFE7}"/>
-              </a:ext>
-            </a:extLst>
-          </p:cNvPr>
-          <p:cNvSpPr/>
-          <p:nvPr/>
-        </p:nvSpPr>
-        <p:spPr>
-          <a:xfrm>
-            <a:off x="3802541" y="319370"/>
-            <a:ext cx="2347862" cy="1799986"/>
+            <a:off x="5139058" y="1345584"/>
+            <a:ext cx="2589406" cy="1953612"/>
           </a:xfrm>
           <a:prstGeom prst="roundRect">
             <a:avLst>
@@ -41649,7 +44394,7 @@
           </a:fontRef>
         </p:style>
         <p:txBody>
-          <a:bodyPr rtlCol="0" anchor="ctr"/>
+          <a:bodyPr rtlCol="0" anchor="t"/>
           <a:lstStyle/>
           <a:p>
             <a:pPr algn="ctr"/>
@@ -41844,647 +44589,10 @@
           </a:p>
         </p:txBody>
       </p:sp>
-      <p:cxnSp>
-        <p:nvCxnSpPr>
-          <p:cNvPr id="99" name="Connector: Curved 98">
-            <a:extLst>
-              <a:ext uri="{FF2B5EF4-FFF2-40B4-BE49-F238E27FC236}">
-                <a16:creationId xmlns:a16="http://schemas.microsoft.com/office/drawing/2014/main" id="{F7260FA6-AAC8-30CF-9390-DF70607E8B55}"/>
-              </a:ext>
-            </a:extLst>
-          </p:cNvPr>
-          <p:cNvCxnSpPr>
-            <a:cxnSpLocks/>
-            <a:stCxn id="91" idx="2"/>
-            <a:endCxn id="6" idx="1"/>
-          </p:cNvCxnSpPr>
-          <p:nvPr/>
-        </p:nvCxnSpPr>
-        <p:spPr>
-          <a:xfrm rot="16200000" flipH="1">
-            <a:off x="6048115" y="1047712"/>
-            <a:ext cx="377186" cy="2520473"/>
-          </a:xfrm>
-          <a:prstGeom prst="curvedConnector2">
-            <a:avLst/>
-          </a:prstGeom>
-          <a:ln>
-            <a:solidFill>
-              <a:schemeClr val="tx1"/>
-            </a:solidFill>
-            <a:tailEnd type="triangle"/>
-          </a:ln>
-        </p:spPr>
-        <p:style>
-          <a:lnRef idx="2">
-            <a:schemeClr val="accent1"/>
-          </a:lnRef>
-          <a:fillRef idx="0">
-            <a:schemeClr val="accent1"/>
-          </a:fillRef>
-          <a:effectRef idx="1">
-            <a:schemeClr val="accent1"/>
-          </a:effectRef>
-          <a:fontRef idx="minor">
-            <a:schemeClr val="tx1"/>
-          </a:fontRef>
-        </p:style>
-      </p:cxnSp>
-      <mc:AlternateContent xmlns:mc="http://schemas.openxmlformats.org/markup-compatibility/2006" xmlns:a14="http://schemas.microsoft.com/office/drawing/2010/main">
-        <mc:Choice Requires="a14">
-          <p:sp>
-            <p:nvSpPr>
-              <p:cNvPr id="108" name="Rectangle 107">
-                <a:extLst>
-                  <a:ext uri="{FF2B5EF4-FFF2-40B4-BE49-F238E27FC236}">
-                    <a16:creationId xmlns:a16="http://schemas.microsoft.com/office/drawing/2014/main" id="{9CF245E9-3E2F-C88A-1273-D6EE6DCD80E4}"/>
-                  </a:ext>
-                </a:extLst>
-              </p:cNvPr>
-              <p:cNvSpPr/>
-              <p:nvPr/>
-            </p:nvSpPr>
-            <p:spPr>
-              <a:xfrm>
-                <a:off x="5884525" y="2344286"/>
-                <a:ext cx="531755" cy="535458"/>
-              </a:xfrm>
-              <a:prstGeom prst="rect">
-                <a:avLst/>
-              </a:prstGeom>
-              <a:solidFill>
-                <a:schemeClr val="accent3">
-                  <a:lumMod val="20000"/>
-                  <a:lumOff val="80000"/>
-                </a:schemeClr>
-              </a:solidFill>
-              <a:ln w="3175">
-                <a:solidFill>
-                  <a:schemeClr val="tx1"/>
-                </a:solidFill>
-                <a:prstDash val="sysDot"/>
-              </a:ln>
-            </p:spPr>
-            <p:style>
-              <a:lnRef idx="2">
-                <a:schemeClr val="accent1">
-                  <a:shade val="15000"/>
-                </a:schemeClr>
-              </a:lnRef>
-              <a:fillRef idx="1">
-                <a:schemeClr val="accent1"/>
-              </a:fillRef>
-              <a:effectRef idx="0">
-                <a:schemeClr val="accent1"/>
-              </a:effectRef>
-              <a:fontRef idx="minor">
-                <a:schemeClr val="lt1"/>
-              </a:fontRef>
-            </p:style>
-            <p:txBody>
-              <a:bodyPr rtlCol="0" anchor="ctr"/>
-              <a:lstStyle/>
-              <a:p>
-                <a:pPr marL="171450" indent="-171450">
-                  <a:buFont typeface="Arial" panose="020B0604020202020204" pitchFamily="34" charset="0"/>
-                  <a:buChar char="•"/>
-                </a:pPr>
-                <a14:m>
-                  <m:oMath xmlns:m="http://schemas.openxmlformats.org/officeDocument/2006/math">
-                    <m:sSup>
-                      <m:sSupPr>
-                        <m:ctrlPr>
-                          <a:rPr lang="en-US" sz="1000" b="1" i="1" smtClean="0">
-                            <a:solidFill>
-                              <a:schemeClr val="tx1"/>
-                            </a:solidFill>
-                            <a:latin typeface="Cambria Math" panose="02040503050406030204" pitchFamily="18" charset="0"/>
-                          </a:rPr>
-                        </m:ctrlPr>
-                      </m:sSupPr>
-                      <m:e>
-                        <m:r>
-                          <a:rPr lang="en-US" sz="1000" b="1" i="1" smtClean="0">
-                            <a:solidFill>
-                              <a:schemeClr val="tx1"/>
-                            </a:solidFill>
-                            <a:latin typeface="Cambria Math" panose="02040503050406030204" pitchFamily="18" charset="0"/>
-                          </a:rPr>
-                          <m:t>𝜼</m:t>
-                        </m:r>
-                      </m:e>
-                      <m:sup>
-                        <m:r>
-                          <a:rPr lang="en-US" sz="1000" b="1" i="1" smtClean="0">
-                            <a:solidFill>
-                              <a:schemeClr val="tx1"/>
-                            </a:solidFill>
-                            <a:latin typeface="Cambria Math" panose="02040503050406030204" pitchFamily="18" charset="0"/>
-                          </a:rPr>
-                          <m:t>𝑰𝑷</m:t>
-                        </m:r>
-                      </m:sup>
-                    </m:sSup>
-                  </m:oMath>
-                </a14:m>
-                <a:endParaRPr lang="en-US" sz="1000" b="1" dirty="0">
-                  <a:solidFill>
-                    <a:schemeClr val="tx1"/>
-                  </a:solidFill>
-                </a:endParaRPr>
-              </a:p>
-              <a:p>
-                <a:pPr marL="171450" indent="-171450">
-                  <a:buFont typeface="Arial" panose="020B0604020202020204" pitchFamily="34" charset="0"/>
-                  <a:buChar char="•"/>
-                </a:pPr>
-                <a14:m>
-                  <m:oMath xmlns:m="http://schemas.openxmlformats.org/officeDocument/2006/math">
-                    <m:sSup>
-                      <m:sSupPr>
-                        <m:ctrlPr>
-                          <a:rPr lang="en-US" sz="1000" b="1" i="1" smtClean="0">
-                            <a:solidFill>
-                              <a:schemeClr val="tx1"/>
-                            </a:solidFill>
-                            <a:latin typeface="Cambria Math" panose="02040503050406030204" pitchFamily="18" charset="0"/>
-                          </a:rPr>
-                        </m:ctrlPr>
-                      </m:sSupPr>
-                      <m:e>
-                        <m:r>
-                          <a:rPr lang="en-US" sz="1000" b="1" i="1" smtClean="0">
-                            <a:solidFill>
-                              <a:schemeClr val="tx1"/>
-                            </a:solidFill>
-                            <a:latin typeface="Cambria Math" panose="02040503050406030204" pitchFamily="18" charset="0"/>
-                          </a:rPr>
-                          <m:t>𝒘</m:t>
-                        </m:r>
-                      </m:e>
-                      <m:sup>
-                        <m:r>
-                          <a:rPr lang="en-US" sz="1000" b="1" i="1" smtClean="0">
-                            <a:solidFill>
-                              <a:schemeClr val="tx1"/>
-                            </a:solidFill>
-                            <a:latin typeface="Cambria Math" panose="02040503050406030204" pitchFamily="18" charset="0"/>
-                          </a:rPr>
-                          <m:t>𝑰𝑷</m:t>
-                        </m:r>
-                      </m:sup>
-                    </m:sSup>
-                  </m:oMath>
-                </a14:m>
-                <a:endParaRPr lang="en-US" sz="1000" b="1" dirty="0">
-                  <a:solidFill>
-                    <a:schemeClr val="tx1"/>
-                  </a:solidFill>
-                </a:endParaRPr>
-              </a:p>
-            </p:txBody>
-          </p:sp>
-        </mc:Choice>
-        <mc:Fallback xmlns="">
-          <p:sp>
-            <p:nvSpPr>
-              <p:cNvPr id="108" name="Rectangle 107">
-                <a:extLst>
-                  <a:ext uri="{FF2B5EF4-FFF2-40B4-BE49-F238E27FC236}">
-                    <a16:creationId xmlns:a16="http://schemas.microsoft.com/office/drawing/2014/main" id="{9CF245E9-3E2F-C88A-1273-D6EE6DCD80E4}"/>
-                  </a:ext>
-                </a:extLst>
-              </p:cNvPr>
-              <p:cNvSpPr>
-                <a:spLocks noRot="1" noChangeAspect="1" noMove="1" noResize="1" noEditPoints="1" noAdjustHandles="1" noChangeArrowheads="1" noChangeShapeType="1" noTextEdit="1"/>
-              </p:cNvSpPr>
-              <p:nvPr/>
-            </p:nvSpPr>
-            <p:spPr>
-              <a:xfrm>
-                <a:off x="5884525" y="2344286"/>
-                <a:ext cx="531755" cy="535458"/>
-              </a:xfrm>
-              <a:prstGeom prst="rect">
-                <a:avLst/>
-              </a:prstGeom>
-              <a:blipFill>
-                <a:blip r:embed="rId8"/>
-                <a:stretch>
-                  <a:fillRect/>
-                </a:stretch>
-              </a:blipFill>
-              <a:ln w="3175">
-                <a:solidFill>
-                  <a:schemeClr val="tx1"/>
-                </a:solidFill>
-                <a:prstDash val="sysDot"/>
-              </a:ln>
-            </p:spPr>
-            <p:txBody>
-              <a:bodyPr/>
-              <a:lstStyle/>
-              <a:p>
-                <a:r>
-                  <a:rPr lang="en-US">
-                    <a:noFill/>
-                  </a:rPr>
-                  <a:t> </a:t>
-                </a:r>
-              </a:p>
-            </p:txBody>
-          </p:sp>
-        </mc:Fallback>
-      </mc:AlternateContent>
-      <p:sp>
-        <p:nvSpPr>
-          <p:cNvPr id="126" name="Rectangle 125">
-            <a:extLst>
-              <a:ext uri="{FF2B5EF4-FFF2-40B4-BE49-F238E27FC236}">
-                <a16:creationId xmlns:a16="http://schemas.microsoft.com/office/drawing/2014/main" id="{D0986088-E944-5140-64F7-8BF0F41556C0}"/>
-              </a:ext>
-            </a:extLst>
-          </p:cNvPr>
-          <p:cNvSpPr/>
-          <p:nvPr/>
-        </p:nvSpPr>
-        <p:spPr>
-          <a:xfrm>
-            <a:off x="2475175" y="478248"/>
-            <a:ext cx="711085" cy="295595"/>
-          </a:xfrm>
-          <a:prstGeom prst="rect">
-            <a:avLst/>
-          </a:prstGeom>
-          <a:solidFill>
-            <a:schemeClr val="accent3">
-              <a:lumMod val="20000"/>
-              <a:lumOff val="80000"/>
-            </a:schemeClr>
-          </a:solidFill>
-          <a:ln w="3175">
-            <a:solidFill>
-              <a:schemeClr val="tx1"/>
-            </a:solidFill>
-            <a:prstDash val="sysDot"/>
-          </a:ln>
-        </p:spPr>
-        <p:style>
-          <a:lnRef idx="2">
-            <a:schemeClr val="accent1">
-              <a:shade val="15000"/>
-            </a:schemeClr>
-          </a:lnRef>
-          <a:fillRef idx="1">
-            <a:schemeClr val="accent1"/>
-          </a:fillRef>
-          <a:effectRef idx="0">
-            <a:schemeClr val="accent1"/>
-          </a:effectRef>
-          <a:fontRef idx="minor">
-            <a:schemeClr val="lt1"/>
-          </a:fontRef>
-        </p:style>
-        <p:txBody>
-          <a:bodyPr rtlCol="0" anchor="ctr"/>
-          <a:lstStyle/>
-          <a:p>
-            <a:r>
-              <a:rPr lang="en-US" sz="1000" b="1" dirty="0" err="1">
-                <a:solidFill>
-                  <a:schemeClr val="tx1"/>
-                </a:solidFill>
-              </a:rPr>
-              <a:t>num_pts</a:t>
-            </a:r>
-            <a:endParaRPr lang="en-US" sz="1000" b="1" dirty="0">
-              <a:solidFill>
-                <a:schemeClr val="tx1"/>
-              </a:solidFill>
-            </a:endParaRPr>
-          </a:p>
-        </p:txBody>
-      </p:sp>
-      <p:cxnSp>
-        <p:nvCxnSpPr>
-          <p:cNvPr id="127" name="Connector: Curved 126">
-            <a:extLst>
-              <a:ext uri="{FF2B5EF4-FFF2-40B4-BE49-F238E27FC236}">
-                <a16:creationId xmlns:a16="http://schemas.microsoft.com/office/drawing/2014/main" id="{6E5C2EA0-EF98-84EF-24AB-113388EADC28}"/>
-              </a:ext>
-            </a:extLst>
-          </p:cNvPr>
-          <p:cNvCxnSpPr>
-            <a:cxnSpLocks/>
-            <a:stCxn id="126" idx="3"/>
-            <a:endCxn id="91" idx="1"/>
-          </p:cNvCxnSpPr>
-          <p:nvPr/>
-        </p:nvCxnSpPr>
-        <p:spPr>
-          <a:xfrm>
-            <a:off x="3186260" y="626046"/>
-            <a:ext cx="616281" cy="593317"/>
-          </a:xfrm>
-          <a:prstGeom prst="curvedConnector3">
-            <a:avLst>
-              <a:gd name="adj1" fmla="val 50000"/>
-            </a:avLst>
-          </a:prstGeom>
-          <a:ln>
-            <a:solidFill>
-              <a:schemeClr val="tx1"/>
-            </a:solidFill>
-            <a:tailEnd type="triangle"/>
-          </a:ln>
-        </p:spPr>
-        <p:style>
-          <a:lnRef idx="2">
-            <a:schemeClr val="accent1"/>
-          </a:lnRef>
-          <a:fillRef idx="0">
-            <a:schemeClr val="accent1"/>
-          </a:fillRef>
-          <a:effectRef idx="1">
-            <a:schemeClr val="accent1"/>
-          </a:effectRef>
-          <a:fontRef idx="minor">
-            <a:schemeClr val="tx1"/>
-          </a:fontRef>
-        </p:style>
-      </p:cxnSp>
-      <mc:AlternateContent xmlns:mc="http://schemas.openxmlformats.org/markup-compatibility/2006" xmlns:a14="http://schemas.microsoft.com/office/drawing/2010/main">
-        <mc:Choice Requires="a14">
-          <p:sp>
-            <p:nvSpPr>
-              <p:cNvPr id="134" name="Rectangle 133">
-                <a:extLst>
-                  <a:ext uri="{FF2B5EF4-FFF2-40B4-BE49-F238E27FC236}">
-                    <a16:creationId xmlns:a16="http://schemas.microsoft.com/office/drawing/2014/main" id="{5981A39C-0832-9D87-3DE4-92328483ACF2}"/>
-                  </a:ext>
-                </a:extLst>
-              </p:cNvPr>
-              <p:cNvSpPr/>
-              <p:nvPr/>
-            </p:nvSpPr>
-            <p:spPr>
-              <a:xfrm>
-                <a:off x="8170819" y="3942989"/>
-                <a:ext cx="531314" cy="376541"/>
-              </a:xfrm>
-              <a:prstGeom prst="rect">
-                <a:avLst/>
-              </a:prstGeom>
-              <a:solidFill>
-                <a:schemeClr val="accent3">
-                  <a:lumMod val="20000"/>
-                  <a:lumOff val="80000"/>
-                </a:schemeClr>
-              </a:solidFill>
-              <a:ln w="3175">
-                <a:solidFill>
-                  <a:schemeClr val="tx1"/>
-                </a:solidFill>
-                <a:prstDash val="sysDot"/>
-              </a:ln>
-            </p:spPr>
-            <p:style>
-              <a:lnRef idx="2">
-                <a:schemeClr val="accent1">
-                  <a:shade val="15000"/>
-                </a:schemeClr>
-              </a:lnRef>
-              <a:fillRef idx="1">
-                <a:schemeClr val="accent1"/>
-              </a:fillRef>
-              <a:effectRef idx="0">
-                <a:schemeClr val="accent1"/>
-              </a:effectRef>
-              <a:fontRef idx="minor">
-                <a:schemeClr val="lt1"/>
-              </a:fontRef>
-            </p:style>
-            <p:txBody>
-              <a:bodyPr rtlCol="0" anchor="ctr"/>
-              <a:lstStyle/>
-              <a:p>
-                <a:pPr/>
-                <a14:m>
-                  <m:oMathPara xmlns:m="http://schemas.openxmlformats.org/officeDocument/2006/math">
-                    <m:oMathParaPr>
-                      <m:jc m:val="centerGroup"/>
-                    </m:oMathParaPr>
-                    <m:oMath xmlns:m="http://schemas.openxmlformats.org/officeDocument/2006/math">
-                      <m:r>
-                        <a:rPr lang="en-US" sz="1000" b="1" i="1" smtClean="0">
-                          <a:solidFill>
-                            <a:schemeClr val="tx1"/>
-                          </a:solidFill>
-                          <a:latin typeface="Cambria Math" panose="02040503050406030204" pitchFamily="18" charset="0"/>
-                        </a:rPr>
-                        <m:t>𝒌</m:t>
-                      </m:r>
-                    </m:oMath>
-                  </m:oMathPara>
-                </a14:m>
-                <a:endParaRPr lang="en-US" sz="1000" b="1" dirty="0">
-                  <a:solidFill>
-                    <a:schemeClr val="tx1"/>
-                  </a:solidFill>
-                </a:endParaRPr>
-              </a:p>
-            </p:txBody>
-          </p:sp>
-        </mc:Choice>
-        <mc:Fallback xmlns="">
-          <p:sp>
-            <p:nvSpPr>
-              <p:cNvPr id="134" name="Rectangle 133">
-                <a:extLst>
-                  <a:ext uri="{FF2B5EF4-FFF2-40B4-BE49-F238E27FC236}">
-                    <a16:creationId xmlns:a16="http://schemas.microsoft.com/office/drawing/2014/main" id="{5981A39C-0832-9D87-3DE4-92328483ACF2}"/>
-                  </a:ext>
-                </a:extLst>
-              </p:cNvPr>
-              <p:cNvSpPr>
-                <a:spLocks noRot="1" noChangeAspect="1" noMove="1" noResize="1" noEditPoints="1" noAdjustHandles="1" noChangeArrowheads="1" noChangeShapeType="1" noTextEdit="1"/>
-              </p:cNvSpPr>
-              <p:nvPr/>
-            </p:nvSpPr>
-            <p:spPr>
-              <a:xfrm>
-                <a:off x="8170819" y="3942989"/>
-                <a:ext cx="531314" cy="376541"/>
-              </a:xfrm>
-              <a:prstGeom prst="rect">
-                <a:avLst/>
-              </a:prstGeom>
-              <a:blipFill>
-                <a:blip r:embed="rId9"/>
-                <a:stretch>
-                  <a:fillRect/>
-                </a:stretch>
-              </a:blipFill>
-              <a:ln w="3175">
-                <a:solidFill>
-                  <a:schemeClr val="tx1"/>
-                </a:solidFill>
-                <a:prstDash val="sysDot"/>
-              </a:ln>
-            </p:spPr>
-            <p:txBody>
-              <a:bodyPr/>
-              <a:lstStyle/>
-              <a:p>
-                <a:r>
-                  <a:rPr lang="en-US">
-                    <a:noFill/>
-                  </a:rPr>
-                  <a:t> </a:t>
-                </a:r>
-              </a:p>
-            </p:txBody>
-          </p:sp>
-        </mc:Fallback>
-      </mc:AlternateContent>
-      <mc:AlternateContent xmlns:mc="http://schemas.openxmlformats.org/markup-compatibility/2006" xmlns:a14="http://schemas.microsoft.com/office/drawing/2010/main">
-        <mc:Choice Requires="a14">
-          <p:sp>
-            <p:nvSpPr>
-              <p:cNvPr id="140" name="Rectangle 139">
-                <a:extLst>
-                  <a:ext uri="{FF2B5EF4-FFF2-40B4-BE49-F238E27FC236}">
-                    <a16:creationId xmlns:a16="http://schemas.microsoft.com/office/drawing/2014/main" id="{922BB044-E0C5-978C-E851-178CCD823CBD}"/>
-                  </a:ext>
-                </a:extLst>
-              </p:cNvPr>
-              <p:cNvSpPr/>
-              <p:nvPr/>
-            </p:nvSpPr>
-            <p:spPr>
-              <a:xfrm>
-                <a:off x="2635557" y="3643526"/>
-                <a:ext cx="531314" cy="376541"/>
-              </a:xfrm>
-              <a:prstGeom prst="rect">
-                <a:avLst/>
-              </a:prstGeom>
-              <a:solidFill>
-                <a:schemeClr val="accent3">
-                  <a:lumMod val="20000"/>
-                  <a:lumOff val="80000"/>
-                </a:schemeClr>
-              </a:solidFill>
-              <a:ln w="3175">
-                <a:solidFill>
-                  <a:schemeClr val="tx1"/>
-                </a:solidFill>
-                <a:prstDash val="sysDot"/>
-              </a:ln>
-            </p:spPr>
-            <p:style>
-              <a:lnRef idx="2">
-                <a:schemeClr val="accent1">
-                  <a:shade val="15000"/>
-                </a:schemeClr>
-              </a:lnRef>
-              <a:fillRef idx="1">
-                <a:schemeClr val="accent1"/>
-              </a:fillRef>
-              <a:effectRef idx="0">
-                <a:schemeClr val="accent1"/>
-              </a:effectRef>
-              <a:fontRef idx="minor">
-                <a:schemeClr val="lt1"/>
-              </a:fontRef>
-            </p:style>
-            <p:txBody>
-              <a:bodyPr rtlCol="0" anchor="ctr"/>
-              <a:lstStyle/>
-              <a:p>
-                <a:pPr/>
-                <a14:m>
-                  <m:oMathPara xmlns:m="http://schemas.openxmlformats.org/officeDocument/2006/math">
-                    <m:oMathParaPr>
-                      <m:jc m:val="centerGroup"/>
-                    </m:oMathParaPr>
-                    <m:oMath xmlns:m="http://schemas.openxmlformats.org/officeDocument/2006/math">
-                      <m:r>
-                        <a:rPr lang="en-US" sz="1000" b="0" i="1" smtClean="0">
-                          <a:solidFill>
-                            <a:schemeClr val="tx1"/>
-                          </a:solidFill>
-                          <a:latin typeface="Cambria Math" panose="02040503050406030204" pitchFamily="18" charset="0"/>
-                        </a:rPr>
-                        <m:t>𝜓</m:t>
-                      </m:r>
-                    </m:oMath>
-                  </m:oMathPara>
-                </a14:m>
-                <a:endParaRPr lang="en-US" sz="1000" dirty="0">
-                  <a:solidFill>
-                    <a:schemeClr val="tx1"/>
-                  </a:solidFill>
-                </a:endParaRPr>
-              </a:p>
-            </p:txBody>
-          </p:sp>
-        </mc:Choice>
-        <mc:Fallback xmlns="">
-          <p:sp>
-            <p:nvSpPr>
-              <p:cNvPr id="140" name="Rectangle 139">
-                <a:extLst>
-                  <a:ext uri="{FF2B5EF4-FFF2-40B4-BE49-F238E27FC236}">
-                    <a16:creationId xmlns:a16="http://schemas.microsoft.com/office/drawing/2014/main" id="{922BB044-E0C5-978C-E851-178CCD823CBD}"/>
-                  </a:ext>
-                </a:extLst>
-              </p:cNvPr>
-              <p:cNvSpPr>
-                <a:spLocks noRot="1" noChangeAspect="1" noMove="1" noResize="1" noEditPoints="1" noAdjustHandles="1" noChangeArrowheads="1" noChangeShapeType="1" noTextEdit="1"/>
-              </p:cNvSpPr>
-              <p:nvPr/>
-            </p:nvSpPr>
-            <p:spPr>
-              <a:xfrm>
-                <a:off x="2635557" y="3643526"/>
-                <a:ext cx="531314" cy="376541"/>
-              </a:xfrm>
-              <a:prstGeom prst="rect">
-                <a:avLst/>
-              </a:prstGeom>
-              <a:blipFill>
-                <a:blip r:embed="rId10"/>
-                <a:stretch>
-                  <a:fillRect/>
-                </a:stretch>
-              </a:blipFill>
-              <a:ln w="3175">
-                <a:solidFill>
-                  <a:schemeClr val="tx1"/>
-                </a:solidFill>
-                <a:prstDash val="sysDot"/>
-              </a:ln>
-            </p:spPr>
-            <p:txBody>
-              <a:bodyPr/>
-              <a:lstStyle/>
-              <a:p>
-                <a:r>
-                  <a:rPr lang="en-US">
-                    <a:noFill/>
-                  </a:rPr>
-                  <a:t> </a:t>
-                </a:r>
-              </a:p>
-            </p:txBody>
-          </p:sp>
-        </mc:Fallback>
-      </mc:AlternateContent>
     </p:spTree>
     <p:extLst>
       <p:ext uri="{BB962C8B-B14F-4D97-AF65-F5344CB8AC3E}">
-        <p14:creationId xmlns:p14="http://schemas.microsoft.com/office/powerpoint/2010/main" val="3327961658"/>
+        <p14:creationId xmlns:p14="http://schemas.microsoft.com/office/powerpoint/2010/main" val="766670812"/>
       </p:ext>
     </p:extLst>
   </p:cSld>
